--- a/Research/2023-12-Research-plan.pptx
+++ b/Research/2023-12-Research-plan.pptx
@@ -125,6 +125,9 @@
     <p:ext uri="{EFAFB233-063F-42B5-8137-9DF3F51BA10A}">
       <p15:sldGuideLst xmlns:p15="http://schemas.microsoft.com/office/powerpoint/2012/main"/>
     </p:ext>
+    <p:ext uri="{2D200454-40CA-4A62-9FC3-DE9A4176ACB9}">
+      <p15:notesGuideLst xmlns:p15="http://schemas.microsoft.com/office/powerpoint/2012/main"/>
+    </p:ext>
   </p:extLst>
 </p:presentation>
 </file>
@@ -223,7 +226,7 @@
           <a:p>
             <a:fld id="{C6EDAEBB-763F-4AE6-A37D-8CC9BE14BFA8}" type="datetimeFigureOut">
               <a:rPr lang="en-US" smtClean="0"/>
-              <a:t>1/26/2024</a:t>
+              <a:t>1/28/2024</a:t>
             </a:fld>
             <a:endParaRPr lang="en-US"/>
           </a:p>
@@ -4256,6 +4259,13 @@
             </a:r>
           </a:p>
           <a:p>
+            <a:pPr lvl="1"/>
+            <a:r>
+              <a:rPr lang="en-US" dirty="0"/>
+              <a:t>Salt caverns</a:t>
+            </a:r>
+          </a:p>
+          <a:p>
             <a:r>
               <a:rPr lang="en-US" dirty="0"/>
               <a:t>The problem</a:t>
@@ -4265,14 +4275,26 @@
             <a:pPr lvl="1"/>
             <a:r>
               <a:rPr lang="en-US" dirty="0"/>
-              <a:t>Long term cold fluid injection thermally stresses the rock</a:t>
+              <a:t>Multiphysics fracture nucleation and tracking are difficult to model in the small scales</a:t>
             </a:r>
           </a:p>
           <a:p>
             <a:pPr lvl="1"/>
             <a:r>
               <a:rPr lang="en-US" dirty="0"/>
-              <a:t>Hydraulic fracture is likely to occur</a:t>
+              <a:t>Long term cold fluid injection thermally stresses the rock, hydraulic fractures are likely </a:t>
+            </a:r>
+            <a:r>
+              <a:rPr lang="en-US" dirty="0" err="1"/>
+              <a:t>tooccur</a:t>
+            </a:r>
+            <a:endParaRPr lang="en-US" dirty="0"/>
+          </a:p>
+          <a:p>
+            <a:pPr lvl="1"/>
+            <a:r>
+              <a:rPr lang="en-US" dirty="0"/>
+              <a:t>Salt caverns designs for cyclic storage and abandonment</a:t>
             </a:r>
           </a:p>
           <a:p>
@@ -4300,35 +4322,35 @@
             <a:pPr lvl="1"/>
             <a:r>
               <a:rPr lang="en-US" dirty="0"/>
-              <a:t>Understand the mechanics of long term effects of cold water and gas injection</a:t>
+              <a:t>Understand the mechanics of long term effects of cold water and gas injection for EOR and storage</a:t>
             </a:r>
           </a:p>
           <a:p>
             <a:pPr lvl="1"/>
             <a:r>
               <a:rPr lang="en-US" dirty="0"/>
-              <a:t>Operate with higher injection rates</a:t>
+              <a:t>Operate with highest possible injection rates (safety!)</a:t>
             </a:r>
           </a:p>
           <a:p>
             <a:pPr lvl="1"/>
             <a:r>
               <a:rPr lang="en-US" dirty="0"/>
-              <a:t>Enable long term fluid injection above the fracturing pressure</a:t>
+              <a:t>Enable long term fluid injection above the fracturing pressure (produced water)</a:t>
             </a:r>
           </a:p>
           <a:p>
             <a:pPr lvl="1"/>
             <a:r>
               <a:rPr lang="en-US" dirty="0"/>
-              <a:t>Promote safety and fluid containment</a:t>
+              <a:t>Promote safety and fluid containment. Support regulations</a:t>
             </a:r>
           </a:p>
           <a:p>
             <a:pPr lvl="1"/>
             <a:r>
               <a:rPr lang="en-US" dirty="0"/>
-              <a:t>Support regulations</a:t>
+              <a:t>Application to salt caverns</a:t>
             </a:r>
           </a:p>
           <a:p>
@@ -4362,7 +4384,7 @@
             <a:pPr lvl="1"/>
             <a:r>
               <a:rPr lang="en-US" dirty="0"/>
-              <a:t>Application to salt caverns</a:t>
+              <a:t>Create a large database with the small scale simulations =&gt; AI to feed field scale fracture models</a:t>
             </a:r>
           </a:p>
         </p:txBody>

--- a/Research/2023-12-Research-plan.pptx
+++ b/Research/2023-12-Research-plan.pptx
@@ -226,7 +226,7 @@
           <a:p>
             <a:fld id="{C6EDAEBB-763F-4AE6-A37D-8CC9BE14BFA8}" type="datetimeFigureOut">
               <a:rPr lang="en-US" smtClean="0"/>
-              <a:t>1/28/2024</a:t>
+              <a:t>2/6/2024</a:t>
             </a:fld>
             <a:endParaRPr lang="en-US"/>
           </a:p>
@@ -4275,20 +4275,15 @@
             <a:pPr lvl="1"/>
             <a:r>
               <a:rPr lang="en-US" dirty="0"/>
-              <a:t>Multiphysics fracture nucleation and tracking are difficult to model in the small scales</a:t>
+              <a:t>Multiphysics fracture nucleation and tracking are difficult to model as it happens in multiple scales (space and time)</a:t>
             </a:r>
           </a:p>
           <a:p>
             <a:pPr lvl="1"/>
             <a:r>
               <a:rPr lang="en-US" dirty="0"/>
-              <a:t>Long term cold fluid injection thermally stresses the rock, hydraulic fractures are likely </a:t>
-            </a:r>
-            <a:r>
-              <a:rPr lang="en-US" dirty="0" err="1"/>
-              <a:t>tooccur</a:t>
-            </a:r>
-            <a:endParaRPr lang="en-US" dirty="0"/>
+              <a:t>Long term cold fluid injection thermally stresses the rock, hydraulic fractures are likely to occur</a:t>
+            </a:r>
           </a:p>
           <a:p>
             <a:pPr lvl="1"/>

--- a/Research/2023-12-Research-plan.pptx
+++ b/Research/2023-12-Research-plan.pptx
@@ -5,24 +5,25 @@
     <p:sldMasterId id="2147483673" r:id="rId1"/>
   </p:sldMasterIdLst>
   <p:notesMasterIdLst>
-    <p:notesMasterId r:id="rId14"/>
+    <p:notesMasterId r:id="rId15"/>
   </p:notesMasterIdLst>
   <p:handoutMasterIdLst>
-    <p:handoutMasterId r:id="rId15"/>
+    <p:handoutMasterId r:id="rId16"/>
   </p:handoutMasterIdLst>
   <p:sldIdLst>
     <p:sldId id="256" r:id="rId2"/>
     <p:sldId id="264" r:id="rId3"/>
     <p:sldId id="257" r:id="rId4"/>
     <p:sldId id="265" r:id="rId5"/>
-    <p:sldId id="266" r:id="rId6"/>
-    <p:sldId id="267" r:id="rId7"/>
-    <p:sldId id="258" r:id="rId8"/>
-    <p:sldId id="259" r:id="rId9"/>
-    <p:sldId id="260" r:id="rId10"/>
-    <p:sldId id="261" r:id="rId11"/>
-    <p:sldId id="262" r:id="rId12"/>
-    <p:sldId id="263" r:id="rId13"/>
+    <p:sldId id="267" r:id="rId6"/>
+    <p:sldId id="258" r:id="rId7"/>
+    <p:sldId id="259" r:id="rId8"/>
+    <p:sldId id="260" r:id="rId9"/>
+    <p:sldId id="261" r:id="rId10"/>
+    <p:sldId id="262" r:id="rId11"/>
+    <p:sldId id="263" r:id="rId12"/>
+    <p:sldId id="268" r:id="rId13"/>
+    <p:sldId id="266" r:id="rId14"/>
   </p:sldIdLst>
   <p:sldSz cx="9144000" cy="5143500" type="screen16x9"/>
   <p:notesSz cx="6858000" cy="9313863"/>
@@ -226,7 +227,7 @@
           <a:p>
             <a:fld id="{C6EDAEBB-763F-4AE6-A37D-8CC9BE14BFA8}" type="datetimeFigureOut">
               <a:rPr lang="en-US" smtClean="0"/>
-              <a:t>2/6/2024</a:t>
+              <a:t>2/13/2024</a:t>
             </a:fld>
             <a:endParaRPr lang="en-US"/>
           </a:p>
@@ -1195,7 +1196,7 @@
                 <a:latin typeface="Arial"/>
                 <a:ea typeface="ヒラギノ角ゴ Pro W3"/>
               </a:rPr>
-              <a:t>7</a:t>
+              <a:t>6</a:t>
             </a:fld>
             <a:endParaRPr lang="en-US" sz="1200" b="0" strike="noStrike" spc="-1">
               <a:solidFill>
@@ -1207,6 +1208,192 @@
         </p:txBody>
       </p:sp>
     </p:spTree>
+  </p:cSld>
+  <p:clrMapOvr>
+    <a:masterClrMapping/>
+  </p:clrMapOvr>
+</p:notes>
+</file>
+
+<file path=ppt/notesSlides/notesSlide4.xml><?xml version="1.0" encoding="utf-8"?>
+<p:notes xmlns:a="http://schemas.openxmlformats.org/drawingml/2006/main" xmlns:r="http://schemas.openxmlformats.org/officeDocument/2006/relationships" xmlns:p="http://schemas.openxmlformats.org/presentationml/2006/main">
+  <p:cSld>
+    <p:spTree>
+      <p:nvGrpSpPr>
+        <p:cNvPr id="1" name="">
+          <a:extLst>
+            <a:ext uri="{FF2B5EF4-FFF2-40B4-BE49-F238E27FC236}">
+              <a16:creationId xmlns:a16="http://schemas.microsoft.com/office/drawing/2014/main" id="{A723FF40-9BF2-ECEF-4041-5A19A01A7116}"/>
+            </a:ext>
+          </a:extLst>
+        </p:cNvPr>
+        <p:cNvGrpSpPr/>
+        <p:nvPr/>
+      </p:nvGrpSpPr>
+      <p:grpSpPr>
+        <a:xfrm>
+          <a:off x="0" y="0"/>
+          <a:ext cx="0" cy="0"/>
+          <a:chOff x="0" y="0"/>
+          <a:chExt cx="0" cy="0"/>
+        </a:xfrm>
+      </p:grpSpPr>
+      <p:sp>
+        <p:nvSpPr>
+          <p:cNvPr id="109" name="PlaceHolder 1">
+            <a:extLst>
+              <a:ext uri="{FF2B5EF4-FFF2-40B4-BE49-F238E27FC236}">
+                <a16:creationId xmlns:a16="http://schemas.microsoft.com/office/drawing/2014/main" id="{216D44E8-18A4-F958-5CFB-E842AFB63C59}"/>
+              </a:ext>
+            </a:extLst>
+          </p:cNvPr>
+          <p:cNvSpPr>
+            <a:spLocks noGrp="1" noRot="1" noChangeAspect="1"/>
+          </p:cNvSpPr>
+          <p:nvPr>
+            <p:ph type="sldImg"/>
+          </p:nvPr>
+        </p:nvSpPr>
+        <p:spPr>
+          <a:xfrm>
+            <a:off x="327025" y="700088"/>
+            <a:ext cx="6203950" cy="3490912"/>
+          </a:xfrm>
+          <a:prstGeom prst="rect">
+            <a:avLst/>
+          </a:prstGeom>
+          <a:ln w="0">
+            <a:noFill/>
+          </a:ln>
+        </p:spPr>
+      </p:sp>
+      <p:sp>
+        <p:nvSpPr>
+          <p:cNvPr id="110" name="PlaceHolder 2">
+            <a:extLst>
+              <a:ext uri="{FF2B5EF4-FFF2-40B4-BE49-F238E27FC236}">
+                <a16:creationId xmlns:a16="http://schemas.microsoft.com/office/drawing/2014/main" id="{4E01F001-DA34-7704-32D8-E47E05F944C7}"/>
+              </a:ext>
+            </a:extLst>
+          </p:cNvPr>
+          <p:cNvSpPr>
+            <a:spLocks noGrp="1"/>
+          </p:cNvSpPr>
+          <p:nvPr>
+            <p:ph type="body"/>
+          </p:nvPr>
+        </p:nvSpPr>
+        <p:spPr>
+          <a:xfrm>
+            <a:off x="685800" y="4424040"/>
+            <a:ext cx="5486040" cy="4190760"/>
+          </a:xfrm>
+          <a:prstGeom prst="rect">
+            <a:avLst/>
+          </a:prstGeom>
+          <a:noFill/>
+          <a:ln w="9360">
+            <a:noFill/>
+          </a:ln>
+        </p:spPr>
+        <p:txBody>
+          <a:bodyPr lIns="91440" tIns="45720" rIns="91440" bIns="45720" numCol="1" spcCol="0" anchor="t">
+            <a:noAutofit/>
+          </a:bodyPr>
+          <a:lstStyle/>
+          <a:p>
+            <a:pPr marL="216000" indent="0">
+              <a:buNone/>
+            </a:pPr>
+            <a:endParaRPr lang="en-US" sz="1800" b="0" strike="noStrike" spc="-1">
+              <a:solidFill>
+                <a:srgbClr val="000000"/>
+              </a:solidFill>
+              <a:latin typeface="Arial"/>
+            </a:endParaRPr>
+          </a:p>
+        </p:txBody>
+      </p:sp>
+      <p:sp>
+        <p:nvSpPr>
+          <p:cNvPr id="111" name="PlaceHolder 3">
+            <a:extLst>
+              <a:ext uri="{FF2B5EF4-FFF2-40B4-BE49-F238E27FC236}">
+                <a16:creationId xmlns:a16="http://schemas.microsoft.com/office/drawing/2014/main" id="{37B018E2-88F2-3026-83FF-FDC5BBFF65A1}"/>
+              </a:ext>
+            </a:extLst>
+          </p:cNvPr>
+          <p:cNvSpPr>
+            <a:spLocks noGrp="1"/>
+          </p:cNvSpPr>
+          <p:nvPr>
+            <p:ph type="sldNum" idx="4"/>
+          </p:nvPr>
+        </p:nvSpPr>
+        <p:spPr>
+          <a:xfrm>
+            <a:off x="3884760" y="8846640"/>
+            <a:ext cx="2971440" cy="465480"/>
+          </a:xfrm>
+          <a:prstGeom prst="rect">
+            <a:avLst/>
+          </a:prstGeom>
+          <a:noFill/>
+          <a:ln w="9360">
+            <a:noFill/>
+          </a:ln>
+        </p:spPr>
+        <p:txBody>
+          <a:bodyPr lIns="91440" tIns="45720" rIns="91440" bIns="45720" numCol="1" spcCol="0" anchor="b">
+            <a:noAutofit/>
+          </a:bodyPr>
+          <a:lstStyle>
+            <a:lvl1pPr indent="0" algn="r">
+              <a:lnSpc>
+                <a:spcPct val="100000"/>
+              </a:lnSpc>
+              <a:buNone/>
+              <a:defRPr lang="en-US" sz="1200" b="0" strike="noStrike" spc="-1">
+                <a:solidFill>
+                  <a:schemeClr val="dk1"/>
+                </a:solidFill>
+                <a:latin typeface="Arial"/>
+                <a:ea typeface="ヒラギノ角ゴ Pro W3"/>
+              </a:defRPr>
+            </a:lvl1pPr>
+          </a:lstStyle>
+          <a:p>
+            <a:pPr indent="0" algn="r">
+              <a:lnSpc>
+                <a:spcPct val="100000"/>
+              </a:lnSpc>
+              <a:buNone/>
+            </a:pPr>
+            <a:fld id="{91725E90-645B-46EF-92F2-96A7E7FA0C73}" type="slidenum">
+              <a:rPr lang="en-US" sz="1200" b="0" strike="noStrike" spc="-1">
+                <a:solidFill>
+                  <a:schemeClr val="dk1"/>
+                </a:solidFill>
+                <a:latin typeface="Arial"/>
+                <a:ea typeface="ヒラギノ角ゴ Pro W3"/>
+              </a:rPr>
+              <a:t>12</a:t>
+            </a:fld>
+            <a:endParaRPr lang="en-US" sz="1200" b="0" strike="noStrike" spc="-1">
+              <a:solidFill>
+                <a:srgbClr val="000000"/>
+              </a:solidFill>
+              <a:latin typeface="Times New Roman"/>
+            </a:endParaRPr>
+          </a:p>
+        </p:txBody>
+      </p:sp>
+    </p:spTree>
+    <p:extLst>
+      <p:ext uri="{BB962C8B-B14F-4D97-AF65-F5344CB8AC3E}">
+        <p14:creationId xmlns:p14="http://schemas.microsoft.com/office/powerpoint/2010/main" val="835700578"/>
+      </p:ext>
+    </p:extLst>
   </p:cSld>
   <p:clrMapOvr>
     <a:masterClrMapping/>
@@ -2664,302 +2851,6 @@
       </p:grpSpPr>
       <p:sp>
         <p:nvSpPr>
-          <p:cNvPr id="105" name="PlaceHolder 1"/>
-          <p:cNvSpPr>
-            <a:spLocks noGrp="1"/>
-          </p:cNvSpPr>
-          <p:nvPr>
-            <p:ph type="title" idx="4294967295"/>
-          </p:nvPr>
-        </p:nvSpPr>
-        <p:spPr>
-          <a:xfrm>
-            <a:off x="0" y="46038"/>
-            <a:ext cx="8075613" cy="228600"/>
-          </a:xfrm>
-          <a:prstGeom prst="rect">
-            <a:avLst/>
-          </a:prstGeom>
-          <a:noFill/>
-          <a:ln w="0">
-            <a:noFill/>
-          </a:ln>
-        </p:spPr>
-        <p:txBody>
-          <a:bodyPr lIns="0" tIns="0" rIns="0" bIns="0" anchor="ctr">
-            <a:noAutofit/>
-          </a:bodyPr>
-          <a:lstStyle/>
-          <a:p>
-            <a:pPr indent="0">
-              <a:buNone/>
-            </a:pPr>
-            <a:r>
-              <a:rPr lang="en-US" sz="1600" b="1" strike="noStrike" spc="-1">
-                <a:solidFill>
-                  <a:srgbClr val="FFFFFF"/>
-                </a:solidFill>
-                <a:latin typeface="Arial"/>
-              </a:rPr>
-              <a:t>SALT MECHANICS</a:t>
-            </a:r>
-          </a:p>
-        </p:txBody>
-      </p:sp>
-      <p:sp>
-        <p:nvSpPr>
-          <p:cNvPr id="106" name="CaixaDeTexto 105"/>
-          <p:cNvSpPr txBox="1"/>
-          <p:nvPr/>
-        </p:nvSpPr>
-        <p:spPr>
-          <a:xfrm>
-            <a:off x="228600" y="457200"/>
-            <a:ext cx="8686800" cy="3910680"/>
-          </a:xfrm>
-          <a:prstGeom prst="rect">
-            <a:avLst/>
-          </a:prstGeom>
-          <a:noFill/>
-          <a:ln w="0">
-            <a:noFill/>
-          </a:ln>
-          <a:effectLst>
-            <a:outerShdw blurRad="12600" dist="12727" dir="2700000" rotWithShape="0">
-              <a:srgbClr val="808080"/>
-            </a:outerShdw>
-          </a:effectLst>
-        </p:spPr>
-        <p:txBody>
-          <a:bodyPr lIns="90000" tIns="45000" rIns="90000" bIns="45000" anchor="t">
-            <a:noAutofit/>
-          </a:bodyPr>
-          <a:lstStyle/>
-          <a:p>
-            <a:r>
-              <a:rPr lang="en-US" sz="1800" b="0" strike="noStrike" spc="-1">
-                <a:solidFill>
-                  <a:srgbClr val="000000"/>
-                </a:solidFill>
-                <a:latin typeface="TeX Gyre Termes"/>
-                <a:ea typeface="TexMaths Symbols"/>
-              </a:rPr>
-              <a:t>Physiscs: creep, fracture, stress relaxation, long term conformation (geologic time)</a:t>
-            </a:r>
-            <a:endParaRPr lang="en-US" sz="1800" b="0" strike="noStrike" spc="-1">
-              <a:solidFill>
-                <a:srgbClr val="000000"/>
-              </a:solidFill>
-              <a:latin typeface="Arial"/>
-            </a:endParaRPr>
-          </a:p>
-          <a:p>
-            <a:r>
-              <a:rPr lang="en-US" sz="1800" b="0" strike="noStrike" spc="-1">
-                <a:solidFill>
-                  <a:srgbClr val="000000"/>
-                </a:solidFill>
-                <a:latin typeface="TeX Gyre Termes"/>
-                <a:ea typeface="TexMaths Symbols"/>
-              </a:rPr>
-              <a:t>Large strains model</a:t>
-            </a:r>
-            <a:endParaRPr lang="en-US" sz="1800" b="0" strike="noStrike" spc="-1">
-              <a:solidFill>
-                <a:srgbClr val="000000"/>
-              </a:solidFill>
-              <a:latin typeface="Arial"/>
-            </a:endParaRPr>
-          </a:p>
-          <a:p>
-            <a:r>
-              <a:rPr lang="en-US" sz="1800" b="0" strike="noStrike" spc="-1">
-                <a:solidFill>
-                  <a:srgbClr val="000000"/>
-                </a:solidFill>
-                <a:latin typeface="TeX Gyre Termes"/>
-                <a:ea typeface="TexMaths Symbols"/>
-              </a:rPr>
-              <a:t>Risk assessment </a:t>
-            </a:r>
-            <a:endParaRPr lang="en-US" sz="1800" b="0" strike="noStrike" spc="-1">
-              <a:solidFill>
-                <a:srgbClr val="000000"/>
-              </a:solidFill>
-              <a:latin typeface="Arial"/>
-            </a:endParaRPr>
-          </a:p>
-          <a:p>
-            <a:r>
-              <a:rPr lang="en-US" sz="1800" b="0" strike="noStrike" spc="-1">
-                <a:solidFill>
-                  <a:srgbClr val="000000"/>
-                </a:solidFill>
-                <a:latin typeface="TeX Gyre Termes"/>
-                <a:ea typeface="TexMaths Symbols"/>
-              </a:rPr>
-              <a:t>	Analyze worst case scenarios, use of safety coefficients</a:t>
-            </a:r>
-            <a:endParaRPr lang="en-US" sz="1800" b="0" strike="noStrike" spc="-1">
-              <a:solidFill>
-                <a:srgbClr val="000000"/>
-              </a:solidFill>
-              <a:latin typeface="Arial"/>
-            </a:endParaRPr>
-          </a:p>
-          <a:p>
-            <a:r>
-              <a:rPr lang="en-US" sz="1800" b="0" strike="noStrike" spc="-1">
-                <a:solidFill>
-                  <a:srgbClr val="000000"/>
-                </a:solidFill>
-                <a:latin typeface="TeX Gyre Termes"/>
-                <a:ea typeface="TexMaths Symbols"/>
-              </a:rPr>
-              <a:t>Mechanic dynamic of salt targetting process optimization</a:t>
-            </a:r>
-            <a:endParaRPr lang="en-US" sz="1800" b="0" strike="noStrike" spc="-1">
-              <a:solidFill>
-                <a:srgbClr val="000000"/>
-              </a:solidFill>
-              <a:latin typeface="Arial"/>
-            </a:endParaRPr>
-          </a:p>
-          <a:p>
-            <a:pPr>
-              <a:lnSpc>
-                <a:spcPct val="100000"/>
-              </a:lnSpc>
-              <a:tabLst>
-                <a:tab pos="455760" algn="l"/>
-              </a:tabLst>
-            </a:pPr>
-            <a:r>
-              <a:rPr lang="en-US" sz="1800" b="0" strike="noStrike" spc="-1">
-                <a:solidFill>
-                  <a:srgbClr val="000000"/>
-                </a:solidFill>
-                <a:latin typeface="TeX Gyre Termes"/>
-                <a:ea typeface="TexMaths Symbols"/>
-              </a:rPr>
-              <a:t>	Uncertainty analysis to support design decisions</a:t>
-            </a:r>
-            <a:endParaRPr lang="en-US" sz="1800" b="0" strike="noStrike" spc="-1">
-              <a:solidFill>
-                <a:srgbClr val="000000"/>
-              </a:solidFill>
-              <a:latin typeface="Arial"/>
-            </a:endParaRPr>
-          </a:p>
-          <a:p>
-            <a:pPr>
-              <a:lnSpc>
-                <a:spcPct val="100000"/>
-              </a:lnSpc>
-              <a:tabLst>
-                <a:tab pos="455760" algn="l"/>
-              </a:tabLst>
-            </a:pPr>
-            <a:r>
-              <a:rPr lang="en-US" sz="1800" b="0" strike="noStrike" spc="-1">
-                <a:solidFill>
-                  <a:srgbClr val="000000"/>
-                </a:solidFill>
-                <a:latin typeface="TeX Gyre Termes"/>
-                <a:ea typeface="TexMaths Symbols"/>
-              </a:rPr>
-              <a:t>	Fractures, deviatoric strain relaxation</a:t>
-            </a:r>
-            <a:endParaRPr lang="en-US" sz="1800" b="0" strike="noStrike" spc="-1">
-              <a:solidFill>
-                <a:srgbClr val="000000"/>
-              </a:solidFill>
-              <a:latin typeface="Arial"/>
-            </a:endParaRPr>
-          </a:p>
-          <a:p>
-            <a:r>
-              <a:rPr lang="en-US" sz="1800" b="0" strike="noStrike" spc="-1">
-                <a:solidFill>
-                  <a:srgbClr val="000000"/>
-                </a:solidFill>
-                <a:latin typeface="TeX Gyre Termes"/>
-                <a:ea typeface="TexMaths Symbols"/>
-              </a:rPr>
-              <a:t>Specific applications – case study</a:t>
-            </a:r>
-            <a:endParaRPr lang="en-US" sz="1800" b="0" strike="noStrike" spc="-1">
-              <a:solidFill>
-                <a:srgbClr val="000000"/>
-              </a:solidFill>
-              <a:latin typeface="Arial"/>
-            </a:endParaRPr>
-          </a:p>
-          <a:p>
-            <a:r>
-              <a:rPr lang="en-US" sz="1800" b="0" strike="noStrike" spc="-1">
-                <a:solidFill>
-                  <a:srgbClr val="000000"/>
-                </a:solidFill>
-                <a:latin typeface="TeX Gyre Termes"/>
-                <a:ea typeface="TexMaths Symbols"/>
-              </a:rPr>
-              <a:t>	Salt caverns</a:t>
-            </a:r>
-            <a:endParaRPr lang="en-US" sz="1800" b="0" strike="noStrike" spc="-1">
-              <a:solidFill>
-                <a:srgbClr val="000000"/>
-              </a:solidFill>
-              <a:latin typeface="Arial"/>
-            </a:endParaRPr>
-          </a:p>
-          <a:p>
-            <a:r>
-              <a:rPr lang="en-US" sz="1800" b="0" strike="noStrike" spc="-1">
-                <a:solidFill>
-                  <a:srgbClr val="000000"/>
-                </a:solidFill>
-                <a:latin typeface="TeX Gyre Termes"/>
-                <a:ea typeface="TexMaths Symbols"/>
-              </a:rPr>
-              <a:t>	Salt as a caprock</a:t>
-            </a:r>
-            <a:endParaRPr lang="en-US" sz="1800" b="0" strike="noStrike" spc="-1">
-              <a:solidFill>
-                <a:srgbClr val="000000"/>
-              </a:solidFill>
-              <a:latin typeface="Arial"/>
-            </a:endParaRPr>
-          </a:p>
-        </p:txBody>
-      </p:sp>
-    </p:spTree>
-  </p:cSld>
-  <p:clrMapOvr>
-    <a:masterClrMapping/>
-  </p:clrMapOvr>
-</p:sld>
-</file>
-
-<file path=ppt/slides/slide11.xml><?xml version="1.0" encoding="utf-8"?>
-<p:sld xmlns:a="http://schemas.openxmlformats.org/drawingml/2006/main" xmlns:r="http://schemas.openxmlformats.org/officeDocument/2006/relationships" xmlns:p="http://schemas.openxmlformats.org/presentationml/2006/main">
-  <p:cSld>
-    <p:spTree>
-      <p:nvGrpSpPr>
-        <p:cNvPr id="1" name=""/>
-        <p:cNvGrpSpPr/>
-        <p:nvPr/>
-      </p:nvGrpSpPr>
-      <p:grpSpPr>
-        <a:xfrm>
-          <a:off x="0" y="0"/>
-          <a:ext cx="0" cy="0"/>
-          <a:chOff x="0" y="0"/>
-          <a:chExt cx="0" cy="0"/>
-        </a:xfrm>
-      </p:grpSpPr>
-      <p:sp>
-        <p:nvSpPr>
           <p:cNvPr id="107" name="PlaceHolder 1"/>
           <p:cNvSpPr>
             <a:spLocks noGrp="1"/>
@@ -3142,7 +3033,7 @@
 </p:sld>
 </file>
 
-<file path=ppt/slides/slide12.xml><?xml version="1.0" encoding="utf-8"?>
+<file path=ppt/slides/slide11.xml><?xml version="1.0" encoding="utf-8"?>
 <p:sld xmlns:a="http://schemas.openxmlformats.org/drawingml/2006/main" xmlns:r="http://schemas.openxmlformats.org/officeDocument/2006/relationships" xmlns:p="http://schemas.openxmlformats.org/presentationml/2006/main">
   <p:cSld>
     <p:spTree>
@@ -3221,6 +3112,568 @@
     <p:extLst>
       <p:ext uri="{BB962C8B-B14F-4D97-AF65-F5344CB8AC3E}">
         <p14:creationId xmlns:p14="http://schemas.microsoft.com/office/powerpoint/2010/main" val="10459591"/>
+      </p:ext>
+    </p:extLst>
+  </p:cSld>
+  <p:clrMapOvr>
+    <a:masterClrMapping/>
+  </p:clrMapOvr>
+</p:sld>
+</file>
+
+<file path=ppt/slides/slide12.xml><?xml version="1.0" encoding="utf-8"?>
+<p:sld xmlns:a="http://schemas.openxmlformats.org/drawingml/2006/main" xmlns:r="http://schemas.openxmlformats.org/officeDocument/2006/relationships" xmlns:p="http://schemas.openxmlformats.org/presentationml/2006/main">
+  <p:cSld>
+    <p:spTree>
+      <p:nvGrpSpPr>
+        <p:cNvPr id="1" name="">
+          <a:extLst>
+            <a:ext uri="{FF2B5EF4-FFF2-40B4-BE49-F238E27FC236}">
+              <a16:creationId xmlns:a16="http://schemas.microsoft.com/office/drawing/2014/main" id="{818207E2-B871-30B3-8EA4-EE46879CC498}"/>
+            </a:ext>
+          </a:extLst>
+        </p:cNvPr>
+        <p:cNvGrpSpPr/>
+        <p:nvPr/>
+      </p:nvGrpSpPr>
+      <p:grpSpPr>
+        <a:xfrm>
+          <a:off x="0" y="0"/>
+          <a:ext cx="0" cy="0"/>
+          <a:chOff x="0" y="0"/>
+          <a:chExt cx="0" cy="0"/>
+        </a:xfrm>
+      </p:grpSpPr>
+      <p:cxnSp>
+        <p:nvCxnSpPr>
+          <p:cNvPr id="88" name="Straight Connector 4">
+            <a:extLst>
+              <a:ext uri="{FF2B5EF4-FFF2-40B4-BE49-F238E27FC236}">
+                <a16:creationId xmlns:a16="http://schemas.microsoft.com/office/drawing/2014/main" id="{5A5238D5-6316-64BC-2D59-D31001C5D077}"/>
+              </a:ext>
+            </a:extLst>
+          </p:cNvPr>
+          <p:cNvCxnSpPr/>
+          <p:nvPr/>
+        </p:nvCxnSpPr>
+        <p:spPr>
+          <a:xfrm>
+            <a:off x="628560" y="3105000"/>
+            <a:ext cx="5619960" cy="360"/>
+          </a:xfrm>
+          <a:prstGeom prst="straightConnector1">
+            <a:avLst/>
+          </a:prstGeom>
+          <a:ln w="19080">
+            <a:solidFill>
+              <a:srgbClr val="BF5700"/>
+            </a:solidFill>
+            <a:round/>
+          </a:ln>
+        </p:spPr>
+      </p:cxnSp>
+      <p:sp>
+        <p:nvSpPr>
+          <p:cNvPr id="89" name="Text Placeholder 14">
+            <a:extLst>
+              <a:ext uri="{FF2B5EF4-FFF2-40B4-BE49-F238E27FC236}">
+                <a16:creationId xmlns:a16="http://schemas.microsoft.com/office/drawing/2014/main" id="{93DFC27D-6E01-C9E2-BF96-153E681BEE28}"/>
+              </a:ext>
+            </a:extLst>
+          </p:cNvPr>
+          <p:cNvSpPr/>
+          <p:nvPr/>
+        </p:nvSpPr>
+        <p:spPr>
+          <a:xfrm>
+            <a:off x="548640" y="4114440"/>
+            <a:ext cx="7886520" cy="456840"/>
+          </a:xfrm>
+          <a:prstGeom prst="rect">
+            <a:avLst/>
+          </a:prstGeom>
+          <a:noFill/>
+          <a:ln w="0">
+            <a:noFill/>
+          </a:ln>
+          <a:effectLst>
+            <a:outerShdw blurRad="12600" dist="12727" dir="2700000" rotWithShape="0">
+              <a:srgbClr val="808080"/>
+            </a:outerShdw>
+          </a:effectLst>
+        </p:spPr>
+        <p:style>
+          <a:lnRef idx="0">
+            <a:scrgbClr r="0" g="0" b="0"/>
+          </a:lnRef>
+          <a:fillRef idx="0">
+            <a:scrgbClr r="0" g="0" b="0"/>
+          </a:fillRef>
+          <a:effectRef idx="0">
+            <a:scrgbClr r="0" g="0" b="0"/>
+          </a:effectRef>
+          <a:fontRef idx="minor"/>
+        </p:style>
+        <p:txBody>
+          <a:bodyPr anchor="b">
+            <a:noAutofit/>
+          </a:bodyPr>
+          <a:lstStyle/>
+          <a:p>
+            <a:pPr defTabSz="914400">
+              <a:lnSpc>
+                <a:spcPct val="50000"/>
+              </a:lnSpc>
+              <a:spcBef>
+                <a:spcPts val="1001"/>
+              </a:spcBef>
+              <a:tabLst>
+                <a:tab pos="0" algn="l"/>
+              </a:tabLst>
+            </a:pPr>
+            <a:r>
+              <a:rPr lang="en-US" sz="1050" b="0" strike="noStrike" cap="all" spc="-1">
+                <a:solidFill>
+                  <a:srgbClr val="BF5700"/>
+                </a:solidFill>
+                <a:latin typeface="Arial Black"/>
+                <a:ea typeface="Arial"/>
+              </a:rPr>
+              <a:t>Renato poli (rep2656)</a:t>
+            </a:r>
+            <a:endParaRPr lang="en-US" sz="1050" b="0" strike="noStrike" spc="-1">
+              <a:solidFill>
+                <a:srgbClr val="000000"/>
+              </a:solidFill>
+              <a:latin typeface="Arial"/>
+            </a:endParaRPr>
+          </a:p>
+        </p:txBody>
+      </p:sp>
+      <p:sp>
+        <p:nvSpPr>
+          <p:cNvPr id="90" name="Text Placeholder 15">
+            <a:extLst>
+              <a:ext uri="{FF2B5EF4-FFF2-40B4-BE49-F238E27FC236}">
+                <a16:creationId xmlns:a16="http://schemas.microsoft.com/office/drawing/2014/main" id="{E99DE2A1-3CD5-ADDD-A65E-269122909333}"/>
+              </a:ext>
+            </a:extLst>
+          </p:cNvPr>
+          <p:cNvSpPr/>
+          <p:nvPr/>
+        </p:nvSpPr>
+        <p:spPr>
+          <a:xfrm>
+            <a:off x="548640" y="456840"/>
+            <a:ext cx="7828200" cy="388800"/>
+          </a:xfrm>
+          <a:prstGeom prst="rect">
+            <a:avLst/>
+          </a:prstGeom>
+          <a:noFill/>
+          <a:ln w="0">
+            <a:noFill/>
+          </a:ln>
+          <a:effectLst>
+            <a:outerShdw blurRad="12600" dist="12727" dir="2700000" rotWithShape="0">
+              <a:srgbClr val="808080"/>
+            </a:outerShdw>
+          </a:effectLst>
+        </p:spPr>
+        <p:style>
+          <a:lnRef idx="0">
+            <a:scrgbClr r="0" g="0" b="0"/>
+          </a:lnRef>
+          <a:fillRef idx="0">
+            <a:scrgbClr r="0" g="0" b="0"/>
+          </a:fillRef>
+          <a:effectRef idx="0">
+            <a:scrgbClr r="0" g="0" b="0"/>
+          </a:effectRef>
+          <a:fontRef idx="minor"/>
+        </p:style>
+        <p:txBody>
+          <a:bodyPr anchor="ctr">
+            <a:noAutofit/>
+          </a:bodyPr>
+          <a:lstStyle/>
+          <a:p>
+            <a:pPr defTabSz="914400">
+              <a:lnSpc>
+                <a:spcPct val="90000"/>
+              </a:lnSpc>
+              <a:spcBef>
+                <a:spcPts val="1001"/>
+              </a:spcBef>
+              <a:tabLst>
+                <a:tab pos="0" algn="l"/>
+              </a:tabLst>
+            </a:pPr>
+            <a:r>
+              <a:rPr lang="en-US" sz="1200" b="0" strike="noStrike" cap="all" spc="-1" dirty="0" err="1">
+                <a:solidFill>
+                  <a:srgbClr val="BF5700"/>
+                </a:solidFill>
+                <a:latin typeface="Arial Black"/>
+                <a:ea typeface="Arial"/>
+              </a:rPr>
+              <a:t>feb</a:t>
+            </a:r>
+            <a:r>
+              <a:rPr lang="en-US" sz="1200" b="0" strike="noStrike" cap="all" spc="-1" dirty="0">
+                <a:solidFill>
+                  <a:srgbClr val="BF5700"/>
+                </a:solidFill>
+                <a:latin typeface="Arial Black"/>
+                <a:ea typeface="Arial"/>
+              </a:rPr>
+              <a:t> 2024</a:t>
+            </a:r>
+            <a:endParaRPr lang="en-US" sz="1200" b="0" strike="noStrike" spc="-1" dirty="0">
+              <a:solidFill>
+                <a:srgbClr val="000000"/>
+              </a:solidFill>
+              <a:latin typeface="Arial"/>
+            </a:endParaRPr>
+          </a:p>
+        </p:txBody>
+      </p:sp>
+      <p:sp>
+        <p:nvSpPr>
+          <p:cNvPr id="6" name="Título 5">
+            <a:extLst>
+              <a:ext uri="{FF2B5EF4-FFF2-40B4-BE49-F238E27FC236}">
+                <a16:creationId xmlns:a16="http://schemas.microsoft.com/office/drawing/2014/main" id="{9672FA1E-F2B1-96B0-D19C-2A92A7C6779C}"/>
+              </a:ext>
+            </a:extLst>
+          </p:cNvPr>
+          <p:cNvSpPr>
+            <a:spLocks noGrp="1"/>
+          </p:cNvSpPr>
+          <p:nvPr>
+            <p:ph type="title"/>
+          </p:nvPr>
+        </p:nvSpPr>
+        <p:spPr>
+          <a:xfrm>
+            <a:off x="548640" y="2325658"/>
+            <a:ext cx="6152323" cy="993775"/>
+          </a:xfrm>
+        </p:spPr>
+        <p:txBody>
+          <a:bodyPr/>
+          <a:lstStyle/>
+          <a:p>
+            <a:r>
+              <a:rPr lang="en-US" dirty="0"/>
+              <a:t>obsolete</a:t>
+            </a:r>
+          </a:p>
+        </p:txBody>
+      </p:sp>
+      <p:sp>
+        <p:nvSpPr>
+          <p:cNvPr id="2" name="Text Placeholder 14">
+            <a:extLst>
+              <a:ext uri="{FF2B5EF4-FFF2-40B4-BE49-F238E27FC236}">
+                <a16:creationId xmlns:a16="http://schemas.microsoft.com/office/drawing/2014/main" id="{1AEBEB38-2E58-D0F5-8B86-5F9ABF7ADD42}"/>
+              </a:ext>
+            </a:extLst>
+          </p:cNvPr>
+          <p:cNvSpPr/>
+          <p:nvPr/>
+        </p:nvSpPr>
+        <p:spPr>
+          <a:xfrm>
+            <a:off x="548640" y="3173040"/>
+            <a:ext cx="7886520" cy="338416"/>
+          </a:xfrm>
+          <a:prstGeom prst="rect">
+            <a:avLst/>
+          </a:prstGeom>
+          <a:noFill/>
+          <a:ln w="0">
+            <a:noFill/>
+          </a:ln>
+          <a:effectLst>
+            <a:outerShdw blurRad="12600" dist="12727" dir="2700000" rotWithShape="0">
+              <a:srgbClr val="808080"/>
+            </a:outerShdw>
+          </a:effectLst>
+        </p:spPr>
+        <p:style>
+          <a:lnRef idx="0">
+            <a:scrgbClr r="0" g="0" b="0"/>
+          </a:lnRef>
+          <a:fillRef idx="0">
+            <a:scrgbClr r="0" g="0" b="0"/>
+          </a:fillRef>
+          <a:effectRef idx="0">
+            <a:scrgbClr r="0" g="0" b="0"/>
+          </a:effectRef>
+          <a:fontRef idx="minor"/>
+        </p:style>
+        <p:txBody>
+          <a:bodyPr anchor="b">
+            <a:noAutofit/>
+          </a:bodyPr>
+          <a:lstStyle/>
+          <a:p>
+            <a:pPr defTabSz="914400">
+              <a:spcBef>
+                <a:spcPts val="1001"/>
+              </a:spcBef>
+              <a:tabLst>
+                <a:tab pos="0" algn="l"/>
+              </a:tabLst>
+            </a:pPr>
+            <a:r>
+              <a:rPr lang="en-US" sz="1050" b="0" strike="noStrike" cap="all" spc="-1" dirty="0">
+                <a:solidFill>
+                  <a:srgbClr val="BF5700"/>
+                </a:solidFill>
+                <a:latin typeface="Arial Black"/>
+                <a:ea typeface="Arial"/>
+              </a:rPr>
+              <a:t>IDEAS</a:t>
+            </a:r>
+            <a:endParaRPr lang="en-US" sz="1050" b="0" strike="noStrike" spc="-1" dirty="0">
+              <a:solidFill>
+                <a:srgbClr val="000000"/>
+              </a:solidFill>
+              <a:latin typeface="Arial"/>
+            </a:endParaRPr>
+          </a:p>
+        </p:txBody>
+      </p:sp>
+    </p:spTree>
+    <p:extLst>
+      <p:ext uri="{BB962C8B-B14F-4D97-AF65-F5344CB8AC3E}">
+        <p14:creationId xmlns:p14="http://schemas.microsoft.com/office/powerpoint/2010/main" val="3343198724"/>
+      </p:ext>
+    </p:extLst>
+  </p:cSld>
+  <p:clrMapOvr>
+    <a:masterClrMapping/>
+  </p:clrMapOvr>
+</p:sld>
+</file>
+
+<file path=ppt/slides/slide13.xml><?xml version="1.0" encoding="utf-8"?>
+<p:sld xmlns:a="http://schemas.openxmlformats.org/drawingml/2006/main" xmlns:r="http://schemas.openxmlformats.org/officeDocument/2006/relationships" xmlns:p="http://schemas.openxmlformats.org/presentationml/2006/main">
+  <p:cSld>
+    <p:spTree>
+      <p:nvGrpSpPr>
+        <p:cNvPr id="1" name=""/>
+        <p:cNvGrpSpPr/>
+        <p:nvPr/>
+      </p:nvGrpSpPr>
+      <p:grpSpPr>
+        <a:xfrm>
+          <a:off x="0" y="0"/>
+          <a:ext cx="0" cy="0"/>
+          <a:chOff x="0" y="0"/>
+          <a:chExt cx="0" cy="0"/>
+        </a:xfrm>
+      </p:grpSpPr>
+      <p:sp>
+        <p:nvSpPr>
+          <p:cNvPr id="2" name="Text Placeholder 1">
+            <a:extLst>
+              <a:ext uri="{FF2B5EF4-FFF2-40B4-BE49-F238E27FC236}">
+                <a16:creationId xmlns:a16="http://schemas.microsoft.com/office/drawing/2014/main" id="{96646901-E1F7-C9FC-22CC-30300204CADC}"/>
+              </a:ext>
+            </a:extLst>
+          </p:cNvPr>
+          <p:cNvSpPr>
+            <a:spLocks noGrp="1"/>
+          </p:cNvSpPr>
+          <p:nvPr>
+            <p:ph type="body" sz="quarter" idx="11"/>
+          </p:nvPr>
+        </p:nvSpPr>
+        <p:spPr/>
+        <p:txBody>
+          <a:bodyPr/>
+          <a:lstStyle/>
+          <a:p>
+            <a:r>
+              <a:rPr lang="en-US" dirty="0"/>
+              <a:t>Object of study</a:t>
+            </a:r>
+          </a:p>
+          <a:p>
+            <a:pPr lvl="1"/>
+            <a:r>
+              <a:rPr lang="en-US" dirty="0"/>
+              <a:t>Conventional carbonate field, naturally fractured, mixed wet</a:t>
+            </a:r>
+          </a:p>
+          <a:p>
+            <a:pPr lvl="1"/>
+            <a:r>
+              <a:rPr lang="en-US" dirty="0"/>
+              <a:t>Large models, field scale</a:t>
+            </a:r>
+          </a:p>
+          <a:p>
+            <a:pPr lvl="1"/>
+            <a:r>
+              <a:rPr lang="en-US" dirty="0"/>
+              <a:t>Permeable matrix</a:t>
+            </a:r>
+          </a:p>
+          <a:p>
+            <a:pPr lvl="1"/>
+            <a:r>
+              <a:rPr lang="en-US" dirty="0"/>
+              <a:t>Wells are acidized (not fractured)</a:t>
+            </a:r>
+          </a:p>
+          <a:p>
+            <a:pPr lvl="1"/>
+            <a:r>
+              <a:rPr lang="en-US" dirty="0"/>
+              <a:t>Fractures provide additional permeability</a:t>
+            </a:r>
+          </a:p>
+          <a:p>
+            <a:r>
+              <a:rPr lang="en-US" dirty="0"/>
+              <a:t>The problem</a:t>
+            </a:r>
+          </a:p>
+          <a:p>
+            <a:pPr lvl="1"/>
+            <a:r>
+              <a:rPr lang="en-US" dirty="0"/>
+              <a:t>Description of the natural fracture network ignores important physics</a:t>
+            </a:r>
+          </a:p>
+          <a:p>
+            <a:pPr lvl="1"/>
+            <a:r>
+              <a:rPr lang="en-US" dirty="0"/>
+              <a:t>Mass transference parameters are mostly based on history matching</a:t>
+            </a:r>
+          </a:p>
+          <a:p>
+            <a:pPr lvl="1"/>
+            <a:r>
+              <a:rPr lang="en-US" dirty="0"/>
+              <a:t>Multiphase flow is not adequately treated in the interface fracture-matrix</a:t>
+            </a:r>
+          </a:p>
+          <a:p>
+            <a:pPr lvl="1"/>
+            <a:r>
+              <a:rPr lang="en-US" dirty="0"/>
+              <a:t>Models with detailed fractures are numerical impractical</a:t>
+            </a:r>
+          </a:p>
+          <a:p>
+            <a:r>
+              <a:rPr lang="en-US" dirty="0"/>
+              <a:t>Objective</a:t>
+            </a:r>
+          </a:p>
+          <a:p>
+            <a:pPr lvl="1"/>
+            <a:r>
+              <a:rPr lang="en-US" dirty="0"/>
+              <a:t>Enhance the understanding of the field based on numerical simulation</a:t>
+            </a:r>
+          </a:p>
+          <a:p>
+            <a:pPr lvl="1"/>
+            <a:r>
+              <a:rPr lang="en-US" dirty="0"/>
+              <a:t>Promote better communication between geoscientists and numerical simulation</a:t>
+            </a:r>
+          </a:p>
+          <a:p>
+            <a:pPr lvl="1"/>
+            <a:r>
+              <a:rPr lang="en-US" dirty="0"/>
+              <a:t>Enable the description of a fracture network based on high level parameters (wettability, fracture network density, fracture genesis </a:t>
+            </a:r>
+            <a:r>
+              <a:rPr lang="en-US" dirty="0" err="1"/>
+              <a:t>etc</a:t>
+            </a:r>
+            <a:r>
+              <a:rPr lang="en-US" dirty="0"/>
+              <a:t>)</a:t>
+            </a:r>
+          </a:p>
+          <a:p>
+            <a:pPr lvl="1"/>
+            <a:r>
+              <a:rPr lang="en-US" dirty="0"/>
+              <a:t>Assimilation of geological understanding to the numerical models</a:t>
+            </a:r>
+          </a:p>
+          <a:p>
+            <a:r>
+              <a:rPr lang="en-US" dirty="0"/>
+              <a:t>Methodology</a:t>
+            </a:r>
+          </a:p>
+          <a:p>
+            <a:pPr lvl="1"/>
+            <a:r>
+              <a:rPr lang="en-US" dirty="0"/>
+              <a:t>Understand geological geometries and hydraulic characteristics of natural fractures</a:t>
+            </a:r>
+          </a:p>
+          <a:p>
+            <a:pPr lvl="1"/>
+            <a:r>
+              <a:rPr lang="en-US" dirty="0"/>
+              <a:t>Understand the limitations of current models, especially multiphase and closed fractures</a:t>
+            </a:r>
+          </a:p>
+          <a:p>
+            <a:pPr lvl="1"/>
+            <a:r>
+              <a:rPr lang="en-US" dirty="0"/>
+              <a:t>Implement a preprocessor to embed fractures optimally, keeping the model numerically reasonable</a:t>
+            </a:r>
+          </a:p>
+        </p:txBody>
+      </p:sp>
+      <p:sp>
+        <p:nvSpPr>
+          <p:cNvPr id="3" name="Title 2">
+            <a:extLst>
+              <a:ext uri="{FF2B5EF4-FFF2-40B4-BE49-F238E27FC236}">
+                <a16:creationId xmlns:a16="http://schemas.microsoft.com/office/drawing/2014/main" id="{34C60A47-EBB6-091D-C027-1403C1B677C8}"/>
+              </a:ext>
+            </a:extLst>
+          </p:cNvPr>
+          <p:cNvSpPr>
+            <a:spLocks noGrp="1"/>
+          </p:cNvSpPr>
+          <p:nvPr>
+            <p:ph type="title"/>
+          </p:nvPr>
+        </p:nvSpPr>
+        <p:spPr/>
+        <p:txBody>
+          <a:bodyPr/>
+          <a:lstStyle/>
+          <a:p>
+            <a:r>
+              <a:rPr lang="en-US" dirty="0"/>
+              <a:t>PROBLEM #1</a:t>
+            </a:r>
+          </a:p>
+        </p:txBody>
+      </p:sp>
+    </p:spTree>
+    <p:extLst>
+      <p:ext uri="{BB962C8B-B14F-4D97-AF65-F5344CB8AC3E}">
+        <p14:creationId xmlns:p14="http://schemas.microsoft.com/office/powerpoint/2010/main" val="314026188"/>
       </p:ext>
     </p:extLst>
   </p:cSld>
@@ -4017,96 +4470,62 @@
             <a:pPr lvl="1"/>
             <a:r>
               <a:rPr lang="en-US" dirty="0"/>
-              <a:t>Conventional carbonate field, naturally fractured, mixed wet</a:t>
+              <a:t>Conventional reservoirs, deep fields, high temperature</a:t>
             </a:r>
           </a:p>
           <a:p>
             <a:pPr lvl="1"/>
             <a:r>
               <a:rPr lang="en-US" dirty="0"/>
-              <a:t>Large models, field scale</a:t>
+              <a:t>Sandstone or carbonates (naturally fracture)</a:t>
             </a:r>
           </a:p>
           <a:p>
             <a:pPr lvl="1"/>
             <a:r>
               <a:rPr lang="en-US" dirty="0"/>
-              <a:t>Permeable matrix</a:t>
+              <a:t>Shale or salt caprock</a:t>
             </a:r>
           </a:p>
           <a:p>
             <a:pPr lvl="1"/>
             <a:r>
               <a:rPr lang="en-US" dirty="0"/>
-              <a:t>Wells are acidized (not fractured)</a:t>
+              <a:t>Salt caverns</a:t>
+            </a:r>
+          </a:p>
+          <a:p>
+            <a:r>
+              <a:rPr lang="en-US" dirty="0"/>
+              <a:t>The problem</a:t>
             </a:r>
           </a:p>
           <a:p>
             <a:pPr lvl="1"/>
             <a:r>
               <a:rPr lang="en-US" dirty="0"/>
-              <a:t>Fractures provide additional permeability</a:t>
-            </a:r>
-          </a:p>
-          <a:p>
-            <a:r>
-              <a:rPr lang="en-US" dirty="0"/>
-              <a:t>The problem</a:t>
+              <a:t>Multiphysics fracture nucleation and tracking are difficult to model as it happens in multiple scales (space and time)</a:t>
             </a:r>
           </a:p>
           <a:p>
             <a:pPr lvl="1"/>
             <a:r>
               <a:rPr lang="en-US" dirty="0"/>
-              <a:t>Description of the natural fracture network ignores important physics</a:t>
+              <a:t>Long term cold fluid injection thermally stresses the rock, hydraulic fractures are likely to occur</a:t>
             </a:r>
           </a:p>
           <a:p>
             <a:pPr lvl="1"/>
             <a:r>
               <a:rPr lang="en-US" dirty="0"/>
-              <a:t>Mass transference parameters are mostly based on history matching</a:t>
+              <a:t>Salt caverns designs for cyclic storage and abandonment</a:t>
             </a:r>
           </a:p>
           <a:p>
             <a:pPr lvl="1"/>
             <a:r>
               <a:rPr lang="en-US" dirty="0"/>
-              <a:t>Multiphase flow is not adequately treated in the interface fracture-matrix</a:t>
-            </a:r>
-          </a:p>
-          <a:p>
-            <a:pPr lvl="1"/>
-            <a:r>
-              <a:rPr lang="en-US" dirty="0"/>
-              <a:t>Models with detailed fractures are numerical impractical</a:t>
-            </a:r>
-          </a:p>
-          <a:p>
-            <a:r>
-              <a:rPr lang="en-US" dirty="0"/>
-              <a:t>Objective</a:t>
-            </a:r>
-          </a:p>
-          <a:p>
-            <a:pPr lvl="1"/>
-            <a:r>
-              <a:rPr lang="en-US" dirty="0"/>
-              <a:t>Enhance the understanding of the field based on numerical simulation</a:t>
-            </a:r>
-          </a:p>
-          <a:p>
-            <a:pPr lvl="1"/>
-            <a:r>
-              <a:rPr lang="en-US" dirty="0"/>
-              <a:t>Promote better communication between geoscientists and numerical simulation</a:t>
-            </a:r>
-          </a:p>
-          <a:p>
-            <a:pPr lvl="1"/>
-            <a:r>
-              <a:rPr lang="en-US" dirty="0"/>
-              <a:t>Enable the description of a fracture network based on high level parameters (wettability, fracture network density, fracture genesis </a:t>
+              <a:t>Many physical processes concur with similar characteristic time and length (elasticity, plasticity, pressure and heat dissipation, creep </a:t>
             </a:r>
             <a:r>
               <a:rPr lang="en-US" dirty="0" err="1"/>
@@ -4118,10 +4537,44 @@
             </a:r>
           </a:p>
           <a:p>
+            <a:r>
+              <a:rPr lang="en-US" dirty="0"/>
+              <a:t>Objective</a:t>
+            </a:r>
+          </a:p>
+          <a:p>
             <a:pPr lvl="1"/>
             <a:r>
               <a:rPr lang="en-US" dirty="0"/>
-              <a:t>Assimilation of geological understanding to the numerical models</a:t>
+              <a:t>Understand the mechanics of long term effects of cold water and gas injection for EOR and storage</a:t>
+            </a:r>
+          </a:p>
+          <a:p>
+            <a:pPr lvl="1"/>
+            <a:r>
+              <a:rPr lang="en-US" dirty="0"/>
+              <a:t>Operate with highest possible injection rates (safety!)</a:t>
+            </a:r>
+          </a:p>
+          <a:p>
+            <a:pPr lvl="1"/>
+            <a:r>
+              <a:rPr lang="en-US" dirty="0"/>
+              <a:t>Enable long term fluid injection above the fracturing pressure (produced water)</a:t>
+            </a:r>
+          </a:p>
+          <a:p>
+            <a:pPr lvl="1"/>
+            <a:r>
+              <a:rPr lang="en-US" dirty="0"/>
+              <a:t>Promote safety and fluid containment. Support regulations</a:t>
+            </a:r>
+          </a:p>
+          <a:p>
+            <a:pPr lvl="1"/>
+            <a:r>
+              <a:rPr lang="en-US" dirty="0"/>
+              <a:t>Possible to apply to salt caverns</a:t>
             </a:r>
           </a:p>
           <a:p>
@@ -4134,21 +4587,28 @@
             <a:pPr lvl="1"/>
             <a:r>
               <a:rPr lang="en-US" dirty="0"/>
-              <a:t>Understand geological geometries and hydraulic characteristics of natural fractures</a:t>
+              <a:t>Multiscale simulations around the injection wells</a:t>
             </a:r>
           </a:p>
           <a:p>
             <a:pPr lvl="1"/>
             <a:r>
               <a:rPr lang="en-US" dirty="0"/>
-              <a:t>Understand the limitations of current models, especially multiphase and closed fractures</a:t>
+              <a:t>Fracture propagation is driven by small scale phenomena</a:t>
             </a:r>
           </a:p>
           <a:p>
             <a:pPr lvl="1"/>
             <a:r>
               <a:rPr lang="en-US" dirty="0"/>
-              <a:t>Implement a preprocessor to embed fractures optimally, keeping the model numerically reasonable</a:t>
+              <a:t>Propose a set of parameters to embed small-scale findings to field scale simulations</a:t>
+            </a:r>
+          </a:p>
+          <a:p>
+            <a:pPr lvl="1"/>
+            <a:r>
+              <a:rPr lang="en-US" dirty="0"/>
+              <a:t>Create a large database with the small scale simulations =&gt; AI to feed field scale fracture models</a:t>
             </a:r>
           </a:p>
         </p:txBody>
@@ -4176,238 +4636,7 @@
           <a:p>
             <a:r>
               <a:rPr lang="en-US" dirty="0"/>
-              <a:t>PROBLEM #1</a:t>
-            </a:r>
-          </a:p>
-        </p:txBody>
-      </p:sp>
-    </p:spTree>
-    <p:extLst>
-      <p:ext uri="{BB962C8B-B14F-4D97-AF65-F5344CB8AC3E}">
-        <p14:creationId xmlns:p14="http://schemas.microsoft.com/office/powerpoint/2010/main" val="314026188"/>
-      </p:ext>
-    </p:extLst>
-  </p:cSld>
-  <p:clrMapOvr>
-    <a:masterClrMapping/>
-  </p:clrMapOvr>
-</p:sld>
-</file>
-
-<file path=ppt/slides/slide6.xml><?xml version="1.0" encoding="utf-8"?>
-<p:sld xmlns:a="http://schemas.openxmlformats.org/drawingml/2006/main" xmlns:r="http://schemas.openxmlformats.org/officeDocument/2006/relationships" xmlns:p="http://schemas.openxmlformats.org/presentationml/2006/main">
-  <p:cSld>
-    <p:spTree>
-      <p:nvGrpSpPr>
-        <p:cNvPr id="1" name=""/>
-        <p:cNvGrpSpPr/>
-        <p:nvPr/>
-      </p:nvGrpSpPr>
-      <p:grpSpPr>
-        <a:xfrm>
-          <a:off x="0" y="0"/>
-          <a:ext cx="0" cy="0"/>
-          <a:chOff x="0" y="0"/>
-          <a:chExt cx="0" cy="0"/>
-        </a:xfrm>
-      </p:grpSpPr>
-      <p:sp>
-        <p:nvSpPr>
-          <p:cNvPr id="2" name="Text Placeholder 1">
-            <a:extLst>
-              <a:ext uri="{FF2B5EF4-FFF2-40B4-BE49-F238E27FC236}">
-                <a16:creationId xmlns:a16="http://schemas.microsoft.com/office/drawing/2014/main" id="{96646901-E1F7-C9FC-22CC-30300204CADC}"/>
-              </a:ext>
-            </a:extLst>
-          </p:cNvPr>
-          <p:cNvSpPr>
-            <a:spLocks noGrp="1"/>
-          </p:cNvSpPr>
-          <p:nvPr>
-            <p:ph type="body" sz="quarter" idx="11"/>
-          </p:nvPr>
-        </p:nvSpPr>
-        <p:spPr/>
-        <p:txBody>
-          <a:bodyPr/>
-          <a:lstStyle/>
-          <a:p>
-            <a:r>
-              <a:rPr lang="en-US" dirty="0"/>
-              <a:t>Object of study</a:t>
-            </a:r>
-          </a:p>
-          <a:p>
-            <a:pPr lvl="1"/>
-            <a:r>
-              <a:rPr lang="en-US" dirty="0"/>
-              <a:t>Deep fields, hot formation</a:t>
-            </a:r>
-          </a:p>
-          <a:p>
-            <a:pPr lvl="1"/>
-            <a:r>
-              <a:rPr lang="en-US" dirty="0"/>
-              <a:t>Sandstone or carbonates</a:t>
-            </a:r>
-          </a:p>
-          <a:p>
-            <a:pPr lvl="1"/>
-            <a:r>
-              <a:rPr lang="en-US" dirty="0"/>
-              <a:t>Shale or salt caprock</a:t>
-            </a:r>
-          </a:p>
-          <a:p>
-            <a:pPr lvl="1"/>
-            <a:r>
-              <a:rPr lang="en-US" dirty="0"/>
-              <a:t>Salt caverns</a:t>
-            </a:r>
-          </a:p>
-          <a:p>
-            <a:r>
-              <a:rPr lang="en-US" dirty="0"/>
-              <a:t>The problem</a:t>
-            </a:r>
-          </a:p>
-          <a:p>
-            <a:pPr lvl="1"/>
-            <a:r>
-              <a:rPr lang="en-US" dirty="0"/>
-              <a:t>Multiphysics fracture nucleation and tracking are difficult to model as it happens in multiple scales (space and time)</a:t>
-            </a:r>
-          </a:p>
-          <a:p>
-            <a:pPr lvl="1"/>
-            <a:r>
-              <a:rPr lang="en-US" dirty="0"/>
-              <a:t>Long term cold fluid injection thermally stresses the rock, hydraulic fractures are likely to occur</a:t>
-            </a:r>
-          </a:p>
-          <a:p>
-            <a:pPr lvl="1"/>
-            <a:r>
-              <a:rPr lang="en-US" dirty="0"/>
-              <a:t>Salt caverns designs for cyclic storage and abandonment</a:t>
-            </a:r>
-          </a:p>
-          <a:p>
-            <a:pPr lvl="1"/>
-            <a:r>
-              <a:rPr lang="en-US" dirty="0"/>
-              <a:t>Many physical processes concur with similar characteristic time and length (elasticity, plasticity, pressure and heat dissipation, creep </a:t>
-            </a:r>
-            <a:r>
-              <a:rPr lang="en-US" dirty="0" err="1"/>
-              <a:t>etc</a:t>
-            </a:r>
-            <a:r>
-              <a:rPr lang="en-US" dirty="0"/>
-              <a:t>)</a:t>
-            </a:r>
-          </a:p>
-          <a:p>
-            <a:r>
-              <a:rPr lang="en-US" dirty="0"/>
-              <a:t>Objective</a:t>
-            </a:r>
-          </a:p>
-          <a:p>
-            <a:pPr lvl="1"/>
-            <a:r>
-              <a:rPr lang="en-US" dirty="0"/>
-              <a:t>Understand the mechanics of long term effects of cold water and gas injection for EOR and storage</a:t>
-            </a:r>
-          </a:p>
-          <a:p>
-            <a:pPr lvl="1"/>
-            <a:r>
-              <a:rPr lang="en-US" dirty="0"/>
-              <a:t>Operate with highest possible injection rates (safety!)</a:t>
-            </a:r>
-          </a:p>
-          <a:p>
-            <a:pPr lvl="1"/>
-            <a:r>
-              <a:rPr lang="en-US" dirty="0"/>
-              <a:t>Enable long term fluid injection above the fracturing pressure (produced water)</a:t>
-            </a:r>
-          </a:p>
-          <a:p>
-            <a:pPr lvl="1"/>
-            <a:r>
-              <a:rPr lang="en-US" dirty="0"/>
-              <a:t>Promote safety and fluid containment. Support regulations</a:t>
-            </a:r>
-          </a:p>
-          <a:p>
-            <a:pPr lvl="1"/>
-            <a:r>
-              <a:rPr lang="en-US" dirty="0"/>
-              <a:t>Application to salt caverns</a:t>
-            </a:r>
-          </a:p>
-          <a:p>
-            <a:r>
-              <a:rPr lang="en-US" dirty="0"/>
-              <a:t>Methodology</a:t>
-            </a:r>
-          </a:p>
-          <a:p>
-            <a:pPr lvl="1"/>
-            <a:r>
-              <a:rPr lang="en-US" dirty="0"/>
-              <a:t>Multiscale simulations around the injection wells</a:t>
-            </a:r>
-          </a:p>
-          <a:p>
-            <a:pPr lvl="1"/>
-            <a:r>
-              <a:rPr lang="en-US" dirty="0"/>
-              <a:t>Fracture propagation is driven by small scale phenomena</a:t>
-            </a:r>
-          </a:p>
-          <a:p>
-            <a:pPr lvl="1"/>
-            <a:r>
-              <a:rPr lang="en-US" dirty="0"/>
-              <a:t>Propose a set of parameters to embed small-scale findings to field scale simulations</a:t>
-            </a:r>
-          </a:p>
-          <a:p>
-            <a:pPr lvl="1"/>
-            <a:r>
-              <a:rPr lang="en-US" dirty="0"/>
-              <a:t>Create a large database with the small scale simulations =&gt; AI to feed field scale fracture models</a:t>
-            </a:r>
-          </a:p>
-        </p:txBody>
-      </p:sp>
-      <p:sp>
-        <p:nvSpPr>
-          <p:cNvPr id="3" name="Title 2">
-            <a:extLst>
-              <a:ext uri="{FF2B5EF4-FFF2-40B4-BE49-F238E27FC236}">
-                <a16:creationId xmlns:a16="http://schemas.microsoft.com/office/drawing/2014/main" id="{34C60A47-EBB6-091D-C027-1403C1B677C8}"/>
-              </a:ext>
-            </a:extLst>
-          </p:cNvPr>
-          <p:cNvSpPr>
-            <a:spLocks noGrp="1"/>
-          </p:cNvSpPr>
-          <p:nvPr>
-            <p:ph type="title"/>
-          </p:nvPr>
-        </p:nvSpPr>
-        <p:spPr/>
-        <p:txBody>
-          <a:bodyPr/>
-          <a:lstStyle/>
-          <a:p>
-            <a:r>
-              <a:rPr lang="en-US" dirty="0"/>
-              <a:t>PROBLEM #2</a:t>
+              <a:t>FRAMING THE PROBLEM</a:t>
             </a:r>
           </a:p>
         </p:txBody>
@@ -4425,7 +4654,7 @@
 </p:sld>
 </file>
 
-<file path=ppt/slides/slide7.xml><?xml version="1.0" encoding="utf-8"?>
+<file path=ppt/slides/slide6.xml><?xml version="1.0" encoding="utf-8"?>
 <p:sld xmlns:a="http://schemas.openxmlformats.org/drawingml/2006/main" xmlns:r="http://schemas.openxmlformats.org/officeDocument/2006/relationships" xmlns:p="http://schemas.openxmlformats.org/presentationml/2006/main">
   <p:cSld>
     <p:bg>
@@ -4790,7 +5019,7 @@
 </p:sld>
 </file>
 
-<file path=ppt/slides/slide8.xml><?xml version="1.0" encoding="utf-8"?>
+<file path=ppt/slides/slide7.xml><?xml version="1.0" encoding="utf-8"?>
 <p:sld xmlns:a="http://schemas.openxmlformats.org/drawingml/2006/main" xmlns:r="http://schemas.openxmlformats.org/officeDocument/2006/relationships" xmlns:p="http://schemas.openxmlformats.org/presentationml/2006/main">
   <p:cSld>
     <p:spTree>
@@ -4970,7 +5199,7 @@
 </p:sld>
 </file>
 
-<file path=ppt/slides/slide9.xml><?xml version="1.0" encoding="utf-8"?>
+<file path=ppt/slides/slide8.xml><?xml version="1.0" encoding="utf-8"?>
 <p:sld xmlns:a="http://schemas.openxmlformats.org/drawingml/2006/main" xmlns:r="http://schemas.openxmlformats.org/officeDocument/2006/relationships" xmlns:p="http://schemas.openxmlformats.org/presentationml/2006/main">
   <p:cSld>
     <p:spTree>
@@ -5290,6 +5519,302 @@
                 <a:tab pos="458280" algn="l"/>
               </a:tabLst>
             </a:pPr>
+            <a:endParaRPr lang="en-US" sz="1800" b="0" strike="noStrike" spc="-1">
+              <a:solidFill>
+                <a:srgbClr val="000000"/>
+              </a:solidFill>
+              <a:latin typeface="Arial"/>
+            </a:endParaRPr>
+          </a:p>
+        </p:txBody>
+      </p:sp>
+    </p:spTree>
+  </p:cSld>
+  <p:clrMapOvr>
+    <a:masterClrMapping/>
+  </p:clrMapOvr>
+</p:sld>
+</file>
+
+<file path=ppt/slides/slide9.xml><?xml version="1.0" encoding="utf-8"?>
+<p:sld xmlns:a="http://schemas.openxmlformats.org/drawingml/2006/main" xmlns:r="http://schemas.openxmlformats.org/officeDocument/2006/relationships" xmlns:p="http://schemas.openxmlformats.org/presentationml/2006/main">
+  <p:cSld>
+    <p:spTree>
+      <p:nvGrpSpPr>
+        <p:cNvPr id="1" name=""/>
+        <p:cNvGrpSpPr/>
+        <p:nvPr/>
+      </p:nvGrpSpPr>
+      <p:grpSpPr>
+        <a:xfrm>
+          <a:off x="0" y="0"/>
+          <a:ext cx="0" cy="0"/>
+          <a:chOff x="0" y="0"/>
+          <a:chExt cx="0" cy="0"/>
+        </a:xfrm>
+      </p:grpSpPr>
+      <p:sp>
+        <p:nvSpPr>
+          <p:cNvPr id="105" name="PlaceHolder 1"/>
+          <p:cNvSpPr>
+            <a:spLocks noGrp="1"/>
+          </p:cNvSpPr>
+          <p:nvPr>
+            <p:ph type="title" idx="4294967295"/>
+          </p:nvPr>
+        </p:nvSpPr>
+        <p:spPr>
+          <a:xfrm>
+            <a:off x="0" y="46038"/>
+            <a:ext cx="8075613" cy="228600"/>
+          </a:xfrm>
+          <a:prstGeom prst="rect">
+            <a:avLst/>
+          </a:prstGeom>
+          <a:noFill/>
+          <a:ln w="0">
+            <a:noFill/>
+          </a:ln>
+        </p:spPr>
+        <p:txBody>
+          <a:bodyPr lIns="0" tIns="0" rIns="0" bIns="0" anchor="ctr">
+            <a:noAutofit/>
+          </a:bodyPr>
+          <a:lstStyle/>
+          <a:p>
+            <a:pPr indent="0">
+              <a:buNone/>
+            </a:pPr>
+            <a:r>
+              <a:rPr lang="en-US" sz="1600" b="1" strike="noStrike" spc="-1">
+                <a:solidFill>
+                  <a:srgbClr val="FFFFFF"/>
+                </a:solidFill>
+                <a:latin typeface="Arial"/>
+              </a:rPr>
+              <a:t>SALT MECHANICS</a:t>
+            </a:r>
+          </a:p>
+        </p:txBody>
+      </p:sp>
+      <p:sp>
+        <p:nvSpPr>
+          <p:cNvPr id="106" name="CaixaDeTexto 105"/>
+          <p:cNvSpPr txBox="1"/>
+          <p:nvPr/>
+        </p:nvSpPr>
+        <p:spPr>
+          <a:xfrm>
+            <a:off x="228600" y="457200"/>
+            <a:ext cx="8686800" cy="3910680"/>
+          </a:xfrm>
+          <a:prstGeom prst="rect">
+            <a:avLst/>
+          </a:prstGeom>
+          <a:noFill/>
+          <a:ln w="0">
+            <a:noFill/>
+          </a:ln>
+          <a:effectLst>
+            <a:outerShdw blurRad="12600" dist="12727" dir="2700000" rotWithShape="0">
+              <a:srgbClr val="808080"/>
+            </a:outerShdw>
+          </a:effectLst>
+        </p:spPr>
+        <p:txBody>
+          <a:bodyPr lIns="90000" tIns="45000" rIns="90000" bIns="45000" anchor="t">
+            <a:noAutofit/>
+          </a:bodyPr>
+          <a:lstStyle/>
+          <a:p>
+            <a:r>
+              <a:rPr lang="en-US" sz="1800" b="0" strike="noStrike" spc="-1">
+                <a:solidFill>
+                  <a:srgbClr val="000000"/>
+                </a:solidFill>
+                <a:latin typeface="TeX Gyre Termes"/>
+                <a:ea typeface="TexMaths Symbols"/>
+              </a:rPr>
+              <a:t>Physiscs: creep, fracture, stress relaxation, long term conformation (geologic time)</a:t>
+            </a:r>
+            <a:endParaRPr lang="en-US" sz="1800" b="0" strike="noStrike" spc="-1">
+              <a:solidFill>
+                <a:srgbClr val="000000"/>
+              </a:solidFill>
+              <a:latin typeface="Arial"/>
+            </a:endParaRPr>
+          </a:p>
+          <a:p>
+            <a:r>
+              <a:rPr lang="en-US" sz="1800" b="0" strike="noStrike" spc="-1">
+                <a:solidFill>
+                  <a:srgbClr val="000000"/>
+                </a:solidFill>
+                <a:latin typeface="TeX Gyre Termes"/>
+                <a:ea typeface="TexMaths Symbols"/>
+              </a:rPr>
+              <a:t>Large strains model</a:t>
+            </a:r>
+            <a:endParaRPr lang="en-US" sz="1800" b="0" strike="noStrike" spc="-1">
+              <a:solidFill>
+                <a:srgbClr val="000000"/>
+              </a:solidFill>
+              <a:latin typeface="Arial"/>
+            </a:endParaRPr>
+          </a:p>
+          <a:p>
+            <a:r>
+              <a:rPr lang="en-US" sz="1800" b="0" strike="noStrike" spc="-1">
+                <a:solidFill>
+                  <a:srgbClr val="000000"/>
+                </a:solidFill>
+                <a:latin typeface="TeX Gyre Termes"/>
+                <a:ea typeface="TexMaths Symbols"/>
+              </a:rPr>
+              <a:t>Risk assessment </a:t>
+            </a:r>
+            <a:endParaRPr lang="en-US" sz="1800" b="0" strike="noStrike" spc="-1">
+              <a:solidFill>
+                <a:srgbClr val="000000"/>
+              </a:solidFill>
+              <a:latin typeface="Arial"/>
+            </a:endParaRPr>
+          </a:p>
+          <a:p>
+            <a:r>
+              <a:rPr lang="en-US" sz="1800" b="0" strike="noStrike" spc="-1">
+                <a:solidFill>
+                  <a:srgbClr val="000000"/>
+                </a:solidFill>
+                <a:latin typeface="TeX Gyre Termes"/>
+                <a:ea typeface="TexMaths Symbols"/>
+              </a:rPr>
+              <a:t>	Analyze worst case scenarios, use of safety coefficients</a:t>
+            </a:r>
+            <a:endParaRPr lang="en-US" sz="1800" b="0" strike="noStrike" spc="-1">
+              <a:solidFill>
+                <a:srgbClr val="000000"/>
+              </a:solidFill>
+              <a:latin typeface="Arial"/>
+            </a:endParaRPr>
+          </a:p>
+          <a:p>
+            <a:r>
+              <a:rPr lang="en-US" sz="1800" b="0" strike="noStrike" spc="-1">
+                <a:solidFill>
+                  <a:srgbClr val="000000"/>
+                </a:solidFill>
+                <a:latin typeface="TeX Gyre Termes"/>
+                <a:ea typeface="TexMaths Symbols"/>
+              </a:rPr>
+              <a:t>Mechanic dynamic of salt targetting process optimization</a:t>
+            </a:r>
+            <a:endParaRPr lang="en-US" sz="1800" b="0" strike="noStrike" spc="-1">
+              <a:solidFill>
+                <a:srgbClr val="000000"/>
+              </a:solidFill>
+              <a:latin typeface="Arial"/>
+            </a:endParaRPr>
+          </a:p>
+          <a:p>
+            <a:pPr>
+              <a:lnSpc>
+                <a:spcPct val="100000"/>
+              </a:lnSpc>
+              <a:tabLst>
+                <a:tab pos="455760" algn="l"/>
+              </a:tabLst>
+            </a:pPr>
+            <a:r>
+              <a:rPr lang="en-US" sz="1800" b="0" strike="noStrike" spc="-1">
+                <a:solidFill>
+                  <a:srgbClr val="000000"/>
+                </a:solidFill>
+                <a:latin typeface="TeX Gyre Termes"/>
+                <a:ea typeface="TexMaths Symbols"/>
+              </a:rPr>
+              <a:t>	Uncertainty analysis to support design decisions</a:t>
+            </a:r>
+            <a:endParaRPr lang="en-US" sz="1800" b="0" strike="noStrike" spc="-1">
+              <a:solidFill>
+                <a:srgbClr val="000000"/>
+              </a:solidFill>
+              <a:latin typeface="Arial"/>
+            </a:endParaRPr>
+          </a:p>
+          <a:p>
+            <a:pPr>
+              <a:lnSpc>
+                <a:spcPct val="100000"/>
+              </a:lnSpc>
+              <a:tabLst>
+                <a:tab pos="455760" algn="l"/>
+              </a:tabLst>
+            </a:pPr>
+            <a:r>
+              <a:rPr lang="en-US" sz="1800" b="0" strike="noStrike" spc="-1">
+                <a:solidFill>
+                  <a:srgbClr val="000000"/>
+                </a:solidFill>
+                <a:latin typeface="TeX Gyre Termes"/>
+                <a:ea typeface="TexMaths Symbols"/>
+              </a:rPr>
+              <a:t>	Fractures, deviatoric strain relaxation</a:t>
+            </a:r>
+            <a:endParaRPr lang="en-US" sz="1800" b="0" strike="noStrike" spc="-1">
+              <a:solidFill>
+                <a:srgbClr val="000000"/>
+              </a:solidFill>
+              <a:latin typeface="Arial"/>
+            </a:endParaRPr>
+          </a:p>
+          <a:p>
+            <a:r>
+              <a:rPr lang="en-US" sz="1800" b="0" strike="noStrike" spc="-1">
+                <a:solidFill>
+                  <a:srgbClr val="000000"/>
+                </a:solidFill>
+                <a:latin typeface="TeX Gyre Termes"/>
+                <a:ea typeface="TexMaths Symbols"/>
+              </a:rPr>
+              <a:t>Specific applications – case study</a:t>
+            </a:r>
+            <a:endParaRPr lang="en-US" sz="1800" b="0" strike="noStrike" spc="-1">
+              <a:solidFill>
+                <a:srgbClr val="000000"/>
+              </a:solidFill>
+              <a:latin typeface="Arial"/>
+            </a:endParaRPr>
+          </a:p>
+          <a:p>
+            <a:r>
+              <a:rPr lang="en-US" sz="1800" b="0" strike="noStrike" spc="-1">
+                <a:solidFill>
+                  <a:srgbClr val="000000"/>
+                </a:solidFill>
+                <a:latin typeface="TeX Gyre Termes"/>
+                <a:ea typeface="TexMaths Symbols"/>
+              </a:rPr>
+              <a:t>	Salt caverns</a:t>
+            </a:r>
+            <a:endParaRPr lang="en-US" sz="1800" b="0" strike="noStrike" spc="-1">
+              <a:solidFill>
+                <a:srgbClr val="000000"/>
+              </a:solidFill>
+              <a:latin typeface="Arial"/>
+            </a:endParaRPr>
+          </a:p>
+          <a:p>
+            <a:r>
+              <a:rPr lang="en-US" sz="1800" b="0" strike="noStrike" spc="-1">
+                <a:solidFill>
+                  <a:srgbClr val="000000"/>
+                </a:solidFill>
+                <a:latin typeface="TeX Gyre Termes"/>
+                <a:ea typeface="TexMaths Symbols"/>
+              </a:rPr>
+              <a:t>	Salt as a caprock</a:t>
+            </a:r>
             <a:endParaRPr lang="en-US" sz="1800" b="0" strike="noStrike" spc="-1">
               <a:solidFill>
                 <a:srgbClr val="000000"/>

--- a/Research/2023-12-Research-plan.pptx
+++ b/Research/2023-12-Research-plan.pptx
@@ -5,25 +5,24 @@
     <p:sldMasterId id="2147483673" r:id="rId1"/>
   </p:sldMasterIdLst>
   <p:notesMasterIdLst>
-    <p:notesMasterId r:id="rId15"/>
+    <p:notesMasterId r:id="rId14"/>
   </p:notesMasterIdLst>
   <p:handoutMasterIdLst>
-    <p:handoutMasterId r:id="rId16"/>
+    <p:handoutMasterId r:id="rId15"/>
   </p:handoutMasterIdLst>
   <p:sldIdLst>
     <p:sldId id="256" r:id="rId2"/>
     <p:sldId id="264" r:id="rId3"/>
     <p:sldId id="257" r:id="rId4"/>
     <p:sldId id="265" r:id="rId5"/>
-    <p:sldId id="267" r:id="rId6"/>
-    <p:sldId id="258" r:id="rId7"/>
-    <p:sldId id="259" r:id="rId8"/>
-    <p:sldId id="260" r:id="rId9"/>
-    <p:sldId id="261" r:id="rId10"/>
-    <p:sldId id="262" r:id="rId11"/>
-    <p:sldId id="263" r:id="rId12"/>
-    <p:sldId id="268" r:id="rId13"/>
-    <p:sldId id="266" r:id="rId14"/>
+    <p:sldId id="266" r:id="rId6"/>
+    <p:sldId id="267" r:id="rId7"/>
+    <p:sldId id="258" r:id="rId8"/>
+    <p:sldId id="259" r:id="rId9"/>
+    <p:sldId id="260" r:id="rId10"/>
+    <p:sldId id="261" r:id="rId11"/>
+    <p:sldId id="262" r:id="rId12"/>
+    <p:sldId id="263" r:id="rId13"/>
   </p:sldIdLst>
   <p:sldSz cx="9144000" cy="5143500" type="screen16x9"/>
   <p:notesSz cx="6858000" cy="9313863"/>
@@ -227,7 +226,7 @@
           <a:p>
             <a:fld id="{C6EDAEBB-763F-4AE6-A37D-8CC9BE14BFA8}" type="datetimeFigureOut">
               <a:rPr lang="en-US" smtClean="0"/>
-              <a:t>2/13/2024</a:t>
+              <a:t>3/10/2024</a:t>
             </a:fld>
             <a:endParaRPr lang="en-US"/>
           </a:p>
@@ -1196,7 +1195,7 @@
                 <a:latin typeface="Arial"/>
                 <a:ea typeface="ヒラギノ角ゴ Pro W3"/>
               </a:rPr>
-              <a:t>6</a:t>
+              <a:t>7</a:t>
             </a:fld>
             <a:endParaRPr lang="en-US" sz="1200" b="0" strike="noStrike" spc="-1">
               <a:solidFill>
@@ -1208,192 +1207,6 @@
         </p:txBody>
       </p:sp>
     </p:spTree>
-  </p:cSld>
-  <p:clrMapOvr>
-    <a:masterClrMapping/>
-  </p:clrMapOvr>
-</p:notes>
-</file>
-
-<file path=ppt/notesSlides/notesSlide4.xml><?xml version="1.0" encoding="utf-8"?>
-<p:notes xmlns:a="http://schemas.openxmlformats.org/drawingml/2006/main" xmlns:r="http://schemas.openxmlformats.org/officeDocument/2006/relationships" xmlns:p="http://schemas.openxmlformats.org/presentationml/2006/main">
-  <p:cSld>
-    <p:spTree>
-      <p:nvGrpSpPr>
-        <p:cNvPr id="1" name="">
-          <a:extLst>
-            <a:ext uri="{FF2B5EF4-FFF2-40B4-BE49-F238E27FC236}">
-              <a16:creationId xmlns:a16="http://schemas.microsoft.com/office/drawing/2014/main" id="{A723FF40-9BF2-ECEF-4041-5A19A01A7116}"/>
-            </a:ext>
-          </a:extLst>
-        </p:cNvPr>
-        <p:cNvGrpSpPr/>
-        <p:nvPr/>
-      </p:nvGrpSpPr>
-      <p:grpSpPr>
-        <a:xfrm>
-          <a:off x="0" y="0"/>
-          <a:ext cx="0" cy="0"/>
-          <a:chOff x="0" y="0"/>
-          <a:chExt cx="0" cy="0"/>
-        </a:xfrm>
-      </p:grpSpPr>
-      <p:sp>
-        <p:nvSpPr>
-          <p:cNvPr id="109" name="PlaceHolder 1">
-            <a:extLst>
-              <a:ext uri="{FF2B5EF4-FFF2-40B4-BE49-F238E27FC236}">
-                <a16:creationId xmlns:a16="http://schemas.microsoft.com/office/drawing/2014/main" id="{216D44E8-18A4-F958-5CFB-E842AFB63C59}"/>
-              </a:ext>
-            </a:extLst>
-          </p:cNvPr>
-          <p:cNvSpPr>
-            <a:spLocks noGrp="1" noRot="1" noChangeAspect="1"/>
-          </p:cNvSpPr>
-          <p:nvPr>
-            <p:ph type="sldImg"/>
-          </p:nvPr>
-        </p:nvSpPr>
-        <p:spPr>
-          <a:xfrm>
-            <a:off x="327025" y="700088"/>
-            <a:ext cx="6203950" cy="3490912"/>
-          </a:xfrm>
-          <a:prstGeom prst="rect">
-            <a:avLst/>
-          </a:prstGeom>
-          <a:ln w="0">
-            <a:noFill/>
-          </a:ln>
-        </p:spPr>
-      </p:sp>
-      <p:sp>
-        <p:nvSpPr>
-          <p:cNvPr id="110" name="PlaceHolder 2">
-            <a:extLst>
-              <a:ext uri="{FF2B5EF4-FFF2-40B4-BE49-F238E27FC236}">
-                <a16:creationId xmlns:a16="http://schemas.microsoft.com/office/drawing/2014/main" id="{4E01F001-DA34-7704-32D8-E47E05F944C7}"/>
-              </a:ext>
-            </a:extLst>
-          </p:cNvPr>
-          <p:cNvSpPr>
-            <a:spLocks noGrp="1"/>
-          </p:cNvSpPr>
-          <p:nvPr>
-            <p:ph type="body"/>
-          </p:nvPr>
-        </p:nvSpPr>
-        <p:spPr>
-          <a:xfrm>
-            <a:off x="685800" y="4424040"/>
-            <a:ext cx="5486040" cy="4190760"/>
-          </a:xfrm>
-          <a:prstGeom prst="rect">
-            <a:avLst/>
-          </a:prstGeom>
-          <a:noFill/>
-          <a:ln w="9360">
-            <a:noFill/>
-          </a:ln>
-        </p:spPr>
-        <p:txBody>
-          <a:bodyPr lIns="91440" tIns="45720" rIns="91440" bIns="45720" numCol="1" spcCol="0" anchor="t">
-            <a:noAutofit/>
-          </a:bodyPr>
-          <a:lstStyle/>
-          <a:p>
-            <a:pPr marL="216000" indent="0">
-              <a:buNone/>
-            </a:pPr>
-            <a:endParaRPr lang="en-US" sz="1800" b="0" strike="noStrike" spc="-1">
-              <a:solidFill>
-                <a:srgbClr val="000000"/>
-              </a:solidFill>
-              <a:latin typeface="Arial"/>
-            </a:endParaRPr>
-          </a:p>
-        </p:txBody>
-      </p:sp>
-      <p:sp>
-        <p:nvSpPr>
-          <p:cNvPr id="111" name="PlaceHolder 3">
-            <a:extLst>
-              <a:ext uri="{FF2B5EF4-FFF2-40B4-BE49-F238E27FC236}">
-                <a16:creationId xmlns:a16="http://schemas.microsoft.com/office/drawing/2014/main" id="{37B018E2-88F2-3026-83FF-FDC5BBFF65A1}"/>
-              </a:ext>
-            </a:extLst>
-          </p:cNvPr>
-          <p:cNvSpPr>
-            <a:spLocks noGrp="1"/>
-          </p:cNvSpPr>
-          <p:nvPr>
-            <p:ph type="sldNum" idx="4"/>
-          </p:nvPr>
-        </p:nvSpPr>
-        <p:spPr>
-          <a:xfrm>
-            <a:off x="3884760" y="8846640"/>
-            <a:ext cx="2971440" cy="465480"/>
-          </a:xfrm>
-          <a:prstGeom prst="rect">
-            <a:avLst/>
-          </a:prstGeom>
-          <a:noFill/>
-          <a:ln w="9360">
-            <a:noFill/>
-          </a:ln>
-        </p:spPr>
-        <p:txBody>
-          <a:bodyPr lIns="91440" tIns="45720" rIns="91440" bIns="45720" numCol="1" spcCol="0" anchor="b">
-            <a:noAutofit/>
-          </a:bodyPr>
-          <a:lstStyle>
-            <a:lvl1pPr indent="0" algn="r">
-              <a:lnSpc>
-                <a:spcPct val="100000"/>
-              </a:lnSpc>
-              <a:buNone/>
-              <a:defRPr lang="en-US" sz="1200" b="0" strike="noStrike" spc="-1">
-                <a:solidFill>
-                  <a:schemeClr val="dk1"/>
-                </a:solidFill>
-                <a:latin typeface="Arial"/>
-                <a:ea typeface="ヒラギノ角ゴ Pro W3"/>
-              </a:defRPr>
-            </a:lvl1pPr>
-          </a:lstStyle>
-          <a:p>
-            <a:pPr indent="0" algn="r">
-              <a:lnSpc>
-                <a:spcPct val="100000"/>
-              </a:lnSpc>
-              <a:buNone/>
-            </a:pPr>
-            <a:fld id="{91725E90-645B-46EF-92F2-96A7E7FA0C73}" type="slidenum">
-              <a:rPr lang="en-US" sz="1200" b="0" strike="noStrike" spc="-1">
-                <a:solidFill>
-                  <a:schemeClr val="dk1"/>
-                </a:solidFill>
-                <a:latin typeface="Arial"/>
-                <a:ea typeface="ヒラギノ角ゴ Pro W3"/>
-              </a:rPr>
-              <a:t>12</a:t>
-            </a:fld>
-            <a:endParaRPr lang="en-US" sz="1200" b="0" strike="noStrike" spc="-1">
-              <a:solidFill>
-                <a:srgbClr val="000000"/>
-              </a:solidFill>
-              <a:latin typeface="Times New Roman"/>
-            </a:endParaRPr>
-          </a:p>
-        </p:txBody>
-      </p:sp>
-    </p:spTree>
-    <p:extLst>
-      <p:ext uri="{BB962C8B-B14F-4D97-AF65-F5344CB8AC3E}">
-        <p14:creationId xmlns:p14="http://schemas.microsoft.com/office/powerpoint/2010/main" val="835700578"/>
-      </p:ext>
-    </p:extLst>
   </p:cSld>
   <p:clrMapOvr>
     <a:masterClrMapping/>
@@ -2851,6 +2664,302 @@
       </p:grpSpPr>
       <p:sp>
         <p:nvSpPr>
+          <p:cNvPr id="105" name="PlaceHolder 1"/>
+          <p:cNvSpPr>
+            <a:spLocks noGrp="1"/>
+          </p:cNvSpPr>
+          <p:nvPr>
+            <p:ph type="title" idx="4294967295"/>
+          </p:nvPr>
+        </p:nvSpPr>
+        <p:spPr>
+          <a:xfrm>
+            <a:off x="0" y="46038"/>
+            <a:ext cx="8075613" cy="228600"/>
+          </a:xfrm>
+          <a:prstGeom prst="rect">
+            <a:avLst/>
+          </a:prstGeom>
+          <a:noFill/>
+          <a:ln w="0">
+            <a:noFill/>
+          </a:ln>
+        </p:spPr>
+        <p:txBody>
+          <a:bodyPr lIns="0" tIns="0" rIns="0" bIns="0" anchor="ctr">
+            <a:noAutofit/>
+          </a:bodyPr>
+          <a:lstStyle/>
+          <a:p>
+            <a:pPr indent="0">
+              <a:buNone/>
+            </a:pPr>
+            <a:r>
+              <a:rPr lang="en-US" sz="1600" b="1" strike="noStrike" spc="-1">
+                <a:solidFill>
+                  <a:srgbClr val="FFFFFF"/>
+                </a:solidFill>
+                <a:latin typeface="Arial"/>
+              </a:rPr>
+              <a:t>SALT MECHANICS</a:t>
+            </a:r>
+          </a:p>
+        </p:txBody>
+      </p:sp>
+      <p:sp>
+        <p:nvSpPr>
+          <p:cNvPr id="106" name="CaixaDeTexto 105"/>
+          <p:cNvSpPr txBox="1"/>
+          <p:nvPr/>
+        </p:nvSpPr>
+        <p:spPr>
+          <a:xfrm>
+            <a:off x="228600" y="457200"/>
+            <a:ext cx="8686800" cy="3910680"/>
+          </a:xfrm>
+          <a:prstGeom prst="rect">
+            <a:avLst/>
+          </a:prstGeom>
+          <a:noFill/>
+          <a:ln w="0">
+            <a:noFill/>
+          </a:ln>
+          <a:effectLst>
+            <a:outerShdw blurRad="12600" dist="12727" dir="2700000" rotWithShape="0">
+              <a:srgbClr val="808080"/>
+            </a:outerShdw>
+          </a:effectLst>
+        </p:spPr>
+        <p:txBody>
+          <a:bodyPr lIns="90000" tIns="45000" rIns="90000" bIns="45000" anchor="t">
+            <a:noAutofit/>
+          </a:bodyPr>
+          <a:lstStyle/>
+          <a:p>
+            <a:r>
+              <a:rPr lang="en-US" sz="1800" b="0" strike="noStrike" spc="-1">
+                <a:solidFill>
+                  <a:srgbClr val="000000"/>
+                </a:solidFill>
+                <a:latin typeface="TeX Gyre Termes"/>
+                <a:ea typeface="TexMaths Symbols"/>
+              </a:rPr>
+              <a:t>Physiscs: creep, fracture, stress relaxation, long term conformation (geologic time)</a:t>
+            </a:r>
+            <a:endParaRPr lang="en-US" sz="1800" b="0" strike="noStrike" spc="-1">
+              <a:solidFill>
+                <a:srgbClr val="000000"/>
+              </a:solidFill>
+              <a:latin typeface="Arial"/>
+            </a:endParaRPr>
+          </a:p>
+          <a:p>
+            <a:r>
+              <a:rPr lang="en-US" sz="1800" b="0" strike="noStrike" spc="-1">
+                <a:solidFill>
+                  <a:srgbClr val="000000"/>
+                </a:solidFill>
+                <a:latin typeface="TeX Gyre Termes"/>
+                <a:ea typeface="TexMaths Symbols"/>
+              </a:rPr>
+              <a:t>Large strains model</a:t>
+            </a:r>
+            <a:endParaRPr lang="en-US" sz="1800" b="0" strike="noStrike" spc="-1">
+              <a:solidFill>
+                <a:srgbClr val="000000"/>
+              </a:solidFill>
+              <a:latin typeface="Arial"/>
+            </a:endParaRPr>
+          </a:p>
+          <a:p>
+            <a:r>
+              <a:rPr lang="en-US" sz="1800" b="0" strike="noStrike" spc="-1">
+                <a:solidFill>
+                  <a:srgbClr val="000000"/>
+                </a:solidFill>
+                <a:latin typeface="TeX Gyre Termes"/>
+                <a:ea typeface="TexMaths Symbols"/>
+              </a:rPr>
+              <a:t>Risk assessment </a:t>
+            </a:r>
+            <a:endParaRPr lang="en-US" sz="1800" b="0" strike="noStrike" spc="-1">
+              <a:solidFill>
+                <a:srgbClr val="000000"/>
+              </a:solidFill>
+              <a:latin typeface="Arial"/>
+            </a:endParaRPr>
+          </a:p>
+          <a:p>
+            <a:r>
+              <a:rPr lang="en-US" sz="1800" b="0" strike="noStrike" spc="-1">
+                <a:solidFill>
+                  <a:srgbClr val="000000"/>
+                </a:solidFill>
+                <a:latin typeface="TeX Gyre Termes"/>
+                <a:ea typeface="TexMaths Symbols"/>
+              </a:rPr>
+              <a:t>	Analyze worst case scenarios, use of safety coefficients</a:t>
+            </a:r>
+            <a:endParaRPr lang="en-US" sz="1800" b="0" strike="noStrike" spc="-1">
+              <a:solidFill>
+                <a:srgbClr val="000000"/>
+              </a:solidFill>
+              <a:latin typeface="Arial"/>
+            </a:endParaRPr>
+          </a:p>
+          <a:p>
+            <a:r>
+              <a:rPr lang="en-US" sz="1800" b="0" strike="noStrike" spc="-1">
+                <a:solidFill>
+                  <a:srgbClr val="000000"/>
+                </a:solidFill>
+                <a:latin typeface="TeX Gyre Termes"/>
+                <a:ea typeface="TexMaths Symbols"/>
+              </a:rPr>
+              <a:t>Mechanic dynamic of salt targetting process optimization</a:t>
+            </a:r>
+            <a:endParaRPr lang="en-US" sz="1800" b="0" strike="noStrike" spc="-1">
+              <a:solidFill>
+                <a:srgbClr val="000000"/>
+              </a:solidFill>
+              <a:latin typeface="Arial"/>
+            </a:endParaRPr>
+          </a:p>
+          <a:p>
+            <a:pPr>
+              <a:lnSpc>
+                <a:spcPct val="100000"/>
+              </a:lnSpc>
+              <a:tabLst>
+                <a:tab pos="455760" algn="l"/>
+              </a:tabLst>
+            </a:pPr>
+            <a:r>
+              <a:rPr lang="en-US" sz="1800" b="0" strike="noStrike" spc="-1">
+                <a:solidFill>
+                  <a:srgbClr val="000000"/>
+                </a:solidFill>
+                <a:latin typeface="TeX Gyre Termes"/>
+                <a:ea typeface="TexMaths Symbols"/>
+              </a:rPr>
+              <a:t>	Uncertainty analysis to support design decisions</a:t>
+            </a:r>
+            <a:endParaRPr lang="en-US" sz="1800" b="0" strike="noStrike" spc="-1">
+              <a:solidFill>
+                <a:srgbClr val="000000"/>
+              </a:solidFill>
+              <a:latin typeface="Arial"/>
+            </a:endParaRPr>
+          </a:p>
+          <a:p>
+            <a:pPr>
+              <a:lnSpc>
+                <a:spcPct val="100000"/>
+              </a:lnSpc>
+              <a:tabLst>
+                <a:tab pos="455760" algn="l"/>
+              </a:tabLst>
+            </a:pPr>
+            <a:r>
+              <a:rPr lang="en-US" sz="1800" b="0" strike="noStrike" spc="-1">
+                <a:solidFill>
+                  <a:srgbClr val="000000"/>
+                </a:solidFill>
+                <a:latin typeface="TeX Gyre Termes"/>
+                <a:ea typeface="TexMaths Symbols"/>
+              </a:rPr>
+              <a:t>	Fractures, deviatoric strain relaxation</a:t>
+            </a:r>
+            <a:endParaRPr lang="en-US" sz="1800" b="0" strike="noStrike" spc="-1">
+              <a:solidFill>
+                <a:srgbClr val="000000"/>
+              </a:solidFill>
+              <a:latin typeface="Arial"/>
+            </a:endParaRPr>
+          </a:p>
+          <a:p>
+            <a:r>
+              <a:rPr lang="en-US" sz="1800" b="0" strike="noStrike" spc="-1">
+                <a:solidFill>
+                  <a:srgbClr val="000000"/>
+                </a:solidFill>
+                <a:latin typeface="TeX Gyre Termes"/>
+                <a:ea typeface="TexMaths Symbols"/>
+              </a:rPr>
+              <a:t>Specific applications – case study</a:t>
+            </a:r>
+            <a:endParaRPr lang="en-US" sz="1800" b="0" strike="noStrike" spc="-1">
+              <a:solidFill>
+                <a:srgbClr val="000000"/>
+              </a:solidFill>
+              <a:latin typeface="Arial"/>
+            </a:endParaRPr>
+          </a:p>
+          <a:p>
+            <a:r>
+              <a:rPr lang="en-US" sz="1800" b="0" strike="noStrike" spc="-1">
+                <a:solidFill>
+                  <a:srgbClr val="000000"/>
+                </a:solidFill>
+                <a:latin typeface="TeX Gyre Termes"/>
+                <a:ea typeface="TexMaths Symbols"/>
+              </a:rPr>
+              <a:t>	Salt caverns</a:t>
+            </a:r>
+            <a:endParaRPr lang="en-US" sz="1800" b="0" strike="noStrike" spc="-1">
+              <a:solidFill>
+                <a:srgbClr val="000000"/>
+              </a:solidFill>
+              <a:latin typeface="Arial"/>
+            </a:endParaRPr>
+          </a:p>
+          <a:p>
+            <a:r>
+              <a:rPr lang="en-US" sz="1800" b="0" strike="noStrike" spc="-1">
+                <a:solidFill>
+                  <a:srgbClr val="000000"/>
+                </a:solidFill>
+                <a:latin typeface="TeX Gyre Termes"/>
+                <a:ea typeface="TexMaths Symbols"/>
+              </a:rPr>
+              <a:t>	Salt as a caprock</a:t>
+            </a:r>
+            <a:endParaRPr lang="en-US" sz="1800" b="0" strike="noStrike" spc="-1">
+              <a:solidFill>
+                <a:srgbClr val="000000"/>
+              </a:solidFill>
+              <a:latin typeface="Arial"/>
+            </a:endParaRPr>
+          </a:p>
+        </p:txBody>
+      </p:sp>
+    </p:spTree>
+  </p:cSld>
+  <p:clrMapOvr>
+    <a:masterClrMapping/>
+  </p:clrMapOvr>
+</p:sld>
+</file>
+
+<file path=ppt/slides/slide11.xml><?xml version="1.0" encoding="utf-8"?>
+<p:sld xmlns:a="http://schemas.openxmlformats.org/drawingml/2006/main" xmlns:r="http://schemas.openxmlformats.org/officeDocument/2006/relationships" xmlns:p="http://schemas.openxmlformats.org/presentationml/2006/main">
+  <p:cSld>
+    <p:spTree>
+      <p:nvGrpSpPr>
+        <p:cNvPr id="1" name=""/>
+        <p:cNvGrpSpPr/>
+        <p:nvPr/>
+      </p:nvGrpSpPr>
+      <p:grpSpPr>
+        <a:xfrm>
+          <a:off x="0" y="0"/>
+          <a:ext cx="0" cy="0"/>
+          <a:chOff x="0" y="0"/>
+          <a:chExt cx="0" cy="0"/>
+        </a:xfrm>
+      </p:grpSpPr>
+      <p:sp>
+        <p:nvSpPr>
           <p:cNvPr id="107" name="PlaceHolder 1"/>
           <p:cNvSpPr>
             <a:spLocks noGrp="1"/>
@@ -3033,7 +3142,7 @@
 </p:sld>
 </file>
 
-<file path=ppt/slides/slide11.xml><?xml version="1.0" encoding="utf-8"?>
+<file path=ppt/slides/slide12.xml><?xml version="1.0" encoding="utf-8"?>
 <p:sld xmlns:a="http://schemas.openxmlformats.org/drawingml/2006/main" xmlns:r="http://schemas.openxmlformats.org/officeDocument/2006/relationships" xmlns:p="http://schemas.openxmlformats.org/presentationml/2006/main">
   <p:cSld>
     <p:spTree>
@@ -3112,568 +3221,6 @@
     <p:extLst>
       <p:ext uri="{BB962C8B-B14F-4D97-AF65-F5344CB8AC3E}">
         <p14:creationId xmlns:p14="http://schemas.microsoft.com/office/powerpoint/2010/main" val="10459591"/>
-      </p:ext>
-    </p:extLst>
-  </p:cSld>
-  <p:clrMapOvr>
-    <a:masterClrMapping/>
-  </p:clrMapOvr>
-</p:sld>
-</file>
-
-<file path=ppt/slides/slide12.xml><?xml version="1.0" encoding="utf-8"?>
-<p:sld xmlns:a="http://schemas.openxmlformats.org/drawingml/2006/main" xmlns:r="http://schemas.openxmlformats.org/officeDocument/2006/relationships" xmlns:p="http://schemas.openxmlformats.org/presentationml/2006/main">
-  <p:cSld>
-    <p:spTree>
-      <p:nvGrpSpPr>
-        <p:cNvPr id="1" name="">
-          <a:extLst>
-            <a:ext uri="{FF2B5EF4-FFF2-40B4-BE49-F238E27FC236}">
-              <a16:creationId xmlns:a16="http://schemas.microsoft.com/office/drawing/2014/main" id="{818207E2-B871-30B3-8EA4-EE46879CC498}"/>
-            </a:ext>
-          </a:extLst>
-        </p:cNvPr>
-        <p:cNvGrpSpPr/>
-        <p:nvPr/>
-      </p:nvGrpSpPr>
-      <p:grpSpPr>
-        <a:xfrm>
-          <a:off x="0" y="0"/>
-          <a:ext cx="0" cy="0"/>
-          <a:chOff x="0" y="0"/>
-          <a:chExt cx="0" cy="0"/>
-        </a:xfrm>
-      </p:grpSpPr>
-      <p:cxnSp>
-        <p:nvCxnSpPr>
-          <p:cNvPr id="88" name="Straight Connector 4">
-            <a:extLst>
-              <a:ext uri="{FF2B5EF4-FFF2-40B4-BE49-F238E27FC236}">
-                <a16:creationId xmlns:a16="http://schemas.microsoft.com/office/drawing/2014/main" id="{5A5238D5-6316-64BC-2D59-D31001C5D077}"/>
-              </a:ext>
-            </a:extLst>
-          </p:cNvPr>
-          <p:cNvCxnSpPr/>
-          <p:nvPr/>
-        </p:nvCxnSpPr>
-        <p:spPr>
-          <a:xfrm>
-            <a:off x="628560" y="3105000"/>
-            <a:ext cx="5619960" cy="360"/>
-          </a:xfrm>
-          <a:prstGeom prst="straightConnector1">
-            <a:avLst/>
-          </a:prstGeom>
-          <a:ln w="19080">
-            <a:solidFill>
-              <a:srgbClr val="BF5700"/>
-            </a:solidFill>
-            <a:round/>
-          </a:ln>
-        </p:spPr>
-      </p:cxnSp>
-      <p:sp>
-        <p:nvSpPr>
-          <p:cNvPr id="89" name="Text Placeholder 14">
-            <a:extLst>
-              <a:ext uri="{FF2B5EF4-FFF2-40B4-BE49-F238E27FC236}">
-                <a16:creationId xmlns:a16="http://schemas.microsoft.com/office/drawing/2014/main" id="{93DFC27D-6E01-C9E2-BF96-153E681BEE28}"/>
-              </a:ext>
-            </a:extLst>
-          </p:cNvPr>
-          <p:cNvSpPr/>
-          <p:nvPr/>
-        </p:nvSpPr>
-        <p:spPr>
-          <a:xfrm>
-            <a:off x="548640" y="4114440"/>
-            <a:ext cx="7886520" cy="456840"/>
-          </a:xfrm>
-          <a:prstGeom prst="rect">
-            <a:avLst/>
-          </a:prstGeom>
-          <a:noFill/>
-          <a:ln w="0">
-            <a:noFill/>
-          </a:ln>
-          <a:effectLst>
-            <a:outerShdw blurRad="12600" dist="12727" dir="2700000" rotWithShape="0">
-              <a:srgbClr val="808080"/>
-            </a:outerShdw>
-          </a:effectLst>
-        </p:spPr>
-        <p:style>
-          <a:lnRef idx="0">
-            <a:scrgbClr r="0" g="0" b="0"/>
-          </a:lnRef>
-          <a:fillRef idx="0">
-            <a:scrgbClr r="0" g="0" b="0"/>
-          </a:fillRef>
-          <a:effectRef idx="0">
-            <a:scrgbClr r="0" g="0" b="0"/>
-          </a:effectRef>
-          <a:fontRef idx="minor"/>
-        </p:style>
-        <p:txBody>
-          <a:bodyPr anchor="b">
-            <a:noAutofit/>
-          </a:bodyPr>
-          <a:lstStyle/>
-          <a:p>
-            <a:pPr defTabSz="914400">
-              <a:lnSpc>
-                <a:spcPct val="50000"/>
-              </a:lnSpc>
-              <a:spcBef>
-                <a:spcPts val="1001"/>
-              </a:spcBef>
-              <a:tabLst>
-                <a:tab pos="0" algn="l"/>
-              </a:tabLst>
-            </a:pPr>
-            <a:r>
-              <a:rPr lang="en-US" sz="1050" b="0" strike="noStrike" cap="all" spc="-1">
-                <a:solidFill>
-                  <a:srgbClr val="BF5700"/>
-                </a:solidFill>
-                <a:latin typeface="Arial Black"/>
-                <a:ea typeface="Arial"/>
-              </a:rPr>
-              <a:t>Renato poli (rep2656)</a:t>
-            </a:r>
-            <a:endParaRPr lang="en-US" sz="1050" b="0" strike="noStrike" spc="-1">
-              <a:solidFill>
-                <a:srgbClr val="000000"/>
-              </a:solidFill>
-              <a:latin typeface="Arial"/>
-            </a:endParaRPr>
-          </a:p>
-        </p:txBody>
-      </p:sp>
-      <p:sp>
-        <p:nvSpPr>
-          <p:cNvPr id="90" name="Text Placeholder 15">
-            <a:extLst>
-              <a:ext uri="{FF2B5EF4-FFF2-40B4-BE49-F238E27FC236}">
-                <a16:creationId xmlns:a16="http://schemas.microsoft.com/office/drawing/2014/main" id="{E99DE2A1-3CD5-ADDD-A65E-269122909333}"/>
-              </a:ext>
-            </a:extLst>
-          </p:cNvPr>
-          <p:cNvSpPr/>
-          <p:nvPr/>
-        </p:nvSpPr>
-        <p:spPr>
-          <a:xfrm>
-            <a:off x="548640" y="456840"/>
-            <a:ext cx="7828200" cy="388800"/>
-          </a:xfrm>
-          <a:prstGeom prst="rect">
-            <a:avLst/>
-          </a:prstGeom>
-          <a:noFill/>
-          <a:ln w="0">
-            <a:noFill/>
-          </a:ln>
-          <a:effectLst>
-            <a:outerShdw blurRad="12600" dist="12727" dir="2700000" rotWithShape="0">
-              <a:srgbClr val="808080"/>
-            </a:outerShdw>
-          </a:effectLst>
-        </p:spPr>
-        <p:style>
-          <a:lnRef idx="0">
-            <a:scrgbClr r="0" g="0" b="0"/>
-          </a:lnRef>
-          <a:fillRef idx="0">
-            <a:scrgbClr r="0" g="0" b="0"/>
-          </a:fillRef>
-          <a:effectRef idx="0">
-            <a:scrgbClr r="0" g="0" b="0"/>
-          </a:effectRef>
-          <a:fontRef idx="minor"/>
-        </p:style>
-        <p:txBody>
-          <a:bodyPr anchor="ctr">
-            <a:noAutofit/>
-          </a:bodyPr>
-          <a:lstStyle/>
-          <a:p>
-            <a:pPr defTabSz="914400">
-              <a:lnSpc>
-                <a:spcPct val="90000"/>
-              </a:lnSpc>
-              <a:spcBef>
-                <a:spcPts val="1001"/>
-              </a:spcBef>
-              <a:tabLst>
-                <a:tab pos="0" algn="l"/>
-              </a:tabLst>
-            </a:pPr>
-            <a:r>
-              <a:rPr lang="en-US" sz="1200" b="0" strike="noStrike" cap="all" spc="-1" dirty="0" err="1">
-                <a:solidFill>
-                  <a:srgbClr val="BF5700"/>
-                </a:solidFill>
-                <a:latin typeface="Arial Black"/>
-                <a:ea typeface="Arial"/>
-              </a:rPr>
-              <a:t>feb</a:t>
-            </a:r>
-            <a:r>
-              <a:rPr lang="en-US" sz="1200" b="0" strike="noStrike" cap="all" spc="-1" dirty="0">
-                <a:solidFill>
-                  <a:srgbClr val="BF5700"/>
-                </a:solidFill>
-                <a:latin typeface="Arial Black"/>
-                <a:ea typeface="Arial"/>
-              </a:rPr>
-              <a:t> 2024</a:t>
-            </a:r>
-            <a:endParaRPr lang="en-US" sz="1200" b="0" strike="noStrike" spc="-1" dirty="0">
-              <a:solidFill>
-                <a:srgbClr val="000000"/>
-              </a:solidFill>
-              <a:latin typeface="Arial"/>
-            </a:endParaRPr>
-          </a:p>
-        </p:txBody>
-      </p:sp>
-      <p:sp>
-        <p:nvSpPr>
-          <p:cNvPr id="6" name="Título 5">
-            <a:extLst>
-              <a:ext uri="{FF2B5EF4-FFF2-40B4-BE49-F238E27FC236}">
-                <a16:creationId xmlns:a16="http://schemas.microsoft.com/office/drawing/2014/main" id="{9672FA1E-F2B1-96B0-D19C-2A92A7C6779C}"/>
-              </a:ext>
-            </a:extLst>
-          </p:cNvPr>
-          <p:cNvSpPr>
-            <a:spLocks noGrp="1"/>
-          </p:cNvSpPr>
-          <p:nvPr>
-            <p:ph type="title"/>
-          </p:nvPr>
-        </p:nvSpPr>
-        <p:spPr>
-          <a:xfrm>
-            <a:off x="548640" y="2325658"/>
-            <a:ext cx="6152323" cy="993775"/>
-          </a:xfrm>
-        </p:spPr>
-        <p:txBody>
-          <a:bodyPr/>
-          <a:lstStyle/>
-          <a:p>
-            <a:r>
-              <a:rPr lang="en-US" dirty="0"/>
-              <a:t>obsolete</a:t>
-            </a:r>
-          </a:p>
-        </p:txBody>
-      </p:sp>
-      <p:sp>
-        <p:nvSpPr>
-          <p:cNvPr id="2" name="Text Placeholder 14">
-            <a:extLst>
-              <a:ext uri="{FF2B5EF4-FFF2-40B4-BE49-F238E27FC236}">
-                <a16:creationId xmlns:a16="http://schemas.microsoft.com/office/drawing/2014/main" id="{1AEBEB38-2E58-D0F5-8B86-5F9ABF7ADD42}"/>
-              </a:ext>
-            </a:extLst>
-          </p:cNvPr>
-          <p:cNvSpPr/>
-          <p:nvPr/>
-        </p:nvSpPr>
-        <p:spPr>
-          <a:xfrm>
-            <a:off x="548640" y="3173040"/>
-            <a:ext cx="7886520" cy="338416"/>
-          </a:xfrm>
-          <a:prstGeom prst="rect">
-            <a:avLst/>
-          </a:prstGeom>
-          <a:noFill/>
-          <a:ln w="0">
-            <a:noFill/>
-          </a:ln>
-          <a:effectLst>
-            <a:outerShdw blurRad="12600" dist="12727" dir="2700000" rotWithShape="0">
-              <a:srgbClr val="808080"/>
-            </a:outerShdw>
-          </a:effectLst>
-        </p:spPr>
-        <p:style>
-          <a:lnRef idx="0">
-            <a:scrgbClr r="0" g="0" b="0"/>
-          </a:lnRef>
-          <a:fillRef idx="0">
-            <a:scrgbClr r="0" g="0" b="0"/>
-          </a:fillRef>
-          <a:effectRef idx="0">
-            <a:scrgbClr r="0" g="0" b="0"/>
-          </a:effectRef>
-          <a:fontRef idx="minor"/>
-        </p:style>
-        <p:txBody>
-          <a:bodyPr anchor="b">
-            <a:noAutofit/>
-          </a:bodyPr>
-          <a:lstStyle/>
-          <a:p>
-            <a:pPr defTabSz="914400">
-              <a:spcBef>
-                <a:spcPts val="1001"/>
-              </a:spcBef>
-              <a:tabLst>
-                <a:tab pos="0" algn="l"/>
-              </a:tabLst>
-            </a:pPr>
-            <a:r>
-              <a:rPr lang="en-US" sz="1050" b="0" strike="noStrike" cap="all" spc="-1" dirty="0">
-                <a:solidFill>
-                  <a:srgbClr val="BF5700"/>
-                </a:solidFill>
-                <a:latin typeface="Arial Black"/>
-                <a:ea typeface="Arial"/>
-              </a:rPr>
-              <a:t>IDEAS</a:t>
-            </a:r>
-            <a:endParaRPr lang="en-US" sz="1050" b="0" strike="noStrike" spc="-1" dirty="0">
-              <a:solidFill>
-                <a:srgbClr val="000000"/>
-              </a:solidFill>
-              <a:latin typeface="Arial"/>
-            </a:endParaRPr>
-          </a:p>
-        </p:txBody>
-      </p:sp>
-    </p:spTree>
-    <p:extLst>
-      <p:ext uri="{BB962C8B-B14F-4D97-AF65-F5344CB8AC3E}">
-        <p14:creationId xmlns:p14="http://schemas.microsoft.com/office/powerpoint/2010/main" val="3343198724"/>
-      </p:ext>
-    </p:extLst>
-  </p:cSld>
-  <p:clrMapOvr>
-    <a:masterClrMapping/>
-  </p:clrMapOvr>
-</p:sld>
-</file>
-
-<file path=ppt/slides/slide13.xml><?xml version="1.0" encoding="utf-8"?>
-<p:sld xmlns:a="http://schemas.openxmlformats.org/drawingml/2006/main" xmlns:r="http://schemas.openxmlformats.org/officeDocument/2006/relationships" xmlns:p="http://schemas.openxmlformats.org/presentationml/2006/main">
-  <p:cSld>
-    <p:spTree>
-      <p:nvGrpSpPr>
-        <p:cNvPr id="1" name=""/>
-        <p:cNvGrpSpPr/>
-        <p:nvPr/>
-      </p:nvGrpSpPr>
-      <p:grpSpPr>
-        <a:xfrm>
-          <a:off x="0" y="0"/>
-          <a:ext cx="0" cy="0"/>
-          <a:chOff x="0" y="0"/>
-          <a:chExt cx="0" cy="0"/>
-        </a:xfrm>
-      </p:grpSpPr>
-      <p:sp>
-        <p:nvSpPr>
-          <p:cNvPr id="2" name="Text Placeholder 1">
-            <a:extLst>
-              <a:ext uri="{FF2B5EF4-FFF2-40B4-BE49-F238E27FC236}">
-                <a16:creationId xmlns:a16="http://schemas.microsoft.com/office/drawing/2014/main" id="{96646901-E1F7-C9FC-22CC-30300204CADC}"/>
-              </a:ext>
-            </a:extLst>
-          </p:cNvPr>
-          <p:cNvSpPr>
-            <a:spLocks noGrp="1"/>
-          </p:cNvSpPr>
-          <p:nvPr>
-            <p:ph type="body" sz="quarter" idx="11"/>
-          </p:nvPr>
-        </p:nvSpPr>
-        <p:spPr/>
-        <p:txBody>
-          <a:bodyPr/>
-          <a:lstStyle/>
-          <a:p>
-            <a:r>
-              <a:rPr lang="en-US" dirty="0"/>
-              <a:t>Object of study</a:t>
-            </a:r>
-          </a:p>
-          <a:p>
-            <a:pPr lvl="1"/>
-            <a:r>
-              <a:rPr lang="en-US" dirty="0"/>
-              <a:t>Conventional carbonate field, naturally fractured, mixed wet</a:t>
-            </a:r>
-          </a:p>
-          <a:p>
-            <a:pPr lvl="1"/>
-            <a:r>
-              <a:rPr lang="en-US" dirty="0"/>
-              <a:t>Large models, field scale</a:t>
-            </a:r>
-          </a:p>
-          <a:p>
-            <a:pPr lvl="1"/>
-            <a:r>
-              <a:rPr lang="en-US" dirty="0"/>
-              <a:t>Permeable matrix</a:t>
-            </a:r>
-          </a:p>
-          <a:p>
-            <a:pPr lvl="1"/>
-            <a:r>
-              <a:rPr lang="en-US" dirty="0"/>
-              <a:t>Wells are acidized (not fractured)</a:t>
-            </a:r>
-          </a:p>
-          <a:p>
-            <a:pPr lvl="1"/>
-            <a:r>
-              <a:rPr lang="en-US" dirty="0"/>
-              <a:t>Fractures provide additional permeability</a:t>
-            </a:r>
-          </a:p>
-          <a:p>
-            <a:r>
-              <a:rPr lang="en-US" dirty="0"/>
-              <a:t>The problem</a:t>
-            </a:r>
-          </a:p>
-          <a:p>
-            <a:pPr lvl="1"/>
-            <a:r>
-              <a:rPr lang="en-US" dirty="0"/>
-              <a:t>Description of the natural fracture network ignores important physics</a:t>
-            </a:r>
-          </a:p>
-          <a:p>
-            <a:pPr lvl="1"/>
-            <a:r>
-              <a:rPr lang="en-US" dirty="0"/>
-              <a:t>Mass transference parameters are mostly based on history matching</a:t>
-            </a:r>
-          </a:p>
-          <a:p>
-            <a:pPr lvl="1"/>
-            <a:r>
-              <a:rPr lang="en-US" dirty="0"/>
-              <a:t>Multiphase flow is not adequately treated in the interface fracture-matrix</a:t>
-            </a:r>
-          </a:p>
-          <a:p>
-            <a:pPr lvl="1"/>
-            <a:r>
-              <a:rPr lang="en-US" dirty="0"/>
-              <a:t>Models with detailed fractures are numerical impractical</a:t>
-            </a:r>
-          </a:p>
-          <a:p>
-            <a:r>
-              <a:rPr lang="en-US" dirty="0"/>
-              <a:t>Objective</a:t>
-            </a:r>
-          </a:p>
-          <a:p>
-            <a:pPr lvl="1"/>
-            <a:r>
-              <a:rPr lang="en-US" dirty="0"/>
-              <a:t>Enhance the understanding of the field based on numerical simulation</a:t>
-            </a:r>
-          </a:p>
-          <a:p>
-            <a:pPr lvl="1"/>
-            <a:r>
-              <a:rPr lang="en-US" dirty="0"/>
-              <a:t>Promote better communication between geoscientists and numerical simulation</a:t>
-            </a:r>
-          </a:p>
-          <a:p>
-            <a:pPr lvl="1"/>
-            <a:r>
-              <a:rPr lang="en-US" dirty="0"/>
-              <a:t>Enable the description of a fracture network based on high level parameters (wettability, fracture network density, fracture genesis </a:t>
-            </a:r>
-            <a:r>
-              <a:rPr lang="en-US" dirty="0" err="1"/>
-              <a:t>etc</a:t>
-            </a:r>
-            <a:r>
-              <a:rPr lang="en-US" dirty="0"/>
-              <a:t>)</a:t>
-            </a:r>
-          </a:p>
-          <a:p>
-            <a:pPr lvl="1"/>
-            <a:r>
-              <a:rPr lang="en-US" dirty="0"/>
-              <a:t>Assimilation of geological understanding to the numerical models</a:t>
-            </a:r>
-          </a:p>
-          <a:p>
-            <a:r>
-              <a:rPr lang="en-US" dirty="0"/>
-              <a:t>Methodology</a:t>
-            </a:r>
-          </a:p>
-          <a:p>
-            <a:pPr lvl="1"/>
-            <a:r>
-              <a:rPr lang="en-US" dirty="0"/>
-              <a:t>Understand geological geometries and hydraulic characteristics of natural fractures</a:t>
-            </a:r>
-          </a:p>
-          <a:p>
-            <a:pPr lvl="1"/>
-            <a:r>
-              <a:rPr lang="en-US" dirty="0"/>
-              <a:t>Understand the limitations of current models, especially multiphase and closed fractures</a:t>
-            </a:r>
-          </a:p>
-          <a:p>
-            <a:pPr lvl="1"/>
-            <a:r>
-              <a:rPr lang="en-US" dirty="0"/>
-              <a:t>Implement a preprocessor to embed fractures optimally, keeping the model numerically reasonable</a:t>
-            </a:r>
-          </a:p>
-        </p:txBody>
-      </p:sp>
-      <p:sp>
-        <p:nvSpPr>
-          <p:cNvPr id="3" name="Title 2">
-            <a:extLst>
-              <a:ext uri="{FF2B5EF4-FFF2-40B4-BE49-F238E27FC236}">
-                <a16:creationId xmlns:a16="http://schemas.microsoft.com/office/drawing/2014/main" id="{34C60A47-EBB6-091D-C027-1403C1B677C8}"/>
-              </a:ext>
-            </a:extLst>
-          </p:cNvPr>
-          <p:cNvSpPr>
-            <a:spLocks noGrp="1"/>
-          </p:cNvSpPr>
-          <p:nvPr>
-            <p:ph type="title"/>
-          </p:nvPr>
-        </p:nvSpPr>
-        <p:spPr/>
-        <p:txBody>
-          <a:bodyPr/>
-          <a:lstStyle/>
-          <a:p>
-            <a:r>
-              <a:rPr lang="en-US" dirty="0"/>
-              <a:t>PROBLEM #1</a:t>
-            </a:r>
-          </a:p>
-        </p:txBody>
-      </p:sp>
-    </p:spTree>
-    <p:extLst>
-      <p:ext uri="{BB962C8B-B14F-4D97-AF65-F5344CB8AC3E}">
-        <p14:creationId xmlns:p14="http://schemas.microsoft.com/office/powerpoint/2010/main" val="314026188"/>
       </p:ext>
     </p:extLst>
   </p:cSld>
@@ -4470,28 +4017,35 @@
             <a:pPr lvl="1"/>
             <a:r>
               <a:rPr lang="en-US" dirty="0"/>
-              <a:t>Conventional reservoirs, deep fields, high temperature</a:t>
+              <a:t>Conventional carbonate field, naturally fractured, mixed wet</a:t>
             </a:r>
           </a:p>
           <a:p>
             <a:pPr lvl="1"/>
             <a:r>
               <a:rPr lang="en-US" dirty="0"/>
-              <a:t>Sandstone or carbonates (naturally fracture)</a:t>
+              <a:t>Large models, field scale</a:t>
             </a:r>
           </a:p>
           <a:p>
             <a:pPr lvl="1"/>
             <a:r>
               <a:rPr lang="en-US" dirty="0"/>
-              <a:t>Shale or salt caprock</a:t>
+              <a:t>Permeable matrix</a:t>
             </a:r>
           </a:p>
           <a:p>
             <a:pPr lvl="1"/>
             <a:r>
               <a:rPr lang="en-US" dirty="0"/>
-              <a:t>Salt caverns</a:t>
+              <a:t>Wells are acidized (not fractured)</a:t>
+            </a:r>
+          </a:p>
+          <a:p>
+            <a:pPr lvl="1"/>
+            <a:r>
+              <a:rPr lang="en-US" dirty="0"/>
+              <a:t>Fractures provide additional permeability</a:t>
             </a:r>
           </a:p>
           <a:p>
@@ -4504,28 +4058,55 @@
             <a:pPr lvl="1"/>
             <a:r>
               <a:rPr lang="en-US" dirty="0"/>
-              <a:t>Multiphysics fracture nucleation and tracking are difficult to model as it happens in multiple scales (space and time)</a:t>
+              <a:t>Description of the natural fracture network ignores important physics</a:t>
             </a:r>
           </a:p>
           <a:p>
             <a:pPr lvl="1"/>
             <a:r>
               <a:rPr lang="en-US" dirty="0"/>
-              <a:t>Long term cold fluid injection thermally stresses the rock, hydraulic fractures are likely to occur</a:t>
+              <a:t>Mass transference parameters are mostly based on history matching</a:t>
             </a:r>
           </a:p>
           <a:p>
             <a:pPr lvl="1"/>
             <a:r>
               <a:rPr lang="en-US" dirty="0"/>
-              <a:t>Salt caverns designs for cyclic storage and abandonment</a:t>
+              <a:t>Multiphase flow is not adequately treated in the interface fracture-matrix</a:t>
             </a:r>
           </a:p>
           <a:p>
             <a:pPr lvl="1"/>
             <a:r>
               <a:rPr lang="en-US" dirty="0"/>
-              <a:t>Many physical processes concur with similar characteristic time and length (elasticity, plasticity, pressure and heat dissipation, creep </a:t>
+              <a:t>Models with detailed fractures are numerical impractical</a:t>
+            </a:r>
+          </a:p>
+          <a:p>
+            <a:r>
+              <a:rPr lang="en-US" dirty="0"/>
+              <a:t>Objective</a:t>
+            </a:r>
+          </a:p>
+          <a:p>
+            <a:pPr lvl="1"/>
+            <a:r>
+              <a:rPr lang="en-US" dirty="0"/>
+              <a:t>Enhance the understanding of the field based on numerical simulation</a:t>
+            </a:r>
+          </a:p>
+          <a:p>
+            <a:pPr lvl="1"/>
+            <a:r>
+              <a:rPr lang="en-US" dirty="0"/>
+              <a:t>Promote better communication between geoscientists and numerical simulation</a:t>
+            </a:r>
+          </a:p>
+          <a:p>
+            <a:pPr lvl="1"/>
+            <a:r>
+              <a:rPr lang="en-US" dirty="0"/>
+              <a:t>Enable the description of a fracture network based on high level parameters (wettability, fracture network density, fracture genesis </a:t>
             </a:r>
             <a:r>
               <a:rPr lang="en-US" dirty="0" err="1"/>
@@ -4537,78 +4118,37 @@
             </a:r>
           </a:p>
           <a:p>
-            <a:r>
-              <a:rPr lang="en-US" dirty="0"/>
-              <a:t>Objective</a:t>
-            </a:r>
-          </a:p>
-          <a:p>
             <a:pPr lvl="1"/>
             <a:r>
               <a:rPr lang="en-US" dirty="0"/>
-              <a:t>Understand the mechanics of long term effects of cold water and gas injection for EOR and storage</a:t>
+              <a:t>Assimilation of geological understanding to the numerical models</a:t>
+            </a:r>
+          </a:p>
+          <a:p>
+            <a:r>
+              <a:rPr lang="en-US" dirty="0"/>
+              <a:t>Methodology</a:t>
             </a:r>
           </a:p>
           <a:p>
             <a:pPr lvl="1"/>
             <a:r>
               <a:rPr lang="en-US" dirty="0"/>
-              <a:t>Operate with highest possible injection rates (safety!)</a:t>
+              <a:t>Understand geological geometries and hydraulic characteristics of natural fractures</a:t>
             </a:r>
           </a:p>
           <a:p>
             <a:pPr lvl="1"/>
             <a:r>
               <a:rPr lang="en-US" dirty="0"/>
-              <a:t>Enable long term fluid injection above the fracturing pressure (produced water)</a:t>
+              <a:t>Understand the limitations of current models, especially multiphase and closed fractures</a:t>
             </a:r>
           </a:p>
           <a:p>
             <a:pPr lvl="1"/>
             <a:r>
               <a:rPr lang="en-US" dirty="0"/>
-              <a:t>Promote safety and fluid containment. Support regulations</a:t>
-            </a:r>
-          </a:p>
-          <a:p>
-            <a:pPr lvl="1"/>
-            <a:r>
-              <a:rPr lang="en-US" dirty="0"/>
-              <a:t>Possible to apply to salt caverns</a:t>
-            </a:r>
-          </a:p>
-          <a:p>
-            <a:r>
-              <a:rPr lang="en-US" dirty="0"/>
-              <a:t>Methodology</a:t>
-            </a:r>
-          </a:p>
-          <a:p>
-            <a:pPr lvl="1"/>
-            <a:r>
-              <a:rPr lang="en-US" dirty="0"/>
-              <a:t>Multiscale simulations around the injection wells</a:t>
-            </a:r>
-          </a:p>
-          <a:p>
-            <a:pPr lvl="1"/>
-            <a:r>
-              <a:rPr lang="en-US" dirty="0"/>
-              <a:t>Fracture propagation is driven by small scale phenomena</a:t>
-            </a:r>
-          </a:p>
-          <a:p>
-            <a:pPr lvl="1"/>
-            <a:r>
-              <a:rPr lang="en-US" dirty="0"/>
-              <a:t>Propose a set of parameters to embed small-scale findings to field scale simulations</a:t>
-            </a:r>
-          </a:p>
-          <a:p>
-            <a:pPr lvl="1"/>
-            <a:r>
-              <a:rPr lang="en-US" dirty="0"/>
-              <a:t>Create a large database with the small scale simulations =&gt; AI to feed field scale fracture models</a:t>
+              <a:t>Implement a preprocessor to embed fractures optimally, keeping the model numerically reasonable</a:t>
             </a:r>
           </a:p>
         </p:txBody>
@@ -4636,6 +4176,237 @@
           <a:p>
             <a:r>
               <a:rPr lang="en-US" dirty="0"/>
+              <a:t>PROBLEM #1</a:t>
+            </a:r>
+          </a:p>
+        </p:txBody>
+      </p:sp>
+    </p:spTree>
+    <p:extLst>
+      <p:ext uri="{BB962C8B-B14F-4D97-AF65-F5344CB8AC3E}">
+        <p14:creationId xmlns:p14="http://schemas.microsoft.com/office/powerpoint/2010/main" val="314026188"/>
+      </p:ext>
+    </p:extLst>
+  </p:cSld>
+  <p:clrMapOvr>
+    <a:masterClrMapping/>
+  </p:clrMapOvr>
+</p:sld>
+</file>
+
+<file path=ppt/slides/slide6.xml><?xml version="1.0" encoding="utf-8"?>
+<p:sld xmlns:a="http://schemas.openxmlformats.org/drawingml/2006/main" xmlns:r="http://schemas.openxmlformats.org/officeDocument/2006/relationships" xmlns:p="http://schemas.openxmlformats.org/presentationml/2006/main">
+  <p:cSld>
+    <p:spTree>
+      <p:nvGrpSpPr>
+        <p:cNvPr id="1" name=""/>
+        <p:cNvGrpSpPr/>
+        <p:nvPr/>
+      </p:nvGrpSpPr>
+      <p:grpSpPr>
+        <a:xfrm>
+          <a:off x="0" y="0"/>
+          <a:ext cx="0" cy="0"/>
+          <a:chOff x="0" y="0"/>
+          <a:chExt cx="0" cy="0"/>
+        </a:xfrm>
+      </p:grpSpPr>
+      <p:sp>
+        <p:nvSpPr>
+          <p:cNvPr id="2" name="Text Placeholder 1">
+            <a:extLst>
+              <a:ext uri="{FF2B5EF4-FFF2-40B4-BE49-F238E27FC236}">
+                <a16:creationId xmlns:a16="http://schemas.microsoft.com/office/drawing/2014/main" id="{96646901-E1F7-C9FC-22CC-30300204CADC}"/>
+              </a:ext>
+            </a:extLst>
+          </p:cNvPr>
+          <p:cNvSpPr>
+            <a:spLocks noGrp="1"/>
+          </p:cNvSpPr>
+          <p:nvPr>
+            <p:ph type="body" sz="quarter" idx="11"/>
+          </p:nvPr>
+        </p:nvSpPr>
+        <p:spPr/>
+        <p:txBody>
+          <a:bodyPr/>
+          <a:lstStyle/>
+          <a:p>
+            <a:r>
+              <a:rPr lang="en-US" dirty="0"/>
+              <a:t>Object of study</a:t>
+            </a:r>
+          </a:p>
+          <a:p>
+            <a:pPr lvl="1"/>
+            <a:r>
+              <a:rPr lang="en-US" dirty="0"/>
+              <a:t>Conventional reservoirs, deep fields, high temperature</a:t>
+            </a:r>
+          </a:p>
+          <a:p>
+            <a:pPr lvl="1"/>
+            <a:r>
+              <a:rPr lang="en-US" dirty="0"/>
+              <a:t>Sandstone or carbonates (naturally fracture)</a:t>
+            </a:r>
+          </a:p>
+          <a:p>
+            <a:pPr lvl="1"/>
+            <a:r>
+              <a:rPr lang="en-US" dirty="0"/>
+              <a:t>Shale or salt caprock</a:t>
+            </a:r>
+          </a:p>
+          <a:p>
+            <a:pPr lvl="1"/>
+            <a:r>
+              <a:rPr lang="en-US" dirty="0"/>
+              <a:t>Salt caverns</a:t>
+            </a:r>
+          </a:p>
+          <a:p>
+            <a:r>
+              <a:rPr lang="en-US" dirty="0"/>
+              <a:t>The problem</a:t>
+            </a:r>
+          </a:p>
+          <a:p>
+            <a:pPr lvl="1"/>
+            <a:r>
+              <a:rPr lang="en-US" dirty="0"/>
+              <a:t>Multiphysics fracture nucleation and tracking are difficult to model as it happens in multiple scales (space and time)</a:t>
+            </a:r>
+          </a:p>
+          <a:p>
+            <a:pPr lvl="1"/>
+            <a:r>
+              <a:rPr lang="en-US" dirty="0"/>
+              <a:t>Long term cold fluid injection thermally stresses the rock, hydraulic fractures are likely to occur</a:t>
+            </a:r>
+          </a:p>
+          <a:p>
+            <a:pPr lvl="1"/>
+            <a:r>
+              <a:rPr lang="en-US" dirty="0"/>
+              <a:t>Salt caverns designs for cyclic storage and abandonment</a:t>
+            </a:r>
+          </a:p>
+          <a:p>
+            <a:pPr lvl="1"/>
+            <a:r>
+              <a:rPr lang="en-US" dirty="0"/>
+              <a:t>Many physical processes concur with similar characteristic time and length (elasticity, plasticity, pressure and heat dissipation, creep </a:t>
+            </a:r>
+            <a:r>
+              <a:rPr lang="en-US" dirty="0" err="1"/>
+              <a:t>etc</a:t>
+            </a:r>
+            <a:r>
+              <a:rPr lang="en-US" dirty="0"/>
+              <a:t>)</a:t>
+            </a:r>
+          </a:p>
+          <a:p>
+            <a:r>
+              <a:rPr lang="en-US" dirty="0"/>
+              <a:t>Objective</a:t>
+            </a:r>
+          </a:p>
+          <a:p>
+            <a:pPr lvl="1"/>
+            <a:r>
+              <a:rPr lang="en-US" dirty="0"/>
+              <a:t>Understand the mechanics of long term effects of cold water and gas injection for EOR and storage</a:t>
+            </a:r>
+          </a:p>
+          <a:p>
+            <a:pPr lvl="1"/>
+            <a:r>
+              <a:rPr lang="en-US" dirty="0"/>
+              <a:t>Operate with highest possible injection rates (safety!)</a:t>
+            </a:r>
+          </a:p>
+          <a:p>
+            <a:pPr lvl="1"/>
+            <a:r>
+              <a:rPr lang="en-US" dirty="0"/>
+              <a:t>Enable long term fluid injection above the fracturing pressure (produced water)</a:t>
+            </a:r>
+          </a:p>
+          <a:p>
+            <a:pPr lvl="1"/>
+            <a:r>
+              <a:rPr lang="en-US" dirty="0"/>
+              <a:t>Promote safety and fluid containment. Support regulations</a:t>
+            </a:r>
+          </a:p>
+          <a:p>
+            <a:pPr lvl="1"/>
+            <a:r>
+              <a:rPr lang="en-US" dirty="0"/>
+              <a:t>Possible to apply to salt caverns</a:t>
+            </a:r>
+          </a:p>
+          <a:p>
+            <a:r>
+              <a:rPr lang="en-US" dirty="0"/>
+              <a:t>Methodology</a:t>
+            </a:r>
+          </a:p>
+          <a:p>
+            <a:pPr lvl="1"/>
+            <a:r>
+              <a:rPr lang="en-US" dirty="0"/>
+              <a:t>Multiscale simulations around the injection wells</a:t>
+            </a:r>
+          </a:p>
+          <a:p>
+            <a:pPr lvl="1"/>
+            <a:r>
+              <a:rPr lang="en-US" dirty="0"/>
+              <a:t>Fracture propagation is driven by small scale phenomena</a:t>
+            </a:r>
+          </a:p>
+          <a:p>
+            <a:pPr lvl="1"/>
+            <a:r>
+              <a:rPr lang="en-US" dirty="0"/>
+              <a:t>Propose a set of parameters to embed small-scale findings to field scale simulations</a:t>
+            </a:r>
+          </a:p>
+          <a:p>
+            <a:pPr lvl="1"/>
+            <a:r>
+              <a:rPr lang="en-US" dirty="0"/>
+              <a:t>Create a large database with the small scale simulations =&gt; AI to feed field scale fracture models</a:t>
+            </a:r>
+          </a:p>
+        </p:txBody>
+      </p:sp>
+      <p:sp>
+        <p:nvSpPr>
+          <p:cNvPr id="3" name="Title 2">
+            <a:extLst>
+              <a:ext uri="{FF2B5EF4-FFF2-40B4-BE49-F238E27FC236}">
+                <a16:creationId xmlns:a16="http://schemas.microsoft.com/office/drawing/2014/main" id="{34C60A47-EBB6-091D-C027-1403C1B677C8}"/>
+              </a:ext>
+            </a:extLst>
+          </p:cNvPr>
+          <p:cNvSpPr>
+            <a:spLocks noGrp="1"/>
+          </p:cNvSpPr>
+          <p:nvPr>
+            <p:ph type="title"/>
+          </p:nvPr>
+        </p:nvSpPr>
+        <p:spPr/>
+        <p:txBody>
+          <a:bodyPr/>
+          <a:lstStyle/>
+          <a:p>
+            <a:r>
+              <a:rPr lang="en-US" dirty="0"/>
               <a:t>FRAMING THE PROBLEM</a:t>
             </a:r>
           </a:p>
@@ -4654,7 +4425,7 @@
 </p:sld>
 </file>
 
-<file path=ppt/slides/slide6.xml><?xml version="1.0" encoding="utf-8"?>
+<file path=ppt/slides/slide7.xml><?xml version="1.0" encoding="utf-8"?>
 <p:sld xmlns:a="http://schemas.openxmlformats.org/drawingml/2006/main" xmlns:r="http://schemas.openxmlformats.org/officeDocument/2006/relationships" xmlns:p="http://schemas.openxmlformats.org/presentationml/2006/main">
   <p:cSld>
     <p:bg>
@@ -5019,7 +4790,7 @@
 </p:sld>
 </file>
 
-<file path=ppt/slides/slide7.xml><?xml version="1.0" encoding="utf-8"?>
+<file path=ppt/slides/slide8.xml><?xml version="1.0" encoding="utf-8"?>
 <p:sld xmlns:a="http://schemas.openxmlformats.org/drawingml/2006/main" xmlns:r="http://schemas.openxmlformats.org/officeDocument/2006/relationships" xmlns:p="http://schemas.openxmlformats.org/presentationml/2006/main">
   <p:cSld>
     <p:spTree>
@@ -5199,7 +4970,7 @@
 </p:sld>
 </file>
 
-<file path=ppt/slides/slide8.xml><?xml version="1.0" encoding="utf-8"?>
+<file path=ppt/slides/slide9.xml><?xml version="1.0" encoding="utf-8"?>
 <p:sld xmlns:a="http://schemas.openxmlformats.org/drawingml/2006/main" xmlns:r="http://schemas.openxmlformats.org/officeDocument/2006/relationships" xmlns:p="http://schemas.openxmlformats.org/presentationml/2006/main">
   <p:cSld>
     <p:spTree>
@@ -5519,302 +5290,6 @@
                 <a:tab pos="458280" algn="l"/>
               </a:tabLst>
             </a:pPr>
-            <a:endParaRPr lang="en-US" sz="1800" b="0" strike="noStrike" spc="-1">
-              <a:solidFill>
-                <a:srgbClr val="000000"/>
-              </a:solidFill>
-              <a:latin typeface="Arial"/>
-            </a:endParaRPr>
-          </a:p>
-        </p:txBody>
-      </p:sp>
-    </p:spTree>
-  </p:cSld>
-  <p:clrMapOvr>
-    <a:masterClrMapping/>
-  </p:clrMapOvr>
-</p:sld>
-</file>
-
-<file path=ppt/slides/slide9.xml><?xml version="1.0" encoding="utf-8"?>
-<p:sld xmlns:a="http://schemas.openxmlformats.org/drawingml/2006/main" xmlns:r="http://schemas.openxmlformats.org/officeDocument/2006/relationships" xmlns:p="http://schemas.openxmlformats.org/presentationml/2006/main">
-  <p:cSld>
-    <p:spTree>
-      <p:nvGrpSpPr>
-        <p:cNvPr id="1" name=""/>
-        <p:cNvGrpSpPr/>
-        <p:nvPr/>
-      </p:nvGrpSpPr>
-      <p:grpSpPr>
-        <a:xfrm>
-          <a:off x="0" y="0"/>
-          <a:ext cx="0" cy="0"/>
-          <a:chOff x="0" y="0"/>
-          <a:chExt cx="0" cy="0"/>
-        </a:xfrm>
-      </p:grpSpPr>
-      <p:sp>
-        <p:nvSpPr>
-          <p:cNvPr id="105" name="PlaceHolder 1"/>
-          <p:cNvSpPr>
-            <a:spLocks noGrp="1"/>
-          </p:cNvSpPr>
-          <p:nvPr>
-            <p:ph type="title" idx="4294967295"/>
-          </p:nvPr>
-        </p:nvSpPr>
-        <p:spPr>
-          <a:xfrm>
-            <a:off x="0" y="46038"/>
-            <a:ext cx="8075613" cy="228600"/>
-          </a:xfrm>
-          <a:prstGeom prst="rect">
-            <a:avLst/>
-          </a:prstGeom>
-          <a:noFill/>
-          <a:ln w="0">
-            <a:noFill/>
-          </a:ln>
-        </p:spPr>
-        <p:txBody>
-          <a:bodyPr lIns="0" tIns="0" rIns="0" bIns="0" anchor="ctr">
-            <a:noAutofit/>
-          </a:bodyPr>
-          <a:lstStyle/>
-          <a:p>
-            <a:pPr indent="0">
-              <a:buNone/>
-            </a:pPr>
-            <a:r>
-              <a:rPr lang="en-US" sz="1600" b="1" strike="noStrike" spc="-1">
-                <a:solidFill>
-                  <a:srgbClr val="FFFFFF"/>
-                </a:solidFill>
-                <a:latin typeface="Arial"/>
-              </a:rPr>
-              <a:t>SALT MECHANICS</a:t>
-            </a:r>
-          </a:p>
-        </p:txBody>
-      </p:sp>
-      <p:sp>
-        <p:nvSpPr>
-          <p:cNvPr id="106" name="CaixaDeTexto 105"/>
-          <p:cNvSpPr txBox="1"/>
-          <p:nvPr/>
-        </p:nvSpPr>
-        <p:spPr>
-          <a:xfrm>
-            <a:off x="228600" y="457200"/>
-            <a:ext cx="8686800" cy="3910680"/>
-          </a:xfrm>
-          <a:prstGeom prst="rect">
-            <a:avLst/>
-          </a:prstGeom>
-          <a:noFill/>
-          <a:ln w="0">
-            <a:noFill/>
-          </a:ln>
-          <a:effectLst>
-            <a:outerShdw blurRad="12600" dist="12727" dir="2700000" rotWithShape="0">
-              <a:srgbClr val="808080"/>
-            </a:outerShdw>
-          </a:effectLst>
-        </p:spPr>
-        <p:txBody>
-          <a:bodyPr lIns="90000" tIns="45000" rIns="90000" bIns="45000" anchor="t">
-            <a:noAutofit/>
-          </a:bodyPr>
-          <a:lstStyle/>
-          <a:p>
-            <a:r>
-              <a:rPr lang="en-US" sz="1800" b="0" strike="noStrike" spc="-1">
-                <a:solidFill>
-                  <a:srgbClr val="000000"/>
-                </a:solidFill>
-                <a:latin typeface="TeX Gyre Termes"/>
-                <a:ea typeface="TexMaths Symbols"/>
-              </a:rPr>
-              <a:t>Physiscs: creep, fracture, stress relaxation, long term conformation (geologic time)</a:t>
-            </a:r>
-            <a:endParaRPr lang="en-US" sz="1800" b="0" strike="noStrike" spc="-1">
-              <a:solidFill>
-                <a:srgbClr val="000000"/>
-              </a:solidFill>
-              <a:latin typeface="Arial"/>
-            </a:endParaRPr>
-          </a:p>
-          <a:p>
-            <a:r>
-              <a:rPr lang="en-US" sz="1800" b="0" strike="noStrike" spc="-1">
-                <a:solidFill>
-                  <a:srgbClr val="000000"/>
-                </a:solidFill>
-                <a:latin typeface="TeX Gyre Termes"/>
-                <a:ea typeface="TexMaths Symbols"/>
-              </a:rPr>
-              <a:t>Large strains model</a:t>
-            </a:r>
-            <a:endParaRPr lang="en-US" sz="1800" b="0" strike="noStrike" spc="-1">
-              <a:solidFill>
-                <a:srgbClr val="000000"/>
-              </a:solidFill>
-              <a:latin typeface="Arial"/>
-            </a:endParaRPr>
-          </a:p>
-          <a:p>
-            <a:r>
-              <a:rPr lang="en-US" sz="1800" b="0" strike="noStrike" spc="-1">
-                <a:solidFill>
-                  <a:srgbClr val="000000"/>
-                </a:solidFill>
-                <a:latin typeface="TeX Gyre Termes"/>
-                <a:ea typeface="TexMaths Symbols"/>
-              </a:rPr>
-              <a:t>Risk assessment </a:t>
-            </a:r>
-            <a:endParaRPr lang="en-US" sz="1800" b="0" strike="noStrike" spc="-1">
-              <a:solidFill>
-                <a:srgbClr val="000000"/>
-              </a:solidFill>
-              <a:latin typeface="Arial"/>
-            </a:endParaRPr>
-          </a:p>
-          <a:p>
-            <a:r>
-              <a:rPr lang="en-US" sz="1800" b="0" strike="noStrike" spc="-1">
-                <a:solidFill>
-                  <a:srgbClr val="000000"/>
-                </a:solidFill>
-                <a:latin typeface="TeX Gyre Termes"/>
-                <a:ea typeface="TexMaths Symbols"/>
-              </a:rPr>
-              <a:t>	Analyze worst case scenarios, use of safety coefficients</a:t>
-            </a:r>
-            <a:endParaRPr lang="en-US" sz="1800" b="0" strike="noStrike" spc="-1">
-              <a:solidFill>
-                <a:srgbClr val="000000"/>
-              </a:solidFill>
-              <a:latin typeface="Arial"/>
-            </a:endParaRPr>
-          </a:p>
-          <a:p>
-            <a:r>
-              <a:rPr lang="en-US" sz="1800" b="0" strike="noStrike" spc="-1">
-                <a:solidFill>
-                  <a:srgbClr val="000000"/>
-                </a:solidFill>
-                <a:latin typeface="TeX Gyre Termes"/>
-                <a:ea typeface="TexMaths Symbols"/>
-              </a:rPr>
-              <a:t>Mechanic dynamic of salt targetting process optimization</a:t>
-            </a:r>
-            <a:endParaRPr lang="en-US" sz="1800" b="0" strike="noStrike" spc="-1">
-              <a:solidFill>
-                <a:srgbClr val="000000"/>
-              </a:solidFill>
-              <a:latin typeface="Arial"/>
-            </a:endParaRPr>
-          </a:p>
-          <a:p>
-            <a:pPr>
-              <a:lnSpc>
-                <a:spcPct val="100000"/>
-              </a:lnSpc>
-              <a:tabLst>
-                <a:tab pos="455760" algn="l"/>
-              </a:tabLst>
-            </a:pPr>
-            <a:r>
-              <a:rPr lang="en-US" sz="1800" b="0" strike="noStrike" spc="-1">
-                <a:solidFill>
-                  <a:srgbClr val="000000"/>
-                </a:solidFill>
-                <a:latin typeface="TeX Gyre Termes"/>
-                <a:ea typeface="TexMaths Symbols"/>
-              </a:rPr>
-              <a:t>	Uncertainty analysis to support design decisions</a:t>
-            </a:r>
-            <a:endParaRPr lang="en-US" sz="1800" b="0" strike="noStrike" spc="-1">
-              <a:solidFill>
-                <a:srgbClr val="000000"/>
-              </a:solidFill>
-              <a:latin typeface="Arial"/>
-            </a:endParaRPr>
-          </a:p>
-          <a:p>
-            <a:pPr>
-              <a:lnSpc>
-                <a:spcPct val="100000"/>
-              </a:lnSpc>
-              <a:tabLst>
-                <a:tab pos="455760" algn="l"/>
-              </a:tabLst>
-            </a:pPr>
-            <a:r>
-              <a:rPr lang="en-US" sz="1800" b="0" strike="noStrike" spc="-1">
-                <a:solidFill>
-                  <a:srgbClr val="000000"/>
-                </a:solidFill>
-                <a:latin typeface="TeX Gyre Termes"/>
-                <a:ea typeface="TexMaths Symbols"/>
-              </a:rPr>
-              <a:t>	Fractures, deviatoric strain relaxation</a:t>
-            </a:r>
-            <a:endParaRPr lang="en-US" sz="1800" b="0" strike="noStrike" spc="-1">
-              <a:solidFill>
-                <a:srgbClr val="000000"/>
-              </a:solidFill>
-              <a:latin typeface="Arial"/>
-            </a:endParaRPr>
-          </a:p>
-          <a:p>
-            <a:r>
-              <a:rPr lang="en-US" sz="1800" b="0" strike="noStrike" spc="-1">
-                <a:solidFill>
-                  <a:srgbClr val="000000"/>
-                </a:solidFill>
-                <a:latin typeface="TeX Gyre Termes"/>
-                <a:ea typeface="TexMaths Symbols"/>
-              </a:rPr>
-              <a:t>Specific applications – case study</a:t>
-            </a:r>
-            <a:endParaRPr lang="en-US" sz="1800" b="0" strike="noStrike" spc="-1">
-              <a:solidFill>
-                <a:srgbClr val="000000"/>
-              </a:solidFill>
-              <a:latin typeface="Arial"/>
-            </a:endParaRPr>
-          </a:p>
-          <a:p>
-            <a:r>
-              <a:rPr lang="en-US" sz="1800" b="0" strike="noStrike" spc="-1">
-                <a:solidFill>
-                  <a:srgbClr val="000000"/>
-                </a:solidFill>
-                <a:latin typeface="TeX Gyre Termes"/>
-                <a:ea typeface="TexMaths Symbols"/>
-              </a:rPr>
-              <a:t>	Salt caverns</a:t>
-            </a:r>
-            <a:endParaRPr lang="en-US" sz="1800" b="0" strike="noStrike" spc="-1">
-              <a:solidFill>
-                <a:srgbClr val="000000"/>
-              </a:solidFill>
-              <a:latin typeface="Arial"/>
-            </a:endParaRPr>
-          </a:p>
-          <a:p>
-            <a:r>
-              <a:rPr lang="en-US" sz="1800" b="0" strike="noStrike" spc="-1">
-                <a:solidFill>
-                  <a:srgbClr val="000000"/>
-                </a:solidFill>
-                <a:latin typeface="TeX Gyre Termes"/>
-                <a:ea typeface="TexMaths Symbols"/>
-              </a:rPr>
-              <a:t>	Salt as a caprock</a:t>
-            </a:r>
             <a:endParaRPr lang="en-US" sz="1800" b="0" strike="noStrike" spc="-1">
               <a:solidFill>
                 <a:srgbClr val="000000"/>

--- a/Research/2023-12-Research-plan.pptx
+++ b/Research/2023-12-Research-plan.pptx
@@ -5,24 +5,28 @@
     <p:sldMasterId id="2147483673" r:id="rId1"/>
   </p:sldMasterIdLst>
   <p:notesMasterIdLst>
-    <p:notesMasterId r:id="rId14"/>
+    <p:notesMasterId r:id="rId18"/>
   </p:notesMasterIdLst>
   <p:handoutMasterIdLst>
-    <p:handoutMasterId r:id="rId15"/>
+    <p:handoutMasterId r:id="rId19"/>
   </p:handoutMasterIdLst>
   <p:sldIdLst>
     <p:sldId id="256" r:id="rId2"/>
     <p:sldId id="264" r:id="rId3"/>
     <p:sldId id="257" r:id="rId4"/>
     <p:sldId id="265" r:id="rId5"/>
-    <p:sldId id="266" r:id="rId6"/>
-    <p:sldId id="267" r:id="rId7"/>
-    <p:sldId id="258" r:id="rId8"/>
-    <p:sldId id="259" r:id="rId9"/>
-    <p:sldId id="260" r:id="rId10"/>
-    <p:sldId id="261" r:id="rId11"/>
-    <p:sldId id="262" r:id="rId12"/>
-    <p:sldId id="263" r:id="rId13"/>
+    <p:sldId id="267" r:id="rId6"/>
+    <p:sldId id="268" r:id="rId7"/>
+    <p:sldId id="269" r:id="rId8"/>
+    <p:sldId id="270" r:id="rId9"/>
+    <p:sldId id="271" r:id="rId10"/>
+    <p:sldId id="266" r:id="rId11"/>
+    <p:sldId id="258" r:id="rId12"/>
+    <p:sldId id="259" r:id="rId13"/>
+    <p:sldId id="260" r:id="rId14"/>
+    <p:sldId id="261" r:id="rId15"/>
+    <p:sldId id="262" r:id="rId16"/>
+    <p:sldId id="263" r:id="rId17"/>
   </p:sldIdLst>
   <p:sldSz cx="9144000" cy="5143500" type="screen16x9"/>
   <p:notesSz cx="6858000" cy="9313863"/>
@@ -226,7 +230,7 @@
           <a:p>
             <a:fld id="{C6EDAEBB-763F-4AE6-A37D-8CC9BE14BFA8}" type="datetimeFigureOut">
               <a:rPr lang="en-US" smtClean="0"/>
-              <a:t>3/10/2024</a:t>
+              <a:t>4/5/2024</a:t>
             </a:fld>
             <a:endParaRPr lang="en-US"/>
           </a:p>
@@ -1195,7 +1199,7 @@
                 <a:latin typeface="Arial"/>
                 <a:ea typeface="ヒラギノ角ゴ Pro W3"/>
               </a:rPr>
-              <a:t>7</a:t>
+              <a:t>11</a:t>
             </a:fld>
             <a:endParaRPr lang="en-US" sz="1200" b="0" strike="noStrike" spc="-1">
               <a:solidFill>
@@ -2664,6 +2668,1112 @@
       </p:grpSpPr>
       <p:sp>
         <p:nvSpPr>
+          <p:cNvPr id="2" name="Text Placeholder 1">
+            <a:extLst>
+              <a:ext uri="{FF2B5EF4-FFF2-40B4-BE49-F238E27FC236}">
+                <a16:creationId xmlns:a16="http://schemas.microsoft.com/office/drawing/2014/main" id="{96646901-E1F7-C9FC-22CC-30300204CADC}"/>
+              </a:ext>
+            </a:extLst>
+          </p:cNvPr>
+          <p:cNvSpPr>
+            <a:spLocks noGrp="1"/>
+          </p:cNvSpPr>
+          <p:nvPr>
+            <p:ph type="body" sz="quarter" idx="11"/>
+          </p:nvPr>
+        </p:nvSpPr>
+        <p:spPr/>
+        <p:txBody>
+          <a:bodyPr/>
+          <a:lstStyle/>
+          <a:p>
+            <a:r>
+              <a:rPr lang="en-US" dirty="0"/>
+              <a:t>Object of study</a:t>
+            </a:r>
+          </a:p>
+          <a:p>
+            <a:pPr lvl="1"/>
+            <a:r>
+              <a:rPr lang="en-US" dirty="0"/>
+              <a:t>Conventional carbonate field, naturally fractured, mixed wet</a:t>
+            </a:r>
+          </a:p>
+          <a:p>
+            <a:pPr lvl="1"/>
+            <a:r>
+              <a:rPr lang="en-US" dirty="0"/>
+              <a:t>Large models, field scale</a:t>
+            </a:r>
+          </a:p>
+          <a:p>
+            <a:pPr lvl="1"/>
+            <a:r>
+              <a:rPr lang="en-US" dirty="0"/>
+              <a:t>Permeable matrix</a:t>
+            </a:r>
+          </a:p>
+          <a:p>
+            <a:pPr lvl="1"/>
+            <a:r>
+              <a:rPr lang="en-US" dirty="0"/>
+              <a:t>Wells are acidized (not fractured)</a:t>
+            </a:r>
+          </a:p>
+          <a:p>
+            <a:pPr lvl="1"/>
+            <a:r>
+              <a:rPr lang="en-US" dirty="0"/>
+              <a:t>Fractures provide additional permeability</a:t>
+            </a:r>
+          </a:p>
+          <a:p>
+            <a:r>
+              <a:rPr lang="en-US" dirty="0"/>
+              <a:t>The problem</a:t>
+            </a:r>
+          </a:p>
+          <a:p>
+            <a:pPr lvl="1"/>
+            <a:r>
+              <a:rPr lang="en-US" dirty="0"/>
+              <a:t>Description of the natural fracture network ignores important physics</a:t>
+            </a:r>
+          </a:p>
+          <a:p>
+            <a:pPr lvl="1"/>
+            <a:r>
+              <a:rPr lang="en-US" dirty="0"/>
+              <a:t>Mass transference parameters are mostly based on history matching</a:t>
+            </a:r>
+          </a:p>
+          <a:p>
+            <a:pPr lvl="1"/>
+            <a:r>
+              <a:rPr lang="en-US" dirty="0"/>
+              <a:t>Multiphase flow is not adequately treated in the interface fracture-matrix</a:t>
+            </a:r>
+          </a:p>
+          <a:p>
+            <a:pPr lvl="1"/>
+            <a:r>
+              <a:rPr lang="en-US" dirty="0"/>
+              <a:t>Models with detailed fractures are numerical impractical</a:t>
+            </a:r>
+          </a:p>
+          <a:p>
+            <a:r>
+              <a:rPr lang="en-US" dirty="0"/>
+              <a:t>Objective</a:t>
+            </a:r>
+          </a:p>
+          <a:p>
+            <a:pPr lvl="1"/>
+            <a:r>
+              <a:rPr lang="en-US" dirty="0"/>
+              <a:t>Enhance the understanding of the field based on numerical simulation</a:t>
+            </a:r>
+          </a:p>
+          <a:p>
+            <a:pPr lvl="1"/>
+            <a:r>
+              <a:rPr lang="en-US" dirty="0"/>
+              <a:t>Promote better communication between geoscientists and numerical simulation</a:t>
+            </a:r>
+          </a:p>
+          <a:p>
+            <a:pPr lvl="1"/>
+            <a:r>
+              <a:rPr lang="en-US" dirty="0"/>
+              <a:t>Enable the description of a fracture network based on high level parameters (wettability, fracture network density, fracture genesis </a:t>
+            </a:r>
+            <a:r>
+              <a:rPr lang="en-US" dirty="0" err="1"/>
+              <a:t>etc</a:t>
+            </a:r>
+            <a:r>
+              <a:rPr lang="en-US" dirty="0"/>
+              <a:t>)</a:t>
+            </a:r>
+          </a:p>
+          <a:p>
+            <a:pPr lvl="1"/>
+            <a:r>
+              <a:rPr lang="en-US" dirty="0"/>
+              <a:t>Assimilation of geological understanding to the numerical models</a:t>
+            </a:r>
+          </a:p>
+          <a:p>
+            <a:r>
+              <a:rPr lang="en-US" dirty="0"/>
+              <a:t>Methodology</a:t>
+            </a:r>
+          </a:p>
+          <a:p>
+            <a:pPr lvl="1"/>
+            <a:r>
+              <a:rPr lang="en-US" dirty="0"/>
+              <a:t>Understand geological geometries and hydraulic characteristics of natural fractures</a:t>
+            </a:r>
+          </a:p>
+          <a:p>
+            <a:pPr lvl="1"/>
+            <a:r>
+              <a:rPr lang="en-US" dirty="0"/>
+              <a:t>Understand the limitations of current models, especially multiphase and closed fractures</a:t>
+            </a:r>
+          </a:p>
+          <a:p>
+            <a:pPr lvl="1"/>
+            <a:r>
+              <a:rPr lang="en-US" dirty="0"/>
+              <a:t>Implement a preprocessor to embed fractures optimally, keeping the model numerically reasonable</a:t>
+            </a:r>
+          </a:p>
+        </p:txBody>
+      </p:sp>
+      <p:sp>
+        <p:nvSpPr>
+          <p:cNvPr id="3" name="Title 2">
+            <a:extLst>
+              <a:ext uri="{FF2B5EF4-FFF2-40B4-BE49-F238E27FC236}">
+                <a16:creationId xmlns:a16="http://schemas.microsoft.com/office/drawing/2014/main" id="{34C60A47-EBB6-091D-C027-1403C1B677C8}"/>
+              </a:ext>
+            </a:extLst>
+          </p:cNvPr>
+          <p:cNvSpPr>
+            <a:spLocks noGrp="1"/>
+          </p:cNvSpPr>
+          <p:nvPr>
+            <p:ph type="title"/>
+          </p:nvPr>
+        </p:nvSpPr>
+        <p:spPr/>
+        <p:txBody>
+          <a:bodyPr/>
+          <a:lstStyle/>
+          <a:p>
+            <a:r>
+              <a:rPr lang="en-US" dirty="0"/>
+              <a:t>PROBLEM #2 - FLOW IN FRACTURES</a:t>
+            </a:r>
+          </a:p>
+        </p:txBody>
+      </p:sp>
+    </p:spTree>
+    <p:extLst>
+      <p:ext uri="{BB962C8B-B14F-4D97-AF65-F5344CB8AC3E}">
+        <p14:creationId xmlns:p14="http://schemas.microsoft.com/office/powerpoint/2010/main" val="314026188"/>
+      </p:ext>
+    </p:extLst>
+  </p:cSld>
+  <p:clrMapOvr>
+    <a:masterClrMapping/>
+  </p:clrMapOvr>
+</p:sld>
+</file>
+
+<file path=ppt/slides/slide11.xml><?xml version="1.0" encoding="utf-8"?>
+<p:sld xmlns:a="http://schemas.openxmlformats.org/drawingml/2006/main" xmlns:r="http://schemas.openxmlformats.org/officeDocument/2006/relationships" xmlns:p="http://schemas.openxmlformats.org/presentationml/2006/main">
+  <p:cSld>
+    <p:bg>
+      <p:bgPr>
+        <a:solidFill>
+          <a:srgbClr val="FFFFFF"/>
+        </a:solidFill>
+        <a:effectLst/>
+      </p:bgPr>
+    </p:bg>
+    <p:spTree>
+      <p:nvGrpSpPr>
+        <p:cNvPr id="1" name=""/>
+        <p:cNvGrpSpPr/>
+        <p:nvPr/>
+      </p:nvGrpSpPr>
+      <p:grpSpPr>
+        <a:xfrm>
+          <a:off x="0" y="0"/>
+          <a:ext cx="0" cy="0"/>
+          <a:chOff x="0" y="0"/>
+          <a:chExt cx="0" cy="0"/>
+        </a:xfrm>
+      </p:grpSpPr>
+      <p:cxnSp>
+        <p:nvCxnSpPr>
+          <p:cNvPr id="95" name="Straight Connector 9"/>
+          <p:cNvCxnSpPr/>
+          <p:nvPr/>
+        </p:nvCxnSpPr>
+        <p:spPr>
+          <a:xfrm>
+            <a:off x="628560" y="3105000"/>
+            <a:ext cx="5619960" cy="360"/>
+          </a:xfrm>
+          <a:prstGeom prst="straightConnector1">
+            <a:avLst/>
+          </a:prstGeom>
+          <a:ln w="19080">
+            <a:solidFill>
+              <a:srgbClr val="BF5700"/>
+            </a:solidFill>
+            <a:round/>
+          </a:ln>
+        </p:spPr>
+      </p:cxnSp>
+      <p:sp>
+        <p:nvSpPr>
+          <p:cNvPr id="96" name="Text Placeholder 9"/>
+          <p:cNvSpPr/>
+          <p:nvPr/>
+        </p:nvSpPr>
+        <p:spPr>
+          <a:xfrm>
+            <a:off x="548640" y="4114440"/>
+            <a:ext cx="7886520" cy="456840"/>
+          </a:xfrm>
+          <a:prstGeom prst="rect">
+            <a:avLst/>
+          </a:prstGeom>
+          <a:noFill/>
+          <a:ln w="0">
+            <a:noFill/>
+          </a:ln>
+          <a:effectLst>
+            <a:outerShdw blurRad="12600" dist="12727" dir="2700000" rotWithShape="0">
+              <a:srgbClr val="808080"/>
+            </a:outerShdw>
+          </a:effectLst>
+        </p:spPr>
+        <p:style>
+          <a:lnRef idx="0">
+            <a:scrgbClr r="0" g="0" b="0"/>
+          </a:lnRef>
+          <a:fillRef idx="0">
+            <a:scrgbClr r="0" g="0" b="0"/>
+          </a:fillRef>
+          <a:effectRef idx="0">
+            <a:scrgbClr r="0" g="0" b="0"/>
+          </a:effectRef>
+          <a:fontRef idx="minor"/>
+        </p:style>
+        <p:txBody>
+          <a:bodyPr anchor="b">
+            <a:noAutofit/>
+          </a:bodyPr>
+          <a:lstStyle/>
+          <a:p>
+            <a:pPr defTabSz="914400">
+              <a:lnSpc>
+                <a:spcPct val="50000"/>
+              </a:lnSpc>
+              <a:spcBef>
+                <a:spcPts val="1001"/>
+              </a:spcBef>
+              <a:tabLst>
+                <a:tab pos="0" algn="l"/>
+              </a:tabLst>
+            </a:pPr>
+            <a:r>
+              <a:rPr lang="en-US" sz="1050" b="0" strike="noStrike" cap="all" spc="-1">
+                <a:solidFill>
+                  <a:srgbClr val="BF5700"/>
+                </a:solidFill>
+                <a:latin typeface="Arial Black"/>
+                <a:ea typeface="Arial"/>
+              </a:rPr>
+              <a:t>Renato poli (rep2656)</a:t>
+            </a:r>
+            <a:endParaRPr lang="en-US" sz="1050" b="0" strike="noStrike" spc="-1">
+              <a:solidFill>
+                <a:srgbClr val="000000"/>
+              </a:solidFill>
+              <a:latin typeface="Arial"/>
+            </a:endParaRPr>
+          </a:p>
+        </p:txBody>
+      </p:sp>
+      <p:sp>
+        <p:nvSpPr>
+          <p:cNvPr id="97" name="Text Placeholder 9"/>
+          <p:cNvSpPr/>
+          <p:nvPr/>
+        </p:nvSpPr>
+        <p:spPr>
+          <a:xfrm>
+            <a:off x="548640" y="456840"/>
+            <a:ext cx="7828200" cy="388800"/>
+          </a:xfrm>
+          <a:prstGeom prst="rect">
+            <a:avLst/>
+          </a:prstGeom>
+          <a:noFill/>
+          <a:ln w="0">
+            <a:noFill/>
+          </a:ln>
+          <a:effectLst>
+            <a:outerShdw blurRad="12600" dist="12727" dir="2700000" rotWithShape="0">
+              <a:srgbClr val="808080"/>
+            </a:outerShdw>
+          </a:effectLst>
+        </p:spPr>
+        <p:style>
+          <a:lnRef idx="0">
+            <a:scrgbClr r="0" g="0" b="0"/>
+          </a:lnRef>
+          <a:fillRef idx="0">
+            <a:scrgbClr r="0" g="0" b="0"/>
+          </a:fillRef>
+          <a:effectRef idx="0">
+            <a:scrgbClr r="0" g="0" b="0"/>
+          </a:effectRef>
+          <a:fontRef idx="minor"/>
+        </p:style>
+        <p:txBody>
+          <a:bodyPr anchor="ctr">
+            <a:noAutofit/>
+          </a:bodyPr>
+          <a:lstStyle/>
+          <a:p>
+            <a:pPr defTabSz="914400">
+              <a:lnSpc>
+                <a:spcPct val="90000"/>
+              </a:lnSpc>
+              <a:spcBef>
+                <a:spcPts val="1001"/>
+              </a:spcBef>
+              <a:tabLst>
+                <a:tab pos="0" algn="l"/>
+              </a:tabLst>
+            </a:pPr>
+            <a:r>
+              <a:rPr lang="en-US" sz="1200" b="0" strike="noStrike" cap="all" spc="-1">
+                <a:solidFill>
+                  <a:srgbClr val="BF5700"/>
+                </a:solidFill>
+                <a:latin typeface="Arial Black"/>
+                <a:ea typeface="Arial"/>
+              </a:rPr>
+              <a:t>Dec 2023</a:t>
+            </a:r>
+            <a:endParaRPr lang="en-US" sz="1200" b="0" strike="noStrike" spc="-1">
+              <a:solidFill>
+                <a:srgbClr val="000000"/>
+              </a:solidFill>
+              <a:latin typeface="Arial"/>
+            </a:endParaRPr>
+          </a:p>
+        </p:txBody>
+      </p:sp>
+      <p:sp>
+        <p:nvSpPr>
+          <p:cNvPr id="98" name="Title Placeholder 7"/>
+          <p:cNvSpPr/>
+          <p:nvPr/>
+        </p:nvSpPr>
+        <p:spPr>
+          <a:xfrm>
+            <a:off x="502920" y="1199880"/>
+            <a:ext cx="7886520" cy="1752120"/>
+          </a:xfrm>
+          <a:prstGeom prst="rect">
+            <a:avLst/>
+          </a:prstGeom>
+          <a:noFill/>
+          <a:ln w="0">
+            <a:noFill/>
+          </a:ln>
+          <a:effectLst>
+            <a:outerShdw blurRad="12600" dist="12727" dir="2700000" rotWithShape="0">
+              <a:srgbClr val="808080"/>
+            </a:outerShdw>
+          </a:effectLst>
+        </p:spPr>
+        <p:style>
+          <a:lnRef idx="0">
+            <a:scrgbClr r="0" g="0" b="0"/>
+          </a:lnRef>
+          <a:fillRef idx="0">
+            <a:scrgbClr r="0" g="0" b="0"/>
+          </a:fillRef>
+          <a:effectRef idx="0">
+            <a:scrgbClr r="0" g="0" b="0"/>
+          </a:effectRef>
+          <a:fontRef idx="minor"/>
+        </p:style>
+        <p:txBody>
+          <a:bodyPr anchor="b">
+            <a:noAutofit/>
+          </a:bodyPr>
+          <a:lstStyle/>
+          <a:p>
+            <a:pPr defTabSz="914400">
+              <a:lnSpc>
+                <a:spcPts val="4000"/>
+              </a:lnSpc>
+            </a:pPr>
+            <a:r>
+              <a:rPr lang="en-US" sz="3200" b="1" strike="noStrike" cap="all" spc="-1" dirty="0">
+                <a:solidFill>
+                  <a:srgbClr val="BF5700"/>
+                </a:solidFill>
+                <a:latin typeface="Arial Black"/>
+                <a:ea typeface="Arial Black"/>
+              </a:rPr>
+              <a:t>RESEARCH PLAN AND BRAINSTORMING</a:t>
+            </a:r>
+            <a:endParaRPr lang="en-US" sz="3200" b="0" strike="noStrike" spc="-1" dirty="0">
+              <a:solidFill>
+                <a:srgbClr val="000000"/>
+              </a:solidFill>
+              <a:latin typeface="Arial"/>
+            </a:endParaRPr>
+          </a:p>
+        </p:txBody>
+      </p:sp>
+      <p:sp>
+        <p:nvSpPr>
+          <p:cNvPr id="99" name="Text Placeholder 9"/>
+          <p:cNvSpPr/>
+          <p:nvPr/>
+        </p:nvSpPr>
+        <p:spPr>
+          <a:xfrm>
+            <a:off x="548640" y="3333240"/>
+            <a:ext cx="7886520" cy="456840"/>
+          </a:xfrm>
+          <a:prstGeom prst="rect">
+            <a:avLst/>
+          </a:prstGeom>
+          <a:noFill/>
+          <a:ln w="0">
+            <a:noFill/>
+          </a:ln>
+          <a:effectLst>
+            <a:outerShdw blurRad="12600" dist="12727" dir="2700000" rotWithShape="0">
+              <a:srgbClr val="808080"/>
+            </a:outerShdw>
+          </a:effectLst>
+        </p:spPr>
+        <p:style>
+          <a:lnRef idx="0">
+            <a:scrgbClr r="0" g="0" b="0"/>
+          </a:lnRef>
+          <a:fillRef idx="0">
+            <a:scrgbClr r="0" g="0" b="0"/>
+          </a:fillRef>
+          <a:effectRef idx="0">
+            <a:scrgbClr r="0" g="0" b="0"/>
+          </a:effectRef>
+          <a:fontRef idx="minor"/>
+        </p:style>
+        <p:txBody>
+          <a:bodyPr anchor="t">
+            <a:noAutofit/>
+          </a:bodyPr>
+          <a:lstStyle/>
+          <a:p>
+            <a:endParaRPr lang="en-US" sz="1400" b="0" strike="noStrike" spc="-1">
+              <a:solidFill>
+                <a:srgbClr val="000000"/>
+              </a:solidFill>
+              <a:latin typeface="Arial"/>
+            </a:endParaRPr>
+          </a:p>
+        </p:txBody>
+      </p:sp>
+      <p:sp>
+        <p:nvSpPr>
+          <p:cNvPr id="100" name="CaixaDeTexto 99"/>
+          <p:cNvSpPr txBox="1"/>
+          <p:nvPr/>
+        </p:nvSpPr>
+        <p:spPr>
+          <a:xfrm>
+            <a:off x="685800" y="3200400"/>
+            <a:ext cx="4800600" cy="685800"/>
+          </a:xfrm>
+          <a:prstGeom prst="rect">
+            <a:avLst/>
+          </a:prstGeom>
+          <a:noFill/>
+          <a:ln w="0">
+            <a:noFill/>
+          </a:ln>
+          <a:effectLst>
+            <a:outerShdw blurRad="12600" dist="12727" dir="2700000" rotWithShape="0">
+              <a:srgbClr val="808080"/>
+            </a:outerShdw>
+          </a:effectLst>
+        </p:spPr>
+        <p:txBody>
+          <a:bodyPr lIns="90000" tIns="45000" rIns="90000" bIns="45000" anchor="t">
+            <a:noAutofit/>
+          </a:bodyPr>
+          <a:lstStyle/>
+          <a:p>
+            <a:r>
+              <a:rPr lang="en-US" sz="2400" b="0" i="1" strike="noStrike" spc="-1">
+                <a:solidFill>
+                  <a:srgbClr val="BF5700"/>
+                </a:solidFill>
+                <a:latin typeface="Arial Black"/>
+                <a:ea typeface="Arial Black"/>
+              </a:rPr>
+              <a:t>notes and remarks</a:t>
+            </a:r>
+            <a:endParaRPr lang="en-US" sz="2400" b="0" strike="noStrike" spc="-1">
+              <a:solidFill>
+                <a:srgbClr val="000000"/>
+              </a:solidFill>
+              <a:latin typeface="Arial"/>
+            </a:endParaRPr>
+          </a:p>
+        </p:txBody>
+      </p:sp>
+    </p:spTree>
+  </p:cSld>
+  <p:clrMapOvr>
+    <a:masterClrMapping/>
+  </p:clrMapOvr>
+</p:sld>
+</file>
+
+<file path=ppt/slides/slide12.xml><?xml version="1.0" encoding="utf-8"?>
+<p:sld xmlns:a="http://schemas.openxmlformats.org/drawingml/2006/main" xmlns:r="http://schemas.openxmlformats.org/officeDocument/2006/relationships" xmlns:p="http://schemas.openxmlformats.org/presentationml/2006/main">
+  <p:cSld>
+    <p:spTree>
+      <p:nvGrpSpPr>
+        <p:cNvPr id="1" name=""/>
+        <p:cNvGrpSpPr/>
+        <p:nvPr/>
+      </p:nvGrpSpPr>
+      <p:grpSpPr>
+        <a:xfrm>
+          <a:off x="0" y="0"/>
+          <a:ext cx="0" cy="0"/>
+          <a:chOff x="0" y="0"/>
+          <a:chExt cx="0" cy="0"/>
+        </a:xfrm>
+      </p:grpSpPr>
+      <p:sp>
+        <p:nvSpPr>
+          <p:cNvPr id="101" name="PlaceHolder 1"/>
+          <p:cNvSpPr>
+            <a:spLocks noGrp="1"/>
+          </p:cNvSpPr>
+          <p:nvPr>
+            <p:ph type="title" idx="4294967295"/>
+          </p:nvPr>
+        </p:nvSpPr>
+        <p:spPr>
+          <a:xfrm>
+            <a:off x="0" y="46038"/>
+            <a:ext cx="8075613" cy="228600"/>
+          </a:xfrm>
+          <a:prstGeom prst="rect">
+            <a:avLst/>
+          </a:prstGeom>
+          <a:noFill/>
+          <a:ln w="0">
+            <a:noFill/>
+          </a:ln>
+        </p:spPr>
+        <p:txBody>
+          <a:bodyPr lIns="0" tIns="0" rIns="0" bIns="0" anchor="ctr">
+            <a:noAutofit/>
+          </a:bodyPr>
+          <a:lstStyle/>
+          <a:p>
+            <a:pPr indent="0">
+              <a:buNone/>
+            </a:pPr>
+            <a:r>
+              <a:rPr lang="en-US" sz="1600" b="1" strike="noStrike" spc="-1">
+                <a:solidFill>
+                  <a:srgbClr val="FFFFFF"/>
+                </a:solidFill>
+                <a:latin typeface="Arial"/>
+              </a:rPr>
+              <a:t>MACRO TOPICS</a:t>
+            </a:r>
+          </a:p>
+        </p:txBody>
+      </p:sp>
+      <p:sp>
+        <p:nvSpPr>
+          <p:cNvPr id="102" name="CaixaDeTexto 101"/>
+          <p:cNvSpPr txBox="1"/>
+          <p:nvPr/>
+        </p:nvSpPr>
+        <p:spPr>
+          <a:xfrm>
+            <a:off x="228600" y="457200"/>
+            <a:ext cx="6858000" cy="2881440"/>
+          </a:xfrm>
+          <a:prstGeom prst="rect">
+            <a:avLst/>
+          </a:prstGeom>
+          <a:noFill/>
+          <a:ln w="0">
+            <a:noFill/>
+          </a:ln>
+          <a:effectLst>
+            <a:outerShdw blurRad="12600" dist="12727" dir="2700000" rotWithShape="0">
+              <a:srgbClr val="808080"/>
+            </a:outerShdw>
+          </a:effectLst>
+        </p:spPr>
+        <p:txBody>
+          <a:bodyPr lIns="90000" tIns="45000" rIns="90000" bIns="45000" anchor="t">
+            <a:noAutofit/>
+          </a:bodyPr>
+          <a:lstStyle/>
+          <a:p>
+            <a:r>
+              <a:rPr lang="en-US" sz="1800" b="0" strike="noStrike" spc="-1">
+                <a:solidFill>
+                  <a:srgbClr val="000000"/>
+                </a:solidFill>
+                <a:latin typeface="TeX Gyre Termes"/>
+                <a:ea typeface="TexMaths Symbols"/>
+              </a:rPr>
+              <a:t>Fractures</a:t>
+            </a:r>
+            <a:endParaRPr lang="en-US" sz="1800" b="0" strike="noStrike" spc="-1">
+              <a:solidFill>
+                <a:srgbClr val="000000"/>
+              </a:solidFill>
+              <a:latin typeface="Arial"/>
+            </a:endParaRPr>
+          </a:p>
+          <a:p>
+            <a:r>
+              <a:rPr lang="en-US" sz="1800" b="0" strike="noStrike" spc="-1">
+                <a:solidFill>
+                  <a:srgbClr val="000000"/>
+                </a:solidFill>
+                <a:latin typeface="TeX Gyre Termes"/>
+                <a:ea typeface="TexMaths Symbols"/>
+              </a:rPr>
+              <a:t>Salt geomechanics</a:t>
+            </a:r>
+            <a:endParaRPr lang="en-US" sz="1800" b="0" strike="noStrike" spc="-1">
+              <a:solidFill>
+                <a:srgbClr val="000000"/>
+              </a:solidFill>
+              <a:latin typeface="Arial"/>
+            </a:endParaRPr>
+          </a:p>
+          <a:p>
+            <a:r>
+              <a:rPr lang="en-US" sz="1800" b="0" strike="noStrike" spc="-1">
+                <a:solidFill>
+                  <a:srgbClr val="000000"/>
+                </a:solidFill>
+                <a:latin typeface="TeX Gyre Termes"/>
+                <a:ea typeface="TexMaths Symbols"/>
+              </a:rPr>
+              <a:t>Numerics and speedup</a:t>
+            </a:r>
+            <a:endParaRPr lang="en-US" sz="1800" b="0" strike="noStrike" spc="-1">
+              <a:solidFill>
+                <a:srgbClr val="000000"/>
+              </a:solidFill>
+              <a:latin typeface="Arial"/>
+            </a:endParaRPr>
+          </a:p>
+          <a:p>
+            <a:r>
+              <a:rPr lang="en-US" sz="1800" b="0" strike="noStrike" spc="-1">
+                <a:solidFill>
+                  <a:srgbClr val="000000"/>
+                </a:solidFill>
+                <a:latin typeface="TeX Gyre Termes"/>
+                <a:ea typeface="TexMaths Symbols"/>
+              </a:rPr>
+              <a:t>Multiphase flow and multiscale data assimilation</a:t>
+            </a:r>
+            <a:endParaRPr lang="en-US" sz="1800" b="0" strike="noStrike" spc="-1">
+              <a:solidFill>
+                <a:srgbClr val="000000"/>
+              </a:solidFill>
+              <a:latin typeface="Arial"/>
+            </a:endParaRPr>
+          </a:p>
+          <a:p>
+            <a:endParaRPr lang="en-US" sz="1800" b="0" strike="noStrike" spc="-1">
+              <a:solidFill>
+                <a:srgbClr val="000000"/>
+              </a:solidFill>
+              <a:latin typeface="Arial"/>
+            </a:endParaRPr>
+          </a:p>
+        </p:txBody>
+      </p:sp>
+    </p:spTree>
+  </p:cSld>
+  <p:clrMapOvr>
+    <a:masterClrMapping/>
+  </p:clrMapOvr>
+</p:sld>
+</file>
+
+<file path=ppt/slides/slide13.xml><?xml version="1.0" encoding="utf-8"?>
+<p:sld xmlns:a="http://schemas.openxmlformats.org/drawingml/2006/main" xmlns:r="http://schemas.openxmlformats.org/officeDocument/2006/relationships" xmlns:p="http://schemas.openxmlformats.org/presentationml/2006/main">
+  <p:cSld>
+    <p:spTree>
+      <p:nvGrpSpPr>
+        <p:cNvPr id="1" name=""/>
+        <p:cNvGrpSpPr/>
+        <p:nvPr/>
+      </p:nvGrpSpPr>
+      <p:grpSpPr>
+        <a:xfrm>
+          <a:off x="0" y="0"/>
+          <a:ext cx="0" cy="0"/>
+          <a:chOff x="0" y="0"/>
+          <a:chExt cx="0" cy="0"/>
+        </a:xfrm>
+      </p:grpSpPr>
+      <p:sp>
+        <p:nvSpPr>
+          <p:cNvPr id="103" name="PlaceHolder 1"/>
+          <p:cNvSpPr>
+            <a:spLocks noGrp="1"/>
+          </p:cNvSpPr>
+          <p:nvPr>
+            <p:ph type="title" idx="4294967295"/>
+          </p:nvPr>
+        </p:nvSpPr>
+        <p:spPr>
+          <a:xfrm>
+            <a:off x="0" y="46038"/>
+            <a:ext cx="8075613" cy="228600"/>
+          </a:xfrm>
+          <a:prstGeom prst="rect">
+            <a:avLst/>
+          </a:prstGeom>
+          <a:noFill/>
+          <a:ln w="0">
+            <a:noFill/>
+          </a:ln>
+        </p:spPr>
+        <p:txBody>
+          <a:bodyPr lIns="0" tIns="0" rIns="0" bIns="0" anchor="ctr">
+            <a:noAutofit/>
+          </a:bodyPr>
+          <a:lstStyle/>
+          <a:p>
+            <a:pPr indent="0">
+              <a:buNone/>
+            </a:pPr>
+            <a:r>
+              <a:rPr lang="en-US" sz="1600" b="1" strike="noStrike" spc="-1">
+                <a:solidFill>
+                  <a:srgbClr val="FFFFFF"/>
+                </a:solidFill>
+                <a:latin typeface="Arial"/>
+              </a:rPr>
+              <a:t>FRACTURES</a:t>
+            </a:r>
+          </a:p>
+        </p:txBody>
+      </p:sp>
+      <p:sp>
+        <p:nvSpPr>
+          <p:cNvPr id="104" name="CaixaDeTexto 103"/>
+          <p:cNvSpPr txBox="1"/>
+          <p:nvPr/>
+        </p:nvSpPr>
+        <p:spPr>
+          <a:xfrm>
+            <a:off x="228600" y="457200"/>
+            <a:ext cx="8686800" cy="3945600"/>
+          </a:xfrm>
+          <a:prstGeom prst="rect">
+            <a:avLst/>
+          </a:prstGeom>
+          <a:noFill/>
+          <a:ln w="0">
+            <a:noFill/>
+          </a:ln>
+          <a:effectLst>
+            <a:outerShdw blurRad="12600" dist="12727" dir="2700000" rotWithShape="0">
+              <a:srgbClr val="808080"/>
+            </a:outerShdw>
+          </a:effectLst>
+        </p:spPr>
+        <p:txBody>
+          <a:bodyPr lIns="90000" tIns="45000" rIns="90000" bIns="45000" anchor="t">
+            <a:noAutofit/>
+          </a:bodyPr>
+          <a:lstStyle/>
+          <a:p>
+            <a:r>
+              <a:rPr lang="en-US" sz="1800" b="0" strike="noStrike" spc="-1">
+                <a:solidFill>
+                  <a:srgbClr val="000000"/>
+                </a:solidFill>
+                <a:latin typeface="TeX Gyre Termes"/>
+                <a:ea typeface="TexMaths Symbols"/>
+              </a:rPr>
+              <a:t>Flow/heat</a:t>
+            </a:r>
+            <a:endParaRPr lang="en-US" sz="1800" b="0" strike="noStrike" spc="-1">
+              <a:solidFill>
+                <a:srgbClr val="000000"/>
+              </a:solidFill>
+              <a:latin typeface="Arial"/>
+            </a:endParaRPr>
+          </a:p>
+          <a:p>
+            <a:r>
+              <a:rPr lang="en-US" sz="1800" b="0" strike="noStrike" spc="-1">
+                <a:solidFill>
+                  <a:srgbClr val="000000"/>
+                </a:solidFill>
+                <a:latin typeface="TeX Gyre Termes"/>
+                <a:ea typeface="TexMaths Symbols"/>
+              </a:rPr>
+              <a:t>	EDFM</a:t>
+            </a:r>
+            <a:endParaRPr lang="en-US" sz="1800" b="0" strike="noStrike" spc="-1">
+              <a:solidFill>
+                <a:srgbClr val="000000"/>
+              </a:solidFill>
+              <a:latin typeface="Arial"/>
+            </a:endParaRPr>
+          </a:p>
+          <a:p>
+            <a:r>
+              <a:rPr lang="en-US" sz="1800" b="0" strike="noStrike" spc="-1">
+                <a:solidFill>
+                  <a:srgbClr val="000000"/>
+                </a:solidFill>
+                <a:latin typeface="TeX Gyre Termes"/>
+                <a:ea typeface="TexMaths Symbols"/>
+              </a:rPr>
+              <a:t>	CEDFM – Conforming discrete fracture model</a:t>
+            </a:r>
+            <a:endParaRPr lang="en-US" sz="1800" b="0" strike="noStrike" spc="-1">
+              <a:solidFill>
+                <a:srgbClr val="000000"/>
+              </a:solidFill>
+              <a:latin typeface="Arial"/>
+            </a:endParaRPr>
+          </a:p>
+          <a:p>
+            <a:r>
+              <a:rPr lang="en-US" sz="1800" b="0" strike="noStrike" spc="-1">
+                <a:solidFill>
+                  <a:srgbClr val="000000"/>
+                </a:solidFill>
+                <a:latin typeface="TeX Gyre Termes"/>
+                <a:ea typeface="TexMaths Symbols"/>
+              </a:rPr>
+              <a:t>	pEDFM – projection based embedded discrete fracture model</a:t>
+            </a:r>
+            <a:endParaRPr lang="en-US" sz="1800" b="0" strike="noStrike" spc="-1">
+              <a:solidFill>
+                <a:srgbClr val="000000"/>
+              </a:solidFill>
+              <a:latin typeface="Arial"/>
+            </a:endParaRPr>
+          </a:p>
+          <a:p>
+            <a:endParaRPr lang="en-US" sz="1800" b="0" strike="noStrike" spc="-1">
+              <a:solidFill>
+                <a:srgbClr val="000000"/>
+              </a:solidFill>
+              <a:latin typeface="Arial"/>
+            </a:endParaRPr>
+          </a:p>
+          <a:p>
+            <a:pPr>
+              <a:lnSpc>
+                <a:spcPct val="100000"/>
+              </a:lnSpc>
+              <a:spcBef>
+                <a:spcPts val="1511"/>
+              </a:spcBef>
+            </a:pPr>
+            <a:r>
+              <a:rPr lang="en-US" sz="1800" b="0" strike="noStrike" spc="-1">
+                <a:solidFill>
+                  <a:srgbClr val="000000"/>
+                </a:solidFill>
+                <a:latin typeface="TeX Gyre Termes"/>
+                <a:ea typeface="TexMaths Symbols"/>
+              </a:rPr>
+              <a:t>Mechanics</a:t>
+            </a:r>
+            <a:endParaRPr lang="en-US" sz="1800" b="0" strike="noStrike" spc="-1">
+              <a:solidFill>
+                <a:srgbClr val="000000"/>
+              </a:solidFill>
+              <a:latin typeface="Arial"/>
+            </a:endParaRPr>
+          </a:p>
+          <a:p>
+            <a:pPr>
+              <a:lnSpc>
+                <a:spcPct val="100000"/>
+              </a:lnSpc>
+            </a:pPr>
+            <a:r>
+              <a:rPr lang="en-US" sz="1800" b="0" strike="noStrike" spc="-1">
+                <a:solidFill>
+                  <a:srgbClr val="000000"/>
+                </a:solidFill>
+                <a:latin typeface="TeX Gyre Termes"/>
+                <a:ea typeface="TexMaths Symbols"/>
+              </a:rPr>
+              <a:t>	Elastic</a:t>
+            </a:r>
+            <a:endParaRPr lang="en-US" sz="1800" b="0" strike="noStrike" spc="-1">
+              <a:solidFill>
+                <a:srgbClr val="000000"/>
+              </a:solidFill>
+              <a:latin typeface="Arial"/>
+            </a:endParaRPr>
+          </a:p>
+          <a:p>
+            <a:pPr>
+              <a:lnSpc>
+                <a:spcPct val="100000"/>
+              </a:lnSpc>
+            </a:pPr>
+            <a:r>
+              <a:rPr lang="en-US" sz="1800" b="0" strike="noStrike" spc="-1">
+                <a:solidFill>
+                  <a:srgbClr val="000000"/>
+                </a:solidFill>
+                <a:latin typeface="TeX Gyre Termes"/>
+                <a:ea typeface="TexMaths Symbols"/>
+              </a:rPr>
+              <a:t>	Homogeneization – mech model for fractured media</a:t>
+            </a:r>
+            <a:endParaRPr lang="en-US" sz="1800" b="0" strike="noStrike" spc="-1">
+              <a:solidFill>
+                <a:srgbClr val="000000"/>
+              </a:solidFill>
+              <a:latin typeface="Arial"/>
+            </a:endParaRPr>
+          </a:p>
+          <a:p>
+            <a:pPr>
+              <a:lnSpc>
+                <a:spcPct val="100000"/>
+              </a:lnSpc>
+            </a:pPr>
+            <a:r>
+              <a:rPr lang="en-US" sz="1800" b="0" strike="noStrike" spc="-1">
+                <a:solidFill>
+                  <a:srgbClr val="000000"/>
+                </a:solidFill>
+                <a:latin typeface="TeX Gyre Termes"/>
+                <a:ea typeface="TexMaths Symbols"/>
+              </a:rPr>
+              <a:t>		Upscaling of biot, skempton, shear modulus etc</a:t>
+            </a:r>
+            <a:endParaRPr lang="en-US" sz="1800" b="0" strike="noStrike" spc="-1">
+              <a:solidFill>
+                <a:srgbClr val="000000"/>
+              </a:solidFill>
+              <a:latin typeface="Arial"/>
+            </a:endParaRPr>
+          </a:p>
+          <a:p>
+            <a:pPr>
+              <a:lnSpc>
+                <a:spcPct val="100000"/>
+              </a:lnSpc>
+            </a:pPr>
+            <a:r>
+              <a:rPr lang="en-US" sz="1800" b="0" strike="noStrike" spc="-1">
+                <a:solidFill>
+                  <a:srgbClr val="000000"/>
+                </a:solidFill>
+                <a:latin typeface="TeX Gyre Termes"/>
+                <a:ea typeface="TexMaths Symbols"/>
+              </a:rPr>
+              <a:t>	Plasticity</a:t>
+            </a:r>
+            <a:endParaRPr lang="en-US" sz="1800" b="0" strike="noStrike" spc="-1">
+              <a:solidFill>
+                <a:srgbClr val="000000"/>
+              </a:solidFill>
+              <a:latin typeface="Arial"/>
+            </a:endParaRPr>
+          </a:p>
+          <a:p>
+            <a:pPr>
+              <a:lnSpc>
+                <a:spcPct val="100000"/>
+              </a:lnSpc>
+            </a:pPr>
+            <a:r>
+              <a:rPr lang="en-US" sz="1800" b="0" strike="noStrike" spc="-1">
+                <a:solidFill>
+                  <a:srgbClr val="000000"/>
+                </a:solidFill>
+                <a:latin typeface="TeX Gyre Termes"/>
+                <a:ea typeface="TexMaths Symbols"/>
+              </a:rPr>
+              <a:t>	Thermal fracture nucleation near wellbore</a:t>
+            </a:r>
+            <a:endParaRPr lang="en-US" sz="1800" b="0" strike="noStrike" spc="-1">
+              <a:solidFill>
+                <a:srgbClr val="000000"/>
+              </a:solidFill>
+              <a:latin typeface="Arial"/>
+            </a:endParaRPr>
+          </a:p>
+          <a:p>
+            <a:pPr>
+              <a:lnSpc>
+                <a:spcPct val="100000"/>
+              </a:lnSpc>
+              <a:tabLst>
+                <a:tab pos="458280" algn="l"/>
+              </a:tabLst>
+            </a:pPr>
+            <a:endParaRPr lang="en-US" sz="1800" b="0" strike="noStrike" spc="-1">
+              <a:solidFill>
+                <a:srgbClr val="000000"/>
+              </a:solidFill>
+              <a:latin typeface="Arial"/>
+            </a:endParaRPr>
+          </a:p>
+        </p:txBody>
+      </p:sp>
+    </p:spTree>
+  </p:cSld>
+  <p:clrMapOvr>
+    <a:masterClrMapping/>
+  </p:clrMapOvr>
+</p:sld>
+</file>
+
+<file path=ppt/slides/slide14.xml><?xml version="1.0" encoding="utf-8"?>
+<p:sld xmlns:a="http://schemas.openxmlformats.org/drawingml/2006/main" xmlns:r="http://schemas.openxmlformats.org/officeDocument/2006/relationships" xmlns:p="http://schemas.openxmlformats.org/presentationml/2006/main">
+  <p:cSld>
+    <p:spTree>
+      <p:nvGrpSpPr>
+        <p:cNvPr id="1" name=""/>
+        <p:cNvGrpSpPr/>
+        <p:nvPr/>
+      </p:nvGrpSpPr>
+      <p:grpSpPr>
+        <a:xfrm>
+          <a:off x="0" y="0"/>
+          <a:ext cx="0" cy="0"/>
+          <a:chOff x="0" y="0"/>
+          <a:chExt cx="0" cy="0"/>
+        </a:xfrm>
+      </p:grpSpPr>
+      <p:sp>
+        <p:nvSpPr>
           <p:cNvPr id="105" name="PlaceHolder 1"/>
           <p:cNvSpPr>
             <a:spLocks noGrp="1"/>
@@ -2941,7 +4051,7 @@
 </p:sld>
 </file>
 
-<file path=ppt/slides/slide11.xml><?xml version="1.0" encoding="utf-8"?>
+<file path=ppt/slides/slide15.xml><?xml version="1.0" encoding="utf-8"?>
 <p:sld xmlns:a="http://schemas.openxmlformats.org/drawingml/2006/main" xmlns:r="http://schemas.openxmlformats.org/officeDocument/2006/relationships" xmlns:p="http://schemas.openxmlformats.org/presentationml/2006/main">
   <p:cSld>
     <p:spTree>
@@ -3142,7 +4252,7 @@
 </p:sld>
 </file>
 
-<file path=ppt/slides/slide12.xml><?xml version="1.0" encoding="utf-8"?>
+<file path=ppt/slides/slide16.xml><?xml version="1.0" encoding="utf-8"?>
 <p:sld xmlns:a="http://schemas.openxmlformats.org/drawingml/2006/main" xmlns:r="http://schemas.openxmlformats.org/officeDocument/2006/relationships" xmlns:p="http://schemas.openxmlformats.org/presentationml/2006/main">
   <p:cSld>
     <p:spTree>
@@ -4017,35 +5127,28 @@
             <a:pPr lvl="1"/>
             <a:r>
               <a:rPr lang="en-US" dirty="0"/>
-              <a:t>Conventional carbonate field, naturally fractured, mixed wet</a:t>
+              <a:t>Conventional reservoirs, deep fields, high temperature</a:t>
             </a:r>
           </a:p>
           <a:p>
             <a:pPr lvl="1"/>
             <a:r>
               <a:rPr lang="en-US" dirty="0"/>
-              <a:t>Large models, field scale</a:t>
+              <a:t>Sandstone or carbonates (naturally fracture)</a:t>
             </a:r>
           </a:p>
           <a:p>
             <a:pPr lvl="1"/>
             <a:r>
               <a:rPr lang="en-US" dirty="0"/>
-              <a:t>Permeable matrix</a:t>
+              <a:t>Shale or salt caprock</a:t>
             </a:r>
           </a:p>
           <a:p>
             <a:pPr lvl="1"/>
             <a:r>
               <a:rPr lang="en-US" dirty="0"/>
-              <a:t>Wells are acidized (not fractured)</a:t>
-            </a:r>
-          </a:p>
-          <a:p>
-            <a:pPr lvl="1"/>
-            <a:r>
-              <a:rPr lang="en-US" dirty="0"/>
-              <a:t>Fractures provide additional permeability</a:t>
+              <a:t>Salt caverns</a:t>
             </a:r>
           </a:p>
           <a:p>
@@ -4058,28 +5161,36 @@
             <a:pPr lvl="1"/>
             <a:r>
               <a:rPr lang="en-US" dirty="0"/>
-              <a:t>Description of the natural fracture network ignores important physics</a:t>
+              <a:t>Multiphysics fracture nucleation and tracking are difficult to model as it happens in multiple scales (space and time)</a:t>
             </a:r>
           </a:p>
           <a:p>
             <a:pPr lvl="1"/>
             <a:r>
               <a:rPr lang="en-US" dirty="0"/>
-              <a:t>Mass transference parameters are mostly based on history matching</a:t>
+              <a:t>Long term cold fluid injection thermally stresses the rock, hydraulic fractures are likely to occur</a:t>
             </a:r>
           </a:p>
           <a:p>
             <a:pPr lvl="1"/>
             <a:r>
               <a:rPr lang="en-US" dirty="0"/>
-              <a:t>Multiphase flow is not adequately treated in the interface fracture-matrix</a:t>
+              <a:t>Salt caverns designs for cyclic storage and abandonment</a:t>
             </a:r>
           </a:p>
           <a:p>
             <a:pPr lvl="1"/>
             <a:r>
               <a:rPr lang="en-US" dirty="0"/>
-              <a:t>Models with detailed fractures are numerical impractical</a:t>
+              <a:t>Many physical processes concur with similar characteristic time and length (elasticity, plasticity, pressure and heat dissipation, creep </a:t>
+            </a:r>
+            <a:r>
+              <a:rPr lang="en-US" dirty="0" err="1"/>
+              <a:t>etc</a:t>
+            </a:r>
+            <a:r>
+              <a:rPr lang="en-US" dirty="0"/>
+              <a:t>)</a:t>
             </a:r>
           </a:p>
           <a:p>
@@ -4092,36 +5203,35 @@
             <a:pPr lvl="1"/>
             <a:r>
               <a:rPr lang="en-US" dirty="0"/>
-              <a:t>Enhance the understanding of the field based on numerical simulation</a:t>
+              <a:t>Understand the mechanics of long term effects of cold water and gas injection for EOR and storage</a:t>
             </a:r>
           </a:p>
           <a:p>
             <a:pPr lvl="1"/>
             <a:r>
               <a:rPr lang="en-US" dirty="0"/>
-              <a:t>Promote better communication between geoscientists and numerical simulation</a:t>
+              <a:t>Operate with highest possible injection rates (safety!)</a:t>
             </a:r>
           </a:p>
           <a:p>
             <a:pPr lvl="1"/>
             <a:r>
               <a:rPr lang="en-US" dirty="0"/>
-              <a:t>Enable the description of a fracture network based on high level parameters (wettability, fracture network density, fracture genesis </a:t>
-            </a:r>
-            <a:r>
-              <a:rPr lang="en-US" dirty="0" err="1"/>
-              <a:t>etc</a:t>
-            </a:r>
+              <a:t>Enable long term fluid injection above the fracturing pressure (produced water)</a:t>
+            </a:r>
+          </a:p>
+          <a:p>
+            <a:pPr lvl="1"/>
             <a:r>
               <a:rPr lang="en-US" dirty="0"/>
-              <a:t>)</a:t>
+              <a:t>Promote safety and fluid containment. Support regulations</a:t>
             </a:r>
           </a:p>
           <a:p>
             <a:pPr lvl="1"/>
             <a:r>
               <a:rPr lang="en-US" dirty="0"/>
-              <a:t>Assimilation of geological understanding to the numerical models</a:t>
+              <a:t>Possible to apply to salt caverns</a:t>
             </a:r>
           </a:p>
           <a:p>
@@ -4134,21 +5244,28 @@
             <a:pPr lvl="1"/>
             <a:r>
               <a:rPr lang="en-US" dirty="0"/>
-              <a:t>Understand geological geometries and hydraulic characteristics of natural fractures</a:t>
+              <a:t>Multiscale simulations around the injection wells</a:t>
             </a:r>
           </a:p>
           <a:p>
             <a:pPr lvl="1"/>
             <a:r>
               <a:rPr lang="en-US" dirty="0"/>
-              <a:t>Understand the limitations of current models, especially multiphase and closed fractures</a:t>
+              <a:t>Fracture propagation is driven by small scale phenomena</a:t>
             </a:r>
           </a:p>
           <a:p>
             <a:pPr lvl="1"/>
             <a:r>
               <a:rPr lang="en-US" dirty="0"/>
-              <a:t>Implement a preprocessor to embed fractures optimally, keeping the model numerically reasonable</a:t>
+              <a:t>Propose a set of parameters to embed small-scale findings to field scale simulations</a:t>
+            </a:r>
+          </a:p>
+          <a:p>
+            <a:pPr lvl="1"/>
+            <a:r>
+              <a:rPr lang="en-US" dirty="0"/>
+              <a:t>Create a large database with the small scale simulations =&gt; AI to feed field scale fracture models</a:t>
             </a:r>
           </a:p>
         </p:txBody>
@@ -4176,7 +5293,7 @@
           <a:p>
             <a:r>
               <a:rPr lang="en-US" dirty="0"/>
-              <a:t>PROBLEM #1</a:t>
+              <a:t>PROBLEM #1 - NON-PLANAR FRACTURE PROPAGATION</a:t>
             </a:r>
           </a:p>
         </p:txBody>
@@ -4184,7 +5301,7 @@
     </p:spTree>
     <p:extLst>
       <p:ext uri="{BB962C8B-B14F-4D97-AF65-F5344CB8AC3E}">
-        <p14:creationId xmlns:p14="http://schemas.microsoft.com/office/powerpoint/2010/main" val="314026188"/>
+        <p14:creationId xmlns:p14="http://schemas.microsoft.com/office/powerpoint/2010/main" val="3799097180"/>
       </p:ext>
     </p:extLst>
   </p:cSld>
@@ -4213,10 +5330,1616 @@
       </p:grpSpPr>
       <p:sp>
         <p:nvSpPr>
+          <p:cNvPr id="3" name="Title 2">
+            <a:extLst>
+              <a:ext uri="{FF2B5EF4-FFF2-40B4-BE49-F238E27FC236}">
+                <a16:creationId xmlns:a16="http://schemas.microsoft.com/office/drawing/2014/main" id="{71CC2E21-A4A0-C712-3448-2AD68FA811D0}"/>
+              </a:ext>
+            </a:extLst>
+          </p:cNvPr>
+          <p:cNvSpPr>
+            <a:spLocks noGrp="1"/>
+          </p:cNvSpPr>
+          <p:nvPr>
+            <p:ph type="title"/>
+          </p:nvPr>
+        </p:nvSpPr>
+        <p:spPr/>
+        <p:txBody>
+          <a:bodyPr/>
+          <a:lstStyle/>
+          <a:p>
+            <a:r>
+              <a:rPr lang="en-US" dirty="0"/>
+              <a:t>PROBLEM #1 - NON-PLANAR FRACTURE PROPAGATION</a:t>
+            </a:r>
+          </a:p>
+        </p:txBody>
+      </p:sp>
+      <p:sp>
+        <p:nvSpPr>
+          <p:cNvPr id="6" name="Freeform: Shape 5">
+            <a:extLst>
+              <a:ext uri="{FF2B5EF4-FFF2-40B4-BE49-F238E27FC236}">
+                <a16:creationId xmlns:a16="http://schemas.microsoft.com/office/drawing/2014/main" id="{0E4279F7-8E8E-9E6F-5515-65CD1E1B21C7}"/>
+              </a:ext>
+            </a:extLst>
+          </p:cNvPr>
+          <p:cNvSpPr/>
+          <p:nvPr/>
+        </p:nvSpPr>
+        <p:spPr>
+          <a:xfrm>
+            <a:off x="1309909" y="3250642"/>
+            <a:ext cx="2007616" cy="1300480"/>
+          </a:xfrm>
+          <a:custGeom>
+            <a:avLst/>
+            <a:gdLst>
+              <a:gd name="connsiteX0" fmla="*/ 0 w 2007616"/>
+              <a:gd name="connsiteY0" fmla="*/ 130048 h 1300480"/>
+              <a:gd name="connsiteX1" fmla="*/ 130048 w 2007616"/>
+              <a:gd name="connsiteY1" fmla="*/ 0 h 1300480"/>
+              <a:gd name="connsiteX2" fmla="*/ 1877568 w 2007616"/>
+              <a:gd name="connsiteY2" fmla="*/ 0 h 1300480"/>
+              <a:gd name="connsiteX3" fmla="*/ 2007616 w 2007616"/>
+              <a:gd name="connsiteY3" fmla="*/ 130048 h 1300480"/>
+              <a:gd name="connsiteX4" fmla="*/ 2007616 w 2007616"/>
+              <a:gd name="connsiteY4" fmla="*/ 1170432 h 1300480"/>
+              <a:gd name="connsiteX5" fmla="*/ 1877568 w 2007616"/>
+              <a:gd name="connsiteY5" fmla="*/ 1300480 h 1300480"/>
+              <a:gd name="connsiteX6" fmla="*/ 130048 w 2007616"/>
+              <a:gd name="connsiteY6" fmla="*/ 1300480 h 1300480"/>
+              <a:gd name="connsiteX7" fmla="*/ 0 w 2007616"/>
+              <a:gd name="connsiteY7" fmla="*/ 1170432 h 1300480"/>
+              <a:gd name="connsiteX8" fmla="*/ 0 w 2007616"/>
+              <a:gd name="connsiteY8" fmla="*/ 130048 h 1300480"/>
+            </a:gdLst>
+            <a:ahLst/>
+            <a:cxnLst>
+              <a:cxn ang="0">
+                <a:pos x="connsiteX0" y="connsiteY0"/>
+              </a:cxn>
+              <a:cxn ang="0">
+                <a:pos x="connsiteX1" y="connsiteY1"/>
+              </a:cxn>
+              <a:cxn ang="0">
+                <a:pos x="connsiteX2" y="connsiteY2"/>
+              </a:cxn>
+              <a:cxn ang="0">
+                <a:pos x="connsiteX3" y="connsiteY3"/>
+              </a:cxn>
+              <a:cxn ang="0">
+                <a:pos x="connsiteX4" y="connsiteY4"/>
+              </a:cxn>
+              <a:cxn ang="0">
+                <a:pos x="connsiteX5" y="connsiteY5"/>
+              </a:cxn>
+              <a:cxn ang="0">
+                <a:pos x="connsiteX6" y="connsiteY6"/>
+              </a:cxn>
+              <a:cxn ang="0">
+                <a:pos x="connsiteX7" y="connsiteY7"/>
+              </a:cxn>
+              <a:cxn ang="0">
+                <a:pos x="connsiteX8" y="connsiteY8"/>
+              </a:cxn>
+            </a:cxnLst>
+            <a:rect l="l" t="t" r="r" b="b"/>
+            <a:pathLst>
+              <a:path w="2007616" h="1300480">
+                <a:moveTo>
+                  <a:pt x="0" y="130048"/>
+                </a:moveTo>
+                <a:cubicBezTo>
+                  <a:pt x="0" y="58224"/>
+                  <a:pt x="58224" y="0"/>
+                  <a:pt x="130048" y="0"/>
+                </a:cubicBezTo>
+                <a:lnTo>
+                  <a:pt x="1877568" y="0"/>
+                </a:lnTo>
+                <a:cubicBezTo>
+                  <a:pt x="1949392" y="0"/>
+                  <a:pt x="2007616" y="58224"/>
+                  <a:pt x="2007616" y="130048"/>
+                </a:cubicBezTo>
+                <a:lnTo>
+                  <a:pt x="2007616" y="1170432"/>
+                </a:lnTo>
+                <a:cubicBezTo>
+                  <a:pt x="2007616" y="1242256"/>
+                  <a:pt x="1949392" y="1300480"/>
+                  <a:pt x="1877568" y="1300480"/>
+                </a:cubicBezTo>
+                <a:lnTo>
+                  <a:pt x="130048" y="1300480"/>
+                </a:lnTo>
+                <a:cubicBezTo>
+                  <a:pt x="58224" y="1300480"/>
+                  <a:pt x="0" y="1242256"/>
+                  <a:pt x="0" y="1170432"/>
+                </a:cubicBezTo>
+                <a:lnTo>
+                  <a:pt x="0" y="130048"/>
+                </a:lnTo>
+                <a:close/>
+              </a:path>
+            </a:pathLst>
+          </a:custGeom>
+        </p:spPr>
+        <p:style>
+          <a:lnRef idx="2">
+            <a:schemeClr val="dk2">
+              <a:hueOff val="0"/>
+              <a:satOff val="0"/>
+              <a:lumOff val="0"/>
+              <a:alphaOff val="0"/>
+            </a:schemeClr>
+          </a:lnRef>
+          <a:fillRef idx="1">
+            <a:schemeClr val="dk2">
+              <a:alpha val="90000"/>
+              <a:tint val="40000"/>
+              <a:hueOff val="0"/>
+              <a:satOff val="0"/>
+              <a:lumOff val="0"/>
+              <a:alphaOff val="0"/>
+            </a:schemeClr>
+          </a:fillRef>
+          <a:effectRef idx="0">
+            <a:schemeClr val="dk2">
+              <a:alpha val="90000"/>
+              <a:tint val="40000"/>
+              <a:hueOff val="0"/>
+              <a:satOff val="0"/>
+              <a:lumOff val="0"/>
+              <a:alphaOff val="0"/>
+            </a:schemeClr>
+          </a:effectRef>
+          <a:fontRef idx="minor">
+            <a:schemeClr val="dk2">
+              <a:hueOff val="0"/>
+              <a:satOff val="0"/>
+              <a:lumOff val="0"/>
+              <a:alphaOff val="0"/>
+            </a:schemeClr>
+          </a:fontRef>
+        </p:style>
+        <p:txBody>
+          <a:bodyPr spcFirstLastPara="0" vert="horz" wrap="square" lIns="180000" tIns="72000" rIns="72000" bIns="72000" numCol="1" spcCol="1270" anchor="t" anchorCtr="0">
+            <a:noAutofit/>
+          </a:bodyPr>
+          <a:lstStyle/>
+          <a:p>
+            <a:pPr marL="72000" lvl="1" indent="-72000" algn="l" defTabSz="311150">
+              <a:spcBef>
+                <a:spcPts val="600"/>
+              </a:spcBef>
+              <a:buFont typeface="Arial" panose="020B0604020202020204" pitchFamily="34" charset="0"/>
+              <a:buChar char="•"/>
+            </a:pPr>
+            <a:r>
+              <a:rPr lang="en-US" sz="1000" kern="1200" dirty="0"/>
+              <a:t>Literature review</a:t>
+            </a:r>
+          </a:p>
+          <a:p>
+            <a:pPr marL="72000" lvl="1" indent="-72000" algn="l" defTabSz="311150">
+              <a:spcBef>
+                <a:spcPts val="600"/>
+              </a:spcBef>
+              <a:buFont typeface="Arial" panose="020B0604020202020204" pitchFamily="34" charset="0"/>
+              <a:buChar char="•"/>
+            </a:pPr>
+            <a:r>
+              <a:rPr lang="en-US" sz="1000" kern="1200" dirty="0"/>
+              <a:t>History match</a:t>
+            </a:r>
+          </a:p>
+        </p:txBody>
+      </p:sp>
+      <p:sp>
+        <p:nvSpPr>
+          <p:cNvPr id="7" name="Freeform: Shape 6">
+            <a:extLst>
+              <a:ext uri="{FF2B5EF4-FFF2-40B4-BE49-F238E27FC236}">
+                <a16:creationId xmlns:a16="http://schemas.microsoft.com/office/drawing/2014/main" id="{DA7AF984-7B80-5969-DFC1-246FA966FF08}"/>
+              </a:ext>
+            </a:extLst>
+          </p:cNvPr>
+          <p:cNvSpPr/>
+          <p:nvPr/>
+        </p:nvSpPr>
+        <p:spPr>
+          <a:xfrm>
+            <a:off x="5631377" y="3086940"/>
+            <a:ext cx="2007616" cy="1464181"/>
+          </a:xfrm>
+          <a:custGeom>
+            <a:avLst/>
+            <a:gdLst>
+              <a:gd name="connsiteX0" fmla="*/ 0 w 2007616"/>
+              <a:gd name="connsiteY0" fmla="*/ 130048 h 1300480"/>
+              <a:gd name="connsiteX1" fmla="*/ 130048 w 2007616"/>
+              <a:gd name="connsiteY1" fmla="*/ 0 h 1300480"/>
+              <a:gd name="connsiteX2" fmla="*/ 1877568 w 2007616"/>
+              <a:gd name="connsiteY2" fmla="*/ 0 h 1300480"/>
+              <a:gd name="connsiteX3" fmla="*/ 2007616 w 2007616"/>
+              <a:gd name="connsiteY3" fmla="*/ 130048 h 1300480"/>
+              <a:gd name="connsiteX4" fmla="*/ 2007616 w 2007616"/>
+              <a:gd name="connsiteY4" fmla="*/ 1170432 h 1300480"/>
+              <a:gd name="connsiteX5" fmla="*/ 1877568 w 2007616"/>
+              <a:gd name="connsiteY5" fmla="*/ 1300480 h 1300480"/>
+              <a:gd name="connsiteX6" fmla="*/ 130048 w 2007616"/>
+              <a:gd name="connsiteY6" fmla="*/ 1300480 h 1300480"/>
+              <a:gd name="connsiteX7" fmla="*/ 0 w 2007616"/>
+              <a:gd name="connsiteY7" fmla="*/ 1170432 h 1300480"/>
+              <a:gd name="connsiteX8" fmla="*/ 0 w 2007616"/>
+              <a:gd name="connsiteY8" fmla="*/ 130048 h 1300480"/>
+            </a:gdLst>
+            <a:ahLst/>
+            <a:cxnLst>
+              <a:cxn ang="0">
+                <a:pos x="connsiteX0" y="connsiteY0"/>
+              </a:cxn>
+              <a:cxn ang="0">
+                <a:pos x="connsiteX1" y="connsiteY1"/>
+              </a:cxn>
+              <a:cxn ang="0">
+                <a:pos x="connsiteX2" y="connsiteY2"/>
+              </a:cxn>
+              <a:cxn ang="0">
+                <a:pos x="connsiteX3" y="connsiteY3"/>
+              </a:cxn>
+              <a:cxn ang="0">
+                <a:pos x="connsiteX4" y="connsiteY4"/>
+              </a:cxn>
+              <a:cxn ang="0">
+                <a:pos x="connsiteX5" y="connsiteY5"/>
+              </a:cxn>
+              <a:cxn ang="0">
+                <a:pos x="connsiteX6" y="connsiteY6"/>
+              </a:cxn>
+              <a:cxn ang="0">
+                <a:pos x="connsiteX7" y="connsiteY7"/>
+              </a:cxn>
+              <a:cxn ang="0">
+                <a:pos x="connsiteX8" y="connsiteY8"/>
+              </a:cxn>
+            </a:cxnLst>
+            <a:rect l="l" t="t" r="r" b="b"/>
+            <a:pathLst>
+              <a:path w="2007616" h="1300480">
+                <a:moveTo>
+                  <a:pt x="0" y="130048"/>
+                </a:moveTo>
+                <a:cubicBezTo>
+                  <a:pt x="0" y="58224"/>
+                  <a:pt x="58224" y="0"/>
+                  <a:pt x="130048" y="0"/>
+                </a:cubicBezTo>
+                <a:lnTo>
+                  <a:pt x="1877568" y="0"/>
+                </a:lnTo>
+                <a:cubicBezTo>
+                  <a:pt x="1949392" y="0"/>
+                  <a:pt x="2007616" y="58224"/>
+                  <a:pt x="2007616" y="130048"/>
+                </a:cubicBezTo>
+                <a:lnTo>
+                  <a:pt x="2007616" y="1170432"/>
+                </a:lnTo>
+                <a:cubicBezTo>
+                  <a:pt x="2007616" y="1242256"/>
+                  <a:pt x="1949392" y="1300480"/>
+                  <a:pt x="1877568" y="1300480"/>
+                </a:cubicBezTo>
+                <a:lnTo>
+                  <a:pt x="130048" y="1300480"/>
+                </a:lnTo>
+                <a:cubicBezTo>
+                  <a:pt x="58224" y="1300480"/>
+                  <a:pt x="0" y="1242256"/>
+                  <a:pt x="0" y="1170432"/>
+                </a:cubicBezTo>
+                <a:lnTo>
+                  <a:pt x="0" y="130048"/>
+                </a:lnTo>
+                <a:close/>
+              </a:path>
+            </a:pathLst>
+          </a:custGeom>
+        </p:spPr>
+        <p:style>
+          <a:lnRef idx="2">
+            <a:schemeClr val="dk2">
+              <a:hueOff val="0"/>
+              <a:satOff val="0"/>
+              <a:lumOff val="0"/>
+              <a:alphaOff val="0"/>
+            </a:schemeClr>
+          </a:lnRef>
+          <a:fillRef idx="1">
+            <a:schemeClr val="dk2">
+              <a:alpha val="90000"/>
+              <a:tint val="40000"/>
+              <a:hueOff val="0"/>
+              <a:satOff val="0"/>
+              <a:lumOff val="0"/>
+              <a:alphaOff val="0"/>
+            </a:schemeClr>
+          </a:fillRef>
+          <a:effectRef idx="0">
+            <a:schemeClr val="dk2">
+              <a:alpha val="90000"/>
+              <a:tint val="40000"/>
+              <a:hueOff val="0"/>
+              <a:satOff val="0"/>
+              <a:lumOff val="0"/>
+              <a:alphaOff val="0"/>
+            </a:schemeClr>
+          </a:effectRef>
+          <a:fontRef idx="minor">
+            <a:schemeClr val="dk2">
+              <a:hueOff val="0"/>
+              <a:satOff val="0"/>
+              <a:lumOff val="0"/>
+              <a:alphaOff val="0"/>
+            </a:schemeClr>
+          </a:fontRef>
+        </p:style>
+        <p:txBody>
+          <a:bodyPr spcFirstLastPara="0" vert="horz" wrap="square" lIns="180000" tIns="72000" rIns="72000" bIns="72000" numCol="1" spcCol="1270" anchor="t" anchorCtr="0">
+            <a:noAutofit/>
+          </a:bodyPr>
+          <a:lstStyle/>
+          <a:p>
+            <a:pPr marL="72000" lvl="1" indent="-72000" algn="l" defTabSz="311150">
+              <a:spcBef>
+                <a:spcPts val="600"/>
+              </a:spcBef>
+              <a:buFont typeface="Arial" panose="020B0604020202020204" pitchFamily="34" charset="0"/>
+              <a:buChar char="•"/>
+            </a:pPr>
+            <a:r>
+              <a:rPr lang="en-US" sz="1000" kern="1200" dirty="0"/>
+              <a:t>Best use of resources</a:t>
+            </a:r>
+          </a:p>
+          <a:p>
+            <a:pPr marL="72000" lvl="1" indent="-72000" algn="l" defTabSz="311150">
+              <a:spcBef>
+                <a:spcPts val="600"/>
+              </a:spcBef>
+              <a:buFont typeface="Arial" panose="020B0604020202020204" pitchFamily="34" charset="0"/>
+              <a:buChar char="•"/>
+            </a:pPr>
+            <a:r>
+              <a:rPr lang="en-US" sz="1000" kern="1200" dirty="0"/>
+              <a:t>Parallelism</a:t>
+            </a:r>
+          </a:p>
+          <a:p>
+            <a:pPr marL="72000" lvl="1" indent="-72000" algn="l" defTabSz="311150">
+              <a:spcBef>
+                <a:spcPts val="600"/>
+              </a:spcBef>
+              <a:buFont typeface="Arial" panose="020B0604020202020204" pitchFamily="34" charset="0"/>
+              <a:buChar char="•"/>
+            </a:pPr>
+            <a:r>
+              <a:rPr lang="en-US" sz="1000" kern="1200" dirty="0"/>
+              <a:t>HPC</a:t>
+            </a:r>
+          </a:p>
+          <a:p>
+            <a:pPr marL="72000" lvl="1" indent="-72000" algn="l" defTabSz="311150">
+              <a:spcBef>
+                <a:spcPts val="600"/>
+              </a:spcBef>
+              <a:buFont typeface="Arial" panose="020B0604020202020204" pitchFamily="34" charset="0"/>
+              <a:buChar char="•"/>
+            </a:pPr>
+            <a:r>
+              <a:rPr lang="en-US" sz="1000" kern="1200" dirty="0"/>
+              <a:t>Existing libraries</a:t>
+            </a:r>
+          </a:p>
+          <a:p>
+            <a:pPr marL="72000" lvl="1" indent="-72000" algn="l" defTabSz="311150">
+              <a:spcBef>
+                <a:spcPts val="600"/>
+              </a:spcBef>
+              <a:buFont typeface="Arial" panose="020B0604020202020204" pitchFamily="34" charset="0"/>
+              <a:buChar char="•"/>
+            </a:pPr>
+            <a:r>
+              <a:rPr lang="en-US" sz="1000" dirty="0"/>
+              <a:t>Existing code</a:t>
+            </a:r>
+            <a:endParaRPr lang="en-US" sz="1000" kern="1200" dirty="0"/>
+          </a:p>
+          <a:p>
+            <a:pPr marL="72000" lvl="1" indent="-72000" algn="l" defTabSz="311150">
+              <a:spcBef>
+                <a:spcPts val="600"/>
+              </a:spcBef>
+              <a:buFont typeface="Arial" panose="020B0604020202020204" pitchFamily="34" charset="0"/>
+              <a:buChar char="•"/>
+            </a:pPr>
+            <a:r>
+              <a:rPr lang="en-US" sz="1000" dirty="0"/>
+              <a:t>GPU</a:t>
+            </a:r>
+            <a:endParaRPr lang="en-US" sz="1000" kern="1200" dirty="0"/>
+          </a:p>
+        </p:txBody>
+      </p:sp>
+      <p:sp>
+        <p:nvSpPr>
+          <p:cNvPr id="8" name="Freeform: Shape 7">
+            <a:extLst>
+              <a:ext uri="{FF2B5EF4-FFF2-40B4-BE49-F238E27FC236}">
+                <a16:creationId xmlns:a16="http://schemas.microsoft.com/office/drawing/2014/main" id="{B2F102EF-F7A7-F6CE-2110-36B35A2BC710}"/>
+              </a:ext>
+            </a:extLst>
+          </p:cNvPr>
+          <p:cNvSpPr/>
+          <p:nvPr/>
+        </p:nvSpPr>
+        <p:spPr>
+          <a:xfrm>
+            <a:off x="1325216" y="735839"/>
+            <a:ext cx="2007616" cy="1561133"/>
+          </a:xfrm>
+          <a:custGeom>
+            <a:avLst/>
+            <a:gdLst>
+              <a:gd name="connsiteX0" fmla="*/ 0 w 2007616"/>
+              <a:gd name="connsiteY0" fmla="*/ 130048 h 1300480"/>
+              <a:gd name="connsiteX1" fmla="*/ 130048 w 2007616"/>
+              <a:gd name="connsiteY1" fmla="*/ 0 h 1300480"/>
+              <a:gd name="connsiteX2" fmla="*/ 1877568 w 2007616"/>
+              <a:gd name="connsiteY2" fmla="*/ 0 h 1300480"/>
+              <a:gd name="connsiteX3" fmla="*/ 2007616 w 2007616"/>
+              <a:gd name="connsiteY3" fmla="*/ 130048 h 1300480"/>
+              <a:gd name="connsiteX4" fmla="*/ 2007616 w 2007616"/>
+              <a:gd name="connsiteY4" fmla="*/ 1170432 h 1300480"/>
+              <a:gd name="connsiteX5" fmla="*/ 1877568 w 2007616"/>
+              <a:gd name="connsiteY5" fmla="*/ 1300480 h 1300480"/>
+              <a:gd name="connsiteX6" fmla="*/ 130048 w 2007616"/>
+              <a:gd name="connsiteY6" fmla="*/ 1300480 h 1300480"/>
+              <a:gd name="connsiteX7" fmla="*/ 0 w 2007616"/>
+              <a:gd name="connsiteY7" fmla="*/ 1170432 h 1300480"/>
+              <a:gd name="connsiteX8" fmla="*/ 0 w 2007616"/>
+              <a:gd name="connsiteY8" fmla="*/ 130048 h 1300480"/>
+            </a:gdLst>
+            <a:ahLst/>
+            <a:cxnLst>
+              <a:cxn ang="0">
+                <a:pos x="connsiteX0" y="connsiteY0"/>
+              </a:cxn>
+              <a:cxn ang="0">
+                <a:pos x="connsiteX1" y="connsiteY1"/>
+              </a:cxn>
+              <a:cxn ang="0">
+                <a:pos x="connsiteX2" y="connsiteY2"/>
+              </a:cxn>
+              <a:cxn ang="0">
+                <a:pos x="connsiteX3" y="connsiteY3"/>
+              </a:cxn>
+              <a:cxn ang="0">
+                <a:pos x="connsiteX4" y="connsiteY4"/>
+              </a:cxn>
+              <a:cxn ang="0">
+                <a:pos x="connsiteX5" y="connsiteY5"/>
+              </a:cxn>
+              <a:cxn ang="0">
+                <a:pos x="connsiteX6" y="connsiteY6"/>
+              </a:cxn>
+              <a:cxn ang="0">
+                <a:pos x="connsiteX7" y="connsiteY7"/>
+              </a:cxn>
+              <a:cxn ang="0">
+                <a:pos x="connsiteX8" y="connsiteY8"/>
+              </a:cxn>
+            </a:cxnLst>
+            <a:rect l="l" t="t" r="r" b="b"/>
+            <a:pathLst>
+              <a:path w="2007616" h="1300480">
+                <a:moveTo>
+                  <a:pt x="0" y="130048"/>
+                </a:moveTo>
+                <a:cubicBezTo>
+                  <a:pt x="0" y="58224"/>
+                  <a:pt x="58224" y="0"/>
+                  <a:pt x="130048" y="0"/>
+                </a:cubicBezTo>
+                <a:lnTo>
+                  <a:pt x="1877568" y="0"/>
+                </a:lnTo>
+                <a:cubicBezTo>
+                  <a:pt x="1949392" y="0"/>
+                  <a:pt x="2007616" y="58224"/>
+                  <a:pt x="2007616" y="130048"/>
+                </a:cubicBezTo>
+                <a:lnTo>
+                  <a:pt x="2007616" y="1170432"/>
+                </a:lnTo>
+                <a:cubicBezTo>
+                  <a:pt x="2007616" y="1242256"/>
+                  <a:pt x="1949392" y="1300480"/>
+                  <a:pt x="1877568" y="1300480"/>
+                </a:cubicBezTo>
+                <a:lnTo>
+                  <a:pt x="130048" y="1300480"/>
+                </a:lnTo>
+                <a:cubicBezTo>
+                  <a:pt x="58224" y="1300480"/>
+                  <a:pt x="0" y="1242256"/>
+                  <a:pt x="0" y="1170432"/>
+                </a:cubicBezTo>
+                <a:lnTo>
+                  <a:pt x="0" y="130048"/>
+                </a:lnTo>
+                <a:close/>
+              </a:path>
+            </a:pathLst>
+          </a:custGeom>
+        </p:spPr>
+        <p:style>
+          <a:lnRef idx="2">
+            <a:schemeClr val="dk2">
+              <a:hueOff val="0"/>
+              <a:satOff val="0"/>
+              <a:lumOff val="0"/>
+              <a:alphaOff val="0"/>
+            </a:schemeClr>
+          </a:lnRef>
+          <a:fillRef idx="1">
+            <a:schemeClr val="dk2">
+              <a:alpha val="90000"/>
+              <a:tint val="40000"/>
+              <a:hueOff val="0"/>
+              <a:satOff val="0"/>
+              <a:lumOff val="0"/>
+              <a:alphaOff val="0"/>
+            </a:schemeClr>
+          </a:fillRef>
+          <a:effectRef idx="0">
+            <a:schemeClr val="dk2">
+              <a:alpha val="90000"/>
+              <a:tint val="40000"/>
+              <a:hueOff val="0"/>
+              <a:satOff val="0"/>
+              <a:lumOff val="0"/>
+              <a:alphaOff val="0"/>
+            </a:schemeClr>
+          </a:effectRef>
+          <a:fontRef idx="minor">
+            <a:schemeClr val="dk2">
+              <a:hueOff val="0"/>
+              <a:satOff val="0"/>
+              <a:lumOff val="0"/>
+              <a:alphaOff val="0"/>
+            </a:schemeClr>
+          </a:fontRef>
+        </p:style>
+        <p:txBody>
+          <a:bodyPr spcFirstLastPara="0" vert="horz" wrap="square" lIns="180000" tIns="72000" rIns="72000" bIns="72000" numCol="1" spcCol="1270" anchor="t" anchorCtr="0">
+            <a:noAutofit/>
+          </a:bodyPr>
+          <a:lstStyle/>
+          <a:p>
+            <a:pPr marL="72000" lvl="1" indent="-72000" algn="l" defTabSz="311150">
+              <a:spcBef>
+                <a:spcPts val="600"/>
+              </a:spcBef>
+              <a:buFont typeface="Arial" panose="020B0604020202020204" pitchFamily="34" charset="0"/>
+              <a:buChar char="•"/>
+            </a:pPr>
+            <a:r>
+              <a:rPr lang="en-US" sz="1000" kern="1200" dirty="0"/>
+              <a:t>Geomechanics</a:t>
+            </a:r>
+          </a:p>
+          <a:p>
+            <a:pPr marL="72000" lvl="1" indent="-72000" algn="l" defTabSz="311150">
+              <a:spcBef>
+                <a:spcPts val="600"/>
+              </a:spcBef>
+              <a:buFont typeface="Arial" panose="020B0604020202020204" pitchFamily="34" charset="0"/>
+              <a:buChar char="•"/>
+            </a:pPr>
+            <a:r>
+              <a:rPr lang="en-US" sz="1000" dirty="0"/>
+              <a:t>Single-phase-flow</a:t>
+            </a:r>
+            <a:endParaRPr lang="en-US" sz="1000" kern="1200" dirty="0"/>
+          </a:p>
+          <a:p>
+            <a:pPr marL="72000" lvl="1" indent="-72000" algn="l" defTabSz="311150">
+              <a:spcBef>
+                <a:spcPts val="600"/>
+              </a:spcBef>
+              <a:buFont typeface="Arial" panose="020B0604020202020204" pitchFamily="34" charset="0"/>
+              <a:buChar char="•"/>
+            </a:pPr>
+            <a:r>
+              <a:rPr lang="en-US" sz="1000" kern="1200" dirty="0"/>
+              <a:t>Multiscale</a:t>
+            </a:r>
+          </a:p>
+          <a:p>
+            <a:pPr marL="72000" lvl="1" indent="-72000" algn="l" defTabSz="311150">
+              <a:spcBef>
+                <a:spcPts val="600"/>
+              </a:spcBef>
+              <a:buFont typeface="Arial" panose="020B0604020202020204" pitchFamily="34" charset="0"/>
+              <a:buChar char="•"/>
+            </a:pPr>
+            <a:r>
+              <a:rPr lang="en-US" sz="1000" kern="1200" dirty="0"/>
+              <a:t>Identify the most important phenomena</a:t>
+            </a:r>
+          </a:p>
+        </p:txBody>
+      </p:sp>
+      <p:sp>
+        <p:nvSpPr>
+          <p:cNvPr id="9" name="Freeform: Shape 8">
+            <a:extLst>
+              <a:ext uri="{FF2B5EF4-FFF2-40B4-BE49-F238E27FC236}">
+                <a16:creationId xmlns:a16="http://schemas.microsoft.com/office/drawing/2014/main" id="{77C5C2F4-F190-AF81-1338-CDDFC36C662B}"/>
+              </a:ext>
+            </a:extLst>
+          </p:cNvPr>
+          <p:cNvSpPr/>
+          <p:nvPr/>
+        </p:nvSpPr>
+        <p:spPr>
+          <a:xfrm>
+            <a:off x="5631377" y="688545"/>
+            <a:ext cx="2007616" cy="1916735"/>
+          </a:xfrm>
+          <a:custGeom>
+            <a:avLst/>
+            <a:gdLst>
+              <a:gd name="connsiteX0" fmla="*/ 0 w 2007616"/>
+              <a:gd name="connsiteY0" fmla="*/ 130048 h 1300480"/>
+              <a:gd name="connsiteX1" fmla="*/ 130048 w 2007616"/>
+              <a:gd name="connsiteY1" fmla="*/ 0 h 1300480"/>
+              <a:gd name="connsiteX2" fmla="*/ 1877568 w 2007616"/>
+              <a:gd name="connsiteY2" fmla="*/ 0 h 1300480"/>
+              <a:gd name="connsiteX3" fmla="*/ 2007616 w 2007616"/>
+              <a:gd name="connsiteY3" fmla="*/ 130048 h 1300480"/>
+              <a:gd name="connsiteX4" fmla="*/ 2007616 w 2007616"/>
+              <a:gd name="connsiteY4" fmla="*/ 1170432 h 1300480"/>
+              <a:gd name="connsiteX5" fmla="*/ 1877568 w 2007616"/>
+              <a:gd name="connsiteY5" fmla="*/ 1300480 h 1300480"/>
+              <a:gd name="connsiteX6" fmla="*/ 130048 w 2007616"/>
+              <a:gd name="connsiteY6" fmla="*/ 1300480 h 1300480"/>
+              <a:gd name="connsiteX7" fmla="*/ 0 w 2007616"/>
+              <a:gd name="connsiteY7" fmla="*/ 1170432 h 1300480"/>
+              <a:gd name="connsiteX8" fmla="*/ 0 w 2007616"/>
+              <a:gd name="connsiteY8" fmla="*/ 130048 h 1300480"/>
+            </a:gdLst>
+            <a:ahLst/>
+            <a:cxnLst>
+              <a:cxn ang="0">
+                <a:pos x="connsiteX0" y="connsiteY0"/>
+              </a:cxn>
+              <a:cxn ang="0">
+                <a:pos x="connsiteX1" y="connsiteY1"/>
+              </a:cxn>
+              <a:cxn ang="0">
+                <a:pos x="connsiteX2" y="connsiteY2"/>
+              </a:cxn>
+              <a:cxn ang="0">
+                <a:pos x="connsiteX3" y="connsiteY3"/>
+              </a:cxn>
+              <a:cxn ang="0">
+                <a:pos x="connsiteX4" y="connsiteY4"/>
+              </a:cxn>
+              <a:cxn ang="0">
+                <a:pos x="connsiteX5" y="connsiteY5"/>
+              </a:cxn>
+              <a:cxn ang="0">
+                <a:pos x="connsiteX6" y="connsiteY6"/>
+              </a:cxn>
+              <a:cxn ang="0">
+                <a:pos x="connsiteX7" y="connsiteY7"/>
+              </a:cxn>
+              <a:cxn ang="0">
+                <a:pos x="connsiteX8" y="connsiteY8"/>
+              </a:cxn>
+            </a:cxnLst>
+            <a:rect l="l" t="t" r="r" b="b"/>
+            <a:pathLst>
+              <a:path w="2007616" h="1300480">
+                <a:moveTo>
+                  <a:pt x="0" y="130048"/>
+                </a:moveTo>
+                <a:cubicBezTo>
+                  <a:pt x="0" y="58224"/>
+                  <a:pt x="58224" y="0"/>
+                  <a:pt x="130048" y="0"/>
+                </a:cubicBezTo>
+                <a:lnTo>
+                  <a:pt x="1877568" y="0"/>
+                </a:lnTo>
+                <a:cubicBezTo>
+                  <a:pt x="1949392" y="0"/>
+                  <a:pt x="2007616" y="58224"/>
+                  <a:pt x="2007616" y="130048"/>
+                </a:cubicBezTo>
+                <a:lnTo>
+                  <a:pt x="2007616" y="1170432"/>
+                </a:lnTo>
+                <a:cubicBezTo>
+                  <a:pt x="2007616" y="1242256"/>
+                  <a:pt x="1949392" y="1300480"/>
+                  <a:pt x="1877568" y="1300480"/>
+                </a:cubicBezTo>
+                <a:lnTo>
+                  <a:pt x="130048" y="1300480"/>
+                </a:lnTo>
+                <a:cubicBezTo>
+                  <a:pt x="58224" y="1300480"/>
+                  <a:pt x="0" y="1242256"/>
+                  <a:pt x="0" y="1170432"/>
+                </a:cubicBezTo>
+                <a:lnTo>
+                  <a:pt x="0" y="130048"/>
+                </a:lnTo>
+                <a:close/>
+              </a:path>
+            </a:pathLst>
+          </a:custGeom>
+        </p:spPr>
+        <p:style>
+          <a:lnRef idx="2">
+            <a:schemeClr val="dk2">
+              <a:hueOff val="0"/>
+              <a:satOff val="0"/>
+              <a:lumOff val="0"/>
+              <a:alphaOff val="0"/>
+            </a:schemeClr>
+          </a:lnRef>
+          <a:fillRef idx="1">
+            <a:schemeClr val="dk2">
+              <a:alpha val="90000"/>
+              <a:tint val="40000"/>
+              <a:hueOff val="0"/>
+              <a:satOff val="0"/>
+              <a:lumOff val="0"/>
+              <a:alphaOff val="0"/>
+            </a:schemeClr>
+          </a:fillRef>
+          <a:effectRef idx="0">
+            <a:schemeClr val="dk2">
+              <a:alpha val="90000"/>
+              <a:tint val="40000"/>
+              <a:hueOff val="0"/>
+              <a:satOff val="0"/>
+              <a:lumOff val="0"/>
+              <a:alphaOff val="0"/>
+            </a:schemeClr>
+          </a:effectRef>
+          <a:fontRef idx="minor">
+            <a:schemeClr val="dk2">
+              <a:hueOff val="0"/>
+              <a:satOff val="0"/>
+              <a:lumOff val="0"/>
+              <a:alphaOff val="0"/>
+            </a:schemeClr>
+          </a:fontRef>
+        </p:style>
+        <p:txBody>
+          <a:bodyPr spcFirstLastPara="0" vert="horz" wrap="square" lIns="180000" tIns="72000" rIns="72000" bIns="72000" numCol="1" spcCol="1270" anchor="t" anchorCtr="0">
+            <a:noAutofit/>
+          </a:bodyPr>
+          <a:lstStyle/>
+          <a:p>
+            <a:pPr marL="72000" lvl="1" indent="-72000" algn="l" defTabSz="311150">
+              <a:spcBef>
+                <a:spcPts val="600"/>
+              </a:spcBef>
+              <a:buFont typeface="Arial" panose="020B0604020202020204" pitchFamily="34" charset="0"/>
+              <a:buChar char="•"/>
+            </a:pPr>
+            <a:r>
+              <a:rPr lang="en-US" sz="1000" kern="1200" dirty="0"/>
+              <a:t>Mixed-FEM</a:t>
+            </a:r>
+          </a:p>
+          <a:p>
+            <a:pPr marL="72000" lvl="1" indent="-72000" algn="l" defTabSz="311150">
+              <a:spcBef>
+                <a:spcPts val="600"/>
+              </a:spcBef>
+              <a:buFont typeface="Arial" panose="020B0604020202020204" pitchFamily="34" charset="0"/>
+              <a:buChar char="•"/>
+            </a:pPr>
+            <a:r>
+              <a:rPr lang="en-US" sz="1000" kern="1200" dirty="0"/>
+              <a:t>Discretization</a:t>
+            </a:r>
+          </a:p>
+          <a:p>
+            <a:pPr marL="72000" lvl="1" indent="-72000" algn="l" defTabSz="311150">
+              <a:spcBef>
+                <a:spcPts val="600"/>
+              </a:spcBef>
+              <a:buFont typeface="Arial" panose="020B0604020202020204" pitchFamily="34" charset="0"/>
+              <a:buChar char="•"/>
+            </a:pPr>
+            <a:r>
+              <a:rPr lang="en-US" sz="1000" kern="1200" dirty="0"/>
+              <a:t>Remeshing</a:t>
+            </a:r>
+          </a:p>
+          <a:p>
+            <a:pPr marL="72000" lvl="1" indent="-72000" algn="l" defTabSz="311150">
+              <a:spcBef>
+                <a:spcPts val="600"/>
+              </a:spcBef>
+              <a:buFont typeface="Arial" panose="020B0604020202020204" pitchFamily="34" charset="0"/>
+              <a:buChar char="•"/>
+            </a:pPr>
+            <a:r>
+              <a:rPr lang="en-US" sz="1000" kern="1200" dirty="0"/>
+              <a:t>Molecular</a:t>
+            </a:r>
+          </a:p>
+          <a:p>
+            <a:pPr marL="72000" lvl="1" indent="-72000" algn="l" defTabSz="311150">
+              <a:spcBef>
+                <a:spcPts val="600"/>
+              </a:spcBef>
+              <a:buFont typeface="Arial" panose="020B0604020202020204" pitchFamily="34" charset="0"/>
+              <a:buChar char="•"/>
+            </a:pPr>
+            <a:r>
+              <a:rPr lang="en-US" sz="1000" kern="1200" dirty="0"/>
+              <a:t>Phase field</a:t>
+            </a:r>
+          </a:p>
+          <a:p>
+            <a:pPr marL="72000" lvl="1" indent="-72000" algn="l" defTabSz="311150">
+              <a:spcBef>
+                <a:spcPts val="600"/>
+              </a:spcBef>
+              <a:buFont typeface="Arial" panose="020B0604020202020204" pitchFamily="34" charset="0"/>
+              <a:buChar char="•"/>
+            </a:pPr>
+            <a:r>
+              <a:rPr lang="en-US" sz="1000" kern="1200" dirty="0"/>
+              <a:t>Peridynamics</a:t>
+            </a:r>
+          </a:p>
+          <a:p>
+            <a:pPr marL="72000" lvl="1" indent="-72000" algn="l" defTabSz="311150">
+              <a:spcBef>
+                <a:spcPts val="600"/>
+              </a:spcBef>
+              <a:buFont typeface="Arial" panose="020B0604020202020204" pitchFamily="34" charset="0"/>
+              <a:buChar char="•"/>
+            </a:pPr>
+            <a:r>
+              <a:rPr lang="en-US" sz="1000" kern="1200" dirty="0"/>
+              <a:t>Cohesive</a:t>
+            </a:r>
+          </a:p>
+          <a:p>
+            <a:pPr marL="72000" lvl="1" indent="-72000" algn="l" defTabSz="311150">
+              <a:spcBef>
+                <a:spcPts val="600"/>
+              </a:spcBef>
+              <a:buFont typeface="Arial" panose="020B0604020202020204" pitchFamily="34" charset="0"/>
+              <a:buChar char="•"/>
+            </a:pPr>
+            <a:r>
+              <a:rPr lang="en-US" sz="1000" dirty="0"/>
+              <a:t>Solvers</a:t>
+            </a:r>
+            <a:endParaRPr lang="en-US" sz="1000" kern="1200" dirty="0"/>
+          </a:p>
+        </p:txBody>
+      </p:sp>
+      <p:grpSp>
+        <p:nvGrpSpPr>
+          <p:cNvPr id="16" name="Group 15">
+            <a:extLst>
+              <a:ext uri="{FF2B5EF4-FFF2-40B4-BE49-F238E27FC236}">
+                <a16:creationId xmlns:a16="http://schemas.microsoft.com/office/drawing/2014/main" id="{740FBFA7-0183-72D6-1E3F-E218827EB97E}"/>
+              </a:ext>
+            </a:extLst>
+          </p:cNvPr>
+          <p:cNvGrpSpPr/>
+          <p:nvPr/>
+        </p:nvGrpSpPr>
+        <p:grpSpPr>
+          <a:xfrm>
+            <a:off x="2917111" y="1383539"/>
+            <a:ext cx="2780536" cy="2780537"/>
+            <a:chOff x="1567798" y="718770"/>
+            <a:chExt cx="3600704" cy="3600705"/>
+          </a:xfrm>
+        </p:grpSpPr>
+        <p:sp>
+          <p:nvSpPr>
+            <p:cNvPr id="10" name="Freeform: Shape 9">
+              <a:extLst>
+                <a:ext uri="{FF2B5EF4-FFF2-40B4-BE49-F238E27FC236}">
+                  <a16:creationId xmlns:a16="http://schemas.microsoft.com/office/drawing/2014/main" id="{8A21FD18-081D-361C-9C2A-C7A516C8E58D}"/>
+                </a:ext>
+              </a:extLst>
+            </p:cNvPr>
+            <p:cNvSpPr/>
+            <p:nvPr/>
+          </p:nvSpPr>
+          <p:spPr>
+            <a:xfrm>
+              <a:off x="3408790" y="718770"/>
+              <a:ext cx="1759712" cy="1759712"/>
+            </a:xfrm>
+            <a:custGeom>
+              <a:avLst/>
+              <a:gdLst>
+                <a:gd name="connsiteX0" fmla="*/ 0 w 1759712"/>
+                <a:gd name="connsiteY0" fmla="*/ 1759712 h 1759712"/>
+                <a:gd name="connsiteX1" fmla="*/ 1759712 w 1759712"/>
+                <a:gd name="connsiteY1" fmla="*/ 0 h 1759712"/>
+                <a:gd name="connsiteX2" fmla="*/ 1759712 w 1759712"/>
+                <a:gd name="connsiteY2" fmla="*/ 1759712 h 1759712"/>
+                <a:gd name="connsiteX3" fmla="*/ 0 w 1759712"/>
+                <a:gd name="connsiteY3" fmla="*/ 1759712 h 1759712"/>
+              </a:gdLst>
+              <a:ahLst/>
+              <a:cxnLst>
+                <a:cxn ang="0">
+                  <a:pos x="connsiteX0" y="connsiteY0"/>
+                </a:cxn>
+                <a:cxn ang="0">
+                  <a:pos x="connsiteX1" y="connsiteY1"/>
+                </a:cxn>
+                <a:cxn ang="0">
+                  <a:pos x="connsiteX2" y="connsiteY2"/>
+                </a:cxn>
+                <a:cxn ang="0">
+                  <a:pos x="connsiteX3" y="connsiteY3"/>
+                </a:cxn>
+              </a:cxnLst>
+              <a:rect l="l" t="t" r="r" b="b"/>
+              <a:pathLst>
+                <a:path w="1759712" h="1759712">
+                  <a:moveTo>
+                    <a:pt x="0" y="0"/>
+                  </a:moveTo>
+                  <a:cubicBezTo>
+                    <a:pt x="971862" y="0"/>
+                    <a:pt x="1759712" y="787850"/>
+                    <a:pt x="1759712" y="1759712"/>
+                  </a:cubicBezTo>
+                  <a:lnTo>
+                    <a:pt x="0" y="1759712"/>
+                  </a:lnTo>
+                  <a:lnTo>
+                    <a:pt x="0" y="0"/>
+                  </a:lnTo>
+                  <a:close/>
+                </a:path>
+              </a:pathLst>
+            </a:custGeom>
+          </p:spPr>
+          <p:style>
+            <a:lnRef idx="2">
+              <a:schemeClr val="dk2">
+                <a:shade val="80000"/>
+                <a:hueOff val="0"/>
+                <a:satOff val="0"/>
+                <a:lumOff val="0"/>
+                <a:alphaOff val="0"/>
+              </a:schemeClr>
+            </a:lnRef>
+            <a:fillRef idx="1">
+              <a:schemeClr val="lt1">
+                <a:hueOff val="0"/>
+                <a:satOff val="0"/>
+                <a:lumOff val="0"/>
+                <a:alphaOff val="0"/>
+              </a:schemeClr>
+            </a:fillRef>
+            <a:effectRef idx="0">
+              <a:schemeClr val="lt1">
+                <a:hueOff val="0"/>
+                <a:satOff val="0"/>
+                <a:lumOff val="0"/>
+                <a:alphaOff val="0"/>
+              </a:schemeClr>
+            </a:effectRef>
+            <a:fontRef idx="minor">
+              <a:schemeClr val="dk2">
+                <a:hueOff val="0"/>
+                <a:satOff val="0"/>
+                <a:lumOff val="0"/>
+                <a:alphaOff val="0"/>
+              </a:schemeClr>
+            </a:fontRef>
+          </p:style>
+          <p:txBody>
+            <a:bodyPr spcFirstLastPara="0" vert="horz" wrap="none" lIns="360000" tIns="636312" rIns="636312" bIns="120904" numCol="1" spcCol="1270" anchor="ctr" anchorCtr="0">
+              <a:noAutofit/>
+            </a:bodyPr>
+            <a:lstStyle/>
+            <a:p>
+              <a:pPr marL="0" lvl="0" indent="0" algn="ctr" defTabSz="755650">
+                <a:lnSpc>
+                  <a:spcPct val="90000"/>
+                </a:lnSpc>
+                <a:spcBef>
+                  <a:spcPct val="0"/>
+                </a:spcBef>
+                <a:spcAft>
+                  <a:spcPct val="35000"/>
+                </a:spcAft>
+                <a:buNone/>
+              </a:pPr>
+              <a:r>
+                <a:rPr lang="en-US" sz="1700" kern="1200" dirty="0"/>
+                <a:t>Math</a:t>
+              </a:r>
+            </a:p>
+          </p:txBody>
+        </p:sp>
+        <p:sp>
+          <p:nvSpPr>
+            <p:cNvPr id="11" name="Freeform: Shape 10">
+              <a:extLst>
+                <a:ext uri="{FF2B5EF4-FFF2-40B4-BE49-F238E27FC236}">
+                  <a16:creationId xmlns:a16="http://schemas.microsoft.com/office/drawing/2014/main" id="{5EC92B17-C8D4-62FF-0B7B-7A22E768CD33}"/>
+                </a:ext>
+              </a:extLst>
+            </p:cNvPr>
+            <p:cNvSpPr/>
+            <p:nvPr/>
+          </p:nvSpPr>
+          <p:spPr>
+            <a:xfrm>
+              <a:off x="1567798" y="718770"/>
+              <a:ext cx="1759712" cy="1759712"/>
+            </a:xfrm>
+            <a:custGeom>
+              <a:avLst/>
+              <a:gdLst>
+                <a:gd name="connsiteX0" fmla="*/ 0 w 1759712"/>
+                <a:gd name="connsiteY0" fmla="*/ 1759712 h 1759712"/>
+                <a:gd name="connsiteX1" fmla="*/ 1759712 w 1759712"/>
+                <a:gd name="connsiteY1" fmla="*/ 0 h 1759712"/>
+                <a:gd name="connsiteX2" fmla="*/ 1759712 w 1759712"/>
+                <a:gd name="connsiteY2" fmla="*/ 1759712 h 1759712"/>
+                <a:gd name="connsiteX3" fmla="*/ 0 w 1759712"/>
+                <a:gd name="connsiteY3" fmla="*/ 1759712 h 1759712"/>
+              </a:gdLst>
+              <a:ahLst/>
+              <a:cxnLst>
+                <a:cxn ang="0">
+                  <a:pos x="connsiteX0" y="connsiteY0"/>
+                </a:cxn>
+                <a:cxn ang="0">
+                  <a:pos x="connsiteX1" y="connsiteY1"/>
+                </a:cxn>
+                <a:cxn ang="0">
+                  <a:pos x="connsiteX2" y="connsiteY2"/>
+                </a:cxn>
+                <a:cxn ang="0">
+                  <a:pos x="connsiteX3" y="connsiteY3"/>
+                </a:cxn>
+              </a:cxnLst>
+              <a:rect l="l" t="t" r="r" b="b"/>
+              <a:pathLst>
+                <a:path w="1759712" h="1759712">
+                  <a:moveTo>
+                    <a:pt x="0" y="1759712"/>
+                  </a:moveTo>
+                  <a:cubicBezTo>
+                    <a:pt x="0" y="787850"/>
+                    <a:pt x="787850" y="0"/>
+                    <a:pt x="1759712" y="0"/>
+                  </a:cubicBezTo>
+                  <a:lnTo>
+                    <a:pt x="1759712" y="1759712"/>
+                  </a:lnTo>
+                  <a:lnTo>
+                    <a:pt x="0" y="1759712"/>
+                  </a:lnTo>
+                  <a:close/>
+                </a:path>
+              </a:pathLst>
+            </a:custGeom>
+          </p:spPr>
+          <p:style>
+            <a:lnRef idx="2">
+              <a:schemeClr val="dk2">
+                <a:shade val="80000"/>
+                <a:hueOff val="0"/>
+                <a:satOff val="0"/>
+                <a:lumOff val="0"/>
+                <a:alphaOff val="0"/>
+              </a:schemeClr>
+            </a:lnRef>
+            <a:fillRef idx="1">
+              <a:schemeClr val="lt1">
+                <a:hueOff val="0"/>
+                <a:satOff val="0"/>
+                <a:lumOff val="0"/>
+                <a:alphaOff val="0"/>
+              </a:schemeClr>
+            </a:fillRef>
+            <a:effectRef idx="0">
+              <a:schemeClr val="lt1">
+                <a:hueOff val="0"/>
+                <a:satOff val="0"/>
+                <a:lumOff val="0"/>
+                <a:alphaOff val="0"/>
+              </a:schemeClr>
+            </a:effectRef>
+            <a:fontRef idx="minor">
+              <a:schemeClr val="dk2">
+                <a:hueOff val="0"/>
+                <a:satOff val="0"/>
+                <a:lumOff val="0"/>
+                <a:alphaOff val="0"/>
+              </a:schemeClr>
+            </a:fontRef>
+          </p:style>
+          <p:txBody>
+            <a:bodyPr spcFirstLastPara="0" vert="horz" wrap="none" lIns="360000" tIns="636312" rIns="120904" bIns="120904" numCol="1" spcCol="1270" anchor="ctr" anchorCtr="0">
+              <a:noAutofit/>
+            </a:bodyPr>
+            <a:lstStyle/>
+            <a:p>
+              <a:pPr marL="0" lvl="0" indent="0" algn="ctr" defTabSz="755650">
+                <a:lnSpc>
+                  <a:spcPct val="90000"/>
+                </a:lnSpc>
+                <a:spcBef>
+                  <a:spcPct val="0"/>
+                </a:spcBef>
+                <a:spcAft>
+                  <a:spcPct val="35000"/>
+                </a:spcAft>
+                <a:buNone/>
+              </a:pPr>
+              <a:r>
+                <a:rPr lang="en-US" sz="1700" kern="1200" dirty="0"/>
+                <a:t>Physics</a:t>
+              </a:r>
+            </a:p>
+          </p:txBody>
+        </p:sp>
+        <p:sp>
+          <p:nvSpPr>
+            <p:cNvPr id="12" name="Freeform: Shape 11">
+              <a:extLst>
+                <a:ext uri="{FF2B5EF4-FFF2-40B4-BE49-F238E27FC236}">
+                  <a16:creationId xmlns:a16="http://schemas.microsoft.com/office/drawing/2014/main" id="{C107B071-E33C-3DDC-9190-549EFFF3D689}"/>
+                </a:ext>
+              </a:extLst>
+            </p:cNvPr>
+            <p:cNvSpPr/>
+            <p:nvPr/>
+          </p:nvSpPr>
+          <p:spPr>
+            <a:xfrm>
+              <a:off x="1567798" y="2559763"/>
+              <a:ext cx="1759712" cy="1759712"/>
+            </a:xfrm>
+            <a:custGeom>
+              <a:avLst/>
+              <a:gdLst>
+                <a:gd name="connsiteX0" fmla="*/ 0 w 1759712"/>
+                <a:gd name="connsiteY0" fmla="*/ 1759712 h 1759712"/>
+                <a:gd name="connsiteX1" fmla="*/ 1759712 w 1759712"/>
+                <a:gd name="connsiteY1" fmla="*/ 0 h 1759712"/>
+                <a:gd name="connsiteX2" fmla="*/ 1759712 w 1759712"/>
+                <a:gd name="connsiteY2" fmla="*/ 1759712 h 1759712"/>
+                <a:gd name="connsiteX3" fmla="*/ 0 w 1759712"/>
+                <a:gd name="connsiteY3" fmla="*/ 1759712 h 1759712"/>
+              </a:gdLst>
+              <a:ahLst/>
+              <a:cxnLst>
+                <a:cxn ang="0">
+                  <a:pos x="connsiteX0" y="connsiteY0"/>
+                </a:cxn>
+                <a:cxn ang="0">
+                  <a:pos x="connsiteX1" y="connsiteY1"/>
+                </a:cxn>
+                <a:cxn ang="0">
+                  <a:pos x="connsiteX2" y="connsiteY2"/>
+                </a:cxn>
+                <a:cxn ang="0">
+                  <a:pos x="connsiteX3" y="connsiteY3"/>
+                </a:cxn>
+              </a:cxnLst>
+              <a:rect l="l" t="t" r="r" b="b"/>
+              <a:pathLst>
+                <a:path w="1759712" h="1759712">
+                  <a:moveTo>
+                    <a:pt x="1759712" y="1759712"/>
+                  </a:moveTo>
+                  <a:cubicBezTo>
+                    <a:pt x="787850" y="1759712"/>
+                    <a:pt x="0" y="971862"/>
+                    <a:pt x="0" y="0"/>
+                  </a:cubicBezTo>
+                  <a:lnTo>
+                    <a:pt x="1759712" y="0"/>
+                  </a:lnTo>
+                  <a:lnTo>
+                    <a:pt x="1759712" y="1759712"/>
+                  </a:lnTo>
+                  <a:close/>
+                </a:path>
+              </a:pathLst>
+            </a:custGeom>
+          </p:spPr>
+          <p:style>
+            <a:lnRef idx="2">
+              <a:schemeClr val="dk2">
+                <a:shade val="80000"/>
+                <a:hueOff val="0"/>
+                <a:satOff val="0"/>
+                <a:lumOff val="0"/>
+                <a:alphaOff val="0"/>
+              </a:schemeClr>
+            </a:lnRef>
+            <a:fillRef idx="1">
+              <a:schemeClr val="lt1">
+                <a:hueOff val="0"/>
+                <a:satOff val="0"/>
+                <a:lumOff val="0"/>
+                <a:alphaOff val="0"/>
+              </a:schemeClr>
+            </a:fillRef>
+            <a:effectRef idx="0">
+              <a:schemeClr val="lt1">
+                <a:hueOff val="0"/>
+                <a:satOff val="0"/>
+                <a:lumOff val="0"/>
+                <a:alphaOff val="0"/>
+              </a:schemeClr>
+            </a:effectRef>
+            <a:fontRef idx="minor">
+              <a:schemeClr val="dk2">
+                <a:hueOff val="0"/>
+                <a:satOff val="0"/>
+                <a:lumOff val="0"/>
+                <a:alphaOff val="0"/>
+              </a:schemeClr>
+            </a:fontRef>
+          </p:style>
+          <p:txBody>
+            <a:bodyPr spcFirstLastPara="0" vert="horz" wrap="none" lIns="360000" tIns="120904" rIns="120903" bIns="636312" numCol="1" spcCol="1270" anchor="ctr" anchorCtr="0">
+              <a:noAutofit/>
+            </a:bodyPr>
+            <a:lstStyle/>
+            <a:p>
+              <a:pPr marL="0" lvl="0" indent="0" algn="ctr" defTabSz="755650">
+                <a:lnSpc>
+                  <a:spcPct val="90000"/>
+                </a:lnSpc>
+                <a:spcBef>
+                  <a:spcPct val="0"/>
+                </a:spcBef>
+                <a:spcAft>
+                  <a:spcPct val="35000"/>
+                </a:spcAft>
+                <a:buNone/>
+              </a:pPr>
+              <a:r>
+                <a:rPr lang="en-US" sz="1700" kern="1200" dirty="0"/>
+                <a:t>Lab</a:t>
+              </a:r>
+            </a:p>
+          </p:txBody>
+        </p:sp>
+        <p:sp>
+          <p:nvSpPr>
+            <p:cNvPr id="13" name="Freeform: Shape 12">
+              <a:extLst>
+                <a:ext uri="{FF2B5EF4-FFF2-40B4-BE49-F238E27FC236}">
+                  <a16:creationId xmlns:a16="http://schemas.microsoft.com/office/drawing/2014/main" id="{5FE7A7E4-5151-7B5F-5F6D-F18B9167AEA4}"/>
+                </a:ext>
+              </a:extLst>
+            </p:cNvPr>
+            <p:cNvSpPr/>
+            <p:nvPr/>
+          </p:nvSpPr>
+          <p:spPr>
+            <a:xfrm>
+              <a:off x="3408790" y="2559762"/>
+              <a:ext cx="1759712" cy="1759713"/>
+            </a:xfrm>
+            <a:custGeom>
+              <a:avLst/>
+              <a:gdLst>
+                <a:gd name="connsiteX0" fmla="*/ 0 w 1759712"/>
+                <a:gd name="connsiteY0" fmla="*/ 1759712 h 1759712"/>
+                <a:gd name="connsiteX1" fmla="*/ 1759712 w 1759712"/>
+                <a:gd name="connsiteY1" fmla="*/ 0 h 1759712"/>
+                <a:gd name="connsiteX2" fmla="*/ 1759712 w 1759712"/>
+                <a:gd name="connsiteY2" fmla="*/ 1759712 h 1759712"/>
+                <a:gd name="connsiteX3" fmla="*/ 0 w 1759712"/>
+                <a:gd name="connsiteY3" fmla="*/ 1759712 h 1759712"/>
+              </a:gdLst>
+              <a:ahLst/>
+              <a:cxnLst>
+                <a:cxn ang="0">
+                  <a:pos x="connsiteX0" y="connsiteY0"/>
+                </a:cxn>
+                <a:cxn ang="0">
+                  <a:pos x="connsiteX1" y="connsiteY1"/>
+                </a:cxn>
+                <a:cxn ang="0">
+                  <a:pos x="connsiteX2" y="connsiteY2"/>
+                </a:cxn>
+                <a:cxn ang="0">
+                  <a:pos x="connsiteX3" y="connsiteY3"/>
+                </a:cxn>
+              </a:cxnLst>
+              <a:rect l="l" t="t" r="r" b="b"/>
+              <a:pathLst>
+                <a:path w="1759712" h="1759712">
+                  <a:moveTo>
+                    <a:pt x="1759712" y="0"/>
+                  </a:moveTo>
+                  <a:cubicBezTo>
+                    <a:pt x="1759712" y="971862"/>
+                    <a:pt x="971862" y="1759712"/>
+                    <a:pt x="0" y="1759712"/>
+                  </a:cubicBezTo>
+                  <a:lnTo>
+                    <a:pt x="0" y="0"/>
+                  </a:lnTo>
+                  <a:lnTo>
+                    <a:pt x="1759712" y="0"/>
+                  </a:lnTo>
+                  <a:close/>
+                </a:path>
+              </a:pathLst>
+            </a:custGeom>
+          </p:spPr>
+          <p:style>
+            <a:lnRef idx="2">
+              <a:schemeClr val="dk2">
+                <a:shade val="80000"/>
+                <a:hueOff val="0"/>
+                <a:satOff val="0"/>
+                <a:lumOff val="0"/>
+                <a:alphaOff val="0"/>
+              </a:schemeClr>
+            </a:lnRef>
+            <a:fillRef idx="1">
+              <a:schemeClr val="lt1">
+                <a:hueOff val="0"/>
+                <a:satOff val="0"/>
+                <a:lumOff val="0"/>
+                <a:alphaOff val="0"/>
+              </a:schemeClr>
+            </a:fillRef>
+            <a:effectRef idx="0">
+              <a:schemeClr val="lt1">
+                <a:hueOff val="0"/>
+                <a:satOff val="0"/>
+                <a:lumOff val="0"/>
+                <a:alphaOff val="0"/>
+              </a:schemeClr>
+            </a:effectRef>
+            <a:fontRef idx="minor">
+              <a:schemeClr val="dk2">
+                <a:hueOff val="0"/>
+                <a:satOff val="0"/>
+                <a:lumOff val="0"/>
+                <a:alphaOff val="0"/>
+              </a:schemeClr>
+            </a:fontRef>
+          </p:style>
+          <p:txBody>
+            <a:bodyPr spcFirstLastPara="0" vert="horz" wrap="none" lIns="360000" tIns="120905" rIns="636312" bIns="636312" numCol="1" spcCol="1270" anchor="ctr" anchorCtr="0">
+              <a:noAutofit/>
+            </a:bodyPr>
+            <a:lstStyle/>
+            <a:p>
+              <a:pPr marL="0" lvl="0" indent="0" algn="ctr" defTabSz="755650">
+                <a:lnSpc>
+                  <a:spcPct val="90000"/>
+                </a:lnSpc>
+                <a:spcBef>
+                  <a:spcPct val="0"/>
+                </a:spcBef>
+                <a:spcAft>
+                  <a:spcPct val="35000"/>
+                </a:spcAft>
+                <a:buNone/>
+              </a:pPr>
+              <a:endParaRPr lang="en-US" sz="1700" kern="1200" dirty="0"/>
+            </a:p>
+            <a:p>
+              <a:pPr marL="0" lvl="0" indent="0" algn="ctr" defTabSz="755650">
+                <a:lnSpc>
+                  <a:spcPct val="90000"/>
+                </a:lnSpc>
+                <a:spcBef>
+                  <a:spcPct val="0"/>
+                </a:spcBef>
+                <a:spcAft>
+                  <a:spcPct val="35000"/>
+                </a:spcAft>
+                <a:buNone/>
+              </a:pPr>
+              <a:r>
+                <a:rPr lang="en-US" sz="1700" kern="1200" dirty="0"/>
+                <a:t>Computers</a:t>
+              </a:r>
+            </a:p>
+          </p:txBody>
+        </p:sp>
+      </p:grpSp>
+      <p:sp>
+        <p:nvSpPr>
+          <p:cNvPr id="14" name="Shape 13">
+            <a:extLst>
+              <a:ext uri="{FF2B5EF4-FFF2-40B4-BE49-F238E27FC236}">
+                <a16:creationId xmlns:a16="http://schemas.microsoft.com/office/drawing/2014/main" id="{A92DC566-A18E-D253-331C-EBDF8BF31035}"/>
+              </a:ext>
+            </a:extLst>
+          </p:cNvPr>
+          <p:cNvSpPr/>
+          <p:nvPr/>
+        </p:nvSpPr>
+        <p:spPr>
+          <a:xfrm rot="10800000">
+            <a:off x="3986081" y="2355421"/>
+            <a:ext cx="607568" cy="528320"/>
+          </a:xfrm>
+          <a:prstGeom prst="leftCircularArrow">
+            <a:avLst/>
+          </a:prstGeom>
+        </p:spPr>
+        <p:style>
+          <a:lnRef idx="2">
+            <a:schemeClr val="lt1">
+              <a:hueOff val="0"/>
+              <a:satOff val="0"/>
+              <a:lumOff val="0"/>
+              <a:alphaOff val="0"/>
+            </a:schemeClr>
+          </a:lnRef>
+          <a:fillRef idx="1">
+            <a:schemeClr val="dk2">
+              <a:tint val="60000"/>
+              <a:hueOff val="0"/>
+              <a:satOff val="0"/>
+              <a:lumOff val="0"/>
+              <a:alphaOff val="0"/>
+            </a:schemeClr>
+          </a:fillRef>
+          <a:effectRef idx="0">
+            <a:schemeClr val="dk2">
+              <a:tint val="60000"/>
+              <a:hueOff val="0"/>
+              <a:satOff val="0"/>
+              <a:lumOff val="0"/>
+              <a:alphaOff val="0"/>
+            </a:schemeClr>
+          </a:effectRef>
+          <a:fontRef idx="minor">
+            <a:schemeClr val="dk2">
+              <a:hueOff val="0"/>
+              <a:satOff val="0"/>
+              <a:lumOff val="0"/>
+              <a:alphaOff val="0"/>
+            </a:schemeClr>
+          </a:fontRef>
+        </p:style>
+      </p:sp>
+      <p:sp>
+        <p:nvSpPr>
+          <p:cNvPr id="15" name="Shape 14">
+            <a:extLst>
+              <a:ext uri="{FF2B5EF4-FFF2-40B4-BE49-F238E27FC236}">
+                <a16:creationId xmlns:a16="http://schemas.microsoft.com/office/drawing/2014/main" id="{356F57CB-88B7-2918-D88B-6EE5CDD45177}"/>
+              </a:ext>
+            </a:extLst>
+          </p:cNvPr>
+          <p:cNvSpPr/>
+          <p:nvPr/>
+        </p:nvSpPr>
+        <p:spPr>
+          <a:xfrm>
+            <a:off x="3986081" y="2558621"/>
+            <a:ext cx="607568" cy="528320"/>
+          </a:xfrm>
+          <a:prstGeom prst="leftCircularArrow">
+            <a:avLst/>
+          </a:prstGeom>
+        </p:spPr>
+        <p:style>
+          <a:lnRef idx="2">
+            <a:schemeClr val="lt1">
+              <a:hueOff val="0"/>
+              <a:satOff val="0"/>
+              <a:lumOff val="0"/>
+              <a:alphaOff val="0"/>
+            </a:schemeClr>
+          </a:lnRef>
+          <a:fillRef idx="1">
+            <a:schemeClr val="dk2">
+              <a:tint val="60000"/>
+              <a:hueOff val="0"/>
+              <a:satOff val="0"/>
+              <a:lumOff val="0"/>
+              <a:alphaOff val="0"/>
+            </a:schemeClr>
+          </a:fillRef>
+          <a:effectRef idx="0">
+            <a:schemeClr val="dk2">
+              <a:tint val="60000"/>
+              <a:hueOff val="0"/>
+              <a:satOff val="0"/>
+              <a:lumOff val="0"/>
+              <a:alphaOff val="0"/>
+            </a:schemeClr>
+          </a:effectRef>
+          <a:fontRef idx="minor">
+            <a:schemeClr val="dk2">
+              <a:hueOff val="0"/>
+              <a:satOff val="0"/>
+              <a:lumOff val="0"/>
+              <a:alphaOff val="0"/>
+            </a:schemeClr>
+          </a:fontRef>
+        </p:style>
+      </p:sp>
+    </p:spTree>
+    <p:extLst>
+      <p:ext uri="{BB962C8B-B14F-4D97-AF65-F5344CB8AC3E}">
+        <p14:creationId xmlns:p14="http://schemas.microsoft.com/office/powerpoint/2010/main" val="2093516047"/>
+      </p:ext>
+    </p:extLst>
+  </p:cSld>
+  <p:clrMapOvr>
+    <a:masterClrMapping/>
+  </p:clrMapOvr>
+</p:sld>
+</file>
+
+<file path=ppt/slides/slide7.xml><?xml version="1.0" encoding="utf-8"?>
+<p:sld xmlns:a="http://schemas.openxmlformats.org/drawingml/2006/main" xmlns:r="http://schemas.openxmlformats.org/officeDocument/2006/relationships" xmlns:p="http://schemas.openxmlformats.org/presentationml/2006/main">
+  <p:cSld>
+    <p:spTree>
+      <p:nvGrpSpPr>
+        <p:cNvPr id="1" name=""/>
+        <p:cNvGrpSpPr/>
+        <p:nvPr/>
+      </p:nvGrpSpPr>
+      <p:grpSpPr>
+        <a:xfrm>
+          <a:off x="0" y="0"/>
+          <a:ext cx="0" cy="0"/>
+          <a:chOff x="0" y="0"/>
+          <a:chExt cx="0" cy="0"/>
+        </a:xfrm>
+      </p:grpSpPr>
+      <p:sp>
+        <p:nvSpPr>
           <p:cNvPr id="2" name="Text Placeholder 1">
             <a:extLst>
               <a:ext uri="{FF2B5EF4-FFF2-40B4-BE49-F238E27FC236}">
-                <a16:creationId xmlns:a16="http://schemas.microsoft.com/office/drawing/2014/main" id="{96646901-E1F7-C9FC-22CC-30300204CADC}"/>
+                <a16:creationId xmlns:a16="http://schemas.microsoft.com/office/drawing/2014/main" id="{3E35458F-18A1-7BCA-FEE9-3779556CA5C3}"/>
               </a:ext>
             </a:extLst>
           </p:cNvPr>
@@ -4233,154 +6956,148 @@
           <a:lstStyle/>
           <a:p>
             <a:r>
-              <a:rPr lang="en-US" dirty="0"/>
-              <a:t>Object of study</a:t>
-            </a:r>
+              <a:rPr lang="pt-BR" dirty="0" err="1"/>
+              <a:t>Kazemy</a:t>
+            </a:r>
+            <a:endParaRPr lang="pt-BR" dirty="0"/>
           </a:p>
           <a:p>
             <a:pPr lvl="1"/>
             <a:r>
-              <a:rPr lang="en-US" dirty="0"/>
-              <a:t>Conventional reservoirs, deep fields, high temperature</a:t>
-            </a:r>
+              <a:rPr lang="pt-BR" dirty="0" err="1"/>
+              <a:t>Microcracks</a:t>
+            </a:r>
+            <a:r>
+              <a:rPr lang="pt-BR" dirty="0"/>
+              <a:t> play importante role HF</a:t>
+            </a:r>
+          </a:p>
+          <a:p>
+            <a:r>
+              <a:rPr lang="pt-BR" dirty="0" err="1"/>
+              <a:t>Firoozabadi</a:t>
+            </a:r>
+            <a:endParaRPr lang="pt-BR" dirty="0"/>
           </a:p>
           <a:p>
             <a:pPr lvl="1"/>
             <a:r>
-              <a:rPr lang="en-US" dirty="0"/>
-              <a:t>Sandstone or carbonates (naturally fracture)</a:t>
-            </a:r>
+              <a:rPr lang="pt-BR" dirty="0"/>
+              <a:t>Surface </a:t>
+            </a:r>
+            <a:r>
+              <a:rPr lang="pt-BR" dirty="0" err="1"/>
+              <a:t>energy</a:t>
+            </a:r>
+            <a:endParaRPr lang="pt-BR" dirty="0"/>
           </a:p>
           <a:p>
             <a:pPr lvl="1"/>
             <a:r>
-              <a:rPr lang="en-US" dirty="0"/>
-              <a:t>Shale or salt caprock</a:t>
-            </a:r>
+              <a:rPr lang="pt-BR" dirty="0" err="1"/>
+              <a:t>Fracture</a:t>
+            </a:r>
+            <a:r>
+              <a:rPr lang="pt-BR" dirty="0"/>
+              <a:t> </a:t>
+            </a:r>
+            <a:r>
+              <a:rPr lang="pt-BR" dirty="0" err="1"/>
+              <a:t>branching</a:t>
+            </a:r>
+            <a:endParaRPr lang="pt-BR" dirty="0"/>
           </a:p>
           <a:p>
             <a:pPr lvl="1"/>
             <a:r>
-              <a:rPr lang="en-US" dirty="0"/>
-              <a:t>Salt caverns</a:t>
-            </a:r>
-          </a:p>
-          <a:p>
-            <a:r>
-              <a:rPr lang="en-US" dirty="0"/>
-              <a:t>The problem</a:t>
-            </a:r>
+              <a:rPr lang="pt-BR" dirty="0"/>
+              <a:t>molecular </a:t>
+            </a:r>
+            <a:r>
+              <a:rPr lang="pt-BR" dirty="0" err="1"/>
+              <a:t>simulation</a:t>
+            </a:r>
+            <a:endParaRPr lang="pt-BR" dirty="0"/>
           </a:p>
           <a:p>
             <a:pPr lvl="1"/>
             <a:r>
-              <a:rPr lang="en-US" dirty="0"/>
-              <a:t>Multiphysics fracture nucleation and tracking are difficult to model as it happens in multiple scales (space and time)</a:t>
+              <a:rPr lang="pt-BR" dirty="0"/>
+              <a:t>The </a:t>
+            </a:r>
+            <a:r>
+              <a:rPr lang="pt-BR" dirty="0" err="1"/>
+              <a:t>difficulty</a:t>
+            </a:r>
+            <a:r>
+              <a:rPr lang="pt-BR" dirty="0"/>
+              <a:t> in </a:t>
+            </a:r>
+            <a:r>
+              <a:rPr lang="pt-BR" dirty="0" err="1"/>
+              <a:t>going</a:t>
+            </a:r>
+            <a:r>
+              <a:rPr lang="pt-BR" dirty="0"/>
+              <a:t> 3D</a:t>
+            </a:r>
+          </a:p>
+          <a:p>
+            <a:r>
+              <a:rPr lang="pt-BR" dirty="0"/>
+              <a:t>Mary Wheeler</a:t>
             </a:r>
           </a:p>
           <a:p>
             <a:pPr lvl="1"/>
             <a:r>
-              <a:rPr lang="en-US" dirty="0"/>
-              <a:t>Long term cold fluid injection thermally stresses the rock, hydraulic fractures are likely to occur</a:t>
+              <a:rPr lang="pt-BR" dirty="0"/>
+              <a:t>IPACS</a:t>
             </a:r>
           </a:p>
           <a:p>
             <a:pPr lvl="1"/>
             <a:r>
-              <a:rPr lang="en-US" dirty="0"/>
-              <a:t>Salt caverns designs for cyclic storage and abandonment</a:t>
-            </a:r>
+              <a:rPr lang="pt-BR" dirty="0" err="1"/>
+              <a:t>Need</a:t>
+            </a:r>
+            <a:r>
+              <a:rPr lang="pt-BR" dirty="0"/>
+              <a:t> for </a:t>
+            </a:r>
+            <a:r>
+              <a:rPr lang="pt-BR" dirty="0" err="1"/>
+              <a:t>better</a:t>
+            </a:r>
+            <a:r>
+              <a:rPr lang="pt-BR" dirty="0"/>
+              <a:t> </a:t>
+            </a:r>
+            <a:r>
+              <a:rPr lang="pt-BR" dirty="0" err="1"/>
+              <a:t>remeshing</a:t>
+            </a:r>
+            <a:endParaRPr lang="pt-BR" dirty="0"/>
           </a:p>
           <a:p>
             <a:pPr lvl="1"/>
             <a:r>
-              <a:rPr lang="en-US" dirty="0"/>
-              <a:t>Many physical processes concur with similar characteristic time and length (elasticity, plasticity, pressure and heat dissipation, creep </a:t>
-            </a:r>
-            <a:r>
-              <a:rPr lang="en-US" dirty="0" err="1"/>
-              <a:t>etc</a:t>
-            </a:r>
-            <a:r>
-              <a:rPr lang="en-US" dirty="0"/>
-              <a:t>)</a:t>
-            </a:r>
-          </a:p>
-          <a:p>
-            <a:r>
-              <a:rPr lang="en-US" dirty="0"/>
-              <a:t>Objective</a:t>
-            </a:r>
-          </a:p>
-          <a:p>
-            <a:pPr lvl="1"/>
-            <a:r>
-              <a:rPr lang="en-US" dirty="0"/>
-              <a:t>Understand the mechanics of long term effects of cold water and gas injection for EOR and storage</a:t>
-            </a:r>
-          </a:p>
-          <a:p>
-            <a:pPr lvl="1"/>
-            <a:r>
-              <a:rPr lang="en-US" dirty="0"/>
-              <a:t>Operate with highest possible injection rates (safety!)</a:t>
-            </a:r>
-          </a:p>
-          <a:p>
-            <a:pPr lvl="1"/>
-            <a:r>
-              <a:rPr lang="en-US" dirty="0"/>
-              <a:t>Enable long term fluid injection above the fracturing pressure (produced water)</a:t>
-            </a:r>
-          </a:p>
-          <a:p>
-            <a:pPr lvl="1"/>
-            <a:r>
-              <a:rPr lang="en-US" dirty="0"/>
-              <a:t>Promote safety and fluid containment. Support regulations</a:t>
-            </a:r>
-          </a:p>
-          <a:p>
-            <a:pPr lvl="1"/>
-            <a:r>
-              <a:rPr lang="en-US" dirty="0"/>
-              <a:t>Possible to apply to salt caverns</a:t>
-            </a:r>
-          </a:p>
-          <a:p>
-            <a:r>
-              <a:rPr lang="en-US" dirty="0"/>
-              <a:t>Methodology</a:t>
-            </a:r>
-          </a:p>
-          <a:p>
-            <a:pPr lvl="1"/>
-            <a:r>
-              <a:rPr lang="en-US" dirty="0"/>
-              <a:t>Multiscale simulations around the injection wells</a:t>
-            </a:r>
-          </a:p>
-          <a:p>
-            <a:pPr lvl="1"/>
-            <a:r>
-              <a:rPr lang="en-US" dirty="0"/>
-              <a:t>Fracture propagation is driven by small scale phenomena</a:t>
-            </a:r>
-          </a:p>
-          <a:p>
-            <a:pPr lvl="1"/>
-            <a:r>
-              <a:rPr lang="en-US" dirty="0"/>
-              <a:t>Propose a set of parameters to embed small-scale findings to field scale simulations</a:t>
-            </a:r>
-          </a:p>
-          <a:p>
-            <a:pPr lvl="1"/>
-            <a:r>
-              <a:rPr lang="en-US" dirty="0"/>
-              <a:t>Create a large database with the small scale simulations =&gt; AI to feed field scale fracture models</a:t>
-            </a:r>
+              <a:rPr lang="pt-BR" dirty="0" err="1"/>
+              <a:t>Phase-field</a:t>
+            </a:r>
+            <a:r>
+              <a:rPr lang="pt-BR" dirty="0"/>
+              <a:t> </a:t>
+            </a:r>
+            <a:r>
+              <a:rPr lang="pt-BR" dirty="0" err="1"/>
+              <a:t>has</a:t>
+            </a:r>
+            <a:r>
+              <a:rPr lang="pt-BR" dirty="0"/>
+              <a:t> </a:t>
+            </a:r>
+            <a:endParaRPr lang="en-US" dirty="0"/>
           </a:p>
         </p:txBody>
       </p:sp>
@@ -4389,7 +7106,7 @@
           <p:cNvPr id="3" name="Title 2">
             <a:extLst>
               <a:ext uri="{FF2B5EF4-FFF2-40B4-BE49-F238E27FC236}">
-                <a16:creationId xmlns:a16="http://schemas.microsoft.com/office/drawing/2014/main" id="{34C60A47-EBB6-091D-C027-1403C1B677C8}"/>
+                <a16:creationId xmlns:a16="http://schemas.microsoft.com/office/drawing/2014/main" id="{218279DD-E230-B388-61E3-E1CA2ADFFCA6}"/>
               </a:ext>
             </a:extLst>
           </p:cNvPr>
@@ -4406,383 +7123,19 @@
           <a:lstStyle/>
           <a:p>
             <a:r>
-              <a:rPr lang="en-US" dirty="0"/>
-              <a:t>FRAMING THE PROBLEM</a:t>
-            </a:r>
+              <a:rPr lang="pt-BR" dirty="0" err="1"/>
+              <a:t>Seminars</a:t>
+            </a:r>
+            <a:endParaRPr lang="en-US" dirty="0"/>
           </a:p>
         </p:txBody>
       </p:sp>
     </p:spTree>
     <p:extLst>
       <p:ext uri="{BB962C8B-B14F-4D97-AF65-F5344CB8AC3E}">
-        <p14:creationId xmlns:p14="http://schemas.microsoft.com/office/powerpoint/2010/main" val="3799097180"/>
+        <p14:creationId xmlns:p14="http://schemas.microsoft.com/office/powerpoint/2010/main" val="399227802"/>
       </p:ext>
     </p:extLst>
-  </p:cSld>
-  <p:clrMapOvr>
-    <a:masterClrMapping/>
-  </p:clrMapOvr>
-</p:sld>
-</file>
-
-<file path=ppt/slides/slide7.xml><?xml version="1.0" encoding="utf-8"?>
-<p:sld xmlns:a="http://schemas.openxmlformats.org/drawingml/2006/main" xmlns:r="http://schemas.openxmlformats.org/officeDocument/2006/relationships" xmlns:p="http://schemas.openxmlformats.org/presentationml/2006/main">
-  <p:cSld>
-    <p:bg>
-      <p:bgPr>
-        <a:solidFill>
-          <a:srgbClr val="FFFFFF"/>
-        </a:solidFill>
-        <a:effectLst/>
-      </p:bgPr>
-    </p:bg>
-    <p:spTree>
-      <p:nvGrpSpPr>
-        <p:cNvPr id="1" name=""/>
-        <p:cNvGrpSpPr/>
-        <p:nvPr/>
-      </p:nvGrpSpPr>
-      <p:grpSpPr>
-        <a:xfrm>
-          <a:off x="0" y="0"/>
-          <a:ext cx="0" cy="0"/>
-          <a:chOff x="0" y="0"/>
-          <a:chExt cx="0" cy="0"/>
-        </a:xfrm>
-      </p:grpSpPr>
-      <p:cxnSp>
-        <p:nvCxnSpPr>
-          <p:cNvPr id="95" name="Straight Connector 9"/>
-          <p:cNvCxnSpPr/>
-          <p:nvPr/>
-        </p:nvCxnSpPr>
-        <p:spPr>
-          <a:xfrm>
-            <a:off x="628560" y="3105000"/>
-            <a:ext cx="5619960" cy="360"/>
-          </a:xfrm>
-          <a:prstGeom prst="straightConnector1">
-            <a:avLst/>
-          </a:prstGeom>
-          <a:ln w="19080">
-            <a:solidFill>
-              <a:srgbClr val="BF5700"/>
-            </a:solidFill>
-            <a:round/>
-          </a:ln>
-        </p:spPr>
-      </p:cxnSp>
-      <p:sp>
-        <p:nvSpPr>
-          <p:cNvPr id="96" name="Text Placeholder 9"/>
-          <p:cNvSpPr/>
-          <p:nvPr/>
-        </p:nvSpPr>
-        <p:spPr>
-          <a:xfrm>
-            <a:off x="548640" y="4114440"/>
-            <a:ext cx="7886520" cy="456840"/>
-          </a:xfrm>
-          <a:prstGeom prst="rect">
-            <a:avLst/>
-          </a:prstGeom>
-          <a:noFill/>
-          <a:ln w="0">
-            <a:noFill/>
-          </a:ln>
-          <a:effectLst>
-            <a:outerShdw blurRad="12600" dist="12727" dir="2700000" rotWithShape="0">
-              <a:srgbClr val="808080"/>
-            </a:outerShdw>
-          </a:effectLst>
-        </p:spPr>
-        <p:style>
-          <a:lnRef idx="0">
-            <a:scrgbClr r="0" g="0" b="0"/>
-          </a:lnRef>
-          <a:fillRef idx="0">
-            <a:scrgbClr r="0" g="0" b="0"/>
-          </a:fillRef>
-          <a:effectRef idx="0">
-            <a:scrgbClr r="0" g="0" b="0"/>
-          </a:effectRef>
-          <a:fontRef idx="minor"/>
-        </p:style>
-        <p:txBody>
-          <a:bodyPr anchor="b">
-            <a:noAutofit/>
-          </a:bodyPr>
-          <a:lstStyle/>
-          <a:p>
-            <a:pPr defTabSz="914400">
-              <a:lnSpc>
-                <a:spcPct val="50000"/>
-              </a:lnSpc>
-              <a:spcBef>
-                <a:spcPts val="1001"/>
-              </a:spcBef>
-              <a:tabLst>
-                <a:tab pos="0" algn="l"/>
-              </a:tabLst>
-            </a:pPr>
-            <a:r>
-              <a:rPr lang="en-US" sz="1050" b="0" strike="noStrike" cap="all" spc="-1">
-                <a:solidFill>
-                  <a:srgbClr val="BF5700"/>
-                </a:solidFill>
-                <a:latin typeface="Arial Black"/>
-                <a:ea typeface="Arial"/>
-              </a:rPr>
-              <a:t>Renato poli (rep2656)</a:t>
-            </a:r>
-            <a:endParaRPr lang="en-US" sz="1050" b="0" strike="noStrike" spc="-1">
-              <a:solidFill>
-                <a:srgbClr val="000000"/>
-              </a:solidFill>
-              <a:latin typeface="Arial"/>
-            </a:endParaRPr>
-          </a:p>
-        </p:txBody>
-      </p:sp>
-      <p:sp>
-        <p:nvSpPr>
-          <p:cNvPr id="97" name="Text Placeholder 9"/>
-          <p:cNvSpPr/>
-          <p:nvPr/>
-        </p:nvSpPr>
-        <p:spPr>
-          <a:xfrm>
-            <a:off x="548640" y="456840"/>
-            <a:ext cx="7828200" cy="388800"/>
-          </a:xfrm>
-          <a:prstGeom prst="rect">
-            <a:avLst/>
-          </a:prstGeom>
-          <a:noFill/>
-          <a:ln w="0">
-            <a:noFill/>
-          </a:ln>
-          <a:effectLst>
-            <a:outerShdw blurRad="12600" dist="12727" dir="2700000" rotWithShape="0">
-              <a:srgbClr val="808080"/>
-            </a:outerShdw>
-          </a:effectLst>
-        </p:spPr>
-        <p:style>
-          <a:lnRef idx="0">
-            <a:scrgbClr r="0" g="0" b="0"/>
-          </a:lnRef>
-          <a:fillRef idx="0">
-            <a:scrgbClr r="0" g="0" b="0"/>
-          </a:fillRef>
-          <a:effectRef idx="0">
-            <a:scrgbClr r="0" g="0" b="0"/>
-          </a:effectRef>
-          <a:fontRef idx="minor"/>
-        </p:style>
-        <p:txBody>
-          <a:bodyPr anchor="ctr">
-            <a:noAutofit/>
-          </a:bodyPr>
-          <a:lstStyle/>
-          <a:p>
-            <a:pPr defTabSz="914400">
-              <a:lnSpc>
-                <a:spcPct val="90000"/>
-              </a:lnSpc>
-              <a:spcBef>
-                <a:spcPts val="1001"/>
-              </a:spcBef>
-              <a:tabLst>
-                <a:tab pos="0" algn="l"/>
-              </a:tabLst>
-            </a:pPr>
-            <a:r>
-              <a:rPr lang="en-US" sz="1200" b="0" strike="noStrike" cap="all" spc="-1">
-                <a:solidFill>
-                  <a:srgbClr val="BF5700"/>
-                </a:solidFill>
-                <a:latin typeface="Arial Black"/>
-                <a:ea typeface="Arial"/>
-              </a:rPr>
-              <a:t>Dec 2023</a:t>
-            </a:r>
-            <a:endParaRPr lang="en-US" sz="1200" b="0" strike="noStrike" spc="-1">
-              <a:solidFill>
-                <a:srgbClr val="000000"/>
-              </a:solidFill>
-              <a:latin typeface="Arial"/>
-            </a:endParaRPr>
-          </a:p>
-        </p:txBody>
-      </p:sp>
-      <p:sp>
-        <p:nvSpPr>
-          <p:cNvPr id="98" name="Title Placeholder 7"/>
-          <p:cNvSpPr/>
-          <p:nvPr/>
-        </p:nvSpPr>
-        <p:spPr>
-          <a:xfrm>
-            <a:off x="502920" y="1199880"/>
-            <a:ext cx="7886520" cy="1752120"/>
-          </a:xfrm>
-          <a:prstGeom prst="rect">
-            <a:avLst/>
-          </a:prstGeom>
-          <a:noFill/>
-          <a:ln w="0">
-            <a:noFill/>
-          </a:ln>
-          <a:effectLst>
-            <a:outerShdw blurRad="12600" dist="12727" dir="2700000" rotWithShape="0">
-              <a:srgbClr val="808080"/>
-            </a:outerShdw>
-          </a:effectLst>
-        </p:spPr>
-        <p:style>
-          <a:lnRef idx="0">
-            <a:scrgbClr r="0" g="0" b="0"/>
-          </a:lnRef>
-          <a:fillRef idx="0">
-            <a:scrgbClr r="0" g="0" b="0"/>
-          </a:fillRef>
-          <a:effectRef idx="0">
-            <a:scrgbClr r="0" g="0" b="0"/>
-          </a:effectRef>
-          <a:fontRef idx="minor"/>
-        </p:style>
-        <p:txBody>
-          <a:bodyPr anchor="b">
-            <a:noAutofit/>
-          </a:bodyPr>
-          <a:lstStyle/>
-          <a:p>
-            <a:pPr defTabSz="914400">
-              <a:lnSpc>
-                <a:spcPts val="4000"/>
-              </a:lnSpc>
-            </a:pPr>
-            <a:r>
-              <a:rPr lang="en-US" sz="3200" b="1" strike="noStrike" cap="all" spc="-1" dirty="0">
-                <a:solidFill>
-                  <a:srgbClr val="BF5700"/>
-                </a:solidFill>
-                <a:latin typeface="Arial Black"/>
-                <a:ea typeface="Arial Black"/>
-              </a:rPr>
-              <a:t>RESEARCH PLAN AND BRAINSTORMING</a:t>
-            </a:r>
-            <a:endParaRPr lang="en-US" sz="3200" b="0" strike="noStrike" spc="-1" dirty="0">
-              <a:solidFill>
-                <a:srgbClr val="000000"/>
-              </a:solidFill>
-              <a:latin typeface="Arial"/>
-            </a:endParaRPr>
-          </a:p>
-        </p:txBody>
-      </p:sp>
-      <p:sp>
-        <p:nvSpPr>
-          <p:cNvPr id="99" name="Text Placeholder 9"/>
-          <p:cNvSpPr/>
-          <p:nvPr/>
-        </p:nvSpPr>
-        <p:spPr>
-          <a:xfrm>
-            <a:off x="548640" y="3333240"/>
-            <a:ext cx="7886520" cy="456840"/>
-          </a:xfrm>
-          <a:prstGeom prst="rect">
-            <a:avLst/>
-          </a:prstGeom>
-          <a:noFill/>
-          <a:ln w="0">
-            <a:noFill/>
-          </a:ln>
-          <a:effectLst>
-            <a:outerShdw blurRad="12600" dist="12727" dir="2700000" rotWithShape="0">
-              <a:srgbClr val="808080"/>
-            </a:outerShdw>
-          </a:effectLst>
-        </p:spPr>
-        <p:style>
-          <a:lnRef idx="0">
-            <a:scrgbClr r="0" g="0" b="0"/>
-          </a:lnRef>
-          <a:fillRef idx="0">
-            <a:scrgbClr r="0" g="0" b="0"/>
-          </a:fillRef>
-          <a:effectRef idx="0">
-            <a:scrgbClr r="0" g="0" b="0"/>
-          </a:effectRef>
-          <a:fontRef idx="minor"/>
-        </p:style>
-        <p:txBody>
-          <a:bodyPr anchor="t">
-            <a:noAutofit/>
-          </a:bodyPr>
-          <a:lstStyle/>
-          <a:p>
-            <a:endParaRPr lang="en-US" sz="1400" b="0" strike="noStrike" spc="-1">
-              <a:solidFill>
-                <a:srgbClr val="000000"/>
-              </a:solidFill>
-              <a:latin typeface="Arial"/>
-            </a:endParaRPr>
-          </a:p>
-        </p:txBody>
-      </p:sp>
-      <p:sp>
-        <p:nvSpPr>
-          <p:cNvPr id="100" name="CaixaDeTexto 99"/>
-          <p:cNvSpPr txBox="1"/>
-          <p:nvPr/>
-        </p:nvSpPr>
-        <p:spPr>
-          <a:xfrm>
-            <a:off x="685800" y="3200400"/>
-            <a:ext cx="4800600" cy="685800"/>
-          </a:xfrm>
-          <a:prstGeom prst="rect">
-            <a:avLst/>
-          </a:prstGeom>
-          <a:noFill/>
-          <a:ln w="0">
-            <a:noFill/>
-          </a:ln>
-          <a:effectLst>
-            <a:outerShdw blurRad="12600" dist="12727" dir="2700000" rotWithShape="0">
-              <a:srgbClr val="808080"/>
-            </a:outerShdw>
-          </a:effectLst>
-        </p:spPr>
-        <p:txBody>
-          <a:bodyPr lIns="90000" tIns="45000" rIns="90000" bIns="45000" anchor="t">
-            <a:noAutofit/>
-          </a:bodyPr>
-          <a:lstStyle/>
-          <a:p>
-            <a:r>
-              <a:rPr lang="en-US" sz="2400" b="0" i="1" strike="noStrike" spc="-1">
-                <a:solidFill>
-                  <a:srgbClr val="BF5700"/>
-                </a:solidFill>
-                <a:latin typeface="Arial Black"/>
-                <a:ea typeface="Arial Black"/>
-              </a:rPr>
-              <a:t>notes and remarks</a:t>
-            </a:r>
-            <a:endParaRPr lang="en-US" sz="2400" b="0" strike="noStrike" spc="-1">
-              <a:solidFill>
-                <a:srgbClr val="000000"/>
-              </a:solidFill>
-              <a:latin typeface="Arial"/>
-            </a:endParaRPr>
-          </a:p>
-        </p:txBody>
-      </p:sp>
-    </p:spTree>
   </p:cSld>
   <p:clrMapOvr>
     <a:masterClrMapping/>
@@ -4807,162 +7160,42 @@
           <a:chExt cx="0" cy="0"/>
         </a:xfrm>
       </p:grpSpPr>
-      <p:sp>
-        <p:nvSpPr>
-          <p:cNvPr id="101" name="PlaceHolder 1"/>
-          <p:cNvSpPr>
-            <a:spLocks noGrp="1"/>
-          </p:cNvSpPr>
-          <p:nvPr>
-            <p:ph type="title" idx="4294967295"/>
-          </p:nvPr>
-        </p:nvSpPr>
+      <p:pic>
+        <p:nvPicPr>
+          <p:cNvPr id="5" name="Picture 4">
+            <a:extLst>
+              <a:ext uri="{FF2B5EF4-FFF2-40B4-BE49-F238E27FC236}">
+                <a16:creationId xmlns:a16="http://schemas.microsoft.com/office/drawing/2014/main" id="{244A6F33-FB37-4EBB-4E02-02AB553CE06B}"/>
+              </a:ext>
+            </a:extLst>
+          </p:cNvPr>
+          <p:cNvPicPr>
+            <a:picLocks noChangeAspect="1"/>
+          </p:cNvPicPr>
+          <p:nvPr/>
+        </p:nvPicPr>
+        <p:blipFill>
+          <a:blip r:embed="rId2"/>
+          <a:stretch>
+            <a:fillRect/>
+          </a:stretch>
+        </p:blipFill>
         <p:spPr>
           <a:xfrm>
-            <a:off x="0" y="46038"/>
-            <a:ext cx="8075613" cy="228600"/>
+            <a:off x="583375" y="438207"/>
+            <a:ext cx="7646225" cy="4267086"/>
           </a:xfrm>
           <a:prstGeom prst="rect">
             <a:avLst/>
           </a:prstGeom>
-          <a:noFill/>
-          <a:ln w="0">
-            <a:noFill/>
-          </a:ln>
         </p:spPr>
-        <p:txBody>
-          <a:bodyPr lIns="0" tIns="0" rIns="0" bIns="0" anchor="ctr">
-            <a:noAutofit/>
-          </a:bodyPr>
-          <a:lstStyle/>
-          <a:p>
-            <a:pPr indent="0">
-              <a:buNone/>
-            </a:pPr>
-            <a:r>
-              <a:rPr lang="en-US" sz="1600" b="1" strike="noStrike" spc="-1">
-                <a:solidFill>
-                  <a:srgbClr val="FFFFFF"/>
-                </a:solidFill>
-                <a:latin typeface="Arial"/>
-              </a:rPr>
-              <a:t>MACRO TOPICS</a:t>
-            </a:r>
-          </a:p>
-        </p:txBody>
-      </p:sp>
-      <p:sp>
-        <p:nvSpPr>
-          <p:cNvPr id="102" name="CaixaDeTexto 101"/>
-          <p:cNvSpPr txBox="1"/>
-          <p:nvPr/>
-        </p:nvSpPr>
-        <p:spPr>
-          <a:xfrm>
-            <a:off x="228600" y="457200"/>
-            <a:ext cx="6858000" cy="2881440"/>
-          </a:xfrm>
-          <a:prstGeom prst="rect">
-            <a:avLst/>
-          </a:prstGeom>
-          <a:noFill/>
-          <a:ln w="0">
-            <a:noFill/>
-          </a:ln>
-          <a:effectLst>
-            <a:outerShdw blurRad="12600" dist="12727" dir="2700000" rotWithShape="0">
-              <a:srgbClr val="808080"/>
-            </a:outerShdw>
-          </a:effectLst>
-        </p:spPr>
-        <p:txBody>
-          <a:bodyPr lIns="90000" tIns="45000" rIns="90000" bIns="45000" anchor="t">
-            <a:noAutofit/>
-          </a:bodyPr>
-          <a:lstStyle/>
-          <a:p>
-            <a:r>
-              <a:rPr lang="en-US" sz="1800" b="0" strike="noStrike" spc="-1">
-                <a:solidFill>
-                  <a:srgbClr val="000000"/>
-                </a:solidFill>
-                <a:latin typeface="TeX Gyre Termes"/>
-                <a:ea typeface="TexMaths Symbols"/>
-              </a:rPr>
-              <a:t>Fractures</a:t>
-            </a:r>
-            <a:endParaRPr lang="en-US" sz="1800" b="0" strike="noStrike" spc="-1">
-              <a:solidFill>
-                <a:srgbClr val="000000"/>
-              </a:solidFill>
-              <a:latin typeface="Arial"/>
-            </a:endParaRPr>
-          </a:p>
-          <a:p>
-            <a:r>
-              <a:rPr lang="en-US" sz="1800" b="0" strike="noStrike" spc="-1">
-                <a:solidFill>
-                  <a:srgbClr val="000000"/>
-                </a:solidFill>
-                <a:latin typeface="TeX Gyre Termes"/>
-                <a:ea typeface="TexMaths Symbols"/>
-              </a:rPr>
-              <a:t>Salt geomechanics</a:t>
-            </a:r>
-            <a:endParaRPr lang="en-US" sz="1800" b="0" strike="noStrike" spc="-1">
-              <a:solidFill>
-                <a:srgbClr val="000000"/>
-              </a:solidFill>
-              <a:latin typeface="Arial"/>
-            </a:endParaRPr>
-          </a:p>
-          <a:p>
-            <a:r>
-              <a:rPr lang="en-US" sz="1800" b="0" strike="noStrike" spc="-1">
-                <a:solidFill>
-                  <a:srgbClr val="000000"/>
-                </a:solidFill>
-                <a:latin typeface="TeX Gyre Termes"/>
-                <a:ea typeface="TexMaths Symbols"/>
-              </a:rPr>
-              <a:t>Numerics and speedup</a:t>
-            </a:r>
-            <a:endParaRPr lang="en-US" sz="1800" b="0" strike="noStrike" spc="-1">
-              <a:solidFill>
-                <a:srgbClr val="000000"/>
-              </a:solidFill>
-              <a:latin typeface="Arial"/>
-            </a:endParaRPr>
-          </a:p>
-          <a:p>
-            <a:r>
-              <a:rPr lang="en-US" sz="1800" b="0" strike="noStrike" spc="-1">
-                <a:solidFill>
-                  <a:srgbClr val="000000"/>
-                </a:solidFill>
-                <a:latin typeface="TeX Gyre Termes"/>
-                <a:ea typeface="TexMaths Symbols"/>
-              </a:rPr>
-              <a:t>Multiphase flow and multiscale data assimilation</a:t>
-            </a:r>
-            <a:endParaRPr lang="en-US" sz="1800" b="0" strike="noStrike" spc="-1">
-              <a:solidFill>
-                <a:srgbClr val="000000"/>
-              </a:solidFill>
-              <a:latin typeface="Arial"/>
-            </a:endParaRPr>
-          </a:p>
-          <a:p>
-            <a:endParaRPr lang="en-US" sz="1800" b="0" strike="noStrike" spc="-1">
-              <a:solidFill>
-                <a:srgbClr val="000000"/>
-              </a:solidFill>
-              <a:latin typeface="Arial"/>
-            </a:endParaRPr>
-          </a:p>
-        </p:txBody>
-      </p:sp>
+      </p:pic>
     </p:spTree>
+    <p:extLst>
+      <p:ext uri="{BB962C8B-B14F-4D97-AF65-F5344CB8AC3E}">
+        <p14:creationId xmlns:p14="http://schemas.microsoft.com/office/powerpoint/2010/main" val="1945650406"/>
+      </p:ext>
+    </p:extLst>
   </p:cSld>
   <p:clrMapOvr>
     <a:masterClrMapping/>
@@ -4987,319 +7220,96 @@
           <a:chExt cx="0" cy="0"/>
         </a:xfrm>
       </p:grpSpPr>
+      <p:pic>
+        <p:nvPicPr>
+          <p:cNvPr id="3" name="Picture 2">
+            <a:extLst>
+              <a:ext uri="{FF2B5EF4-FFF2-40B4-BE49-F238E27FC236}">
+                <a16:creationId xmlns:a16="http://schemas.microsoft.com/office/drawing/2014/main" id="{338C5297-C85D-6CE4-8D8B-F9CEEBAC6E82}"/>
+              </a:ext>
+            </a:extLst>
+          </p:cNvPr>
+          <p:cNvPicPr>
+            <a:picLocks noChangeAspect="1"/>
+          </p:cNvPicPr>
+          <p:nvPr/>
+        </p:nvPicPr>
+        <p:blipFill>
+          <a:blip r:embed="rId2"/>
+          <a:stretch>
+            <a:fillRect/>
+          </a:stretch>
+        </p:blipFill>
+        <p:spPr>
+          <a:xfrm>
+            <a:off x="0" y="1039454"/>
+            <a:ext cx="9144000" cy="3064591"/>
+          </a:xfrm>
+          <a:prstGeom prst="rect">
+            <a:avLst/>
+          </a:prstGeom>
+        </p:spPr>
+      </p:pic>
       <p:sp>
         <p:nvSpPr>
-          <p:cNvPr id="103" name="PlaceHolder 1"/>
+          <p:cNvPr id="5" name="Text Placeholder 4">
+            <a:extLst>
+              <a:ext uri="{FF2B5EF4-FFF2-40B4-BE49-F238E27FC236}">
+                <a16:creationId xmlns:a16="http://schemas.microsoft.com/office/drawing/2014/main" id="{05BD4B8B-DA68-C758-DA86-9F8D2A8AA906}"/>
+              </a:ext>
+            </a:extLst>
+          </p:cNvPr>
           <p:cNvSpPr>
             <a:spLocks noGrp="1"/>
           </p:cNvSpPr>
           <p:nvPr>
-            <p:ph type="title" idx="4294967295"/>
+            <p:ph type="body" sz="quarter" idx="11"/>
           </p:nvPr>
         </p:nvSpPr>
-        <p:spPr>
-          <a:xfrm>
-            <a:off x="0" y="46038"/>
-            <a:ext cx="8075613" cy="228600"/>
-          </a:xfrm>
-          <a:prstGeom prst="rect">
-            <a:avLst/>
-          </a:prstGeom>
-          <a:noFill/>
-          <a:ln w="0">
-            <a:noFill/>
-          </a:ln>
-        </p:spPr>
+        <p:spPr/>
         <p:txBody>
-          <a:bodyPr lIns="0" tIns="0" rIns="0" bIns="0" anchor="ctr">
-            <a:noAutofit/>
-          </a:bodyPr>
+          <a:bodyPr/>
           <a:lstStyle/>
           <a:p>
-            <a:pPr indent="0">
-              <a:buNone/>
-            </a:pPr>
-            <a:r>
-              <a:rPr lang="en-US" sz="1600" b="1" strike="noStrike" spc="-1">
-                <a:solidFill>
-                  <a:srgbClr val="FFFFFF"/>
-                </a:solidFill>
-                <a:latin typeface="Arial"/>
-              </a:rPr>
-              <a:t>FRACTURES</a:t>
-            </a:r>
+            <a:endParaRPr lang="en-US"/>
           </a:p>
         </p:txBody>
       </p:sp>
       <p:sp>
         <p:nvSpPr>
-          <p:cNvPr id="104" name="CaixaDeTexto 103"/>
-          <p:cNvSpPr txBox="1"/>
-          <p:nvPr/>
+          <p:cNvPr id="4" name="Title 3">
+            <a:extLst>
+              <a:ext uri="{FF2B5EF4-FFF2-40B4-BE49-F238E27FC236}">
+                <a16:creationId xmlns:a16="http://schemas.microsoft.com/office/drawing/2014/main" id="{805E7FA0-9BA2-8D3C-2C02-ACA703C06357}"/>
+              </a:ext>
+            </a:extLst>
+          </p:cNvPr>
+          <p:cNvSpPr>
+            <a:spLocks noGrp="1"/>
+          </p:cNvSpPr>
+          <p:nvPr>
+            <p:ph type="title"/>
+          </p:nvPr>
         </p:nvSpPr>
-        <p:spPr>
-          <a:xfrm>
-            <a:off x="228600" y="457200"/>
-            <a:ext cx="8686800" cy="3945600"/>
-          </a:xfrm>
-          <a:prstGeom prst="rect">
-            <a:avLst/>
-          </a:prstGeom>
-          <a:noFill/>
-          <a:ln w="0">
-            <a:noFill/>
-          </a:ln>
-          <a:effectLst>
-            <a:outerShdw blurRad="12600" dist="12727" dir="2700000" rotWithShape="0">
-              <a:srgbClr val="808080"/>
-            </a:outerShdw>
-          </a:effectLst>
-        </p:spPr>
+        <p:spPr/>
         <p:txBody>
-          <a:bodyPr lIns="90000" tIns="45000" rIns="90000" bIns="45000" anchor="t">
-            <a:noAutofit/>
-          </a:bodyPr>
+          <a:bodyPr/>
           <a:lstStyle/>
           <a:p>
             <a:r>
-              <a:rPr lang="en-US" sz="1800" b="0" strike="noStrike" spc="-1">
-                <a:solidFill>
-                  <a:srgbClr val="000000"/>
-                </a:solidFill>
-                <a:latin typeface="TeX Gyre Termes"/>
-                <a:ea typeface="TexMaths Symbols"/>
-              </a:rPr>
-              <a:t>Flow/heat</a:t>
-            </a:r>
-            <a:endParaRPr lang="en-US" sz="1800" b="0" strike="noStrike" spc="-1">
-              <a:solidFill>
-                <a:srgbClr val="000000"/>
-              </a:solidFill>
-              <a:latin typeface="Arial"/>
-            </a:endParaRPr>
-          </a:p>
-          <a:p>
-            <a:r>
-              <a:rPr lang="en-US" sz="1800" b="0" strike="noStrike" spc="-1">
-                <a:solidFill>
-                  <a:srgbClr val="000000"/>
-                </a:solidFill>
-                <a:latin typeface="TeX Gyre Termes"/>
-                <a:ea typeface="TexMaths Symbols"/>
-              </a:rPr>
-              <a:t>	EDFM</a:t>
-            </a:r>
-            <a:endParaRPr lang="en-US" sz="1800" b="0" strike="noStrike" spc="-1">
-              <a:solidFill>
-                <a:srgbClr val="000000"/>
-              </a:solidFill>
-              <a:latin typeface="Arial"/>
-            </a:endParaRPr>
-          </a:p>
-          <a:p>
-            <a:r>
-              <a:rPr lang="en-US" sz="1800" b="0" strike="noStrike" spc="-1">
-                <a:solidFill>
-                  <a:srgbClr val="000000"/>
-                </a:solidFill>
-                <a:latin typeface="TeX Gyre Termes"/>
-                <a:ea typeface="TexMaths Symbols"/>
-              </a:rPr>
-              <a:t>	CEDFM – Conforming discrete fracture model</a:t>
-            </a:r>
-            <a:endParaRPr lang="en-US" sz="1800" b="0" strike="noStrike" spc="-1">
-              <a:solidFill>
-                <a:srgbClr val="000000"/>
-              </a:solidFill>
-              <a:latin typeface="Arial"/>
-            </a:endParaRPr>
-          </a:p>
-          <a:p>
-            <a:r>
-              <a:rPr lang="en-US" sz="1800" b="0" strike="noStrike" spc="-1">
-                <a:solidFill>
-                  <a:srgbClr val="000000"/>
-                </a:solidFill>
-                <a:latin typeface="TeX Gyre Termes"/>
-                <a:ea typeface="TexMaths Symbols"/>
-              </a:rPr>
-              <a:t>	pEDFM – projection based embedded discrete fracture model</a:t>
-            </a:r>
-            <a:endParaRPr lang="en-US" sz="1800" b="0" strike="noStrike" spc="-1">
-              <a:solidFill>
-                <a:srgbClr val="000000"/>
-              </a:solidFill>
-              <a:latin typeface="Arial"/>
-            </a:endParaRPr>
-          </a:p>
-          <a:p>
-            <a:endParaRPr lang="en-US" sz="1800" b="0" strike="noStrike" spc="-1">
-              <a:solidFill>
-                <a:srgbClr val="000000"/>
-              </a:solidFill>
-              <a:latin typeface="Arial"/>
-            </a:endParaRPr>
-          </a:p>
-          <a:p>
-            <a:pPr>
-              <a:lnSpc>
-                <a:spcPct val="100000"/>
-              </a:lnSpc>
-              <a:spcBef>
-                <a:spcPts val="1511"/>
-              </a:spcBef>
-            </a:pPr>
-            <a:r>
-              <a:rPr lang="en-US" sz="1800" b="0" strike="noStrike" spc="-1">
-                <a:solidFill>
-                  <a:srgbClr val="000000"/>
-                </a:solidFill>
-                <a:latin typeface="TeX Gyre Termes"/>
-                <a:ea typeface="TexMaths Symbols"/>
-              </a:rPr>
-              <a:t>Mechanics</a:t>
-            </a:r>
-            <a:endParaRPr lang="en-US" sz="1800" b="0" strike="noStrike" spc="-1">
-              <a:solidFill>
-                <a:srgbClr val="000000"/>
-              </a:solidFill>
-              <a:latin typeface="Arial"/>
-            </a:endParaRPr>
-          </a:p>
-          <a:p>
-            <a:pPr>
-              <a:lnSpc>
-                <a:spcPct val="100000"/>
-              </a:lnSpc>
-            </a:pPr>
-            <a:r>
-              <a:rPr lang="en-US" sz="1800" b="0" strike="noStrike" spc="-1">
-                <a:solidFill>
-                  <a:srgbClr val="000000"/>
-                </a:solidFill>
-                <a:latin typeface="TeX Gyre Termes"/>
-                <a:ea typeface="TexMaths Symbols"/>
-              </a:rPr>
-              <a:t>	Elastic</a:t>
-            </a:r>
-            <a:endParaRPr lang="en-US" sz="1800" b="0" strike="noStrike" spc="-1">
-              <a:solidFill>
-                <a:srgbClr val="000000"/>
-              </a:solidFill>
-              <a:latin typeface="Arial"/>
-            </a:endParaRPr>
-          </a:p>
-          <a:p>
-            <a:pPr>
-              <a:lnSpc>
-                <a:spcPct val="100000"/>
-              </a:lnSpc>
-            </a:pPr>
-            <a:r>
-              <a:rPr lang="en-US" sz="1800" b="0" strike="noStrike" spc="-1">
-                <a:solidFill>
-                  <a:srgbClr val="000000"/>
-                </a:solidFill>
-                <a:latin typeface="TeX Gyre Termes"/>
-                <a:ea typeface="TexMaths Symbols"/>
-              </a:rPr>
-              <a:t>	Homogeneization – mech model for fractured media</a:t>
-            </a:r>
-            <a:endParaRPr lang="en-US" sz="1800" b="0" strike="noStrike" spc="-1">
-              <a:solidFill>
-                <a:srgbClr val="000000"/>
-              </a:solidFill>
-              <a:latin typeface="Arial"/>
-            </a:endParaRPr>
-          </a:p>
-          <a:p>
-            <a:pPr>
-              <a:lnSpc>
-                <a:spcPct val="100000"/>
-              </a:lnSpc>
-            </a:pPr>
-            <a:r>
-              <a:rPr lang="en-US" sz="1800" b="0" strike="noStrike" spc="-1">
-                <a:solidFill>
-                  <a:srgbClr val="000000"/>
-                </a:solidFill>
-                <a:latin typeface="TeX Gyre Termes"/>
-                <a:ea typeface="TexMaths Symbols"/>
-              </a:rPr>
-              <a:t>		Upscaling of biot, skempton, shear modulus etc</a:t>
-            </a:r>
-            <a:endParaRPr lang="en-US" sz="1800" b="0" strike="noStrike" spc="-1">
-              <a:solidFill>
-                <a:srgbClr val="000000"/>
-              </a:solidFill>
-              <a:latin typeface="Arial"/>
-            </a:endParaRPr>
-          </a:p>
-          <a:p>
-            <a:pPr>
-              <a:lnSpc>
-                <a:spcPct val="100000"/>
-              </a:lnSpc>
-            </a:pPr>
-            <a:r>
-              <a:rPr lang="en-US" sz="1800" b="0" strike="noStrike" spc="-1">
-                <a:solidFill>
-                  <a:srgbClr val="000000"/>
-                </a:solidFill>
-                <a:latin typeface="TeX Gyre Termes"/>
-                <a:ea typeface="TexMaths Symbols"/>
-              </a:rPr>
-              <a:t>	Plasticity</a:t>
-            </a:r>
-            <a:endParaRPr lang="en-US" sz="1800" b="0" strike="noStrike" spc="-1">
-              <a:solidFill>
-                <a:srgbClr val="000000"/>
-              </a:solidFill>
-              <a:latin typeface="Arial"/>
-            </a:endParaRPr>
-          </a:p>
-          <a:p>
-            <a:pPr>
-              <a:lnSpc>
-                <a:spcPct val="100000"/>
-              </a:lnSpc>
-            </a:pPr>
-            <a:r>
-              <a:rPr lang="en-US" sz="1800" b="0" strike="noStrike" spc="-1">
-                <a:solidFill>
-                  <a:srgbClr val="000000"/>
-                </a:solidFill>
-                <a:latin typeface="TeX Gyre Termes"/>
-                <a:ea typeface="TexMaths Symbols"/>
-              </a:rPr>
-              <a:t>	Thermal fracture nucleation near wellbore</a:t>
-            </a:r>
-            <a:endParaRPr lang="en-US" sz="1800" b="0" strike="noStrike" spc="-1">
-              <a:solidFill>
-                <a:srgbClr val="000000"/>
-              </a:solidFill>
-              <a:latin typeface="Arial"/>
-            </a:endParaRPr>
-          </a:p>
-          <a:p>
-            <a:pPr>
-              <a:lnSpc>
-                <a:spcPct val="100000"/>
-              </a:lnSpc>
-              <a:tabLst>
-                <a:tab pos="458280" algn="l"/>
-              </a:tabLst>
-            </a:pPr>
-            <a:endParaRPr lang="en-US" sz="1800" b="0" strike="noStrike" spc="-1">
-              <a:solidFill>
-                <a:srgbClr val="000000"/>
-              </a:solidFill>
-              <a:latin typeface="Arial"/>
-            </a:endParaRPr>
+              <a:rPr lang="pt-BR" dirty="0"/>
+              <a:t>IPACS</a:t>
+            </a:r>
+            <a:endParaRPr lang="en-US" dirty="0"/>
           </a:p>
         </p:txBody>
       </p:sp>
     </p:spTree>
+    <p:extLst>
+      <p:ext uri="{BB962C8B-B14F-4D97-AF65-F5344CB8AC3E}">
+        <p14:creationId xmlns:p14="http://schemas.microsoft.com/office/powerpoint/2010/main" val="3113531919"/>
+      </p:ext>
+    </p:extLst>
   </p:cSld>
   <p:clrMapOvr>
     <a:masterClrMapping/>

--- a/Research/2023-12-Research-plan.pptx
+++ b/Research/2023-12-Research-plan.pptx
@@ -5,28 +5,30 @@
     <p:sldMasterId id="2147483673" r:id="rId1"/>
   </p:sldMasterIdLst>
   <p:notesMasterIdLst>
-    <p:notesMasterId r:id="rId18"/>
+    <p:notesMasterId r:id="rId20"/>
   </p:notesMasterIdLst>
   <p:handoutMasterIdLst>
-    <p:handoutMasterId r:id="rId19"/>
+    <p:handoutMasterId r:id="rId21"/>
   </p:handoutMasterIdLst>
   <p:sldIdLst>
     <p:sldId id="256" r:id="rId2"/>
-    <p:sldId id="264" r:id="rId3"/>
-    <p:sldId id="257" r:id="rId4"/>
-    <p:sldId id="265" r:id="rId5"/>
-    <p:sldId id="267" r:id="rId6"/>
-    <p:sldId id="268" r:id="rId7"/>
-    <p:sldId id="269" r:id="rId8"/>
-    <p:sldId id="270" r:id="rId9"/>
-    <p:sldId id="271" r:id="rId10"/>
-    <p:sldId id="266" r:id="rId11"/>
-    <p:sldId id="258" r:id="rId12"/>
-    <p:sldId id="259" r:id="rId13"/>
-    <p:sldId id="260" r:id="rId14"/>
-    <p:sldId id="261" r:id="rId15"/>
-    <p:sldId id="262" r:id="rId16"/>
-    <p:sldId id="263" r:id="rId17"/>
+    <p:sldId id="257" r:id="rId3"/>
+    <p:sldId id="265" r:id="rId4"/>
+    <p:sldId id="267" r:id="rId5"/>
+    <p:sldId id="278" r:id="rId6"/>
+    <p:sldId id="275" r:id="rId7"/>
+    <p:sldId id="277" r:id="rId8"/>
+    <p:sldId id="279" r:id="rId9"/>
+    <p:sldId id="268" r:id="rId10"/>
+    <p:sldId id="281" r:id="rId11"/>
+    <p:sldId id="282" r:id="rId12"/>
+    <p:sldId id="273" r:id="rId13"/>
+    <p:sldId id="269" r:id="rId14"/>
+    <p:sldId id="270" r:id="rId15"/>
+    <p:sldId id="271" r:id="rId16"/>
+    <p:sldId id="274" r:id="rId17"/>
+    <p:sldId id="266" r:id="rId18"/>
+    <p:sldId id="264" r:id="rId19"/>
   </p:sldIdLst>
   <p:sldSz cx="9144000" cy="5143500" type="screen16x9"/>
   <p:notesSz cx="6858000" cy="9313863"/>
@@ -230,7 +232,7 @@
           <a:p>
             <a:fld id="{C6EDAEBB-763F-4AE6-A37D-8CC9BE14BFA8}" type="datetimeFigureOut">
               <a:rPr lang="en-US" smtClean="0"/>
-              <a:t>4/5/2024</a:t>
+              <a:t>4/13/2024</a:t>
             </a:fld>
             <a:endParaRPr lang="en-US"/>
           </a:p>
@@ -1037,7 +1039,7 @@
                 <a:latin typeface="Arial"/>
                 <a:ea typeface="ヒラギノ角ゴ Pro W3"/>
               </a:rPr>
-              <a:t>4</a:t>
+              <a:t>3</a:t>
             </a:fld>
             <a:endParaRPr lang="en-US" sz="1200" b="0" strike="noStrike" spc="-1">
               <a:solidFill>
@@ -1080,7 +1082,7 @@
       </p:grpSpPr>
       <p:sp>
         <p:nvSpPr>
-          <p:cNvPr id="112" name="PlaceHolder 1"/>
+          <p:cNvPr id="109" name="PlaceHolder 1"/>
           <p:cNvSpPr>
             <a:spLocks noGrp="1" noRot="1" noChangeAspect="1"/>
           </p:cNvSpPr>
@@ -1103,7 +1105,7 @@
       </p:sp>
       <p:sp>
         <p:nvSpPr>
-          <p:cNvPr id="113" name="PlaceHolder 2"/>
+          <p:cNvPr id="110" name="PlaceHolder 2"/>
           <p:cNvSpPr>
             <a:spLocks noGrp="1"/>
           </p:cNvSpPr>
@@ -1144,12 +1146,12 @@
       </p:sp>
       <p:sp>
         <p:nvSpPr>
-          <p:cNvPr id="114" name="PlaceHolder 3"/>
+          <p:cNvPr id="111" name="PlaceHolder 3"/>
           <p:cNvSpPr>
             <a:spLocks noGrp="1"/>
           </p:cNvSpPr>
           <p:nvPr>
-            <p:ph type="sldNum" idx="5"/>
+            <p:ph type="sldNum" idx="4"/>
           </p:nvPr>
         </p:nvSpPr>
         <p:spPr>
@@ -1191,7 +1193,7 @@
               </a:lnSpc>
               <a:buNone/>
             </a:pPr>
-            <a:fld id="{F13BB079-389E-42D0-963B-1C9E7C38AC6F}" type="slidenum">
+            <a:fld id="{91725E90-645B-46EF-92F2-96A7E7FA0C73}" type="slidenum">
               <a:rPr lang="en-US" sz="1200" b="0" strike="noStrike" spc="-1">
                 <a:solidFill>
                   <a:schemeClr val="dk1"/>
@@ -1199,7 +1201,7 @@
                 <a:latin typeface="Arial"/>
                 <a:ea typeface="ヒラギノ角ゴ Pro W3"/>
               </a:rPr>
-              <a:t>11</a:t>
+              <a:t>12</a:t>
             </a:fld>
             <a:endParaRPr lang="en-US" sz="1200" b="0" strike="noStrike" spc="-1">
               <a:solidFill>
@@ -1211,6 +1213,173 @@
         </p:txBody>
       </p:sp>
     </p:spTree>
+    <p:extLst>
+      <p:ext uri="{BB962C8B-B14F-4D97-AF65-F5344CB8AC3E}">
+        <p14:creationId xmlns:p14="http://schemas.microsoft.com/office/powerpoint/2010/main" val="3960905230"/>
+      </p:ext>
+    </p:extLst>
+  </p:cSld>
+  <p:clrMapOvr>
+    <a:masterClrMapping/>
+  </p:clrMapOvr>
+</p:notes>
+</file>
+
+<file path=ppt/notesSlides/notesSlide4.xml><?xml version="1.0" encoding="utf-8"?>
+<p:notes xmlns:a="http://schemas.openxmlformats.org/drawingml/2006/main" xmlns:r="http://schemas.openxmlformats.org/officeDocument/2006/relationships" xmlns:p="http://schemas.openxmlformats.org/presentationml/2006/main">
+  <p:cSld>
+    <p:spTree>
+      <p:nvGrpSpPr>
+        <p:cNvPr id="1" name=""/>
+        <p:cNvGrpSpPr/>
+        <p:nvPr/>
+      </p:nvGrpSpPr>
+      <p:grpSpPr>
+        <a:xfrm>
+          <a:off x="0" y="0"/>
+          <a:ext cx="0" cy="0"/>
+          <a:chOff x="0" y="0"/>
+          <a:chExt cx="0" cy="0"/>
+        </a:xfrm>
+      </p:grpSpPr>
+      <p:sp>
+        <p:nvSpPr>
+          <p:cNvPr id="109" name="PlaceHolder 1"/>
+          <p:cNvSpPr>
+            <a:spLocks noGrp="1" noRot="1" noChangeAspect="1"/>
+          </p:cNvSpPr>
+          <p:nvPr>
+            <p:ph type="sldImg"/>
+          </p:nvPr>
+        </p:nvSpPr>
+        <p:spPr>
+          <a:xfrm>
+            <a:off x="327025" y="700088"/>
+            <a:ext cx="6203950" cy="3490912"/>
+          </a:xfrm>
+          <a:prstGeom prst="rect">
+            <a:avLst/>
+          </a:prstGeom>
+          <a:ln w="0">
+            <a:noFill/>
+          </a:ln>
+        </p:spPr>
+      </p:sp>
+      <p:sp>
+        <p:nvSpPr>
+          <p:cNvPr id="110" name="PlaceHolder 2"/>
+          <p:cNvSpPr>
+            <a:spLocks noGrp="1"/>
+          </p:cNvSpPr>
+          <p:nvPr>
+            <p:ph type="body"/>
+          </p:nvPr>
+        </p:nvSpPr>
+        <p:spPr>
+          <a:xfrm>
+            <a:off x="685800" y="4424040"/>
+            <a:ext cx="5486040" cy="4190760"/>
+          </a:xfrm>
+          <a:prstGeom prst="rect">
+            <a:avLst/>
+          </a:prstGeom>
+          <a:noFill/>
+          <a:ln w="9360">
+            <a:noFill/>
+          </a:ln>
+        </p:spPr>
+        <p:txBody>
+          <a:bodyPr lIns="91440" tIns="45720" rIns="91440" bIns="45720" numCol="1" spcCol="0" anchor="t">
+            <a:noAutofit/>
+          </a:bodyPr>
+          <a:lstStyle/>
+          <a:p>
+            <a:pPr marL="216000" indent="0">
+              <a:buNone/>
+            </a:pPr>
+            <a:endParaRPr lang="en-US" sz="1800" b="0" strike="noStrike" spc="-1">
+              <a:solidFill>
+                <a:srgbClr val="000000"/>
+              </a:solidFill>
+              <a:latin typeface="Arial"/>
+            </a:endParaRPr>
+          </a:p>
+        </p:txBody>
+      </p:sp>
+      <p:sp>
+        <p:nvSpPr>
+          <p:cNvPr id="111" name="PlaceHolder 3"/>
+          <p:cNvSpPr>
+            <a:spLocks noGrp="1"/>
+          </p:cNvSpPr>
+          <p:nvPr>
+            <p:ph type="sldNum" idx="4"/>
+          </p:nvPr>
+        </p:nvSpPr>
+        <p:spPr>
+          <a:xfrm>
+            <a:off x="3884760" y="8846640"/>
+            <a:ext cx="2971440" cy="465480"/>
+          </a:xfrm>
+          <a:prstGeom prst="rect">
+            <a:avLst/>
+          </a:prstGeom>
+          <a:noFill/>
+          <a:ln w="9360">
+            <a:noFill/>
+          </a:ln>
+        </p:spPr>
+        <p:txBody>
+          <a:bodyPr lIns="91440" tIns="45720" rIns="91440" bIns="45720" numCol="1" spcCol="0" anchor="b">
+            <a:noAutofit/>
+          </a:bodyPr>
+          <a:lstStyle>
+            <a:lvl1pPr indent="0" algn="r">
+              <a:lnSpc>
+                <a:spcPct val="100000"/>
+              </a:lnSpc>
+              <a:buNone/>
+              <a:defRPr lang="en-US" sz="1200" b="0" strike="noStrike" spc="-1">
+                <a:solidFill>
+                  <a:schemeClr val="dk1"/>
+                </a:solidFill>
+                <a:latin typeface="Arial"/>
+                <a:ea typeface="ヒラギノ角ゴ Pro W3"/>
+              </a:defRPr>
+            </a:lvl1pPr>
+          </a:lstStyle>
+          <a:p>
+            <a:pPr indent="0" algn="r">
+              <a:lnSpc>
+                <a:spcPct val="100000"/>
+              </a:lnSpc>
+              <a:buNone/>
+            </a:pPr>
+            <a:fld id="{91725E90-645B-46EF-92F2-96A7E7FA0C73}" type="slidenum">
+              <a:rPr lang="en-US" sz="1200" b="0" strike="noStrike" spc="-1">
+                <a:solidFill>
+                  <a:schemeClr val="dk1"/>
+                </a:solidFill>
+                <a:latin typeface="Arial"/>
+                <a:ea typeface="ヒラギノ角ゴ Pro W3"/>
+              </a:rPr>
+              <a:t>16</a:t>
+            </a:fld>
+            <a:endParaRPr lang="en-US" sz="1200" b="0" strike="noStrike" spc="-1">
+              <a:solidFill>
+                <a:srgbClr val="000000"/>
+              </a:solidFill>
+              <a:latin typeface="Times New Roman"/>
+            </a:endParaRPr>
+          </a:p>
+        </p:txBody>
+      </p:sp>
+    </p:spTree>
+    <p:extLst>
+      <p:ext uri="{BB962C8B-B14F-4D97-AF65-F5344CB8AC3E}">
+        <p14:creationId xmlns:p14="http://schemas.microsoft.com/office/powerpoint/2010/main" val="542260952"/>
+      </p:ext>
+    </p:extLst>
   </p:cSld>
   <p:clrMapOvr>
     <a:masterClrMapping/>
@@ -2507,7 +2676,7 @@
               </a:tabLst>
             </a:pPr>
             <a:r>
-              <a:rPr lang="en-US" sz="1050" b="0" strike="noStrike" cap="all" spc="-1">
+              <a:rPr lang="en-US" sz="1050" b="0" strike="noStrike" cap="all" spc="-1" dirty="0">
                 <a:solidFill>
                   <a:srgbClr val="BF5700"/>
                 </a:solidFill>
@@ -2516,7 +2685,7 @@
               </a:rPr>
               <a:t>Renato poli (rep2656)</a:t>
             </a:r>
-            <a:endParaRPr lang="en-US" sz="1050" b="0" strike="noStrike" spc="-1">
+            <a:endParaRPr lang="en-US" sz="1050" b="0" strike="noStrike" spc="-1" dirty="0">
               <a:solidFill>
                 <a:srgbClr val="000000"/>
               </a:solidFill>
@@ -2634,10 +2803,9 @@
           <a:lstStyle/>
           <a:p>
             <a:r>
-              <a:rPr lang="pt-BR" dirty="0"/>
+              <a:rPr lang="en-US" dirty="0"/>
               <a:t>tracks overview</a:t>
             </a:r>
-            <a:endParaRPr lang="en-US" dirty="0"/>
           </a:p>
         </p:txBody>
       </p:sp>
@@ -2668,176 +2836,10 @@
       </p:grpSpPr>
       <p:sp>
         <p:nvSpPr>
-          <p:cNvPr id="2" name="Text Placeholder 1">
-            <a:extLst>
-              <a:ext uri="{FF2B5EF4-FFF2-40B4-BE49-F238E27FC236}">
-                <a16:creationId xmlns:a16="http://schemas.microsoft.com/office/drawing/2014/main" id="{96646901-E1F7-C9FC-22CC-30300204CADC}"/>
-              </a:ext>
-            </a:extLst>
-          </p:cNvPr>
-          <p:cNvSpPr>
-            <a:spLocks noGrp="1"/>
-          </p:cNvSpPr>
-          <p:nvPr>
-            <p:ph type="body" sz="quarter" idx="11"/>
-          </p:nvPr>
-        </p:nvSpPr>
-        <p:spPr/>
-        <p:txBody>
-          <a:bodyPr/>
-          <a:lstStyle/>
-          <a:p>
-            <a:r>
-              <a:rPr lang="en-US" dirty="0"/>
-              <a:t>Object of study</a:t>
-            </a:r>
-          </a:p>
-          <a:p>
-            <a:pPr lvl="1"/>
-            <a:r>
-              <a:rPr lang="en-US" dirty="0"/>
-              <a:t>Conventional carbonate field, naturally fractured, mixed wet</a:t>
-            </a:r>
-          </a:p>
-          <a:p>
-            <a:pPr lvl="1"/>
-            <a:r>
-              <a:rPr lang="en-US" dirty="0"/>
-              <a:t>Large models, field scale</a:t>
-            </a:r>
-          </a:p>
-          <a:p>
-            <a:pPr lvl="1"/>
-            <a:r>
-              <a:rPr lang="en-US" dirty="0"/>
-              <a:t>Permeable matrix</a:t>
-            </a:r>
-          </a:p>
-          <a:p>
-            <a:pPr lvl="1"/>
-            <a:r>
-              <a:rPr lang="en-US" dirty="0"/>
-              <a:t>Wells are acidized (not fractured)</a:t>
-            </a:r>
-          </a:p>
-          <a:p>
-            <a:pPr lvl="1"/>
-            <a:r>
-              <a:rPr lang="en-US" dirty="0"/>
-              <a:t>Fractures provide additional permeability</a:t>
-            </a:r>
-          </a:p>
-          <a:p>
-            <a:r>
-              <a:rPr lang="en-US" dirty="0"/>
-              <a:t>The problem</a:t>
-            </a:r>
-          </a:p>
-          <a:p>
-            <a:pPr lvl="1"/>
-            <a:r>
-              <a:rPr lang="en-US" dirty="0"/>
-              <a:t>Description of the natural fracture network ignores important physics</a:t>
-            </a:r>
-          </a:p>
-          <a:p>
-            <a:pPr lvl="1"/>
-            <a:r>
-              <a:rPr lang="en-US" dirty="0"/>
-              <a:t>Mass transference parameters are mostly based on history matching</a:t>
-            </a:r>
-          </a:p>
-          <a:p>
-            <a:pPr lvl="1"/>
-            <a:r>
-              <a:rPr lang="en-US" dirty="0"/>
-              <a:t>Multiphase flow is not adequately treated in the interface fracture-matrix</a:t>
-            </a:r>
-          </a:p>
-          <a:p>
-            <a:pPr lvl="1"/>
-            <a:r>
-              <a:rPr lang="en-US" dirty="0"/>
-              <a:t>Models with detailed fractures are numerical impractical</a:t>
-            </a:r>
-          </a:p>
-          <a:p>
-            <a:r>
-              <a:rPr lang="en-US" dirty="0"/>
-              <a:t>Objective</a:t>
-            </a:r>
-          </a:p>
-          <a:p>
-            <a:pPr lvl="1"/>
-            <a:r>
-              <a:rPr lang="en-US" dirty="0"/>
-              <a:t>Enhance the understanding of the field based on numerical simulation</a:t>
-            </a:r>
-          </a:p>
-          <a:p>
-            <a:pPr lvl="1"/>
-            <a:r>
-              <a:rPr lang="en-US" dirty="0"/>
-              <a:t>Promote better communication between geoscientists and numerical simulation</a:t>
-            </a:r>
-          </a:p>
-          <a:p>
-            <a:pPr lvl="1"/>
-            <a:r>
-              <a:rPr lang="en-US" dirty="0"/>
-              <a:t>Enable the description of a fracture network based on high level parameters (wettability, fracture network density, fracture genesis </a:t>
-            </a:r>
-            <a:r>
-              <a:rPr lang="en-US" dirty="0" err="1"/>
-              <a:t>etc</a:t>
-            </a:r>
-            <a:r>
-              <a:rPr lang="en-US" dirty="0"/>
-              <a:t>)</a:t>
-            </a:r>
-          </a:p>
-          <a:p>
-            <a:pPr lvl="1"/>
-            <a:r>
-              <a:rPr lang="en-US" dirty="0"/>
-              <a:t>Assimilation of geological understanding to the numerical models</a:t>
-            </a:r>
-          </a:p>
-          <a:p>
-            <a:r>
-              <a:rPr lang="en-US" dirty="0"/>
-              <a:t>Methodology</a:t>
-            </a:r>
-          </a:p>
-          <a:p>
-            <a:pPr lvl="1"/>
-            <a:r>
-              <a:rPr lang="en-US" dirty="0"/>
-              <a:t>Understand geological geometries and hydraulic characteristics of natural fractures</a:t>
-            </a:r>
-          </a:p>
-          <a:p>
-            <a:pPr lvl="1"/>
-            <a:r>
-              <a:rPr lang="en-US" dirty="0"/>
-              <a:t>Understand the limitations of current models, especially multiphase and closed fractures</a:t>
-            </a:r>
-          </a:p>
-          <a:p>
-            <a:pPr lvl="1"/>
-            <a:r>
-              <a:rPr lang="en-US" dirty="0"/>
-              <a:t>Implement a preprocessor to embed fractures optimally, keeping the model numerically reasonable</a:t>
-            </a:r>
-          </a:p>
-        </p:txBody>
-      </p:sp>
-      <p:sp>
-        <p:nvSpPr>
           <p:cNvPr id="3" name="Title 2">
             <a:extLst>
               <a:ext uri="{FF2B5EF4-FFF2-40B4-BE49-F238E27FC236}">
-                <a16:creationId xmlns:a16="http://schemas.microsoft.com/office/drawing/2014/main" id="{34C60A47-EBB6-091D-C027-1403C1B677C8}"/>
+                <a16:creationId xmlns:a16="http://schemas.microsoft.com/office/drawing/2014/main" id="{23BF2F18-AE68-26C9-BB2B-6A4D2091FD4B}"/>
               </a:ext>
             </a:extLst>
           </p:cNvPr>
@@ -2854,16 +2856,1309 @@
           <a:lstStyle/>
           <a:p>
             <a:r>
-              <a:rPr lang="en-US" dirty="0"/>
-              <a:t>PROBLEM #2 - FLOW IN FRACTURES</a:t>
-            </a:r>
+              <a:rPr lang="pt-BR" dirty="0"/>
+              <a:t>DYNAMIC EDFM - TIMELINE</a:t>
+            </a:r>
+            <a:endParaRPr lang="en-US" dirty="0"/>
           </a:p>
         </p:txBody>
       </p:sp>
+      <p:graphicFrame>
+        <p:nvGraphicFramePr>
+          <p:cNvPr id="4" name="Table 3">
+            <a:extLst>
+              <a:ext uri="{FF2B5EF4-FFF2-40B4-BE49-F238E27FC236}">
+                <a16:creationId xmlns:a16="http://schemas.microsoft.com/office/drawing/2014/main" id="{42C1FD1D-2659-7BF8-AACD-10D094BFE6A4}"/>
+              </a:ext>
+            </a:extLst>
+          </p:cNvPr>
+          <p:cNvGraphicFramePr>
+            <a:graphicFrameLocks noGrp="1"/>
+          </p:cNvGraphicFramePr>
+          <p:nvPr>
+            <p:extLst>
+              <p:ext uri="{D42A27DB-BD31-4B8C-83A1-F6EECF244321}">
+                <p14:modId xmlns:p14="http://schemas.microsoft.com/office/powerpoint/2010/main" val="2837839905"/>
+              </p:ext>
+            </p:extLst>
+          </p:nvPr>
+        </p:nvGraphicFramePr>
+        <p:xfrm>
+          <a:off x="264861" y="422515"/>
+          <a:ext cx="8641814" cy="4416480"/>
+        </p:xfrm>
+        <a:graphic>
+          <a:graphicData uri="http://schemas.openxmlformats.org/drawingml/2006/table">
+            <a:tbl>
+              <a:tblPr firstRow="1" bandRow="1">
+                <a:tableStyleId>{7E9639D4-E3E2-4D34-9284-5A2195B3D0D7}</a:tableStyleId>
+              </a:tblPr>
+              <a:tblGrid>
+                <a:gridCol w="1154836">
+                  <a:extLst>
+                    <a:ext uri="{9D8B030D-6E8A-4147-A177-3AD203B41FA5}">
+                      <a16:colId xmlns:a16="http://schemas.microsoft.com/office/drawing/2014/main" val="504382670"/>
+                    </a:ext>
+                  </a:extLst>
+                </a:gridCol>
+                <a:gridCol w="7486978">
+                  <a:extLst>
+                    <a:ext uri="{9D8B030D-6E8A-4147-A177-3AD203B41FA5}">
+                      <a16:colId xmlns:a16="http://schemas.microsoft.com/office/drawing/2014/main" val="1832725505"/>
+                    </a:ext>
+                  </a:extLst>
+                </a:gridCol>
+              </a:tblGrid>
+              <a:tr h="288000">
+                <a:tc>
+                  <a:txBody>
+                    <a:bodyPr/>
+                    <a:lstStyle/>
+                    <a:p>
+                      <a:r>
+                        <a:rPr lang="en-US" sz="1200" noProof="1"/>
+                        <a:t>Year/semester</a:t>
+                      </a:r>
+                    </a:p>
+                  </a:txBody>
+                  <a:tcPr>
+                    <a:lnL w="19050" cap="flat" cmpd="sng" algn="ctr">
+                      <a:solidFill>
+                        <a:schemeClr val="tx1"/>
+                      </a:solidFill>
+                      <a:prstDash val="solid"/>
+                      <a:round/>
+                      <a:headEnd type="none" w="med" len="med"/>
+                      <a:tailEnd type="none" w="med" len="med"/>
+                    </a:lnL>
+                    <a:lnR w="6350" cap="flat" cmpd="sng" algn="ctr">
+                      <a:solidFill>
+                        <a:schemeClr val="tx1"/>
+                      </a:solidFill>
+                      <a:prstDash val="solid"/>
+                      <a:round/>
+                      <a:headEnd type="none" w="med" len="med"/>
+                      <a:tailEnd type="none" w="med" len="med"/>
+                    </a:lnR>
+                    <a:lnT w="19050" cap="flat" cmpd="sng" algn="ctr">
+                      <a:solidFill>
+                        <a:schemeClr val="tx1"/>
+                      </a:solidFill>
+                      <a:prstDash val="solid"/>
+                      <a:round/>
+                      <a:headEnd type="none" w="med" len="med"/>
+                      <a:tailEnd type="none" w="med" len="med"/>
+                    </a:lnT>
+                    <a:lnB w="6350" cap="flat" cmpd="sng" algn="ctr">
+                      <a:solidFill>
+                        <a:schemeClr val="tx1"/>
+                      </a:solidFill>
+                      <a:prstDash val="solid"/>
+                      <a:round/>
+                      <a:headEnd type="none" w="med" len="med"/>
+                      <a:tailEnd type="none" w="med" len="med"/>
+                    </a:lnB>
+                  </a:tcPr>
+                </a:tc>
+                <a:tc>
+                  <a:txBody>
+                    <a:bodyPr/>
+                    <a:lstStyle/>
+                    <a:p>
+                      <a:r>
+                        <a:rPr lang="en-US" sz="1200" noProof="1"/>
+                        <a:t>PLAN</a:t>
+                      </a:r>
+                    </a:p>
+                  </a:txBody>
+                  <a:tcPr>
+                    <a:lnL w="6350" cap="flat" cmpd="sng" algn="ctr">
+                      <a:solidFill>
+                        <a:schemeClr val="tx1"/>
+                      </a:solidFill>
+                      <a:prstDash val="solid"/>
+                      <a:round/>
+                      <a:headEnd type="none" w="med" len="med"/>
+                      <a:tailEnd type="none" w="med" len="med"/>
+                    </a:lnL>
+                    <a:lnR w="19050" cap="flat" cmpd="sng" algn="ctr">
+                      <a:solidFill>
+                        <a:schemeClr val="tx1"/>
+                      </a:solidFill>
+                      <a:prstDash val="solid"/>
+                      <a:round/>
+                      <a:headEnd type="none" w="med" len="med"/>
+                      <a:tailEnd type="none" w="med" len="med"/>
+                    </a:lnR>
+                    <a:lnT w="19050" cap="flat" cmpd="sng" algn="ctr">
+                      <a:solidFill>
+                        <a:schemeClr val="tx1"/>
+                      </a:solidFill>
+                      <a:prstDash val="solid"/>
+                      <a:round/>
+                      <a:headEnd type="none" w="med" len="med"/>
+                      <a:tailEnd type="none" w="med" len="med"/>
+                    </a:lnT>
+                    <a:lnB w="6350" cap="flat" cmpd="sng" algn="ctr">
+                      <a:solidFill>
+                        <a:schemeClr val="tx1"/>
+                      </a:solidFill>
+                      <a:prstDash val="solid"/>
+                      <a:round/>
+                      <a:headEnd type="none" w="med" len="med"/>
+                      <a:tailEnd type="none" w="med" len="med"/>
+                    </a:lnB>
+                  </a:tcPr>
+                </a:tc>
+                <a:extLst>
+                  <a:ext uri="{0D108BD9-81ED-4DB2-BD59-A6C34878D82A}">
+                    <a16:rowId xmlns:a16="http://schemas.microsoft.com/office/drawing/2014/main" val="1026106691"/>
+                  </a:ext>
+                </a:extLst>
+              </a:tr>
+              <a:tr h="288000">
+                <a:tc>
+                  <a:txBody>
+                    <a:bodyPr/>
+                    <a:lstStyle/>
+                    <a:p>
+                      <a:r>
+                        <a:rPr lang="en-US" sz="1200" noProof="1"/>
+                        <a:t>2024/1</a:t>
+                      </a:r>
+                    </a:p>
+                  </a:txBody>
+                  <a:tcPr>
+                    <a:lnL w="19050" cap="flat" cmpd="sng" algn="ctr">
+                      <a:solidFill>
+                        <a:schemeClr val="tx1"/>
+                      </a:solidFill>
+                      <a:prstDash val="solid"/>
+                      <a:round/>
+                      <a:headEnd type="none" w="med" len="med"/>
+                      <a:tailEnd type="none" w="med" len="med"/>
+                    </a:lnL>
+                    <a:lnR w="3175" cap="flat" cmpd="sng" algn="ctr">
+                      <a:solidFill>
+                        <a:schemeClr val="bg1">
+                          <a:lumMod val="75000"/>
+                        </a:schemeClr>
+                      </a:solidFill>
+                      <a:prstDash val="solid"/>
+                      <a:round/>
+                      <a:headEnd type="none" w="med" len="med"/>
+                      <a:tailEnd type="none" w="med" len="med"/>
+                    </a:lnR>
+                    <a:lnT w="6350" cap="flat" cmpd="sng" algn="ctr">
+                      <a:solidFill>
+                        <a:schemeClr val="tx1"/>
+                      </a:solidFill>
+                      <a:prstDash val="solid"/>
+                      <a:round/>
+                      <a:headEnd type="none" w="med" len="med"/>
+                      <a:tailEnd type="none" w="med" len="med"/>
+                    </a:lnT>
+                    <a:lnB w="3175" cap="flat" cmpd="sng" algn="ctr">
+                      <a:solidFill>
+                        <a:schemeClr val="bg1">
+                          <a:lumMod val="75000"/>
+                        </a:schemeClr>
+                      </a:solidFill>
+                      <a:prstDash val="solid"/>
+                      <a:round/>
+                      <a:headEnd type="none" w="med" len="med"/>
+                      <a:tailEnd type="none" w="med" len="med"/>
+                    </a:lnB>
+                    <a:lnTlToBr w="12700" cmpd="sng">
+                      <a:noFill/>
+                      <a:prstDash val="solid"/>
+                    </a:lnTlToBr>
+                    <a:lnBlToTr w="12700" cmpd="sng">
+                      <a:noFill/>
+                      <a:prstDash val="solid"/>
+                    </a:lnBlToTr>
+                  </a:tcPr>
+                </a:tc>
+                <a:tc>
+                  <a:txBody>
+                    <a:bodyPr/>
+                    <a:lstStyle/>
+                    <a:p>
+                      <a:pPr marL="0" marR="0" lvl="0" indent="0" algn="l" defTabSz="914400" rtl="0" eaLnBrk="1" fontAlgn="auto" latinLnBrk="0" hangingPunct="1">
+                        <a:lnSpc>
+                          <a:spcPct val="100000"/>
+                        </a:lnSpc>
+                        <a:spcBef>
+                          <a:spcPts val="0"/>
+                        </a:spcBef>
+                        <a:spcAft>
+                          <a:spcPts val="0"/>
+                        </a:spcAft>
+                        <a:buClrTx/>
+                        <a:buSzTx/>
+                        <a:buFontTx/>
+                        <a:buNone/>
+                        <a:tabLst/>
+                        <a:defRPr/>
+                      </a:pPr>
+                      <a:r>
+                        <a:rPr lang="en-US" sz="1200" i="1" u="sng" noProof="1"/>
+                        <a:t>Paper: EDFM Review</a:t>
+                      </a:r>
+                    </a:p>
+                    <a:p>
+                      <a:r>
+                        <a:rPr lang="en-US" sz="1200" noProof="1"/>
+                        <a:t>Define research scope.</a:t>
+                      </a:r>
+                    </a:p>
+                    <a:p>
+                      <a:pPr marL="0" marR="0" lvl="0" indent="0" algn="l" defTabSz="914400" rtl="0" eaLnBrk="1" fontAlgn="auto" latinLnBrk="0" hangingPunct="1">
+                        <a:lnSpc>
+                          <a:spcPct val="100000"/>
+                        </a:lnSpc>
+                        <a:spcBef>
+                          <a:spcPts val="0"/>
+                        </a:spcBef>
+                        <a:spcAft>
+                          <a:spcPts val="0"/>
+                        </a:spcAft>
+                        <a:buClrTx/>
+                        <a:buSzTx/>
+                        <a:buFontTx/>
+                        <a:buNone/>
+                        <a:tabLst/>
+                        <a:defRPr/>
+                      </a:pPr>
+                      <a:r>
+                        <a:rPr lang="en-US" sz="1200" i="0" noProof="1"/>
+                        <a:t>Literature review on fracture physics.</a:t>
+                      </a:r>
+                    </a:p>
+                    <a:p>
+                      <a:r>
+                        <a:rPr lang="en-US" sz="1200" i="0" noProof="1"/>
+                        <a:t>Simulate homogenization of Biot parameters in fractured rocks.</a:t>
+                      </a:r>
+                    </a:p>
+                    <a:p>
+                      <a:pPr marL="0" marR="0" lvl="0" indent="0" algn="l" defTabSz="914400" rtl="0" eaLnBrk="1" fontAlgn="auto" latinLnBrk="0" hangingPunct="1">
+                        <a:lnSpc>
+                          <a:spcPct val="100000"/>
+                        </a:lnSpc>
+                        <a:spcBef>
+                          <a:spcPts val="0"/>
+                        </a:spcBef>
+                        <a:spcAft>
+                          <a:spcPts val="0"/>
+                        </a:spcAft>
+                        <a:buClrTx/>
+                        <a:buSzTx/>
+                        <a:buFontTx/>
+                        <a:buNone/>
+                        <a:tabLst/>
+                        <a:defRPr/>
+                      </a:pPr>
+                      <a:r>
+                        <a:rPr lang="en-US" sz="1200" i="0" noProof="1"/>
+                        <a:t>Use the current FEM code to stress the fracture numerics.</a:t>
+                      </a:r>
+                    </a:p>
+                  </a:txBody>
+                  <a:tcPr>
+                    <a:lnL w="3175" cap="flat" cmpd="sng" algn="ctr">
+                      <a:solidFill>
+                        <a:schemeClr val="bg1">
+                          <a:lumMod val="75000"/>
+                        </a:schemeClr>
+                      </a:solidFill>
+                      <a:prstDash val="solid"/>
+                      <a:round/>
+                      <a:headEnd type="none" w="med" len="med"/>
+                      <a:tailEnd type="none" w="med" len="med"/>
+                    </a:lnL>
+                    <a:lnR w="19050" cap="flat" cmpd="sng" algn="ctr">
+                      <a:solidFill>
+                        <a:schemeClr val="tx1"/>
+                      </a:solidFill>
+                      <a:prstDash val="solid"/>
+                      <a:round/>
+                      <a:headEnd type="none" w="med" len="med"/>
+                      <a:tailEnd type="none" w="med" len="med"/>
+                    </a:lnR>
+                    <a:lnT w="6350" cap="flat" cmpd="sng" algn="ctr">
+                      <a:solidFill>
+                        <a:schemeClr val="tx1"/>
+                      </a:solidFill>
+                      <a:prstDash val="solid"/>
+                      <a:round/>
+                      <a:headEnd type="none" w="med" len="med"/>
+                      <a:tailEnd type="none" w="med" len="med"/>
+                    </a:lnT>
+                    <a:lnB w="3175" cap="flat" cmpd="sng" algn="ctr">
+                      <a:solidFill>
+                        <a:schemeClr val="bg1">
+                          <a:lumMod val="75000"/>
+                        </a:schemeClr>
+                      </a:solidFill>
+                      <a:prstDash val="solid"/>
+                      <a:round/>
+                      <a:headEnd type="none" w="med" len="med"/>
+                      <a:tailEnd type="none" w="med" len="med"/>
+                    </a:lnB>
+                    <a:lnTlToBr w="12700" cmpd="sng">
+                      <a:noFill/>
+                      <a:prstDash val="solid"/>
+                    </a:lnTlToBr>
+                    <a:lnBlToTr w="12700" cmpd="sng">
+                      <a:noFill/>
+                      <a:prstDash val="solid"/>
+                    </a:lnBlToTr>
+                  </a:tcPr>
+                </a:tc>
+                <a:extLst>
+                  <a:ext uri="{0D108BD9-81ED-4DB2-BD59-A6C34878D82A}">
+                    <a16:rowId xmlns:a16="http://schemas.microsoft.com/office/drawing/2014/main" val="2193545660"/>
+                  </a:ext>
+                </a:extLst>
+              </a:tr>
+              <a:tr h="288000">
+                <a:tc>
+                  <a:txBody>
+                    <a:bodyPr/>
+                    <a:lstStyle/>
+                    <a:p>
+                      <a:r>
+                        <a:rPr lang="en-US" sz="1200" noProof="1"/>
+                        <a:t>2024/2</a:t>
+                      </a:r>
+                    </a:p>
+                  </a:txBody>
+                  <a:tcPr>
+                    <a:lnL w="19050" cap="flat" cmpd="sng" algn="ctr">
+                      <a:solidFill>
+                        <a:schemeClr val="tx1"/>
+                      </a:solidFill>
+                      <a:prstDash val="solid"/>
+                      <a:round/>
+                      <a:headEnd type="none" w="med" len="med"/>
+                      <a:tailEnd type="none" w="med" len="med"/>
+                    </a:lnL>
+                    <a:lnR w="3175" cap="flat" cmpd="sng" algn="ctr">
+                      <a:solidFill>
+                        <a:schemeClr val="bg1">
+                          <a:lumMod val="75000"/>
+                        </a:schemeClr>
+                      </a:solidFill>
+                      <a:prstDash val="solid"/>
+                      <a:round/>
+                      <a:headEnd type="none" w="med" len="med"/>
+                      <a:tailEnd type="none" w="med" len="med"/>
+                    </a:lnR>
+                    <a:lnT w="3175" cap="flat" cmpd="sng" algn="ctr">
+                      <a:solidFill>
+                        <a:schemeClr val="bg1">
+                          <a:lumMod val="75000"/>
+                        </a:schemeClr>
+                      </a:solidFill>
+                      <a:prstDash val="solid"/>
+                      <a:round/>
+                      <a:headEnd type="none" w="med" len="med"/>
+                      <a:tailEnd type="none" w="med" len="med"/>
+                    </a:lnT>
+                    <a:lnB w="12700" cap="flat" cmpd="sng" algn="ctr">
+                      <a:solidFill>
+                        <a:schemeClr val="tx1"/>
+                      </a:solidFill>
+                      <a:prstDash val="solid"/>
+                      <a:round/>
+                      <a:headEnd type="none" w="med" len="med"/>
+                      <a:tailEnd type="none" w="med" len="med"/>
+                    </a:lnB>
+                    <a:lnTlToBr w="12700" cmpd="sng">
+                      <a:noFill/>
+                      <a:prstDash val="solid"/>
+                    </a:lnTlToBr>
+                    <a:lnBlToTr w="12700" cmpd="sng">
+                      <a:noFill/>
+                      <a:prstDash val="solid"/>
+                    </a:lnBlToTr>
+                  </a:tcPr>
+                </a:tc>
+                <a:tc>
+                  <a:txBody>
+                    <a:bodyPr/>
+                    <a:lstStyle/>
+                    <a:p>
+                      <a:pPr marL="0" marR="0" lvl="0" indent="0" algn="l" defTabSz="914400" rtl="0" eaLnBrk="1" fontAlgn="auto" latinLnBrk="0" hangingPunct="1">
+                        <a:lnSpc>
+                          <a:spcPct val="100000"/>
+                        </a:lnSpc>
+                        <a:spcBef>
+                          <a:spcPts val="0"/>
+                        </a:spcBef>
+                        <a:spcAft>
+                          <a:spcPts val="0"/>
+                        </a:spcAft>
+                        <a:buClrTx/>
+                        <a:buSzTx/>
+                        <a:buFontTx/>
+                        <a:buNone/>
+                        <a:tabLst/>
+                        <a:defRPr/>
+                      </a:pPr>
+                      <a:r>
+                        <a:rPr lang="en-US" sz="1200" i="1" u="sng" noProof="1"/>
+                        <a:t>Paper: Homogenization of Biot parameters</a:t>
+                      </a:r>
+                    </a:p>
+                    <a:p>
+                      <a:r>
+                        <a:rPr lang="en-US" sz="1200" noProof="1"/>
+                        <a:t>Write and defend the proposal.</a:t>
+                      </a:r>
+                    </a:p>
+                    <a:p>
+                      <a:r>
+                        <a:rPr lang="en-US" sz="1200" noProof="1"/>
+                        <a:t>Implement and validate fracture dynamics in an elastic environment (THM).</a:t>
+                      </a:r>
+                    </a:p>
+                    <a:p>
+                      <a:pPr marL="0" marR="0" lvl="0" indent="0" algn="l" defTabSz="914400" rtl="0" eaLnBrk="1" fontAlgn="auto" latinLnBrk="0" hangingPunct="1">
+                        <a:lnSpc>
+                          <a:spcPct val="100000"/>
+                        </a:lnSpc>
+                        <a:spcBef>
+                          <a:spcPts val="0"/>
+                        </a:spcBef>
+                        <a:spcAft>
+                          <a:spcPts val="0"/>
+                        </a:spcAft>
+                        <a:buClrTx/>
+                        <a:buSzTx/>
+                        <a:buFontTx/>
+                        <a:buNone/>
+                        <a:tabLst/>
+                        <a:defRPr/>
+                      </a:pPr>
+                      <a:r>
+                        <a:rPr lang="en-US" sz="1200" noProof="1"/>
+                        <a:t>Implement fracture branching.</a:t>
+                      </a:r>
+                    </a:p>
+                  </a:txBody>
+                  <a:tcPr>
+                    <a:lnL w="3175" cap="flat" cmpd="sng" algn="ctr">
+                      <a:solidFill>
+                        <a:schemeClr val="bg1">
+                          <a:lumMod val="75000"/>
+                        </a:schemeClr>
+                      </a:solidFill>
+                      <a:prstDash val="solid"/>
+                      <a:round/>
+                      <a:headEnd type="none" w="med" len="med"/>
+                      <a:tailEnd type="none" w="med" len="med"/>
+                    </a:lnL>
+                    <a:lnR w="19050" cap="flat" cmpd="sng" algn="ctr">
+                      <a:solidFill>
+                        <a:schemeClr val="tx1"/>
+                      </a:solidFill>
+                      <a:prstDash val="solid"/>
+                      <a:round/>
+                      <a:headEnd type="none" w="med" len="med"/>
+                      <a:tailEnd type="none" w="med" len="med"/>
+                    </a:lnR>
+                    <a:lnT w="3175" cap="flat" cmpd="sng" algn="ctr">
+                      <a:solidFill>
+                        <a:schemeClr val="bg1">
+                          <a:lumMod val="75000"/>
+                        </a:schemeClr>
+                      </a:solidFill>
+                      <a:prstDash val="solid"/>
+                      <a:round/>
+                      <a:headEnd type="none" w="med" len="med"/>
+                      <a:tailEnd type="none" w="med" len="med"/>
+                    </a:lnT>
+                    <a:lnB w="12700" cap="flat" cmpd="sng" algn="ctr">
+                      <a:solidFill>
+                        <a:schemeClr val="tx1"/>
+                      </a:solidFill>
+                      <a:prstDash val="solid"/>
+                      <a:round/>
+                      <a:headEnd type="none" w="med" len="med"/>
+                      <a:tailEnd type="none" w="med" len="med"/>
+                    </a:lnB>
+                    <a:lnTlToBr w="12700" cmpd="sng">
+                      <a:noFill/>
+                      <a:prstDash val="solid"/>
+                    </a:lnTlToBr>
+                    <a:lnBlToTr w="12700" cmpd="sng">
+                      <a:noFill/>
+                      <a:prstDash val="solid"/>
+                    </a:lnBlToTr>
+                  </a:tcPr>
+                </a:tc>
+                <a:extLst>
+                  <a:ext uri="{0D108BD9-81ED-4DB2-BD59-A6C34878D82A}">
+                    <a16:rowId xmlns:a16="http://schemas.microsoft.com/office/drawing/2014/main" val="2659329772"/>
+                  </a:ext>
+                </a:extLst>
+              </a:tr>
+              <a:tr h="288000">
+                <a:tc>
+                  <a:txBody>
+                    <a:bodyPr/>
+                    <a:lstStyle/>
+                    <a:p>
+                      <a:r>
+                        <a:rPr lang="en-US" sz="1200" noProof="1"/>
+                        <a:t>2025/1</a:t>
+                      </a:r>
+                    </a:p>
+                  </a:txBody>
+                  <a:tcPr>
+                    <a:lnL w="19050" cap="flat" cmpd="sng" algn="ctr">
+                      <a:solidFill>
+                        <a:schemeClr val="tx1"/>
+                      </a:solidFill>
+                      <a:prstDash val="solid"/>
+                      <a:round/>
+                      <a:headEnd type="none" w="med" len="med"/>
+                      <a:tailEnd type="none" w="med" len="med"/>
+                    </a:lnL>
+                    <a:lnR w="3175" cap="flat" cmpd="sng" algn="ctr">
+                      <a:solidFill>
+                        <a:schemeClr val="bg1">
+                          <a:lumMod val="75000"/>
+                        </a:schemeClr>
+                      </a:solidFill>
+                      <a:prstDash val="solid"/>
+                      <a:round/>
+                      <a:headEnd type="none" w="med" len="med"/>
+                      <a:tailEnd type="none" w="med" len="med"/>
+                    </a:lnR>
+                    <a:lnT w="12700" cap="flat" cmpd="sng" algn="ctr">
+                      <a:solidFill>
+                        <a:schemeClr val="tx1"/>
+                      </a:solidFill>
+                      <a:prstDash val="solid"/>
+                      <a:round/>
+                      <a:headEnd type="none" w="med" len="med"/>
+                      <a:tailEnd type="none" w="med" len="med"/>
+                    </a:lnT>
+                    <a:lnB w="3175" cap="flat" cmpd="sng" algn="ctr">
+                      <a:solidFill>
+                        <a:schemeClr val="bg1">
+                          <a:lumMod val="75000"/>
+                        </a:schemeClr>
+                      </a:solidFill>
+                      <a:prstDash val="solid"/>
+                      <a:round/>
+                      <a:headEnd type="none" w="med" len="med"/>
+                      <a:tailEnd type="none" w="med" len="med"/>
+                    </a:lnB>
+                  </a:tcPr>
+                </a:tc>
+                <a:tc>
+                  <a:txBody>
+                    <a:bodyPr/>
+                    <a:lstStyle/>
+                    <a:p>
+                      <a:pPr marL="0" marR="0" lvl="0" indent="0" algn="l" defTabSz="914400" rtl="0" eaLnBrk="1" fontAlgn="auto" latinLnBrk="0" hangingPunct="1">
+                        <a:lnSpc>
+                          <a:spcPct val="100000"/>
+                        </a:lnSpc>
+                        <a:spcBef>
+                          <a:spcPts val="0"/>
+                        </a:spcBef>
+                        <a:spcAft>
+                          <a:spcPts val="0"/>
+                        </a:spcAft>
+                        <a:buClrTx/>
+                        <a:buSzTx/>
+                        <a:buFontTx/>
+                        <a:buNone/>
+                        <a:tabLst/>
+                        <a:defRPr/>
+                      </a:pPr>
+                      <a:r>
+                        <a:rPr lang="en-US" sz="1200" noProof="1"/>
+                        <a:t>Back-integrate with EDFM.</a:t>
+                      </a:r>
+                    </a:p>
+                    <a:p>
+                      <a:pPr marL="0" marR="0" lvl="0" indent="0" algn="l" defTabSz="914400" rtl="0" eaLnBrk="1" fontAlgn="auto" latinLnBrk="0" hangingPunct="1">
+                        <a:lnSpc>
+                          <a:spcPct val="100000"/>
+                        </a:lnSpc>
+                        <a:spcBef>
+                          <a:spcPts val="0"/>
+                        </a:spcBef>
+                        <a:spcAft>
+                          <a:spcPts val="0"/>
+                        </a:spcAft>
+                        <a:buClrTx/>
+                        <a:buSzTx/>
+                        <a:buFontTx/>
+                        <a:buNone/>
+                        <a:tabLst/>
+                        <a:defRPr/>
+                      </a:pPr>
+                      <a:r>
+                        <a:rPr lang="en-US" sz="1200" i="1" u="sng" noProof="1"/>
+                        <a:t>Paper: validation of the simulator. Application: multiple simultaneous fracture propagation.</a:t>
+                      </a:r>
+                    </a:p>
+                  </a:txBody>
+                  <a:tcPr>
+                    <a:lnL w="3175" cap="flat" cmpd="sng" algn="ctr">
+                      <a:solidFill>
+                        <a:schemeClr val="bg1">
+                          <a:lumMod val="75000"/>
+                        </a:schemeClr>
+                      </a:solidFill>
+                      <a:prstDash val="solid"/>
+                      <a:round/>
+                      <a:headEnd type="none" w="med" len="med"/>
+                      <a:tailEnd type="none" w="med" len="med"/>
+                    </a:lnL>
+                    <a:lnR w="19050" cap="flat" cmpd="sng" algn="ctr">
+                      <a:solidFill>
+                        <a:schemeClr val="tx1"/>
+                      </a:solidFill>
+                      <a:prstDash val="solid"/>
+                      <a:round/>
+                      <a:headEnd type="none" w="med" len="med"/>
+                      <a:tailEnd type="none" w="med" len="med"/>
+                    </a:lnR>
+                    <a:lnT w="12700" cap="flat" cmpd="sng" algn="ctr">
+                      <a:solidFill>
+                        <a:schemeClr val="tx1"/>
+                      </a:solidFill>
+                      <a:prstDash val="solid"/>
+                      <a:round/>
+                      <a:headEnd type="none" w="med" len="med"/>
+                      <a:tailEnd type="none" w="med" len="med"/>
+                    </a:lnT>
+                    <a:lnB w="3175" cap="flat" cmpd="sng" algn="ctr">
+                      <a:solidFill>
+                        <a:schemeClr val="bg1">
+                          <a:lumMod val="75000"/>
+                        </a:schemeClr>
+                      </a:solidFill>
+                      <a:prstDash val="solid"/>
+                      <a:round/>
+                      <a:headEnd type="none" w="med" len="med"/>
+                      <a:tailEnd type="none" w="med" len="med"/>
+                    </a:lnB>
+                  </a:tcPr>
+                </a:tc>
+                <a:extLst>
+                  <a:ext uri="{0D108BD9-81ED-4DB2-BD59-A6C34878D82A}">
+                    <a16:rowId xmlns:a16="http://schemas.microsoft.com/office/drawing/2014/main" val="2616333173"/>
+                  </a:ext>
+                </a:extLst>
+              </a:tr>
+              <a:tr h="288000">
+                <a:tc>
+                  <a:txBody>
+                    <a:bodyPr/>
+                    <a:lstStyle/>
+                    <a:p>
+                      <a:r>
+                        <a:rPr lang="en-US" sz="1200" noProof="1"/>
+                        <a:t>2025/2</a:t>
+                      </a:r>
+                    </a:p>
+                  </a:txBody>
+                  <a:tcPr>
+                    <a:lnL w="19050" cap="flat" cmpd="sng" algn="ctr">
+                      <a:solidFill>
+                        <a:schemeClr val="tx1"/>
+                      </a:solidFill>
+                      <a:prstDash val="solid"/>
+                      <a:round/>
+                      <a:headEnd type="none" w="med" len="med"/>
+                      <a:tailEnd type="none" w="med" len="med"/>
+                    </a:lnL>
+                    <a:lnR w="3175" cap="flat" cmpd="sng" algn="ctr">
+                      <a:solidFill>
+                        <a:schemeClr val="bg1">
+                          <a:lumMod val="75000"/>
+                        </a:schemeClr>
+                      </a:solidFill>
+                      <a:prstDash val="solid"/>
+                      <a:round/>
+                      <a:headEnd type="none" w="med" len="med"/>
+                      <a:tailEnd type="none" w="med" len="med"/>
+                    </a:lnR>
+                    <a:lnT w="3175" cap="flat" cmpd="sng" algn="ctr">
+                      <a:solidFill>
+                        <a:schemeClr val="bg1">
+                          <a:lumMod val="75000"/>
+                        </a:schemeClr>
+                      </a:solidFill>
+                      <a:prstDash val="solid"/>
+                      <a:round/>
+                      <a:headEnd type="none" w="med" len="med"/>
+                      <a:tailEnd type="none" w="med" len="med"/>
+                    </a:lnT>
+                    <a:lnB w="12700" cap="flat" cmpd="sng" algn="ctr">
+                      <a:solidFill>
+                        <a:schemeClr val="tx1"/>
+                      </a:solidFill>
+                      <a:prstDash val="solid"/>
+                      <a:round/>
+                      <a:headEnd type="none" w="med" len="med"/>
+                      <a:tailEnd type="none" w="med" len="med"/>
+                    </a:lnB>
+                  </a:tcPr>
+                </a:tc>
+                <a:tc>
+                  <a:txBody>
+                    <a:bodyPr/>
+                    <a:lstStyle/>
+                    <a:p>
+                      <a:pPr marL="0" marR="0" lvl="0" indent="0" algn="l" defTabSz="914400" rtl="0" eaLnBrk="1" fontAlgn="auto" latinLnBrk="0" hangingPunct="1">
+                        <a:lnSpc>
+                          <a:spcPct val="100000"/>
+                        </a:lnSpc>
+                        <a:spcBef>
+                          <a:spcPts val="0"/>
+                        </a:spcBef>
+                        <a:spcAft>
+                          <a:spcPts val="0"/>
+                        </a:spcAft>
+                        <a:buClrTx/>
+                        <a:buSzTx/>
+                        <a:buFontTx/>
+                        <a:buNone/>
+                        <a:tabLst/>
+                        <a:defRPr/>
+                      </a:pPr>
+                      <a:r>
+                        <a:rPr lang="en-US" sz="1200" i="1" u="sng" noProof="1"/>
+                        <a:t>Paper: Application: Fracture branching in heterogeneous media</a:t>
+                      </a:r>
+                    </a:p>
+                    <a:p>
+                      <a:pPr marL="0" marR="0" lvl="0" indent="0" algn="l" defTabSz="914400" rtl="0" eaLnBrk="1" fontAlgn="auto" latinLnBrk="0" hangingPunct="1">
+                        <a:lnSpc>
+                          <a:spcPct val="100000"/>
+                        </a:lnSpc>
+                        <a:spcBef>
+                          <a:spcPts val="0"/>
+                        </a:spcBef>
+                        <a:spcAft>
+                          <a:spcPts val="0"/>
+                        </a:spcAft>
+                        <a:buClrTx/>
+                        <a:buSzTx/>
+                        <a:buFontTx/>
+                        <a:buNone/>
+                        <a:tabLst/>
+                        <a:defRPr/>
+                      </a:pPr>
+                      <a:r>
+                        <a:rPr lang="en-US" sz="1200" noProof="1"/>
+                        <a:t>Implement fracture dynamics in a plastic environment.</a:t>
+                      </a:r>
+                    </a:p>
+                    <a:p>
+                      <a:pPr marL="0" marR="0" lvl="0" indent="0" algn="l" defTabSz="914400" rtl="0" eaLnBrk="1" fontAlgn="auto" latinLnBrk="0" hangingPunct="1">
+                        <a:lnSpc>
+                          <a:spcPct val="100000"/>
+                        </a:lnSpc>
+                        <a:spcBef>
+                          <a:spcPts val="0"/>
+                        </a:spcBef>
+                        <a:spcAft>
+                          <a:spcPts val="0"/>
+                        </a:spcAft>
+                        <a:buClrTx/>
+                        <a:buSzTx/>
+                        <a:buFontTx/>
+                        <a:buNone/>
+                        <a:tabLst/>
+                        <a:defRPr/>
+                      </a:pPr>
+                      <a:r>
+                        <a:rPr lang="en-US" sz="1200" noProof="1"/>
+                        <a:t>Implement fracture dynamics with creep.</a:t>
+                      </a:r>
+                    </a:p>
+                  </a:txBody>
+                  <a:tcPr>
+                    <a:lnL w="3175" cap="flat" cmpd="sng" algn="ctr">
+                      <a:solidFill>
+                        <a:schemeClr val="bg1">
+                          <a:lumMod val="75000"/>
+                        </a:schemeClr>
+                      </a:solidFill>
+                      <a:prstDash val="solid"/>
+                      <a:round/>
+                      <a:headEnd type="none" w="med" len="med"/>
+                      <a:tailEnd type="none" w="med" len="med"/>
+                    </a:lnL>
+                    <a:lnR w="19050" cap="flat" cmpd="sng" algn="ctr">
+                      <a:solidFill>
+                        <a:schemeClr val="tx1"/>
+                      </a:solidFill>
+                      <a:prstDash val="solid"/>
+                      <a:round/>
+                      <a:headEnd type="none" w="med" len="med"/>
+                      <a:tailEnd type="none" w="med" len="med"/>
+                    </a:lnR>
+                    <a:lnT w="3175" cap="flat" cmpd="sng" algn="ctr">
+                      <a:solidFill>
+                        <a:schemeClr val="bg1">
+                          <a:lumMod val="75000"/>
+                        </a:schemeClr>
+                      </a:solidFill>
+                      <a:prstDash val="solid"/>
+                      <a:round/>
+                      <a:headEnd type="none" w="med" len="med"/>
+                      <a:tailEnd type="none" w="med" len="med"/>
+                    </a:lnT>
+                    <a:lnB w="12700" cap="flat" cmpd="sng" algn="ctr">
+                      <a:solidFill>
+                        <a:schemeClr val="tx1"/>
+                      </a:solidFill>
+                      <a:prstDash val="solid"/>
+                      <a:round/>
+                      <a:headEnd type="none" w="med" len="med"/>
+                      <a:tailEnd type="none" w="med" len="med"/>
+                    </a:lnB>
+                  </a:tcPr>
+                </a:tc>
+                <a:extLst>
+                  <a:ext uri="{0D108BD9-81ED-4DB2-BD59-A6C34878D82A}">
+                    <a16:rowId xmlns:a16="http://schemas.microsoft.com/office/drawing/2014/main" val="1650340128"/>
+                  </a:ext>
+                </a:extLst>
+              </a:tr>
+              <a:tr h="288000">
+                <a:tc>
+                  <a:txBody>
+                    <a:bodyPr/>
+                    <a:lstStyle/>
+                    <a:p>
+                      <a:r>
+                        <a:rPr lang="en-US" sz="1200" noProof="1"/>
+                        <a:t>2026/1</a:t>
+                      </a:r>
+                    </a:p>
+                  </a:txBody>
+                  <a:tcPr>
+                    <a:lnL w="19050" cap="flat" cmpd="sng" algn="ctr">
+                      <a:solidFill>
+                        <a:schemeClr val="tx1"/>
+                      </a:solidFill>
+                      <a:prstDash val="solid"/>
+                      <a:round/>
+                      <a:headEnd type="none" w="med" len="med"/>
+                      <a:tailEnd type="none" w="med" len="med"/>
+                    </a:lnL>
+                    <a:lnR w="3175" cap="flat" cmpd="sng" algn="ctr">
+                      <a:solidFill>
+                        <a:schemeClr val="bg1">
+                          <a:lumMod val="75000"/>
+                        </a:schemeClr>
+                      </a:solidFill>
+                      <a:prstDash val="solid"/>
+                      <a:round/>
+                      <a:headEnd type="none" w="med" len="med"/>
+                      <a:tailEnd type="none" w="med" len="med"/>
+                    </a:lnR>
+                    <a:lnT w="12700" cap="flat" cmpd="sng" algn="ctr">
+                      <a:solidFill>
+                        <a:schemeClr val="tx1"/>
+                      </a:solidFill>
+                      <a:prstDash val="solid"/>
+                      <a:round/>
+                      <a:headEnd type="none" w="med" len="med"/>
+                      <a:tailEnd type="none" w="med" len="med"/>
+                    </a:lnT>
+                    <a:lnB w="3175" cap="flat" cmpd="sng" algn="ctr">
+                      <a:solidFill>
+                        <a:schemeClr val="bg1">
+                          <a:lumMod val="75000"/>
+                        </a:schemeClr>
+                      </a:solidFill>
+                      <a:prstDash val="solid"/>
+                      <a:round/>
+                      <a:headEnd type="none" w="med" len="med"/>
+                      <a:tailEnd type="none" w="med" len="med"/>
+                    </a:lnB>
+                  </a:tcPr>
+                </a:tc>
+                <a:tc>
+                  <a:txBody>
+                    <a:bodyPr/>
+                    <a:lstStyle/>
+                    <a:p>
+                      <a:pPr marL="0" marR="0" lvl="0" indent="0" algn="l" defTabSz="914400" rtl="0" eaLnBrk="1" fontAlgn="auto" latinLnBrk="0" hangingPunct="1">
+                        <a:lnSpc>
+                          <a:spcPct val="100000"/>
+                        </a:lnSpc>
+                        <a:spcBef>
+                          <a:spcPts val="0"/>
+                        </a:spcBef>
+                        <a:spcAft>
+                          <a:spcPts val="0"/>
+                        </a:spcAft>
+                        <a:buClrTx/>
+                        <a:buSzTx/>
+                        <a:buFontTx/>
+                        <a:buNone/>
+                        <a:tabLst/>
+                        <a:defRPr/>
+                      </a:pPr>
+                      <a:r>
+                        <a:rPr lang="en-US" sz="1200" i="1" u="sng" noProof="1"/>
+                        <a:t>Paper</a:t>
+                      </a:r>
+                      <a:r>
+                        <a:rPr lang="pt-BR" sz="1200" i="1" u="sng" noProof="1"/>
+                        <a:t>:</a:t>
+                      </a:r>
+                      <a:r>
+                        <a:rPr lang="en-US" sz="1200" i="1" u="sng" noProof="1"/>
+                        <a:t> Application: fracture propagation in salt rock (caprock and caverns)</a:t>
+                      </a:r>
+                    </a:p>
+                    <a:p>
+                      <a:r>
+                        <a:rPr lang="pt-BR" sz="1200" noProof="1"/>
+                        <a:t>Improve implementation and try to overcome limitations.</a:t>
+                      </a:r>
+                    </a:p>
+                  </a:txBody>
+                  <a:tcPr>
+                    <a:lnL w="3175" cap="flat" cmpd="sng" algn="ctr">
+                      <a:solidFill>
+                        <a:schemeClr val="bg1">
+                          <a:lumMod val="75000"/>
+                        </a:schemeClr>
+                      </a:solidFill>
+                      <a:prstDash val="solid"/>
+                      <a:round/>
+                      <a:headEnd type="none" w="med" len="med"/>
+                      <a:tailEnd type="none" w="med" len="med"/>
+                    </a:lnL>
+                    <a:lnR w="19050" cap="flat" cmpd="sng" algn="ctr">
+                      <a:solidFill>
+                        <a:schemeClr val="tx1"/>
+                      </a:solidFill>
+                      <a:prstDash val="solid"/>
+                      <a:round/>
+                      <a:headEnd type="none" w="med" len="med"/>
+                      <a:tailEnd type="none" w="med" len="med"/>
+                    </a:lnR>
+                    <a:lnT w="12700" cap="flat" cmpd="sng" algn="ctr">
+                      <a:solidFill>
+                        <a:schemeClr val="tx1"/>
+                      </a:solidFill>
+                      <a:prstDash val="solid"/>
+                      <a:round/>
+                      <a:headEnd type="none" w="med" len="med"/>
+                      <a:tailEnd type="none" w="med" len="med"/>
+                    </a:lnT>
+                    <a:lnB w="3175" cap="flat" cmpd="sng" algn="ctr">
+                      <a:solidFill>
+                        <a:schemeClr val="bg1">
+                          <a:lumMod val="75000"/>
+                        </a:schemeClr>
+                      </a:solidFill>
+                      <a:prstDash val="solid"/>
+                      <a:round/>
+                      <a:headEnd type="none" w="med" len="med"/>
+                      <a:tailEnd type="none" w="med" len="med"/>
+                    </a:lnB>
+                  </a:tcPr>
+                </a:tc>
+                <a:extLst>
+                  <a:ext uri="{0D108BD9-81ED-4DB2-BD59-A6C34878D82A}">
+                    <a16:rowId xmlns:a16="http://schemas.microsoft.com/office/drawing/2014/main" val="62757250"/>
+                  </a:ext>
+                </a:extLst>
+              </a:tr>
+              <a:tr h="288000">
+                <a:tc>
+                  <a:txBody>
+                    <a:bodyPr/>
+                    <a:lstStyle/>
+                    <a:p>
+                      <a:r>
+                        <a:rPr lang="en-US" sz="1200" noProof="1"/>
+                        <a:t>2026/2</a:t>
+                      </a:r>
+                    </a:p>
+                  </a:txBody>
+                  <a:tcPr>
+                    <a:lnL w="19050" cap="flat" cmpd="sng" algn="ctr">
+                      <a:solidFill>
+                        <a:schemeClr val="tx1"/>
+                      </a:solidFill>
+                      <a:prstDash val="solid"/>
+                      <a:round/>
+                      <a:headEnd type="none" w="med" len="med"/>
+                      <a:tailEnd type="none" w="med" len="med"/>
+                    </a:lnL>
+                    <a:lnR w="3175" cap="flat" cmpd="sng" algn="ctr">
+                      <a:solidFill>
+                        <a:schemeClr val="bg1">
+                          <a:lumMod val="75000"/>
+                        </a:schemeClr>
+                      </a:solidFill>
+                      <a:prstDash val="solid"/>
+                      <a:round/>
+                      <a:headEnd type="none" w="med" len="med"/>
+                      <a:tailEnd type="none" w="med" len="med"/>
+                    </a:lnR>
+                    <a:lnT w="3175" cap="flat" cmpd="sng" algn="ctr">
+                      <a:solidFill>
+                        <a:schemeClr val="bg1">
+                          <a:lumMod val="75000"/>
+                        </a:schemeClr>
+                      </a:solidFill>
+                      <a:prstDash val="solid"/>
+                      <a:round/>
+                      <a:headEnd type="none" w="med" len="med"/>
+                      <a:tailEnd type="none" w="med" len="med"/>
+                    </a:lnT>
+                    <a:lnB w="12700" cap="flat" cmpd="sng" algn="ctr">
+                      <a:solidFill>
+                        <a:schemeClr val="tx1"/>
+                      </a:solidFill>
+                      <a:prstDash val="solid"/>
+                      <a:round/>
+                      <a:headEnd type="none" w="med" len="med"/>
+                      <a:tailEnd type="none" w="med" len="med"/>
+                    </a:lnB>
+                  </a:tcPr>
+                </a:tc>
+                <a:tc>
+                  <a:txBody>
+                    <a:bodyPr/>
+                    <a:lstStyle/>
+                    <a:p>
+                      <a:pPr marL="0" marR="0" lvl="0" indent="0" algn="l" defTabSz="914400" rtl="0" eaLnBrk="1" fontAlgn="auto" latinLnBrk="0" hangingPunct="1">
+                        <a:lnSpc>
+                          <a:spcPct val="100000"/>
+                        </a:lnSpc>
+                        <a:spcBef>
+                          <a:spcPts val="0"/>
+                        </a:spcBef>
+                        <a:spcAft>
+                          <a:spcPts val="0"/>
+                        </a:spcAft>
+                        <a:buClrTx/>
+                        <a:buSzTx/>
+                        <a:buFontTx/>
+                        <a:buNone/>
+                        <a:tabLst/>
+                        <a:defRPr/>
+                      </a:pPr>
+                      <a:r>
+                        <a:rPr lang="en-US" sz="1200" noProof="1"/>
+                        <a:t>Wrap up results.</a:t>
+                      </a:r>
+                    </a:p>
+                    <a:p>
+                      <a:r>
+                        <a:rPr lang="pt-BR" sz="1200" noProof="1"/>
+                        <a:t>Write dissertation.</a:t>
+                      </a:r>
+                      <a:endParaRPr lang="en-US" sz="1200" noProof="1"/>
+                    </a:p>
+                  </a:txBody>
+                  <a:tcPr>
+                    <a:lnL w="3175" cap="flat" cmpd="sng" algn="ctr">
+                      <a:solidFill>
+                        <a:schemeClr val="bg1">
+                          <a:lumMod val="75000"/>
+                        </a:schemeClr>
+                      </a:solidFill>
+                      <a:prstDash val="solid"/>
+                      <a:round/>
+                      <a:headEnd type="none" w="med" len="med"/>
+                      <a:tailEnd type="none" w="med" len="med"/>
+                    </a:lnL>
+                    <a:lnR w="19050" cap="flat" cmpd="sng" algn="ctr">
+                      <a:solidFill>
+                        <a:schemeClr val="tx1"/>
+                      </a:solidFill>
+                      <a:prstDash val="solid"/>
+                      <a:round/>
+                      <a:headEnd type="none" w="med" len="med"/>
+                      <a:tailEnd type="none" w="med" len="med"/>
+                    </a:lnR>
+                    <a:lnT w="3175" cap="flat" cmpd="sng" algn="ctr">
+                      <a:solidFill>
+                        <a:schemeClr val="bg1">
+                          <a:lumMod val="75000"/>
+                        </a:schemeClr>
+                      </a:solidFill>
+                      <a:prstDash val="solid"/>
+                      <a:round/>
+                      <a:headEnd type="none" w="med" len="med"/>
+                      <a:tailEnd type="none" w="med" len="med"/>
+                    </a:lnT>
+                    <a:lnB w="12700" cap="flat" cmpd="sng" algn="ctr">
+                      <a:solidFill>
+                        <a:schemeClr val="tx1"/>
+                      </a:solidFill>
+                      <a:prstDash val="solid"/>
+                      <a:round/>
+                      <a:headEnd type="none" w="med" len="med"/>
+                      <a:tailEnd type="none" w="med" len="med"/>
+                    </a:lnB>
+                  </a:tcPr>
+                </a:tc>
+                <a:extLst>
+                  <a:ext uri="{0D108BD9-81ED-4DB2-BD59-A6C34878D82A}">
+                    <a16:rowId xmlns:a16="http://schemas.microsoft.com/office/drawing/2014/main" val="3042473093"/>
+                  </a:ext>
+                </a:extLst>
+              </a:tr>
+              <a:tr h="288000">
+                <a:tc>
+                  <a:txBody>
+                    <a:bodyPr/>
+                    <a:lstStyle/>
+                    <a:p>
+                      <a:r>
+                        <a:rPr lang="en-US" sz="1200" noProof="1"/>
+                        <a:t>2027/1</a:t>
+                      </a:r>
+                    </a:p>
+                  </a:txBody>
+                  <a:tcPr>
+                    <a:lnL w="19050" cap="flat" cmpd="sng" algn="ctr">
+                      <a:solidFill>
+                        <a:schemeClr val="tx1"/>
+                      </a:solidFill>
+                      <a:prstDash val="solid"/>
+                      <a:round/>
+                      <a:headEnd type="none" w="med" len="med"/>
+                      <a:tailEnd type="none" w="med" len="med"/>
+                    </a:lnL>
+                    <a:lnR w="3175" cap="flat" cmpd="sng" algn="ctr">
+                      <a:solidFill>
+                        <a:schemeClr val="bg1">
+                          <a:lumMod val="75000"/>
+                        </a:schemeClr>
+                      </a:solidFill>
+                      <a:prstDash val="solid"/>
+                      <a:round/>
+                      <a:headEnd type="none" w="med" len="med"/>
+                      <a:tailEnd type="none" w="med" len="med"/>
+                    </a:lnR>
+                    <a:lnT w="12700" cap="flat" cmpd="sng" algn="ctr">
+                      <a:solidFill>
+                        <a:schemeClr val="tx1"/>
+                      </a:solidFill>
+                      <a:prstDash val="solid"/>
+                      <a:round/>
+                      <a:headEnd type="none" w="med" len="med"/>
+                      <a:tailEnd type="none" w="med" len="med"/>
+                    </a:lnT>
+                    <a:lnB w="19050" cap="flat" cmpd="sng" algn="ctr">
+                      <a:solidFill>
+                        <a:schemeClr val="tx1"/>
+                      </a:solidFill>
+                      <a:prstDash val="solid"/>
+                      <a:round/>
+                      <a:headEnd type="none" w="med" len="med"/>
+                      <a:tailEnd type="none" w="med" len="med"/>
+                    </a:lnB>
+                  </a:tcPr>
+                </a:tc>
+                <a:tc>
+                  <a:txBody>
+                    <a:bodyPr/>
+                    <a:lstStyle/>
+                    <a:p>
+                      <a:pPr marL="0" marR="0" lvl="0" indent="0" algn="l" defTabSz="914400" rtl="0" eaLnBrk="1" fontAlgn="auto" latinLnBrk="0" hangingPunct="1">
+                        <a:lnSpc>
+                          <a:spcPct val="100000"/>
+                        </a:lnSpc>
+                        <a:spcBef>
+                          <a:spcPts val="0"/>
+                        </a:spcBef>
+                        <a:spcAft>
+                          <a:spcPts val="0"/>
+                        </a:spcAft>
+                        <a:buClrTx/>
+                        <a:buSzTx/>
+                        <a:buFontTx/>
+                        <a:buNone/>
+                        <a:tabLst/>
+                        <a:defRPr/>
+                      </a:pPr>
+                      <a:r>
+                        <a:rPr lang="en-US" sz="1200" noProof="1"/>
+                        <a:t>Wrap up dissertation.</a:t>
+                      </a:r>
+                    </a:p>
+                  </a:txBody>
+                  <a:tcPr>
+                    <a:lnL w="3175" cap="flat" cmpd="sng" algn="ctr">
+                      <a:solidFill>
+                        <a:schemeClr val="bg1">
+                          <a:lumMod val="75000"/>
+                        </a:schemeClr>
+                      </a:solidFill>
+                      <a:prstDash val="solid"/>
+                      <a:round/>
+                      <a:headEnd type="none" w="med" len="med"/>
+                      <a:tailEnd type="none" w="med" len="med"/>
+                    </a:lnL>
+                    <a:lnR w="19050" cap="flat" cmpd="sng" algn="ctr">
+                      <a:solidFill>
+                        <a:schemeClr val="tx1"/>
+                      </a:solidFill>
+                      <a:prstDash val="solid"/>
+                      <a:round/>
+                      <a:headEnd type="none" w="med" len="med"/>
+                      <a:tailEnd type="none" w="med" len="med"/>
+                    </a:lnR>
+                    <a:lnT w="12700" cap="flat" cmpd="sng" algn="ctr">
+                      <a:solidFill>
+                        <a:schemeClr val="tx1"/>
+                      </a:solidFill>
+                      <a:prstDash val="solid"/>
+                      <a:round/>
+                      <a:headEnd type="none" w="med" len="med"/>
+                      <a:tailEnd type="none" w="med" len="med"/>
+                    </a:lnT>
+                    <a:lnB w="19050" cap="flat" cmpd="sng" algn="ctr">
+                      <a:solidFill>
+                        <a:schemeClr val="tx1"/>
+                      </a:solidFill>
+                      <a:prstDash val="solid"/>
+                      <a:round/>
+                      <a:headEnd type="none" w="med" len="med"/>
+                      <a:tailEnd type="none" w="med" len="med"/>
+                    </a:lnB>
+                  </a:tcPr>
+                </a:tc>
+                <a:extLst>
+                  <a:ext uri="{0D108BD9-81ED-4DB2-BD59-A6C34878D82A}">
+                    <a16:rowId xmlns:a16="http://schemas.microsoft.com/office/drawing/2014/main" val="906999466"/>
+                  </a:ext>
+                </a:extLst>
+              </a:tr>
+            </a:tbl>
+          </a:graphicData>
+        </a:graphic>
+      </p:graphicFrame>
     </p:spTree>
     <p:extLst>
       <p:ext uri="{BB962C8B-B14F-4D97-AF65-F5344CB8AC3E}">
-        <p14:creationId xmlns:p14="http://schemas.microsoft.com/office/powerpoint/2010/main" val="314026188"/>
+        <p14:creationId xmlns:p14="http://schemas.microsoft.com/office/powerpoint/2010/main" val="934266866"/>
       </p:ext>
     </p:extLst>
   </p:cSld>
@@ -2874,1473 +4169,6 @@
 </file>
 
 <file path=ppt/slides/slide11.xml><?xml version="1.0" encoding="utf-8"?>
-<p:sld xmlns:a="http://schemas.openxmlformats.org/drawingml/2006/main" xmlns:r="http://schemas.openxmlformats.org/officeDocument/2006/relationships" xmlns:p="http://schemas.openxmlformats.org/presentationml/2006/main">
-  <p:cSld>
-    <p:bg>
-      <p:bgPr>
-        <a:solidFill>
-          <a:srgbClr val="FFFFFF"/>
-        </a:solidFill>
-        <a:effectLst/>
-      </p:bgPr>
-    </p:bg>
-    <p:spTree>
-      <p:nvGrpSpPr>
-        <p:cNvPr id="1" name=""/>
-        <p:cNvGrpSpPr/>
-        <p:nvPr/>
-      </p:nvGrpSpPr>
-      <p:grpSpPr>
-        <a:xfrm>
-          <a:off x="0" y="0"/>
-          <a:ext cx="0" cy="0"/>
-          <a:chOff x="0" y="0"/>
-          <a:chExt cx="0" cy="0"/>
-        </a:xfrm>
-      </p:grpSpPr>
-      <p:cxnSp>
-        <p:nvCxnSpPr>
-          <p:cNvPr id="95" name="Straight Connector 9"/>
-          <p:cNvCxnSpPr/>
-          <p:nvPr/>
-        </p:nvCxnSpPr>
-        <p:spPr>
-          <a:xfrm>
-            <a:off x="628560" y="3105000"/>
-            <a:ext cx="5619960" cy="360"/>
-          </a:xfrm>
-          <a:prstGeom prst="straightConnector1">
-            <a:avLst/>
-          </a:prstGeom>
-          <a:ln w="19080">
-            <a:solidFill>
-              <a:srgbClr val="BF5700"/>
-            </a:solidFill>
-            <a:round/>
-          </a:ln>
-        </p:spPr>
-      </p:cxnSp>
-      <p:sp>
-        <p:nvSpPr>
-          <p:cNvPr id="96" name="Text Placeholder 9"/>
-          <p:cNvSpPr/>
-          <p:nvPr/>
-        </p:nvSpPr>
-        <p:spPr>
-          <a:xfrm>
-            <a:off x="548640" y="4114440"/>
-            <a:ext cx="7886520" cy="456840"/>
-          </a:xfrm>
-          <a:prstGeom prst="rect">
-            <a:avLst/>
-          </a:prstGeom>
-          <a:noFill/>
-          <a:ln w="0">
-            <a:noFill/>
-          </a:ln>
-          <a:effectLst>
-            <a:outerShdw blurRad="12600" dist="12727" dir="2700000" rotWithShape="0">
-              <a:srgbClr val="808080"/>
-            </a:outerShdw>
-          </a:effectLst>
-        </p:spPr>
-        <p:style>
-          <a:lnRef idx="0">
-            <a:scrgbClr r="0" g="0" b="0"/>
-          </a:lnRef>
-          <a:fillRef idx="0">
-            <a:scrgbClr r="0" g="0" b="0"/>
-          </a:fillRef>
-          <a:effectRef idx="0">
-            <a:scrgbClr r="0" g="0" b="0"/>
-          </a:effectRef>
-          <a:fontRef idx="minor"/>
-        </p:style>
-        <p:txBody>
-          <a:bodyPr anchor="b">
-            <a:noAutofit/>
-          </a:bodyPr>
-          <a:lstStyle/>
-          <a:p>
-            <a:pPr defTabSz="914400">
-              <a:lnSpc>
-                <a:spcPct val="50000"/>
-              </a:lnSpc>
-              <a:spcBef>
-                <a:spcPts val="1001"/>
-              </a:spcBef>
-              <a:tabLst>
-                <a:tab pos="0" algn="l"/>
-              </a:tabLst>
-            </a:pPr>
-            <a:r>
-              <a:rPr lang="en-US" sz="1050" b="0" strike="noStrike" cap="all" spc="-1">
-                <a:solidFill>
-                  <a:srgbClr val="BF5700"/>
-                </a:solidFill>
-                <a:latin typeface="Arial Black"/>
-                <a:ea typeface="Arial"/>
-              </a:rPr>
-              <a:t>Renato poli (rep2656)</a:t>
-            </a:r>
-            <a:endParaRPr lang="en-US" sz="1050" b="0" strike="noStrike" spc="-1">
-              <a:solidFill>
-                <a:srgbClr val="000000"/>
-              </a:solidFill>
-              <a:latin typeface="Arial"/>
-            </a:endParaRPr>
-          </a:p>
-        </p:txBody>
-      </p:sp>
-      <p:sp>
-        <p:nvSpPr>
-          <p:cNvPr id="97" name="Text Placeholder 9"/>
-          <p:cNvSpPr/>
-          <p:nvPr/>
-        </p:nvSpPr>
-        <p:spPr>
-          <a:xfrm>
-            <a:off x="548640" y="456840"/>
-            <a:ext cx="7828200" cy="388800"/>
-          </a:xfrm>
-          <a:prstGeom prst="rect">
-            <a:avLst/>
-          </a:prstGeom>
-          <a:noFill/>
-          <a:ln w="0">
-            <a:noFill/>
-          </a:ln>
-          <a:effectLst>
-            <a:outerShdw blurRad="12600" dist="12727" dir="2700000" rotWithShape="0">
-              <a:srgbClr val="808080"/>
-            </a:outerShdw>
-          </a:effectLst>
-        </p:spPr>
-        <p:style>
-          <a:lnRef idx="0">
-            <a:scrgbClr r="0" g="0" b="0"/>
-          </a:lnRef>
-          <a:fillRef idx="0">
-            <a:scrgbClr r="0" g="0" b="0"/>
-          </a:fillRef>
-          <a:effectRef idx="0">
-            <a:scrgbClr r="0" g="0" b="0"/>
-          </a:effectRef>
-          <a:fontRef idx="minor"/>
-        </p:style>
-        <p:txBody>
-          <a:bodyPr anchor="ctr">
-            <a:noAutofit/>
-          </a:bodyPr>
-          <a:lstStyle/>
-          <a:p>
-            <a:pPr defTabSz="914400">
-              <a:lnSpc>
-                <a:spcPct val="90000"/>
-              </a:lnSpc>
-              <a:spcBef>
-                <a:spcPts val="1001"/>
-              </a:spcBef>
-              <a:tabLst>
-                <a:tab pos="0" algn="l"/>
-              </a:tabLst>
-            </a:pPr>
-            <a:r>
-              <a:rPr lang="en-US" sz="1200" b="0" strike="noStrike" cap="all" spc="-1">
-                <a:solidFill>
-                  <a:srgbClr val="BF5700"/>
-                </a:solidFill>
-                <a:latin typeface="Arial Black"/>
-                <a:ea typeface="Arial"/>
-              </a:rPr>
-              <a:t>Dec 2023</a:t>
-            </a:r>
-            <a:endParaRPr lang="en-US" sz="1200" b="0" strike="noStrike" spc="-1">
-              <a:solidFill>
-                <a:srgbClr val="000000"/>
-              </a:solidFill>
-              <a:latin typeface="Arial"/>
-            </a:endParaRPr>
-          </a:p>
-        </p:txBody>
-      </p:sp>
-      <p:sp>
-        <p:nvSpPr>
-          <p:cNvPr id="98" name="Title Placeholder 7"/>
-          <p:cNvSpPr/>
-          <p:nvPr/>
-        </p:nvSpPr>
-        <p:spPr>
-          <a:xfrm>
-            <a:off x="502920" y="1199880"/>
-            <a:ext cx="7886520" cy="1752120"/>
-          </a:xfrm>
-          <a:prstGeom prst="rect">
-            <a:avLst/>
-          </a:prstGeom>
-          <a:noFill/>
-          <a:ln w="0">
-            <a:noFill/>
-          </a:ln>
-          <a:effectLst>
-            <a:outerShdw blurRad="12600" dist="12727" dir="2700000" rotWithShape="0">
-              <a:srgbClr val="808080"/>
-            </a:outerShdw>
-          </a:effectLst>
-        </p:spPr>
-        <p:style>
-          <a:lnRef idx="0">
-            <a:scrgbClr r="0" g="0" b="0"/>
-          </a:lnRef>
-          <a:fillRef idx="0">
-            <a:scrgbClr r="0" g="0" b="0"/>
-          </a:fillRef>
-          <a:effectRef idx="0">
-            <a:scrgbClr r="0" g="0" b="0"/>
-          </a:effectRef>
-          <a:fontRef idx="minor"/>
-        </p:style>
-        <p:txBody>
-          <a:bodyPr anchor="b">
-            <a:noAutofit/>
-          </a:bodyPr>
-          <a:lstStyle/>
-          <a:p>
-            <a:pPr defTabSz="914400">
-              <a:lnSpc>
-                <a:spcPts val="4000"/>
-              </a:lnSpc>
-            </a:pPr>
-            <a:r>
-              <a:rPr lang="en-US" sz="3200" b="1" strike="noStrike" cap="all" spc="-1" dirty="0">
-                <a:solidFill>
-                  <a:srgbClr val="BF5700"/>
-                </a:solidFill>
-                <a:latin typeface="Arial Black"/>
-                <a:ea typeface="Arial Black"/>
-              </a:rPr>
-              <a:t>RESEARCH PLAN AND BRAINSTORMING</a:t>
-            </a:r>
-            <a:endParaRPr lang="en-US" sz="3200" b="0" strike="noStrike" spc="-1" dirty="0">
-              <a:solidFill>
-                <a:srgbClr val="000000"/>
-              </a:solidFill>
-              <a:latin typeface="Arial"/>
-            </a:endParaRPr>
-          </a:p>
-        </p:txBody>
-      </p:sp>
-      <p:sp>
-        <p:nvSpPr>
-          <p:cNvPr id="99" name="Text Placeholder 9"/>
-          <p:cNvSpPr/>
-          <p:nvPr/>
-        </p:nvSpPr>
-        <p:spPr>
-          <a:xfrm>
-            <a:off x="548640" y="3333240"/>
-            <a:ext cx="7886520" cy="456840"/>
-          </a:xfrm>
-          <a:prstGeom prst="rect">
-            <a:avLst/>
-          </a:prstGeom>
-          <a:noFill/>
-          <a:ln w="0">
-            <a:noFill/>
-          </a:ln>
-          <a:effectLst>
-            <a:outerShdw blurRad="12600" dist="12727" dir="2700000" rotWithShape="0">
-              <a:srgbClr val="808080"/>
-            </a:outerShdw>
-          </a:effectLst>
-        </p:spPr>
-        <p:style>
-          <a:lnRef idx="0">
-            <a:scrgbClr r="0" g="0" b="0"/>
-          </a:lnRef>
-          <a:fillRef idx="0">
-            <a:scrgbClr r="0" g="0" b="0"/>
-          </a:fillRef>
-          <a:effectRef idx="0">
-            <a:scrgbClr r="0" g="0" b="0"/>
-          </a:effectRef>
-          <a:fontRef idx="minor"/>
-        </p:style>
-        <p:txBody>
-          <a:bodyPr anchor="t">
-            <a:noAutofit/>
-          </a:bodyPr>
-          <a:lstStyle/>
-          <a:p>
-            <a:endParaRPr lang="en-US" sz="1400" b="0" strike="noStrike" spc="-1">
-              <a:solidFill>
-                <a:srgbClr val="000000"/>
-              </a:solidFill>
-              <a:latin typeface="Arial"/>
-            </a:endParaRPr>
-          </a:p>
-        </p:txBody>
-      </p:sp>
-      <p:sp>
-        <p:nvSpPr>
-          <p:cNvPr id="100" name="CaixaDeTexto 99"/>
-          <p:cNvSpPr txBox="1"/>
-          <p:nvPr/>
-        </p:nvSpPr>
-        <p:spPr>
-          <a:xfrm>
-            <a:off x="685800" y="3200400"/>
-            <a:ext cx="4800600" cy="685800"/>
-          </a:xfrm>
-          <a:prstGeom prst="rect">
-            <a:avLst/>
-          </a:prstGeom>
-          <a:noFill/>
-          <a:ln w="0">
-            <a:noFill/>
-          </a:ln>
-          <a:effectLst>
-            <a:outerShdw blurRad="12600" dist="12727" dir="2700000" rotWithShape="0">
-              <a:srgbClr val="808080"/>
-            </a:outerShdw>
-          </a:effectLst>
-        </p:spPr>
-        <p:txBody>
-          <a:bodyPr lIns="90000" tIns="45000" rIns="90000" bIns="45000" anchor="t">
-            <a:noAutofit/>
-          </a:bodyPr>
-          <a:lstStyle/>
-          <a:p>
-            <a:r>
-              <a:rPr lang="en-US" sz="2400" b="0" i="1" strike="noStrike" spc="-1">
-                <a:solidFill>
-                  <a:srgbClr val="BF5700"/>
-                </a:solidFill>
-                <a:latin typeface="Arial Black"/>
-                <a:ea typeface="Arial Black"/>
-              </a:rPr>
-              <a:t>notes and remarks</a:t>
-            </a:r>
-            <a:endParaRPr lang="en-US" sz="2400" b="0" strike="noStrike" spc="-1">
-              <a:solidFill>
-                <a:srgbClr val="000000"/>
-              </a:solidFill>
-              <a:latin typeface="Arial"/>
-            </a:endParaRPr>
-          </a:p>
-        </p:txBody>
-      </p:sp>
-    </p:spTree>
-  </p:cSld>
-  <p:clrMapOvr>
-    <a:masterClrMapping/>
-  </p:clrMapOvr>
-</p:sld>
-</file>
-
-<file path=ppt/slides/slide12.xml><?xml version="1.0" encoding="utf-8"?>
-<p:sld xmlns:a="http://schemas.openxmlformats.org/drawingml/2006/main" xmlns:r="http://schemas.openxmlformats.org/officeDocument/2006/relationships" xmlns:p="http://schemas.openxmlformats.org/presentationml/2006/main">
-  <p:cSld>
-    <p:spTree>
-      <p:nvGrpSpPr>
-        <p:cNvPr id="1" name=""/>
-        <p:cNvGrpSpPr/>
-        <p:nvPr/>
-      </p:nvGrpSpPr>
-      <p:grpSpPr>
-        <a:xfrm>
-          <a:off x="0" y="0"/>
-          <a:ext cx="0" cy="0"/>
-          <a:chOff x="0" y="0"/>
-          <a:chExt cx="0" cy="0"/>
-        </a:xfrm>
-      </p:grpSpPr>
-      <p:sp>
-        <p:nvSpPr>
-          <p:cNvPr id="101" name="PlaceHolder 1"/>
-          <p:cNvSpPr>
-            <a:spLocks noGrp="1"/>
-          </p:cNvSpPr>
-          <p:nvPr>
-            <p:ph type="title" idx="4294967295"/>
-          </p:nvPr>
-        </p:nvSpPr>
-        <p:spPr>
-          <a:xfrm>
-            <a:off x="0" y="46038"/>
-            <a:ext cx="8075613" cy="228600"/>
-          </a:xfrm>
-          <a:prstGeom prst="rect">
-            <a:avLst/>
-          </a:prstGeom>
-          <a:noFill/>
-          <a:ln w="0">
-            <a:noFill/>
-          </a:ln>
-        </p:spPr>
-        <p:txBody>
-          <a:bodyPr lIns="0" tIns="0" rIns="0" bIns="0" anchor="ctr">
-            <a:noAutofit/>
-          </a:bodyPr>
-          <a:lstStyle/>
-          <a:p>
-            <a:pPr indent="0">
-              <a:buNone/>
-            </a:pPr>
-            <a:r>
-              <a:rPr lang="en-US" sz="1600" b="1" strike="noStrike" spc="-1">
-                <a:solidFill>
-                  <a:srgbClr val="FFFFFF"/>
-                </a:solidFill>
-                <a:latin typeface="Arial"/>
-              </a:rPr>
-              <a:t>MACRO TOPICS</a:t>
-            </a:r>
-          </a:p>
-        </p:txBody>
-      </p:sp>
-      <p:sp>
-        <p:nvSpPr>
-          <p:cNvPr id="102" name="CaixaDeTexto 101"/>
-          <p:cNvSpPr txBox="1"/>
-          <p:nvPr/>
-        </p:nvSpPr>
-        <p:spPr>
-          <a:xfrm>
-            <a:off x="228600" y="457200"/>
-            <a:ext cx="6858000" cy="2881440"/>
-          </a:xfrm>
-          <a:prstGeom prst="rect">
-            <a:avLst/>
-          </a:prstGeom>
-          <a:noFill/>
-          <a:ln w="0">
-            <a:noFill/>
-          </a:ln>
-          <a:effectLst>
-            <a:outerShdw blurRad="12600" dist="12727" dir="2700000" rotWithShape="0">
-              <a:srgbClr val="808080"/>
-            </a:outerShdw>
-          </a:effectLst>
-        </p:spPr>
-        <p:txBody>
-          <a:bodyPr lIns="90000" tIns="45000" rIns="90000" bIns="45000" anchor="t">
-            <a:noAutofit/>
-          </a:bodyPr>
-          <a:lstStyle/>
-          <a:p>
-            <a:r>
-              <a:rPr lang="en-US" sz="1800" b="0" strike="noStrike" spc="-1">
-                <a:solidFill>
-                  <a:srgbClr val="000000"/>
-                </a:solidFill>
-                <a:latin typeface="TeX Gyre Termes"/>
-                <a:ea typeface="TexMaths Symbols"/>
-              </a:rPr>
-              <a:t>Fractures</a:t>
-            </a:r>
-            <a:endParaRPr lang="en-US" sz="1800" b="0" strike="noStrike" spc="-1">
-              <a:solidFill>
-                <a:srgbClr val="000000"/>
-              </a:solidFill>
-              <a:latin typeface="Arial"/>
-            </a:endParaRPr>
-          </a:p>
-          <a:p>
-            <a:r>
-              <a:rPr lang="en-US" sz="1800" b="0" strike="noStrike" spc="-1">
-                <a:solidFill>
-                  <a:srgbClr val="000000"/>
-                </a:solidFill>
-                <a:latin typeface="TeX Gyre Termes"/>
-                <a:ea typeface="TexMaths Symbols"/>
-              </a:rPr>
-              <a:t>Salt geomechanics</a:t>
-            </a:r>
-            <a:endParaRPr lang="en-US" sz="1800" b="0" strike="noStrike" spc="-1">
-              <a:solidFill>
-                <a:srgbClr val="000000"/>
-              </a:solidFill>
-              <a:latin typeface="Arial"/>
-            </a:endParaRPr>
-          </a:p>
-          <a:p>
-            <a:r>
-              <a:rPr lang="en-US" sz="1800" b="0" strike="noStrike" spc="-1">
-                <a:solidFill>
-                  <a:srgbClr val="000000"/>
-                </a:solidFill>
-                <a:latin typeface="TeX Gyre Termes"/>
-                <a:ea typeface="TexMaths Symbols"/>
-              </a:rPr>
-              <a:t>Numerics and speedup</a:t>
-            </a:r>
-            <a:endParaRPr lang="en-US" sz="1800" b="0" strike="noStrike" spc="-1">
-              <a:solidFill>
-                <a:srgbClr val="000000"/>
-              </a:solidFill>
-              <a:latin typeface="Arial"/>
-            </a:endParaRPr>
-          </a:p>
-          <a:p>
-            <a:r>
-              <a:rPr lang="en-US" sz="1800" b="0" strike="noStrike" spc="-1">
-                <a:solidFill>
-                  <a:srgbClr val="000000"/>
-                </a:solidFill>
-                <a:latin typeface="TeX Gyre Termes"/>
-                <a:ea typeface="TexMaths Symbols"/>
-              </a:rPr>
-              <a:t>Multiphase flow and multiscale data assimilation</a:t>
-            </a:r>
-            <a:endParaRPr lang="en-US" sz="1800" b="0" strike="noStrike" spc="-1">
-              <a:solidFill>
-                <a:srgbClr val="000000"/>
-              </a:solidFill>
-              <a:latin typeface="Arial"/>
-            </a:endParaRPr>
-          </a:p>
-          <a:p>
-            <a:endParaRPr lang="en-US" sz="1800" b="0" strike="noStrike" spc="-1">
-              <a:solidFill>
-                <a:srgbClr val="000000"/>
-              </a:solidFill>
-              <a:latin typeface="Arial"/>
-            </a:endParaRPr>
-          </a:p>
-        </p:txBody>
-      </p:sp>
-    </p:spTree>
-  </p:cSld>
-  <p:clrMapOvr>
-    <a:masterClrMapping/>
-  </p:clrMapOvr>
-</p:sld>
-</file>
-
-<file path=ppt/slides/slide13.xml><?xml version="1.0" encoding="utf-8"?>
-<p:sld xmlns:a="http://schemas.openxmlformats.org/drawingml/2006/main" xmlns:r="http://schemas.openxmlformats.org/officeDocument/2006/relationships" xmlns:p="http://schemas.openxmlformats.org/presentationml/2006/main">
-  <p:cSld>
-    <p:spTree>
-      <p:nvGrpSpPr>
-        <p:cNvPr id="1" name=""/>
-        <p:cNvGrpSpPr/>
-        <p:nvPr/>
-      </p:nvGrpSpPr>
-      <p:grpSpPr>
-        <a:xfrm>
-          <a:off x="0" y="0"/>
-          <a:ext cx="0" cy="0"/>
-          <a:chOff x="0" y="0"/>
-          <a:chExt cx="0" cy="0"/>
-        </a:xfrm>
-      </p:grpSpPr>
-      <p:sp>
-        <p:nvSpPr>
-          <p:cNvPr id="103" name="PlaceHolder 1"/>
-          <p:cNvSpPr>
-            <a:spLocks noGrp="1"/>
-          </p:cNvSpPr>
-          <p:nvPr>
-            <p:ph type="title" idx="4294967295"/>
-          </p:nvPr>
-        </p:nvSpPr>
-        <p:spPr>
-          <a:xfrm>
-            <a:off x="0" y="46038"/>
-            <a:ext cx="8075613" cy="228600"/>
-          </a:xfrm>
-          <a:prstGeom prst="rect">
-            <a:avLst/>
-          </a:prstGeom>
-          <a:noFill/>
-          <a:ln w="0">
-            <a:noFill/>
-          </a:ln>
-        </p:spPr>
-        <p:txBody>
-          <a:bodyPr lIns="0" tIns="0" rIns="0" bIns="0" anchor="ctr">
-            <a:noAutofit/>
-          </a:bodyPr>
-          <a:lstStyle/>
-          <a:p>
-            <a:pPr indent="0">
-              <a:buNone/>
-            </a:pPr>
-            <a:r>
-              <a:rPr lang="en-US" sz="1600" b="1" strike="noStrike" spc="-1">
-                <a:solidFill>
-                  <a:srgbClr val="FFFFFF"/>
-                </a:solidFill>
-                <a:latin typeface="Arial"/>
-              </a:rPr>
-              <a:t>FRACTURES</a:t>
-            </a:r>
-          </a:p>
-        </p:txBody>
-      </p:sp>
-      <p:sp>
-        <p:nvSpPr>
-          <p:cNvPr id="104" name="CaixaDeTexto 103"/>
-          <p:cNvSpPr txBox="1"/>
-          <p:nvPr/>
-        </p:nvSpPr>
-        <p:spPr>
-          <a:xfrm>
-            <a:off x="228600" y="457200"/>
-            <a:ext cx="8686800" cy="3945600"/>
-          </a:xfrm>
-          <a:prstGeom prst="rect">
-            <a:avLst/>
-          </a:prstGeom>
-          <a:noFill/>
-          <a:ln w="0">
-            <a:noFill/>
-          </a:ln>
-          <a:effectLst>
-            <a:outerShdw blurRad="12600" dist="12727" dir="2700000" rotWithShape="0">
-              <a:srgbClr val="808080"/>
-            </a:outerShdw>
-          </a:effectLst>
-        </p:spPr>
-        <p:txBody>
-          <a:bodyPr lIns="90000" tIns="45000" rIns="90000" bIns="45000" anchor="t">
-            <a:noAutofit/>
-          </a:bodyPr>
-          <a:lstStyle/>
-          <a:p>
-            <a:r>
-              <a:rPr lang="en-US" sz="1800" b="0" strike="noStrike" spc="-1">
-                <a:solidFill>
-                  <a:srgbClr val="000000"/>
-                </a:solidFill>
-                <a:latin typeface="TeX Gyre Termes"/>
-                <a:ea typeface="TexMaths Symbols"/>
-              </a:rPr>
-              <a:t>Flow/heat</a:t>
-            </a:r>
-            <a:endParaRPr lang="en-US" sz="1800" b="0" strike="noStrike" spc="-1">
-              <a:solidFill>
-                <a:srgbClr val="000000"/>
-              </a:solidFill>
-              <a:latin typeface="Arial"/>
-            </a:endParaRPr>
-          </a:p>
-          <a:p>
-            <a:r>
-              <a:rPr lang="en-US" sz="1800" b="0" strike="noStrike" spc="-1">
-                <a:solidFill>
-                  <a:srgbClr val="000000"/>
-                </a:solidFill>
-                <a:latin typeface="TeX Gyre Termes"/>
-                <a:ea typeface="TexMaths Symbols"/>
-              </a:rPr>
-              <a:t>	EDFM</a:t>
-            </a:r>
-            <a:endParaRPr lang="en-US" sz="1800" b="0" strike="noStrike" spc="-1">
-              <a:solidFill>
-                <a:srgbClr val="000000"/>
-              </a:solidFill>
-              <a:latin typeface="Arial"/>
-            </a:endParaRPr>
-          </a:p>
-          <a:p>
-            <a:r>
-              <a:rPr lang="en-US" sz="1800" b="0" strike="noStrike" spc="-1">
-                <a:solidFill>
-                  <a:srgbClr val="000000"/>
-                </a:solidFill>
-                <a:latin typeface="TeX Gyre Termes"/>
-                <a:ea typeface="TexMaths Symbols"/>
-              </a:rPr>
-              <a:t>	CEDFM – Conforming discrete fracture model</a:t>
-            </a:r>
-            <a:endParaRPr lang="en-US" sz="1800" b="0" strike="noStrike" spc="-1">
-              <a:solidFill>
-                <a:srgbClr val="000000"/>
-              </a:solidFill>
-              <a:latin typeface="Arial"/>
-            </a:endParaRPr>
-          </a:p>
-          <a:p>
-            <a:r>
-              <a:rPr lang="en-US" sz="1800" b="0" strike="noStrike" spc="-1">
-                <a:solidFill>
-                  <a:srgbClr val="000000"/>
-                </a:solidFill>
-                <a:latin typeface="TeX Gyre Termes"/>
-                <a:ea typeface="TexMaths Symbols"/>
-              </a:rPr>
-              <a:t>	pEDFM – projection based embedded discrete fracture model</a:t>
-            </a:r>
-            <a:endParaRPr lang="en-US" sz="1800" b="0" strike="noStrike" spc="-1">
-              <a:solidFill>
-                <a:srgbClr val="000000"/>
-              </a:solidFill>
-              <a:latin typeface="Arial"/>
-            </a:endParaRPr>
-          </a:p>
-          <a:p>
-            <a:endParaRPr lang="en-US" sz="1800" b="0" strike="noStrike" spc="-1">
-              <a:solidFill>
-                <a:srgbClr val="000000"/>
-              </a:solidFill>
-              <a:latin typeface="Arial"/>
-            </a:endParaRPr>
-          </a:p>
-          <a:p>
-            <a:pPr>
-              <a:lnSpc>
-                <a:spcPct val="100000"/>
-              </a:lnSpc>
-              <a:spcBef>
-                <a:spcPts val="1511"/>
-              </a:spcBef>
-            </a:pPr>
-            <a:r>
-              <a:rPr lang="en-US" sz="1800" b="0" strike="noStrike" spc="-1">
-                <a:solidFill>
-                  <a:srgbClr val="000000"/>
-                </a:solidFill>
-                <a:latin typeface="TeX Gyre Termes"/>
-                <a:ea typeface="TexMaths Symbols"/>
-              </a:rPr>
-              <a:t>Mechanics</a:t>
-            </a:r>
-            <a:endParaRPr lang="en-US" sz="1800" b="0" strike="noStrike" spc="-1">
-              <a:solidFill>
-                <a:srgbClr val="000000"/>
-              </a:solidFill>
-              <a:latin typeface="Arial"/>
-            </a:endParaRPr>
-          </a:p>
-          <a:p>
-            <a:pPr>
-              <a:lnSpc>
-                <a:spcPct val="100000"/>
-              </a:lnSpc>
-            </a:pPr>
-            <a:r>
-              <a:rPr lang="en-US" sz="1800" b="0" strike="noStrike" spc="-1">
-                <a:solidFill>
-                  <a:srgbClr val="000000"/>
-                </a:solidFill>
-                <a:latin typeface="TeX Gyre Termes"/>
-                <a:ea typeface="TexMaths Symbols"/>
-              </a:rPr>
-              <a:t>	Elastic</a:t>
-            </a:r>
-            <a:endParaRPr lang="en-US" sz="1800" b="0" strike="noStrike" spc="-1">
-              <a:solidFill>
-                <a:srgbClr val="000000"/>
-              </a:solidFill>
-              <a:latin typeface="Arial"/>
-            </a:endParaRPr>
-          </a:p>
-          <a:p>
-            <a:pPr>
-              <a:lnSpc>
-                <a:spcPct val="100000"/>
-              </a:lnSpc>
-            </a:pPr>
-            <a:r>
-              <a:rPr lang="en-US" sz="1800" b="0" strike="noStrike" spc="-1">
-                <a:solidFill>
-                  <a:srgbClr val="000000"/>
-                </a:solidFill>
-                <a:latin typeface="TeX Gyre Termes"/>
-                <a:ea typeface="TexMaths Symbols"/>
-              </a:rPr>
-              <a:t>	Homogeneization – mech model for fractured media</a:t>
-            </a:r>
-            <a:endParaRPr lang="en-US" sz="1800" b="0" strike="noStrike" spc="-1">
-              <a:solidFill>
-                <a:srgbClr val="000000"/>
-              </a:solidFill>
-              <a:latin typeface="Arial"/>
-            </a:endParaRPr>
-          </a:p>
-          <a:p>
-            <a:pPr>
-              <a:lnSpc>
-                <a:spcPct val="100000"/>
-              </a:lnSpc>
-            </a:pPr>
-            <a:r>
-              <a:rPr lang="en-US" sz="1800" b="0" strike="noStrike" spc="-1">
-                <a:solidFill>
-                  <a:srgbClr val="000000"/>
-                </a:solidFill>
-                <a:latin typeface="TeX Gyre Termes"/>
-                <a:ea typeface="TexMaths Symbols"/>
-              </a:rPr>
-              <a:t>		Upscaling of biot, skempton, shear modulus etc</a:t>
-            </a:r>
-            <a:endParaRPr lang="en-US" sz="1800" b="0" strike="noStrike" spc="-1">
-              <a:solidFill>
-                <a:srgbClr val="000000"/>
-              </a:solidFill>
-              <a:latin typeface="Arial"/>
-            </a:endParaRPr>
-          </a:p>
-          <a:p>
-            <a:pPr>
-              <a:lnSpc>
-                <a:spcPct val="100000"/>
-              </a:lnSpc>
-            </a:pPr>
-            <a:r>
-              <a:rPr lang="en-US" sz="1800" b="0" strike="noStrike" spc="-1">
-                <a:solidFill>
-                  <a:srgbClr val="000000"/>
-                </a:solidFill>
-                <a:latin typeface="TeX Gyre Termes"/>
-                <a:ea typeface="TexMaths Symbols"/>
-              </a:rPr>
-              <a:t>	Plasticity</a:t>
-            </a:r>
-            <a:endParaRPr lang="en-US" sz="1800" b="0" strike="noStrike" spc="-1">
-              <a:solidFill>
-                <a:srgbClr val="000000"/>
-              </a:solidFill>
-              <a:latin typeface="Arial"/>
-            </a:endParaRPr>
-          </a:p>
-          <a:p>
-            <a:pPr>
-              <a:lnSpc>
-                <a:spcPct val="100000"/>
-              </a:lnSpc>
-            </a:pPr>
-            <a:r>
-              <a:rPr lang="en-US" sz="1800" b="0" strike="noStrike" spc="-1">
-                <a:solidFill>
-                  <a:srgbClr val="000000"/>
-                </a:solidFill>
-                <a:latin typeface="TeX Gyre Termes"/>
-                <a:ea typeface="TexMaths Symbols"/>
-              </a:rPr>
-              <a:t>	Thermal fracture nucleation near wellbore</a:t>
-            </a:r>
-            <a:endParaRPr lang="en-US" sz="1800" b="0" strike="noStrike" spc="-1">
-              <a:solidFill>
-                <a:srgbClr val="000000"/>
-              </a:solidFill>
-              <a:latin typeface="Arial"/>
-            </a:endParaRPr>
-          </a:p>
-          <a:p>
-            <a:pPr>
-              <a:lnSpc>
-                <a:spcPct val="100000"/>
-              </a:lnSpc>
-              <a:tabLst>
-                <a:tab pos="458280" algn="l"/>
-              </a:tabLst>
-            </a:pPr>
-            <a:endParaRPr lang="en-US" sz="1800" b="0" strike="noStrike" spc="-1">
-              <a:solidFill>
-                <a:srgbClr val="000000"/>
-              </a:solidFill>
-              <a:latin typeface="Arial"/>
-            </a:endParaRPr>
-          </a:p>
-        </p:txBody>
-      </p:sp>
-    </p:spTree>
-  </p:cSld>
-  <p:clrMapOvr>
-    <a:masterClrMapping/>
-  </p:clrMapOvr>
-</p:sld>
-</file>
-
-<file path=ppt/slides/slide14.xml><?xml version="1.0" encoding="utf-8"?>
-<p:sld xmlns:a="http://schemas.openxmlformats.org/drawingml/2006/main" xmlns:r="http://schemas.openxmlformats.org/officeDocument/2006/relationships" xmlns:p="http://schemas.openxmlformats.org/presentationml/2006/main">
-  <p:cSld>
-    <p:spTree>
-      <p:nvGrpSpPr>
-        <p:cNvPr id="1" name=""/>
-        <p:cNvGrpSpPr/>
-        <p:nvPr/>
-      </p:nvGrpSpPr>
-      <p:grpSpPr>
-        <a:xfrm>
-          <a:off x="0" y="0"/>
-          <a:ext cx="0" cy="0"/>
-          <a:chOff x="0" y="0"/>
-          <a:chExt cx="0" cy="0"/>
-        </a:xfrm>
-      </p:grpSpPr>
-      <p:sp>
-        <p:nvSpPr>
-          <p:cNvPr id="105" name="PlaceHolder 1"/>
-          <p:cNvSpPr>
-            <a:spLocks noGrp="1"/>
-          </p:cNvSpPr>
-          <p:nvPr>
-            <p:ph type="title" idx="4294967295"/>
-          </p:nvPr>
-        </p:nvSpPr>
-        <p:spPr>
-          <a:xfrm>
-            <a:off x="0" y="46038"/>
-            <a:ext cx="8075613" cy="228600"/>
-          </a:xfrm>
-          <a:prstGeom prst="rect">
-            <a:avLst/>
-          </a:prstGeom>
-          <a:noFill/>
-          <a:ln w="0">
-            <a:noFill/>
-          </a:ln>
-        </p:spPr>
-        <p:txBody>
-          <a:bodyPr lIns="0" tIns="0" rIns="0" bIns="0" anchor="ctr">
-            <a:noAutofit/>
-          </a:bodyPr>
-          <a:lstStyle/>
-          <a:p>
-            <a:pPr indent="0">
-              <a:buNone/>
-            </a:pPr>
-            <a:r>
-              <a:rPr lang="en-US" sz="1600" b="1" strike="noStrike" spc="-1">
-                <a:solidFill>
-                  <a:srgbClr val="FFFFFF"/>
-                </a:solidFill>
-                <a:latin typeface="Arial"/>
-              </a:rPr>
-              <a:t>SALT MECHANICS</a:t>
-            </a:r>
-          </a:p>
-        </p:txBody>
-      </p:sp>
-      <p:sp>
-        <p:nvSpPr>
-          <p:cNvPr id="106" name="CaixaDeTexto 105"/>
-          <p:cNvSpPr txBox="1"/>
-          <p:nvPr/>
-        </p:nvSpPr>
-        <p:spPr>
-          <a:xfrm>
-            <a:off x="228600" y="457200"/>
-            <a:ext cx="8686800" cy="3910680"/>
-          </a:xfrm>
-          <a:prstGeom prst="rect">
-            <a:avLst/>
-          </a:prstGeom>
-          <a:noFill/>
-          <a:ln w="0">
-            <a:noFill/>
-          </a:ln>
-          <a:effectLst>
-            <a:outerShdw blurRad="12600" dist="12727" dir="2700000" rotWithShape="0">
-              <a:srgbClr val="808080"/>
-            </a:outerShdw>
-          </a:effectLst>
-        </p:spPr>
-        <p:txBody>
-          <a:bodyPr lIns="90000" tIns="45000" rIns="90000" bIns="45000" anchor="t">
-            <a:noAutofit/>
-          </a:bodyPr>
-          <a:lstStyle/>
-          <a:p>
-            <a:r>
-              <a:rPr lang="en-US" sz="1800" b="0" strike="noStrike" spc="-1">
-                <a:solidFill>
-                  <a:srgbClr val="000000"/>
-                </a:solidFill>
-                <a:latin typeface="TeX Gyre Termes"/>
-                <a:ea typeface="TexMaths Symbols"/>
-              </a:rPr>
-              <a:t>Physiscs: creep, fracture, stress relaxation, long term conformation (geologic time)</a:t>
-            </a:r>
-            <a:endParaRPr lang="en-US" sz="1800" b="0" strike="noStrike" spc="-1">
-              <a:solidFill>
-                <a:srgbClr val="000000"/>
-              </a:solidFill>
-              <a:latin typeface="Arial"/>
-            </a:endParaRPr>
-          </a:p>
-          <a:p>
-            <a:r>
-              <a:rPr lang="en-US" sz="1800" b="0" strike="noStrike" spc="-1">
-                <a:solidFill>
-                  <a:srgbClr val="000000"/>
-                </a:solidFill>
-                <a:latin typeface="TeX Gyre Termes"/>
-                <a:ea typeface="TexMaths Symbols"/>
-              </a:rPr>
-              <a:t>Large strains model</a:t>
-            </a:r>
-            <a:endParaRPr lang="en-US" sz="1800" b="0" strike="noStrike" spc="-1">
-              <a:solidFill>
-                <a:srgbClr val="000000"/>
-              </a:solidFill>
-              <a:latin typeface="Arial"/>
-            </a:endParaRPr>
-          </a:p>
-          <a:p>
-            <a:r>
-              <a:rPr lang="en-US" sz="1800" b="0" strike="noStrike" spc="-1">
-                <a:solidFill>
-                  <a:srgbClr val="000000"/>
-                </a:solidFill>
-                <a:latin typeface="TeX Gyre Termes"/>
-                <a:ea typeface="TexMaths Symbols"/>
-              </a:rPr>
-              <a:t>Risk assessment </a:t>
-            </a:r>
-            <a:endParaRPr lang="en-US" sz="1800" b="0" strike="noStrike" spc="-1">
-              <a:solidFill>
-                <a:srgbClr val="000000"/>
-              </a:solidFill>
-              <a:latin typeface="Arial"/>
-            </a:endParaRPr>
-          </a:p>
-          <a:p>
-            <a:r>
-              <a:rPr lang="en-US" sz="1800" b="0" strike="noStrike" spc="-1">
-                <a:solidFill>
-                  <a:srgbClr val="000000"/>
-                </a:solidFill>
-                <a:latin typeface="TeX Gyre Termes"/>
-                <a:ea typeface="TexMaths Symbols"/>
-              </a:rPr>
-              <a:t>	Analyze worst case scenarios, use of safety coefficients</a:t>
-            </a:r>
-            <a:endParaRPr lang="en-US" sz="1800" b="0" strike="noStrike" spc="-1">
-              <a:solidFill>
-                <a:srgbClr val="000000"/>
-              </a:solidFill>
-              <a:latin typeface="Arial"/>
-            </a:endParaRPr>
-          </a:p>
-          <a:p>
-            <a:r>
-              <a:rPr lang="en-US" sz="1800" b="0" strike="noStrike" spc="-1">
-                <a:solidFill>
-                  <a:srgbClr val="000000"/>
-                </a:solidFill>
-                <a:latin typeface="TeX Gyre Termes"/>
-                <a:ea typeface="TexMaths Symbols"/>
-              </a:rPr>
-              <a:t>Mechanic dynamic of salt targetting process optimization</a:t>
-            </a:r>
-            <a:endParaRPr lang="en-US" sz="1800" b="0" strike="noStrike" spc="-1">
-              <a:solidFill>
-                <a:srgbClr val="000000"/>
-              </a:solidFill>
-              <a:latin typeface="Arial"/>
-            </a:endParaRPr>
-          </a:p>
-          <a:p>
-            <a:pPr>
-              <a:lnSpc>
-                <a:spcPct val="100000"/>
-              </a:lnSpc>
-              <a:tabLst>
-                <a:tab pos="455760" algn="l"/>
-              </a:tabLst>
-            </a:pPr>
-            <a:r>
-              <a:rPr lang="en-US" sz="1800" b="0" strike="noStrike" spc="-1">
-                <a:solidFill>
-                  <a:srgbClr val="000000"/>
-                </a:solidFill>
-                <a:latin typeface="TeX Gyre Termes"/>
-                <a:ea typeface="TexMaths Symbols"/>
-              </a:rPr>
-              <a:t>	Uncertainty analysis to support design decisions</a:t>
-            </a:r>
-            <a:endParaRPr lang="en-US" sz="1800" b="0" strike="noStrike" spc="-1">
-              <a:solidFill>
-                <a:srgbClr val="000000"/>
-              </a:solidFill>
-              <a:latin typeface="Arial"/>
-            </a:endParaRPr>
-          </a:p>
-          <a:p>
-            <a:pPr>
-              <a:lnSpc>
-                <a:spcPct val="100000"/>
-              </a:lnSpc>
-              <a:tabLst>
-                <a:tab pos="455760" algn="l"/>
-              </a:tabLst>
-            </a:pPr>
-            <a:r>
-              <a:rPr lang="en-US" sz="1800" b="0" strike="noStrike" spc="-1">
-                <a:solidFill>
-                  <a:srgbClr val="000000"/>
-                </a:solidFill>
-                <a:latin typeface="TeX Gyre Termes"/>
-                <a:ea typeface="TexMaths Symbols"/>
-              </a:rPr>
-              <a:t>	Fractures, deviatoric strain relaxation</a:t>
-            </a:r>
-            <a:endParaRPr lang="en-US" sz="1800" b="0" strike="noStrike" spc="-1">
-              <a:solidFill>
-                <a:srgbClr val="000000"/>
-              </a:solidFill>
-              <a:latin typeface="Arial"/>
-            </a:endParaRPr>
-          </a:p>
-          <a:p>
-            <a:r>
-              <a:rPr lang="en-US" sz="1800" b="0" strike="noStrike" spc="-1">
-                <a:solidFill>
-                  <a:srgbClr val="000000"/>
-                </a:solidFill>
-                <a:latin typeface="TeX Gyre Termes"/>
-                <a:ea typeface="TexMaths Symbols"/>
-              </a:rPr>
-              <a:t>Specific applications – case study</a:t>
-            </a:r>
-            <a:endParaRPr lang="en-US" sz="1800" b="0" strike="noStrike" spc="-1">
-              <a:solidFill>
-                <a:srgbClr val="000000"/>
-              </a:solidFill>
-              <a:latin typeface="Arial"/>
-            </a:endParaRPr>
-          </a:p>
-          <a:p>
-            <a:r>
-              <a:rPr lang="en-US" sz="1800" b="0" strike="noStrike" spc="-1">
-                <a:solidFill>
-                  <a:srgbClr val="000000"/>
-                </a:solidFill>
-                <a:latin typeface="TeX Gyre Termes"/>
-                <a:ea typeface="TexMaths Symbols"/>
-              </a:rPr>
-              <a:t>	Salt caverns</a:t>
-            </a:r>
-            <a:endParaRPr lang="en-US" sz="1800" b="0" strike="noStrike" spc="-1">
-              <a:solidFill>
-                <a:srgbClr val="000000"/>
-              </a:solidFill>
-              <a:latin typeface="Arial"/>
-            </a:endParaRPr>
-          </a:p>
-          <a:p>
-            <a:r>
-              <a:rPr lang="en-US" sz="1800" b="0" strike="noStrike" spc="-1">
-                <a:solidFill>
-                  <a:srgbClr val="000000"/>
-                </a:solidFill>
-                <a:latin typeface="TeX Gyre Termes"/>
-                <a:ea typeface="TexMaths Symbols"/>
-              </a:rPr>
-              <a:t>	Salt as a caprock</a:t>
-            </a:r>
-            <a:endParaRPr lang="en-US" sz="1800" b="0" strike="noStrike" spc="-1">
-              <a:solidFill>
-                <a:srgbClr val="000000"/>
-              </a:solidFill>
-              <a:latin typeface="Arial"/>
-            </a:endParaRPr>
-          </a:p>
-        </p:txBody>
-      </p:sp>
-    </p:spTree>
-  </p:cSld>
-  <p:clrMapOvr>
-    <a:masterClrMapping/>
-  </p:clrMapOvr>
-</p:sld>
-</file>
-
-<file path=ppt/slides/slide15.xml><?xml version="1.0" encoding="utf-8"?>
-<p:sld xmlns:a="http://schemas.openxmlformats.org/drawingml/2006/main" xmlns:r="http://schemas.openxmlformats.org/officeDocument/2006/relationships" xmlns:p="http://schemas.openxmlformats.org/presentationml/2006/main">
-  <p:cSld>
-    <p:spTree>
-      <p:nvGrpSpPr>
-        <p:cNvPr id="1" name=""/>
-        <p:cNvGrpSpPr/>
-        <p:nvPr/>
-      </p:nvGrpSpPr>
-      <p:grpSpPr>
-        <a:xfrm>
-          <a:off x="0" y="0"/>
-          <a:ext cx="0" cy="0"/>
-          <a:chOff x="0" y="0"/>
-          <a:chExt cx="0" cy="0"/>
-        </a:xfrm>
-      </p:grpSpPr>
-      <p:sp>
-        <p:nvSpPr>
-          <p:cNvPr id="107" name="PlaceHolder 1"/>
-          <p:cNvSpPr>
-            <a:spLocks noGrp="1"/>
-          </p:cNvSpPr>
-          <p:nvPr>
-            <p:ph type="title" idx="4294967295"/>
-          </p:nvPr>
-        </p:nvSpPr>
-        <p:spPr>
-          <a:xfrm>
-            <a:off x="0" y="-1588"/>
-            <a:ext cx="7854950" cy="298451"/>
-          </a:xfrm>
-          <a:prstGeom prst="rect">
-            <a:avLst/>
-          </a:prstGeom>
-          <a:noFill/>
-          <a:ln w="0">
-            <a:noFill/>
-          </a:ln>
-        </p:spPr>
-        <p:txBody>
-          <a:bodyPr lIns="0" tIns="0" rIns="0" bIns="0" anchor="ctr">
-            <a:noAutofit/>
-          </a:bodyPr>
-          <a:lstStyle/>
-          <a:p>
-            <a:pPr indent="0">
-              <a:lnSpc>
-                <a:spcPct val="100000"/>
-              </a:lnSpc>
-              <a:buNone/>
-            </a:pPr>
-            <a:r>
-              <a:rPr lang="en-US" sz="2100" b="1" strike="noStrike" spc="-1">
-                <a:solidFill>
-                  <a:srgbClr val="FFFFFF"/>
-                </a:solidFill>
-                <a:latin typeface="Arial"/>
-              </a:rPr>
-              <a:t>Multiphase flow and multiscale data assimilation</a:t>
-            </a:r>
-          </a:p>
-        </p:txBody>
-      </p:sp>
-      <p:sp>
-        <p:nvSpPr>
-          <p:cNvPr id="108" name="CaixaDeTexto 107"/>
-          <p:cNvSpPr txBox="1"/>
-          <p:nvPr/>
-        </p:nvSpPr>
-        <p:spPr>
-          <a:xfrm>
-            <a:off x="228960" y="457200"/>
-            <a:ext cx="8001000" cy="2881440"/>
-          </a:xfrm>
-          <a:prstGeom prst="rect">
-            <a:avLst/>
-          </a:prstGeom>
-          <a:noFill/>
-          <a:ln w="0">
-            <a:noFill/>
-          </a:ln>
-          <a:effectLst>
-            <a:outerShdw blurRad="12600" dist="12727" dir="2700000" rotWithShape="0">
-              <a:srgbClr val="808080"/>
-            </a:outerShdw>
-          </a:effectLst>
-        </p:spPr>
-        <p:txBody>
-          <a:bodyPr lIns="90000" tIns="45000" rIns="90000" bIns="45000" anchor="t">
-            <a:noAutofit/>
-          </a:bodyPr>
-          <a:lstStyle/>
-          <a:p>
-            <a:pPr>
-              <a:lnSpc>
-                <a:spcPct val="100000"/>
-              </a:lnSpc>
-              <a:spcBef>
-                <a:spcPts val="1511"/>
-              </a:spcBef>
-            </a:pPr>
-            <a:r>
-              <a:rPr lang="en-US" sz="1800" b="0" strike="noStrike" spc="-1">
-                <a:solidFill>
-                  <a:srgbClr val="000000"/>
-                </a:solidFill>
-                <a:latin typeface="TeX Gyre Termes"/>
-                <a:ea typeface="TexMaths Symbols"/>
-              </a:rPr>
-              <a:t>Multiphase pore scale simulation</a:t>
-            </a:r>
-            <a:endParaRPr lang="en-US" sz="1800" b="0" strike="noStrike" spc="-1">
-              <a:solidFill>
-                <a:srgbClr val="000000"/>
-              </a:solidFill>
-              <a:latin typeface="Arial"/>
-            </a:endParaRPr>
-          </a:p>
-          <a:p>
-            <a:r>
-              <a:rPr lang="en-US" sz="1800" b="0" strike="noStrike" spc="-1">
-                <a:solidFill>
-                  <a:srgbClr val="000000"/>
-                </a:solidFill>
-                <a:latin typeface="TeX Gyre Termes"/>
-                <a:ea typeface="TexMaths Symbols"/>
-              </a:rPr>
-              <a:t>Numerical simulation of intermediate scales</a:t>
-            </a:r>
-            <a:endParaRPr lang="en-US" sz="1800" b="0" strike="noStrike" spc="-1">
-              <a:solidFill>
-                <a:srgbClr val="000000"/>
-              </a:solidFill>
-              <a:latin typeface="Arial"/>
-            </a:endParaRPr>
-          </a:p>
-          <a:p>
-            <a:r>
-              <a:rPr lang="en-US" sz="1800" b="0" strike="noStrike" spc="-1">
-                <a:solidFill>
-                  <a:srgbClr val="000000"/>
-                </a:solidFill>
-                <a:latin typeface="TeX Gyre Termes"/>
-                <a:ea typeface="TexMaths Symbols"/>
-              </a:rPr>
-              <a:t>Models and parameters tying the different scales</a:t>
-            </a:r>
-            <a:endParaRPr lang="en-US" sz="1800" b="0" strike="noStrike" spc="-1">
-              <a:solidFill>
-                <a:srgbClr val="000000"/>
-              </a:solidFill>
-              <a:latin typeface="Arial"/>
-            </a:endParaRPr>
-          </a:p>
-          <a:p>
-            <a:r>
-              <a:rPr lang="en-US" sz="1800" b="0" strike="noStrike" spc="-1">
-                <a:solidFill>
-                  <a:srgbClr val="000000"/>
-                </a:solidFill>
-                <a:latin typeface="TeX Gyre Termes"/>
-                <a:ea typeface="TexMaths Symbols"/>
-              </a:rPr>
-              <a:t>Assimilation of laboratory data</a:t>
-            </a:r>
-            <a:endParaRPr lang="en-US" sz="1800" b="0" strike="noStrike" spc="-1">
-              <a:solidFill>
-                <a:srgbClr val="000000"/>
-              </a:solidFill>
-              <a:latin typeface="Arial"/>
-            </a:endParaRPr>
-          </a:p>
-          <a:p>
-            <a:r>
-              <a:rPr lang="en-US" sz="1800" b="0" strike="noStrike" spc="-1">
-                <a:solidFill>
-                  <a:srgbClr val="000000"/>
-                </a:solidFill>
-                <a:latin typeface="TeX Gyre Termes"/>
-                <a:ea typeface="TexMaths Symbols"/>
-              </a:rPr>
-              <a:t>Guidance of the laboratory practice</a:t>
-            </a:r>
-            <a:endParaRPr lang="en-US" sz="1800" b="0" strike="noStrike" spc="-1">
-              <a:solidFill>
-                <a:srgbClr val="000000"/>
-              </a:solidFill>
-              <a:latin typeface="Arial"/>
-            </a:endParaRPr>
-          </a:p>
-        </p:txBody>
-      </p:sp>
-    </p:spTree>
-  </p:cSld>
-  <p:clrMapOvr>
-    <a:masterClrMapping/>
-  </p:clrMapOvr>
-</p:sld>
-</file>
-
-<file path=ppt/slides/slide16.xml><?xml version="1.0" encoding="utf-8"?>
-<p:sld xmlns:a="http://schemas.openxmlformats.org/drawingml/2006/main" xmlns:r="http://schemas.openxmlformats.org/officeDocument/2006/relationships" xmlns:p="http://schemas.openxmlformats.org/presentationml/2006/main">
-  <p:cSld>
-    <p:spTree>
-      <p:nvGrpSpPr>
-        <p:cNvPr id="1" name=""/>
-        <p:cNvGrpSpPr/>
-        <p:nvPr/>
-      </p:nvGrpSpPr>
-      <p:grpSpPr>
-        <a:xfrm>
-          <a:off x="0" y="0"/>
-          <a:ext cx="0" cy="0"/>
-          <a:chOff x="0" y="0"/>
-          <a:chExt cx="0" cy="0"/>
-        </a:xfrm>
-      </p:grpSpPr>
-      <p:sp>
-        <p:nvSpPr>
-          <p:cNvPr id="3" name="Text Placeholder 2">
-            <a:extLst>
-              <a:ext uri="{FF2B5EF4-FFF2-40B4-BE49-F238E27FC236}">
-                <a16:creationId xmlns:a16="http://schemas.microsoft.com/office/drawing/2014/main" id="{8A1E0E49-A02A-6CC2-2F79-B034AD371AC0}"/>
-              </a:ext>
-            </a:extLst>
-          </p:cNvPr>
-          <p:cNvSpPr>
-            <a:spLocks noGrp="1"/>
-          </p:cNvSpPr>
-          <p:nvPr>
-            <p:ph type="body" sz="quarter" idx="11"/>
-          </p:nvPr>
-        </p:nvSpPr>
-        <p:spPr/>
-        <p:txBody>
-          <a:bodyPr/>
-          <a:lstStyle/>
-          <a:p>
-            <a:r>
-              <a:rPr lang="pt-BR" dirty="0"/>
-              <a:t>A indústria tende à simplicidade ingênua, a academia para a complexidade exagerada. O desafio é se encontrarem no meio termo.</a:t>
-            </a:r>
-            <a:endParaRPr lang="en-US" dirty="0"/>
-          </a:p>
-        </p:txBody>
-      </p:sp>
-      <p:sp>
-        <p:nvSpPr>
-          <p:cNvPr id="2" name="Title 1">
-            <a:extLst>
-              <a:ext uri="{FF2B5EF4-FFF2-40B4-BE49-F238E27FC236}">
-                <a16:creationId xmlns:a16="http://schemas.microsoft.com/office/drawing/2014/main" id="{FC29FA84-1DB0-7C4C-4FF8-9D0AD0346515}"/>
-              </a:ext>
-            </a:extLst>
-          </p:cNvPr>
-          <p:cNvSpPr>
-            <a:spLocks noGrp="1"/>
-          </p:cNvSpPr>
-          <p:nvPr>
-            <p:ph type="title"/>
-          </p:nvPr>
-        </p:nvSpPr>
-        <p:spPr/>
-        <p:txBody>
-          <a:bodyPr/>
-          <a:lstStyle/>
-          <a:p>
-            <a:r>
-              <a:rPr lang="pt-BR" dirty="0" err="1"/>
-              <a:t>Citations</a:t>
-            </a:r>
-            <a:endParaRPr lang="en-US" dirty="0"/>
-          </a:p>
-        </p:txBody>
-      </p:sp>
-    </p:spTree>
-    <p:extLst>
-      <p:ext uri="{BB962C8B-B14F-4D97-AF65-F5344CB8AC3E}">
-        <p14:creationId xmlns:p14="http://schemas.microsoft.com/office/powerpoint/2010/main" val="10459591"/>
-      </p:ext>
-    </p:extLst>
-  </p:cSld>
-  <p:clrMapOvr>
-    <a:masterClrMapping/>
-  </p:clrMapOvr>
-</p:sld>
-</file>
-
-<file path=ppt/slides/slide2.xml><?xml version="1.0" encoding="utf-8"?>
 <p:sld xmlns:a="http://schemas.openxmlformats.org/drawingml/2006/main" xmlns:r="http://schemas.openxmlformats.org/officeDocument/2006/relationships" xmlns:p="http://schemas.openxmlformats.org/presentationml/2006/main">
   <p:cSld>
     <p:spTree>
@@ -4362,7 +4190,7 @@
           <p:cNvPr id="2" name="Text Placeholder 1">
             <a:extLst>
               <a:ext uri="{FF2B5EF4-FFF2-40B4-BE49-F238E27FC236}">
-                <a16:creationId xmlns:a16="http://schemas.microsoft.com/office/drawing/2014/main" id="{28D411D6-73FA-CF7A-EAB1-279273C17FD1}"/>
+                <a16:creationId xmlns:a16="http://schemas.microsoft.com/office/drawing/2014/main" id="{3F8C4417-C44F-64BE-ECF0-2A08904773F3}"/>
               </a:ext>
             </a:extLst>
           </p:cNvPr>
@@ -4378,69 +4206,283 @@
           <a:bodyPr/>
           <a:lstStyle/>
           <a:p>
-            <a:pPr>
-              <a:spcBef>
-                <a:spcPts val="600"/>
-              </a:spcBef>
-            </a:pPr>
-            <a:r>
-              <a:rPr lang="en-US" noProof="0" dirty="0"/>
-              <a:t>TRACK #1 – Flow in fractured media</a:t>
-            </a:r>
-          </a:p>
-          <a:p>
-            <a:pPr>
-              <a:spcBef>
-                <a:spcPts val="600"/>
-              </a:spcBef>
-            </a:pPr>
-            <a:r>
-              <a:rPr lang="en-US" noProof="0" dirty="0"/>
-              <a:t>TRACK #2 – Fracture propagation</a:t>
-            </a:r>
-          </a:p>
-          <a:p>
-            <a:pPr>
-              <a:spcBef>
-                <a:spcPts val="600"/>
-              </a:spcBef>
-            </a:pPr>
-            <a:r>
-              <a:rPr lang="en-US" noProof="0" dirty="0"/>
-              <a:t>TRACK #3 – Salt rock mechanics</a:t>
-            </a:r>
-          </a:p>
-          <a:p>
-            <a:pPr>
-              <a:spcBef>
-                <a:spcPts val="600"/>
-              </a:spcBef>
-            </a:pPr>
-            <a:r>
-              <a:rPr lang="en-US" noProof="0" dirty="0"/>
-              <a:t>TRACK #4 – Homogenization of mechanical parameters</a:t>
-            </a:r>
-          </a:p>
-          <a:p>
-            <a:pPr>
-              <a:spcBef>
-                <a:spcPts val="600"/>
-              </a:spcBef>
-            </a:pPr>
-            <a:r>
-              <a:rPr lang="en-US" noProof="0" dirty="0"/>
-              <a:t>TRACK #5 – Computational performance</a:t>
-            </a:r>
-          </a:p>
-          <a:p>
-            <a:pPr>
-              <a:spcBef>
-                <a:spcPts val="600"/>
-              </a:spcBef>
-            </a:pPr>
-            <a:r>
-              <a:rPr lang="en-US" noProof="0" dirty="0"/>
-              <a:t>TRACK #6 – Multiscale data assimilation</a:t>
+            <a:r>
+              <a:rPr lang="pt-BR" dirty="0"/>
+              <a:t>INTRODUCTION, MOTIVATION, OBJECTIVES</a:t>
+            </a:r>
+          </a:p>
+          <a:p>
+            <a:r>
+              <a:rPr lang="pt-BR" dirty="0"/>
+              <a:t>LITERATURE REVIEW</a:t>
+            </a:r>
+          </a:p>
+          <a:p>
+            <a:pPr lvl="1"/>
+            <a:r>
+              <a:rPr lang="pt-BR" dirty="0" err="1"/>
+              <a:t>Fractures</a:t>
+            </a:r>
+            <a:r>
+              <a:rPr lang="pt-BR" dirty="0"/>
+              <a:t> as </a:t>
+            </a:r>
+            <a:r>
+              <a:rPr lang="pt-BR" dirty="0" err="1"/>
+              <a:t>physical</a:t>
+            </a:r>
+            <a:r>
+              <a:rPr lang="pt-BR" dirty="0"/>
+              <a:t> </a:t>
+            </a:r>
+            <a:r>
+              <a:rPr lang="pt-BR" dirty="0" err="1"/>
+              <a:t>entities</a:t>
+            </a:r>
+            <a:r>
+              <a:rPr lang="pt-BR" dirty="0"/>
+              <a:t> in </a:t>
+            </a:r>
+            <a:r>
+              <a:rPr lang="pt-BR" dirty="0" err="1"/>
+              <a:t>nature</a:t>
+            </a:r>
+            <a:endParaRPr lang="pt-BR" dirty="0"/>
+          </a:p>
+          <a:p>
+            <a:pPr lvl="1"/>
+            <a:r>
+              <a:rPr lang="pt-BR" dirty="0" err="1"/>
+              <a:t>Numerical</a:t>
+            </a:r>
+            <a:r>
+              <a:rPr lang="pt-BR" dirty="0"/>
+              <a:t> features </a:t>
+            </a:r>
+            <a:r>
+              <a:rPr lang="pt-BR" dirty="0" err="1"/>
+              <a:t>to</a:t>
+            </a:r>
+            <a:r>
+              <a:rPr lang="pt-BR" dirty="0"/>
+              <a:t> </a:t>
+            </a:r>
+            <a:r>
+              <a:rPr lang="pt-BR" dirty="0" err="1"/>
+              <a:t>represent</a:t>
+            </a:r>
+            <a:r>
+              <a:rPr lang="pt-BR" dirty="0"/>
+              <a:t> </a:t>
+            </a:r>
+            <a:r>
+              <a:rPr lang="pt-BR" dirty="0" err="1"/>
+              <a:t>fractures</a:t>
+            </a:r>
+            <a:endParaRPr lang="pt-BR" dirty="0"/>
+          </a:p>
+          <a:p>
+            <a:pPr lvl="1"/>
+            <a:r>
+              <a:rPr lang="pt-BR" dirty="0" err="1"/>
+              <a:t>Motivate</a:t>
+            </a:r>
+            <a:r>
+              <a:rPr lang="pt-BR" dirty="0"/>
+              <a:t> </a:t>
+            </a:r>
+            <a:r>
+              <a:rPr lang="pt-BR" dirty="0" err="1"/>
+              <a:t>our</a:t>
+            </a:r>
+            <a:r>
+              <a:rPr lang="pt-BR" dirty="0"/>
+              <a:t> </a:t>
+            </a:r>
+            <a:r>
+              <a:rPr lang="pt-BR" dirty="0" err="1"/>
+              <a:t>technical</a:t>
+            </a:r>
+            <a:r>
+              <a:rPr lang="pt-BR" dirty="0"/>
+              <a:t> </a:t>
+            </a:r>
+            <a:r>
+              <a:rPr lang="pt-BR" dirty="0" err="1"/>
+              <a:t>choices</a:t>
+            </a:r>
+            <a:endParaRPr lang="pt-BR" dirty="0"/>
+          </a:p>
+          <a:p>
+            <a:pPr lvl="2"/>
+            <a:r>
+              <a:rPr lang="pt-BR" dirty="0"/>
+              <a:t>EDFM</a:t>
+            </a:r>
+          </a:p>
+          <a:p>
+            <a:pPr lvl="2"/>
+            <a:r>
+              <a:rPr lang="pt-BR" dirty="0"/>
+              <a:t>FEM</a:t>
+            </a:r>
+          </a:p>
+          <a:p>
+            <a:pPr lvl="2"/>
+            <a:r>
+              <a:rPr lang="pt-BR" dirty="0" err="1"/>
+              <a:t>Hybrid</a:t>
+            </a:r>
+            <a:r>
+              <a:rPr lang="pt-BR" dirty="0"/>
+              <a:t> </a:t>
+            </a:r>
+            <a:r>
+              <a:rPr lang="pt-BR" dirty="0" err="1"/>
+              <a:t>coupling</a:t>
+            </a:r>
+            <a:endParaRPr lang="pt-BR" dirty="0"/>
+          </a:p>
+          <a:p>
+            <a:r>
+              <a:rPr lang="pt-BR" dirty="0"/>
+              <a:t>SIMULATOR</a:t>
+            </a:r>
+          </a:p>
+          <a:p>
+            <a:pPr lvl="1"/>
+            <a:r>
+              <a:rPr lang="pt-BR" dirty="0" err="1"/>
+              <a:t>Mathematics</a:t>
+            </a:r>
+            <a:r>
+              <a:rPr lang="pt-BR" dirty="0"/>
+              <a:t> - THM</a:t>
+            </a:r>
+          </a:p>
+          <a:p>
+            <a:pPr lvl="1"/>
+            <a:r>
+              <a:rPr lang="pt-BR" dirty="0" err="1"/>
+              <a:t>Discuss</a:t>
+            </a:r>
+            <a:r>
+              <a:rPr lang="pt-BR" dirty="0"/>
+              <a:t> </a:t>
+            </a:r>
+            <a:r>
+              <a:rPr lang="pt-BR" dirty="0" err="1"/>
+              <a:t>characteristic</a:t>
+            </a:r>
+            <a:r>
+              <a:rPr lang="pt-BR" dirty="0"/>
+              <a:t> times </a:t>
+            </a:r>
+            <a:r>
+              <a:rPr lang="pt-BR" dirty="0" err="1"/>
+              <a:t>of</a:t>
+            </a:r>
+            <a:r>
+              <a:rPr lang="pt-BR" dirty="0"/>
+              <a:t> </a:t>
+            </a:r>
+            <a:r>
+              <a:rPr lang="pt-BR" dirty="0" err="1"/>
+              <a:t>the</a:t>
+            </a:r>
+            <a:r>
+              <a:rPr lang="pt-BR" dirty="0"/>
+              <a:t> </a:t>
+            </a:r>
+            <a:r>
+              <a:rPr lang="pt-BR" dirty="0" err="1"/>
+              <a:t>phenomena</a:t>
+            </a:r>
+            <a:r>
+              <a:rPr lang="pt-BR" dirty="0"/>
+              <a:t> </a:t>
+            </a:r>
+            <a:r>
+              <a:rPr lang="pt-BR" dirty="0" err="1"/>
+              <a:t>to</a:t>
+            </a:r>
+            <a:r>
+              <a:rPr lang="pt-BR" dirty="0"/>
+              <a:t> </a:t>
+            </a:r>
+            <a:r>
+              <a:rPr lang="pt-BR" dirty="0" err="1"/>
+              <a:t>motivate</a:t>
+            </a:r>
+            <a:r>
+              <a:rPr lang="pt-BR" dirty="0"/>
+              <a:t> </a:t>
+            </a:r>
+            <a:r>
+              <a:rPr lang="pt-BR" dirty="0" err="1"/>
+              <a:t>the</a:t>
+            </a:r>
+            <a:r>
+              <a:rPr lang="pt-BR" dirty="0"/>
+              <a:t> </a:t>
+            </a:r>
+            <a:r>
+              <a:rPr lang="pt-BR" dirty="0" err="1"/>
+              <a:t>coupling</a:t>
+            </a:r>
+            <a:endParaRPr lang="pt-BR" dirty="0"/>
+          </a:p>
+          <a:p>
+            <a:pPr lvl="1"/>
+            <a:r>
+              <a:rPr lang="pt-BR" dirty="0" err="1"/>
+              <a:t>Validation</a:t>
+            </a:r>
+            <a:endParaRPr lang="pt-BR" dirty="0"/>
+          </a:p>
+          <a:p>
+            <a:r>
+              <a:rPr lang="en-US" dirty="0"/>
+              <a:t>APPLICATION #1</a:t>
+            </a:r>
+          </a:p>
+          <a:p>
+            <a:pPr lvl="1"/>
+            <a:r>
+              <a:rPr lang="en-US" dirty="0"/>
+              <a:t>Multiple fractures propagating</a:t>
+            </a:r>
+          </a:p>
+          <a:p>
+            <a:r>
+              <a:rPr lang="en-US" dirty="0"/>
+              <a:t>APPLICATION #2</a:t>
+            </a:r>
+          </a:p>
+          <a:p>
+            <a:pPr lvl="1"/>
+            <a:r>
+              <a:rPr lang="en-US" dirty="0"/>
+              <a:t>Fracture branching in heterogeneous media</a:t>
+            </a:r>
+          </a:p>
+          <a:p>
+            <a:r>
+              <a:rPr lang="en-US" dirty="0"/>
+              <a:t>APPLICATION #3</a:t>
+            </a:r>
+          </a:p>
+          <a:p>
+            <a:pPr lvl="1"/>
+            <a:r>
+              <a:rPr lang="en-US" dirty="0"/>
+              <a:t>Fracture propagation in presence of plasticity and creep</a:t>
+            </a:r>
+          </a:p>
+          <a:p>
+            <a:r>
+              <a:rPr lang="en-US" dirty="0"/>
+              <a:t>CONCLUSION</a:t>
             </a:r>
           </a:p>
         </p:txBody>
@@ -4450,7 +4492,7 @@
           <p:cNvPr id="3" name="Title 2">
             <a:extLst>
               <a:ext uri="{FF2B5EF4-FFF2-40B4-BE49-F238E27FC236}">
-                <a16:creationId xmlns:a16="http://schemas.microsoft.com/office/drawing/2014/main" id="{0C3277B8-8CDF-1A7C-D365-41F5924D9BBE}"/>
+                <a16:creationId xmlns:a16="http://schemas.microsoft.com/office/drawing/2014/main" id="{9E750368-0845-F66B-1B40-59F4EFE7AF75}"/>
               </a:ext>
             </a:extLst>
           </p:cNvPr>
@@ -4467,16 +4509,17 @@
           <a:lstStyle/>
           <a:p>
             <a:r>
-              <a:rPr lang="en-US" noProof="0" dirty="0"/>
-              <a:t>Research tracks</a:t>
-            </a:r>
+              <a:rPr lang="pt-BR" dirty="0"/>
+              <a:t>DYNAMIC EDFM - DISSERTATION</a:t>
+            </a:r>
+            <a:endParaRPr lang="en-US" dirty="0"/>
           </a:p>
         </p:txBody>
       </p:sp>
     </p:spTree>
     <p:extLst>
       <p:ext uri="{BB962C8B-B14F-4D97-AF65-F5344CB8AC3E}">
-        <p14:creationId xmlns:p14="http://schemas.microsoft.com/office/powerpoint/2010/main" val="1593047116"/>
+        <p14:creationId xmlns:p14="http://schemas.microsoft.com/office/powerpoint/2010/main" val="3228207276"/>
       </p:ext>
     </p:extLst>
   </p:cSld>
@@ -4486,287 +4529,7 @@
 </p:sld>
 </file>
 
-<file path=ppt/slides/slide3.xml><?xml version="1.0" encoding="utf-8"?>
-<p:sld xmlns:a="http://schemas.openxmlformats.org/drawingml/2006/main" xmlns:r="http://schemas.openxmlformats.org/officeDocument/2006/relationships" xmlns:p="http://schemas.openxmlformats.org/presentationml/2006/main">
-  <p:cSld>
-    <p:spTree>
-      <p:nvGrpSpPr>
-        <p:cNvPr id="1" name=""/>
-        <p:cNvGrpSpPr/>
-        <p:nvPr/>
-      </p:nvGrpSpPr>
-      <p:grpSpPr>
-        <a:xfrm>
-          <a:off x="0" y="0"/>
-          <a:ext cx="0" cy="0"/>
-          <a:chOff x="0" y="0"/>
-          <a:chExt cx="0" cy="0"/>
-        </a:xfrm>
-      </p:grpSpPr>
-      <p:sp>
-        <p:nvSpPr>
-          <p:cNvPr id="7" name="Text Placeholder 6">
-            <a:extLst>
-              <a:ext uri="{FF2B5EF4-FFF2-40B4-BE49-F238E27FC236}">
-                <a16:creationId xmlns:a16="http://schemas.microsoft.com/office/drawing/2014/main" id="{E00C1DDD-181F-CA9A-6779-26C29DB3D49C}"/>
-              </a:ext>
-            </a:extLst>
-          </p:cNvPr>
-          <p:cNvSpPr>
-            <a:spLocks noGrp="1"/>
-          </p:cNvSpPr>
-          <p:nvPr>
-            <p:ph type="body" sz="quarter" idx="11"/>
-          </p:nvPr>
-        </p:nvSpPr>
-        <p:spPr>
-          <a:xfrm>
-            <a:off x="88900" y="385763"/>
-            <a:ext cx="8963660" cy="4676094"/>
-          </a:xfrm>
-        </p:spPr>
-        <p:txBody>
-          <a:bodyPr/>
-          <a:lstStyle/>
-          <a:p>
-            <a:pPr>
-              <a:spcBef>
-                <a:spcPts val="600"/>
-              </a:spcBef>
-            </a:pPr>
-            <a:r>
-              <a:rPr lang="en-US" dirty="0"/>
-              <a:t>TRACK #1 – Flow in fractured media</a:t>
-            </a:r>
-          </a:p>
-          <a:p>
-            <a:pPr lvl="1"/>
-            <a:r>
-              <a:rPr lang="en-US" dirty="0"/>
-              <a:t>EDFM/CEDFM/PEDFM</a:t>
-            </a:r>
-          </a:p>
-          <a:p>
-            <a:pPr lvl="1"/>
-            <a:r>
-              <a:rPr lang="en-US" dirty="0"/>
-              <a:t>Comparison of the techniques.</a:t>
-            </a:r>
-          </a:p>
-          <a:p>
-            <a:pPr lvl="1"/>
-            <a:r>
-              <a:rPr lang="en-US" dirty="0"/>
-              <a:t>Seems a good starting point for learning the code, getting something published, and moving forward.</a:t>
-            </a:r>
-          </a:p>
-          <a:p>
-            <a:pPr>
-              <a:spcBef>
-                <a:spcPts val="600"/>
-              </a:spcBef>
-            </a:pPr>
-            <a:r>
-              <a:rPr lang="en-US" dirty="0"/>
-              <a:t>TRACK #2 – Fracture propagation</a:t>
-            </a:r>
-          </a:p>
-          <a:p>
-            <a:pPr lvl="1"/>
-            <a:r>
-              <a:rPr lang="en-US" dirty="0"/>
-              <a:t>Long-term thermo-hydraulic fracture propagation without predefined fracture track</a:t>
-            </a:r>
-          </a:p>
-          <a:p>
-            <a:pPr lvl="1"/>
-            <a:r>
-              <a:rPr lang="en-US" dirty="0"/>
-              <a:t>Can EDFM be extended to fracture propagation?</a:t>
-            </a:r>
-          </a:p>
-          <a:p>
-            <a:pPr lvl="1"/>
-            <a:r>
-              <a:rPr lang="en-US" dirty="0"/>
-              <a:t>Check SBFEM</a:t>
-            </a:r>
-          </a:p>
-          <a:p>
-            <a:pPr>
-              <a:spcBef>
-                <a:spcPts val="600"/>
-              </a:spcBef>
-            </a:pPr>
-            <a:r>
-              <a:rPr lang="en-US" dirty="0"/>
-              <a:t>TRACK #3 – Salt rock mechanics</a:t>
-            </a:r>
-          </a:p>
-          <a:p>
-            <a:pPr lvl="1"/>
-            <a:r>
-              <a:rPr lang="en-US" dirty="0"/>
-              <a:t>THM modeling of salt geomechanics (elasticity, plasticity, creep)</a:t>
-            </a:r>
-          </a:p>
-          <a:p>
-            <a:pPr lvl="1"/>
-            <a:r>
-              <a:rPr lang="en-US" dirty="0"/>
-              <a:t>Apply to fracture containment, caverns, drilling, well abandonment, </a:t>
-            </a:r>
-            <a:r>
-              <a:rPr lang="en-US" dirty="0" err="1"/>
-              <a:t>etc</a:t>
-            </a:r>
-            <a:endParaRPr lang="en-US" dirty="0"/>
-          </a:p>
-          <a:p>
-            <a:pPr>
-              <a:spcBef>
-                <a:spcPts val="600"/>
-              </a:spcBef>
-            </a:pPr>
-            <a:r>
-              <a:rPr lang="en-US" dirty="0"/>
-              <a:t>TRACK #4 – Homogenization of mechanical parameters</a:t>
-            </a:r>
-          </a:p>
-          <a:p>
-            <a:pPr lvl="1"/>
-            <a:r>
-              <a:rPr lang="en-US" dirty="0"/>
-              <a:t>Wrap up of the results and publish</a:t>
-            </a:r>
-          </a:p>
-          <a:p>
-            <a:pPr lvl="1"/>
-            <a:r>
-              <a:rPr lang="en-US" dirty="0"/>
-              <a:t>Need some thorough validation, comparison analytical results and to expand to other parameters.</a:t>
-            </a:r>
-          </a:p>
-          <a:p>
-            <a:pPr lvl="1"/>
-            <a:r>
-              <a:rPr lang="en-US" dirty="0"/>
-              <a:t>Writing paper with Prof Espinoza</a:t>
-            </a:r>
-          </a:p>
-          <a:p>
-            <a:pPr>
-              <a:spcBef>
-                <a:spcPts val="600"/>
-              </a:spcBef>
-            </a:pPr>
-            <a:r>
-              <a:rPr lang="en-US" dirty="0"/>
-              <a:t>TRACK #5 – Computational performance</a:t>
-            </a:r>
-          </a:p>
-          <a:p>
-            <a:pPr lvl="1"/>
-            <a:r>
-              <a:rPr lang="en-US" dirty="0"/>
-              <a:t>Computational and mathematics improvement for overall simulation performance.</a:t>
-            </a:r>
-          </a:p>
-          <a:p>
-            <a:pPr lvl="1"/>
-            <a:r>
-              <a:rPr lang="en-US" dirty="0"/>
-              <a:t>Codesign and building applications for specific architectures are something</a:t>
-            </a:r>
-          </a:p>
-          <a:p>
-            <a:pPr lvl="1"/>
-            <a:r>
-              <a:rPr lang="en-US" dirty="0"/>
-              <a:t>I've been willing to work on for a long time.</a:t>
-            </a:r>
-          </a:p>
-          <a:p>
-            <a:pPr>
-              <a:spcBef>
-                <a:spcPts val="600"/>
-              </a:spcBef>
-            </a:pPr>
-            <a:r>
-              <a:rPr lang="en-US" dirty="0"/>
-              <a:t>TRACK #6 – Multiscale data assimilation</a:t>
-            </a:r>
-          </a:p>
-          <a:p>
-            <a:pPr lvl="1"/>
-            <a:r>
-              <a:rPr lang="en-US" dirty="0"/>
-              <a:t>Lab-to-field scale modeling, digital rocks, relative permeability, fingering </a:t>
-            </a:r>
-            <a:r>
-              <a:rPr lang="en-US" dirty="0" err="1"/>
-              <a:t>etc</a:t>
-            </a:r>
-            <a:endParaRPr lang="en-US" dirty="0"/>
-          </a:p>
-          <a:p>
-            <a:pPr lvl="1"/>
-            <a:r>
-              <a:rPr lang="en-US" dirty="0"/>
-              <a:t>Translating capillary pressure to relative permeability</a:t>
-            </a:r>
-          </a:p>
-          <a:p>
-            <a:pPr lvl="1"/>
-            <a:r>
-              <a:rPr lang="en-US" dirty="0"/>
-              <a:t>Interface between models in different scales</a:t>
-            </a:r>
-          </a:p>
-        </p:txBody>
-      </p:sp>
-      <p:sp>
-        <p:nvSpPr>
-          <p:cNvPr id="93" name="PlaceHolder 1"/>
-          <p:cNvSpPr>
-            <a:spLocks noGrp="1"/>
-          </p:cNvSpPr>
-          <p:nvPr>
-            <p:ph type="title"/>
-          </p:nvPr>
-        </p:nvSpPr>
-        <p:spPr>
-          <a:xfrm>
-            <a:off x="95431" y="13062"/>
-            <a:ext cx="7886700" cy="261256"/>
-          </a:xfrm>
-          <a:noFill/>
-          <a:ln w="0">
-            <a:noFill/>
-          </a:ln>
-        </p:spPr>
-        <p:txBody>
-          <a:bodyPr lIns="0" tIns="0" rIns="0" bIns="0" anchor="ctr">
-            <a:noAutofit/>
-          </a:bodyPr>
-          <a:lstStyle/>
-          <a:p>
-            <a:r>
-              <a:rPr lang="en-US" dirty="0"/>
-              <a:t>TRACKS</a:t>
-            </a:r>
-          </a:p>
-        </p:txBody>
-      </p:sp>
-    </p:spTree>
-  </p:cSld>
-  <p:clrMapOvr>
-    <a:masterClrMapping/>
-  </p:clrMapOvr>
-</p:sld>
-</file>
-
-<file path=ppt/slides/slide4.xml><?xml version="1.0" encoding="utf-8"?>
+<file path=ppt/slides/slide12.xml><?xml version="1.0" encoding="utf-8"?>
 <p:sld xmlns:a="http://schemas.openxmlformats.org/drawingml/2006/main" xmlns:r="http://schemas.openxmlformats.org/officeDocument/2006/relationships" xmlns:p="http://schemas.openxmlformats.org/presentationml/2006/main">
   <p:cSld>
     <p:spTree>
@@ -4931,16 +4694,6 @@
               </a:tabLst>
             </a:pPr>
             <a:r>
-              <a:rPr lang="en-US" sz="1200" b="0" strike="noStrike" cap="all" spc="-1" dirty="0" err="1">
-                <a:solidFill>
-                  <a:srgbClr val="BF5700"/>
-                </a:solidFill>
-                <a:latin typeface="Arial Black"/>
-                <a:ea typeface="Arial"/>
-              </a:rPr>
-              <a:t>feb</a:t>
-            </a:r>
-            <a:r>
               <a:rPr lang="en-US" sz="1200" b="0" strike="noStrike" cap="all" spc="-1" dirty="0">
                 <a:solidFill>
                   <a:srgbClr val="BF5700"/>
@@ -4948,7 +4701,7 @@
                 <a:latin typeface="Arial Black"/>
                 <a:ea typeface="Arial"/>
               </a:rPr>
-              <a:t> 2024</a:t>
+              <a:t>APR 2024</a:t>
             </a:r>
             <a:endParaRPr lang="en-US" sz="1200" b="0" strike="noStrike" spc="-1" dirty="0">
               <a:solidFill>
@@ -4986,8 +4739,8 @@
           <a:lstStyle/>
           <a:p>
             <a:r>
-              <a:rPr lang="en-US" dirty="0"/>
-              <a:t>PROBLEM STATEMENT</a:t>
+              <a:rPr lang="en-US" noProof="0" dirty="0"/>
+              <a:t>ADDITIONAL SLIDES</a:t>
             </a:r>
           </a:p>
         </p:txBody>
@@ -5070,7 +4823,1863 @@
     </p:spTree>
     <p:extLst>
       <p:ext uri="{BB962C8B-B14F-4D97-AF65-F5344CB8AC3E}">
+        <p14:creationId xmlns:p14="http://schemas.microsoft.com/office/powerpoint/2010/main" val="230074072"/>
+      </p:ext>
+    </p:extLst>
+  </p:cSld>
+  <p:clrMapOvr>
+    <a:masterClrMapping/>
+  </p:clrMapOvr>
+</p:sld>
+</file>
+
+<file path=ppt/slides/slide13.xml><?xml version="1.0" encoding="utf-8"?>
+<p:sld xmlns:a="http://schemas.openxmlformats.org/drawingml/2006/main" xmlns:r="http://schemas.openxmlformats.org/officeDocument/2006/relationships" xmlns:p="http://schemas.openxmlformats.org/presentationml/2006/main">
+  <p:cSld>
+    <p:spTree>
+      <p:nvGrpSpPr>
+        <p:cNvPr id="1" name=""/>
+        <p:cNvGrpSpPr/>
+        <p:nvPr/>
+      </p:nvGrpSpPr>
+      <p:grpSpPr>
+        <a:xfrm>
+          <a:off x="0" y="0"/>
+          <a:ext cx="0" cy="0"/>
+          <a:chOff x="0" y="0"/>
+          <a:chExt cx="0" cy="0"/>
+        </a:xfrm>
+      </p:grpSpPr>
+      <p:sp>
+        <p:nvSpPr>
+          <p:cNvPr id="2" name="Text Placeholder 1">
+            <a:extLst>
+              <a:ext uri="{FF2B5EF4-FFF2-40B4-BE49-F238E27FC236}">
+                <a16:creationId xmlns:a16="http://schemas.microsoft.com/office/drawing/2014/main" id="{3E35458F-18A1-7BCA-FEE9-3779556CA5C3}"/>
+              </a:ext>
+            </a:extLst>
+          </p:cNvPr>
+          <p:cNvSpPr>
+            <a:spLocks noGrp="1"/>
+          </p:cNvSpPr>
+          <p:nvPr>
+            <p:ph type="body" sz="quarter" idx="11"/>
+          </p:nvPr>
+        </p:nvSpPr>
+        <p:spPr/>
+        <p:txBody>
+          <a:bodyPr/>
+          <a:lstStyle/>
+          <a:p>
+            <a:r>
+              <a:rPr lang="en-US" noProof="0" dirty="0" err="1"/>
+              <a:t>Kazemy</a:t>
+            </a:r>
+            <a:endParaRPr lang="en-US" noProof="0" dirty="0"/>
+          </a:p>
+          <a:p>
+            <a:pPr lvl="1"/>
+            <a:r>
+              <a:rPr lang="en-US" noProof="0" dirty="0"/>
+              <a:t>Microcracks play </a:t>
+            </a:r>
+            <a:r>
+              <a:rPr lang="en-US" noProof="0" dirty="0" err="1"/>
+              <a:t>importante</a:t>
+            </a:r>
+            <a:r>
+              <a:rPr lang="en-US" noProof="0" dirty="0"/>
+              <a:t> role HF</a:t>
+            </a:r>
+          </a:p>
+          <a:p>
+            <a:r>
+              <a:rPr lang="en-US" noProof="0" dirty="0" err="1"/>
+              <a:t>Firoozabadi</a:t>
+            </a:r>
+            <a:endParaRPr lang="en-US" noProof="0" dirty="0"/>
+          </a:p>
+          <a:p>
+            <a:pPr lvl="1"/>
+            <a:r>
+              <a:rPr lang="en-US" noProof="0" dirty="0"/>
+              <a:t>Surface energy</a:t>
+            </a:r>
+          </a:p>
+          <a:p>
+            <a:pPr lvl="1"/>
+            <a:r>
+              <a:rPr lang="en-US" noProof="0" dirty="0"/>
+              <a:t>Fracture branching</a:t>
+            </a:r>
+          </a:p>
+          <a:p>
+            <a:pPr lvl="1"/>
+            <a:r>
+              <a:rPr lang="en-US" noProof="0" dirty="0"/>
+              <a:t>molecular simulation</a:t>
+            </a:r>
+          </a:p>
+          <a:p>
+            <a:pPr lvl="1"/>
+            <a:r>
+              <a:rPr lang="en-US" noProof="0" dirty="0"/>
+              <a:t>The difficulty in going 3D</a:t>
+            </a:r>
+          </a:p>
+          <a:p>
+            <a:r>
+              <a:rPr lang="en-US" noProof="0" dirty="0"/>
+              <a:t>Mary Wheeler</a:t>
+            </a:r>
+          </a:p>
+          <a:p>
+            <a:pPr lvl="1"/>
+            <a:r>
+              <a:rPr lang="en-US" noProof="0" dirty="0"/>
+              <a:t>IPACS</a:t>
+            </a:r>
+          </a:p>
+          <a:p>
+            <a:pPr lvl="1"/>
+            <a:r>
+              <a:rPr lang="en-US" noProof="0" dirty="0"/>
+              <a:t>Need for better remeshing</a:t>
+            </a:r>
+          </a:p>
+          <a:p>
+            <a:pPr lvl="1"/>
+            <a:r>
+              <a:rPr lang="en-US" noProof="0" dirty="0"/>
+              <a:t>Phase-field has </a:t>
+            </a:r>
+          </a:p>
+        </p:txBody>
+      </p:sp>
+      <p:sp>
+        <p:nvSpPr>
+          <p:cNvPr id="3" name="Title 2">
+            <a:extLst>
+              <a:ext uri="{FF2B5EF4-FFF2-40B4-BE49-F238E27FC236}">
+                <a16:creationId xmlns:a16="http://schemas.microsoft.com/office/drawing/2014/main" id="{218279DD-E230-B388-61E3-E1CA2ADFFCA6}"/>
+              </a:ext>
+            </a:extLst>
+          </p:cNvPr>
+          <p:cNvSpPr>
+            <a:spLocks noGrp="1"/>
+          </p:cNvSpPr>
+          <p:nvPr>
+            <p:ph type="title"/>
+          </p:nvPr>
+        </p:nvSpPr>
+        <p:spPr/>
+        <p:txBody>
+          <a:bodyPr/>
+          <a:lstStyle/>
+          <a:p>
+            <a:r>
+              <a:rPr lang="en-US" noProof="0" dirty="0"/>
+              <a:t>Seminars</a:t>
+            </a:r>
+          </a:p>
+        </p:txBody>
+      </p:sp>
+    </p:spTree>
+    <p:extLst>
+      <p:ext uri="{BB962C8B-B14F-4D97-AF65-F5344CB8AC3E}">
+        <p14:creationId xmlns:p14="http://schemas.microsoft.com/office/powerpoint/2010/main" val="399227802"/>
+      </p:ext>
+    </p:extLst>
+  </p:cSld>
+  <p:clrMapOvr>
+    <a:masterClrMapping/>
+  </p:clrMapOvr>
+</p:sld>
+</file>
+
+<file path=ppt/slides/slide14.xml><?xml version="1.0" encoding="utf-8"?>
+<p:sld xmlns:a="http://schemas.openxmlformats.org/drawingml/2006/main" xmlns:r="http://schemas.openxmlformats.org/officeDocument/2006/relationships" xmlns:p="http://schemas.openxmlformats.org/presentationml/2006/main">
+  <p:cSld>
+    <p:spTree>
+      <p:nvGrpSpPr>
+        <p:cNvPr id="1" name=""/>
+        <p:cNvGrpSpPr/>
+        <p:nvPr/>
+      </p:nvGrpSpPr>
+      <p:grpSpPr>
+        <a:xfrm>
+          <a:off x="0" y="0"/>
+          <a:ext cx="0" cy="0"/>
+          <a:chOff x="0" y="0"/>
+          <a:chExt cx="0" cy="0"/>
+        </a:xfrm>
+      </p:grpSpPr>
+      <p:pic>
+        <p:nvPicPr>
+          <p:cNvPr id="5" name="Picture 4">
+            <a:extLst>
+              <a:ext uri="{FF2B5EF4-FFF2-40B4-BE49-F238E27FC236}">
+                <a16:creationId xmlns:a16="http://schemas.microsoft.com/office/drawing/2014/main" id="{244A6F33-FB37-4EBB-4E02-02AB553CE06B}"/>
+              </a:ext>
+            </a:extLst>
+          </p:cNvPr>
+          <p:cNvPicPr>
+            <a:picLocks noChangeAspect="1"/>
+          </p:cNvPicPr>
+          <p:nvPr/>
+        </p:nvPicPr>
+        <p:blipFill>
+          <a:blip r:embed="rId2"/>
+          <a:stretch>
+            <a:fillRect/>
+          </a:stretch>
+        </p:blipFill>
+        <p:spPr>
+          <a:xfrm>
+            <a:off x="583375" y="438207"/>
+            <a:ext cx="7646225" cy="4267086"/>
+          </a:xfrm>
+          <a:prstGeom prst="rect">
+            <a:avLst/>
+          </a:prstGeom>
+        </p:spPr>
+      </p:pic>
+    </p:spTree>
+    <p:extLst>
+      <p:ext uri="{BB962C8B-B14F-4D97-AF65-F5344CB8AC3E}">
+        <p14:creationId xmlns:p14="http://schemas.microsoft.com/office/powerpoint/2010/main" val="1945650406"/>
+      </p:ext>
+    </p:extLst>
+  </p:cSld>
+  <p:clrMapOvr>
+    <a:masterClrMapping/>
+  </p:clrMapOvr>
+</p:sld>
+</file>
+
+<file path=ppt/slides/slide15.xml><?xml version="1.0" encoding="utf-8"?>
+<p:sld xmlns:a="http://schemas.openxmlformats.org/drawingml/2006/main" xmlns:r="http://schemas.openxmlformats.org/officeDocument/2006/relationships" xmlns:p="http://schemas.openxmlformats.org/presentationml/2006/main">
+  <p:cSld>
+    <p:spTree>
+      <p:nvGrpSpPr>
+        <p:cNvPr id="1" name=""/>
+        <p:cNvGrpSpPr/>
+        <p:nvPr/>
+      </p:nvGrpSpPr>
+      <p:grpSpPr>
+        <a:xfrm>
+          <a:off x="0" y="0"/>
+          <a:ext cx="0" cy="0"/>
+          <a:chOff x="0" y="0"/>
+          <a:chExt cx="0" cy="0"/>
+        </a:xfrm>
+      </p:grpSpPr>
+      <p:pic>
+        <p:nvPicPr>
+          <p:cNvPr id="3" name="Picture 2">
+            <a:extLst>
+              <a:ext uri="{FF2B5EF4-FFF2-40B4-BE49-F238E27FC236}">
+                <a16:creationId xmlns:a16="http://schemas.microsoft.com/office/drawing/2014/main" id="{338C5297-C85D-6CE4-8D8B-F9CEEBAC6E82}"/>
+              </a:ext>
+            </a:extLst>
+          </p:cNvPr>
+          <p:cNvPicPr>
+            <a:picLocks noChangeAspect="1"/>
+          </p:cNvPicPr>
+          <p:nvPr/>
+        </p:nvPicPr>
+        <p:blipFill>
+          <a:blip r:embed="rId2"/>
+          <a:stretch>
+            <a:fillRect/>
+          </a:stretch>
+        </p:blipFill>
+        <p:spPr>
+          <a:xfrm>
+            <a:off x="0" y="1039454"/>
+            <a:ext cx="9144000" cy="3064591"/>
+          </a:xfrm>
+          <a:prstGeom prst="rect">
+            <a:avLst/>
+          </a:prstGeom>
+        </p:spPr>
+      </p:pic>
+      <p:sp>
+        <p:nvSpPr>
+          <p:cNvPr id="5" name="Text Placeholder 4">
+            <a:extLst>
+              <a:ext uri="{FF2B5EF4-FFF2-40B4-BE49-F238E27FC236}">
+                <a16:creationId xmlns:a16="http://schemas.microsoft.com/office/drawing/2014/main" id="{05BD4B8B-DA68-C758-DA86-9F8D2A8AA906}"/>
+              </a:ext>
+            </a:extLst>
+          </p:cNvPr>
+          <p:cNvSpPr>
+            <a:spLocks noGrp="1"/>
+          </p:cNvSpPr>
+          <p:nvPr>
+            <p:ph type="body" sz="quarter" idx="11"/>
+          </p:nvPr>
+        </p:nvSpPr>
+        <p:spPr/>
+        <p:txBody>
+          <a:bodyPr/>
+          <a:lstStyle/>
+          <a:p>
+            <a:endParaRPr lang="en-US"/>
+          </a:p>
+        </p:txBody>
+      </p:sp>
+      <p:sp>
+        <p:nvSpPr>
+          <p:cNvPr id="4" name="Title 3">
+            <a:extLst>
+              <a:ext uri="{FF2B5EF4-FFF2-40B4-BE49-F238E27FC236}">
+                <a16:creationId xmlns:a16="http://schemas.microsoft.com/office/drawing/2014/main" id="{805E7FA0-9BA2-8D3C-2C02-ACA703C06357}"/>
+              </a:ext>
+            </a:extLst>
+          </p:cNvPr>
+          <p:cNvSpPr>
+            <a:spLocks noGrp="1"/>
+          </p:cNvSpPr>
+          <p:nvPr>
+            <p:ph type="title"/>
+          </p:nvPr>
+        </p:nvSpPr>
+        <p:spPr/>
+        <p:txBody>
+          <a:bodyPr/>
+          <a:lstStyle/>
+          <a:p>
+            <a:r>
+              <a:rPr lang="en-US" noProof="0"/>
+              <a:t>IPACS</a:t>
+            </a:r>
+          </a:p>
+        </p:txBody>
+      </p:sp>
+    </p:spTree>
+    <p:extLst>
+      <p:ext uri="{BB962C8B-B14F-4D97-AF65-F5344CB8AC3E}">
+        <p14:creationId xmlns:p14="http://schemas.microsoft.com/office/powerpoint/2010/main" val="3113531919"/>
+      </p:ext>
+    </p:extLst>
+  </p:cSld>
+  <p:clrMapOvr>
+    <a:masterClrMapping/>
+  </p:clrMapOvr>
+</p:sld>
+</file>
+
+<file path=ppt/slides/slide16.xml><?xml version="1.0" encoding="utf-8"?>
+<p:sld xmlns:a="http://schemas.openxmlformats.org/drawingml/2006/main" xmlns:r="http://schemas.openxmlformats.org/officeDocument/2006/relationships" xmlns:p="http://schemas.openxmlformats.org/presentationml/2006/main">
+  <p:cSld>
+    <p:spTree>
+      <p:nvGrpSpPr>
+        <p:cNvPr id="1" name=""/>
+        <p:cNvGrpSpPr/>
+        <p:nvPr/>
+      </p:nvGrpSpPr>
+      <p:grpSpPr>
+        <a:xfrm>
+          <a:off x="0" y="0"/>
+          <a:ext cx="0" cy="0"/>
+          <a:chOff x="0" y="0"/>
+          <a:chExt cx="0" cy="0"/>
+        </a:xfrm>
+      </p:grpSpPr>
+      <p:cxnSp>
+        <p:nvCxnSpPr>
+          <p:cNvPr id="88" name="Straight Connector 4"/>
+          <p:cNvCxnSpPr/>
+          <p:nvPr/>
+        </p:nvCxnSpPr>
+        <p:spPr>
+          <a:xfrm>
+            <a:off x="628560" y="3105000"/>
+            <a:ext cx="5619960" cy="360"/>
+          </a:xfrm>
+          <a:prstGeom prst="straightConnector1">
+            <a:avLst/>
+          </a:prstGeom>
+          <a:ln w="19080">
+            <a:solidFill>
+              <a:srgbClr val="BF5700"/>
+            </a:solidFill>
+            <a:round/>
+          </a:ln>
+        </p:spPr>
+      </p:cxnSp>
+      <p:sp>
+        <p:nvSpPr>
+          <p:cNvPr id="89" name="Text Placeholder 14"/>
+          <p:cNvSpPr/>
+          <p:nvPr/>
+        </p:nvSpPr>
+        <p:spPr>
+          <a:xfrm>
+            <a:off x="548640" y="4114440"/>
+            <a:ext cx="7886520" cy="456840"/>
+          </a:xfrm>
+          <a:prstGeom prst="rect">
+            <a:avLst/>
+          </a:prstGeom>
+          <a:noFill/>
+          <a:ln w="0">
+            <a:noFill/>
+          </a:ln>
+          <a:effectLst>
+            <a:outerShdw blurRad="12600" dist="12727" dir="2700000" rotWithShape="0">
+              <a:srgbClr val="808080"/>
+            </a:outerShdw>
+          </a:effectLst>
+        </p:spPr>
+        <p:style>
+          <a:lnRef idx="0">
+            <a:scrgbClr r="0" g="0" b="0"/>
+          </a:lnRef>
+          <a:fillRef idx="0">
+            <a:scrgbClr r="0" g="0" b="0"/>
+          </a:fillRef>
+          <a:effectRef idx="0">
+            <a:scrgbClr r="0" g="0" b="0"/>
+          </a:effectRef>
+          <a:fontRef idx="minor"/>
+        </p:style>
+        <p:txBody>
+          <a:bodyPr anchor="b">
+            <a:noAutofit/>
+          </a:bodyPr>
+          <a:lstStyle/>
+          <a:p>
+            <a:pPr defTabSz="914400">
+              <a:lnSpc>
+                <a:spcPct val="50000"/>
+              </a:lnSpc>
+              <a:spcBef>
+                <a:spcPts val="1001"/>
+              </a:spcBef>
+              <a:tabLst>
+                <a:tab pos="0" algn="l"/>
+              </a:tabLst>
+            </a:pPr>
+            <a:r>
+              <a:rPr lang="en-US" sz="1050" b="0" strike="noStrike" cap="all" spc="-1">
+                <a:solidFill>
+                  <a:srgbClr val="BF5700"/>
+                </a:solidFill>
+                <a:latin typeface="Arial Black"/>
+                <a:ea typeface="Arial"/>
+              </a:rPr>
+              <a:t>Renato poli (rep2656)</a:t>
+            </a:r>
+            <a:endParaRPr lang="en-US" sz="1050" b="0" strike="noStrike" spc="-1">
+              <a:solidFill>
+                <a:srgbClr val="000000"/>
+              </a:solidFill>
+              <a:latin typeface="Arial"/>
+            </a:endParaRPr>
+          </a:p>
+        </p:txBody>
+      </p:sp>
+      <p:sp>
+        <p:nvSpPr>
+          <p:cNvPr id="90" name="Text Placeholder 15"/>
+          <p:cNvSpPr/>
+          <p:nvPr/>
+        </p:nvSpPr>
+        <p:spPr>
+          <a:xfrm>
+            <a:off x="548640" y="456840"/>
+            <a:ext cx="7828200" cy="388800"/>
+          </a:xfrm>
+          <a:prstGeom prst="rect">
+            <a:avLst/>
+          </a:prstGeom>
+          <a:noFill/>
+          <a:ln w="0">
+            <a:noFill/>
+          </a:ln>
+          <a:effectLst>
+            <a:outerShdw blurRad="12600" dist="12727" dir="2700000" rotWithShape="0">
+              <a:srgbClr val="808080"/>
+            </a:outerShdw>
+          </a:effectLst>
+        </p:spPr>
+        <p:style>
+          <a:lnRef idx="0">
+            <a:scrgbClr r="0" g="0" b="0"/>
+          </a:lnRef>
+          <a:fillRef idx="0">
+            <a:scrgbClr r="0" g="0" b="0"/>
+          </a:fillRef>
+          <a:effectRef idx="0">
+            <a:scrgbClr r="0" g="0" b="0"/>
+          </a:effectRef>
+          <a:fontRef idx="minor"/>
+        </p:style>
+        <p:txBody>
+          <a:bodyPr anchor="ctr">
+            <a:noAutofit/>
+          </a:bodyPr>
+          <a:lstStyle/>
+          <a:p>
+            <a:pPr defTabSz="914400">
+              <a:lnSpc>
+                <a:spcPct val="90000"/>
+              </a:lnSpc>
+              <a:spcBef>
+                <a:spcPts val="1001"/>
+              </a:spcBef>
+              <a:tabLst>
+                <a:tab pos="0" algn="l"/>
+              </a:tabLst>
+            </a:pPr>
+            <a:r>
+              <a:rPr lang="en-US" sz="1200" b="0" strike="noStrike" cap="all" spc="-1" dirty="0">
+                <a:solidFill>
+                  <a:srgbClr val="BF5700"/>
+                </a:solidFill>
+                <a:latin typeface="Arial Black"/>
+                <a:ea typeface="Arial"/>
+              </a:rPr>
+              <a:t>APR 2024</a:t>
+            </a:r>
+            <a:endParaRPr lang="en-US" sz="1200" b="0" strike="noStrike" spc="-1" dirty="0">
+              <a:solidFill>
+                <a:srgbClr val="000000"/>
+              </a:solidFill>
+              <a:latin typeface="Arial"/>
+            </a:endParaRPr>
+          </a:p>
+        </p:txBody>
+      </p:sp>
+      <p:sp>
+        <p:nvSpPr>
+          <p:cNvPr id="6" name="Título 5">
+            <a:extLst>
+              <a:ext uri="{FF2B5EF4-FFF2-40B4-BE49-F238E27FC236}">
+                <a16:creationId xmlns:a16="http://schemas.microsoft.com/office/drawing/2014/main" id="{5E7DEF72-42EB-D377-2A01-6CEDBA400A07}"/>
+              </a:ext>
+            </a:extLst>
+          </p:cNvPr>
+          <p:cNvSpPr>
+            <a:spLocks noGrp="1"/>
+          </p:cNvSpPr>
+          <p:nvPr>
+            <p:ph type="title"/>
+          </p:nvPr>
+        </p:nvSpPr>
+        <p:spPr>
+          <a:xfrm>
+            <a:off x="548640" y="2325658"/>
+            <a:ext cx="6937599" cy="993775"/>
+          </a:xfrm>
+        </p:spPr>
+        <p:txBody>
+          <a:bodyPr/>
+          <a:lstStyle/>
+          <a:p>
+            <a:r>
+              <a:rPr lang="en-US" noProof="0" dirty="0"/>
+              <a:t>SECOND PROBLEM STATEMENT</a:t>
+            </a:r>
+          </a:p>
+        </p:txBody>
+      </p:sp>
+      <p:sp>
+        <p:nvSpPr>
+          <p:cNvPr id="2" name="Text Placeholder 14">
+            <a:extLst>
+              <a:ext uri="{FF2B5EF4-FFF2-40B4-BE49-F238E27FC236}">
+                <a16:creationId xmlns:a16="http://schemas.microsoft.com/office/drawing/2014/main" id="{A0EF1178-205A-54F7-0930-0E59E4289236}"/>
+              </a:ext>
+            </a:extLst>
+          </p:cNvPr>
+          <p:cNvSpPr/>
+          <p:nvPr/>
+        </p:nvSpPr>
+        <p:spPr>
+          <a:xfrm>
+            <a:off x="548640" y="3173040"/>
+            <a:ext cx="7886520" cy="338416"/>
+          </a:xfrm>
+          <a:prstGeom prst="rect">
+            <a:avLst/>
+          </a:prstGeom>
+          <a:noFill/>
+          <a:ln w="0">
+            <a:noFill/>
+          </a:ln>
+          <a:effectLst>
+            <a:outerShdw blurRad="12600" dist="12727" dir="2700000" rotWithShape="0">
+              <a:srgbClr val="808080"/>
+            </a:outerShdw>
+          </a:effectLst>
+        </p:spPr>
+        <p:style>
+          <a:lnRef idx="0">
+            <a:scrgbClr r="0" g="0" b="0"/>
+          </a:lnRef>
+          <a:fillRef idx="0">
+            <a:scrgbClr r="0" g="0" b="0"/>
+          </a:fillRef>
+          <a:effectRef idx="0">
+            <a:scrgbClr r="0" g="0" b="0"/>
+          </a:effectRef>
+          <a:fontRef idx="minor"/>
+        </p:style>
+        <p:txBody>
+          <a:bodyPr anchor="b">
+            <a:noAutofit/>
+          </a:bodyPr>
+          <a:lstStyle/>
+          <a:p>
+            <a:pPr defTabSz="914400">
+              <a:spcBef>
+                <a:spcPts val="1001"/>
+              </a:spcBef>
+              <a:tabLst>
+                <a:tab pos="0" algn="l"/>
+              </a:tabLst>
+            </a:pPr>
+            <a:r>
+              <a:rPr lang="en-US" sz="1050" b="0" strike="noStrike" cap="all" spc="-1" dirty="0">
+                <a:solidFill>
+                  <a:srgbClr val="BF5700"/>
+                </a:solidFill>
+                <a:latin typeface="Arial Black"/>
+                <a:ea typeface="Arial"/>
+              </a:rPr>
+              <a:t>IDEAS</a:t>
+            </a:r>
+            <a:endParaRPr lang="en-US" sz="1050" b="0" strike="noStrike" spc="-1" dirty="0">
+              <a:solidFill>
+                <a:srgbClr val="000000"/>
+              </a:solidFill>
+              <a:latin typeface="Arial"/>
+            </a:endParaRPr>
+          </a:p>
+        </p:txBody>
+      </p:sp>
+    </p:spTree>
+    <p:extLst>
+      <p:ext uri="{BB962C8B-B14F-4D97-AF65-F5344CB8AC3E}">
+        <p14:creationId xmlns:p14="http://schemas.microsoft.com/office/powerpoint/2010/main" val="4228908546"/>
+      </p:ext>
+    </p:extLst>
+  </p:cSld>
+  <p:clrMapOvr>
+    <a:masterClrMapping/>
+  </p:clrMapOvr>
+</p:sld>
+</file>
+
+<file path=ppt/slides/slide17.xml><?xml version="1.0" encoding="utf-8"?>
+<p:sld xmlns:a="http://schemas.openxmlformats.org/drawingml/2006/main" xmlns:r="http://schemas.openxmlformats.org/officeDocument/2006/relationships" xmlns:p="http://schemas.openxmlformats.org/presentationml/2006/main">
+  <p:cSld>
+    <p:spTree>
+      <p:nvGrpSpPr>
+        <p:cNvPr id="1" name=""/>
+        <p:cNvGrpSpPr/>
+        <p:nvPr/>
+      </p:nvGrpSpPr>
+      <p:grpSpPr>
+        <a:xfrm>
+          <a:off x="0" y="0"/>
+          <a:ext cx="0" cy="0"/>
+          <a:chOff x="0" y="0"/>
+          <a:chExt cx="0" cy="0"/>
+        </a:xfrm>
+      </p:grpSpPr>
+      <p:sp>
+        <p:nvSpPr>
+          <p:cNvPr id="2" name="Text Placeholder 1">
+            <a:extLst>
+              <a:ext uri="{FF2B5EF4-FFF2-40B4-BE49-F238E27FC236}">
+                <a16:creationId xmlns:a16="http://schemas.microsoft.com/office/drawing/2014/main" id="{96646901-E1F7-C9FC-22CC-30300204CADC}"/>
+              </a:ext>
+            </a:extLst>
+          </p:cNvPr>
+          <p:cNvSpPr>
+            <a:spLocks noGrp="1"/>
+          </p:cNvSpPr>
+          <p:nvPr>
+            <p:ph type="body" sz="quarter" idx="11"/>
+          </p:nvPr>
+        </p:nvSpPr>
+        <p:spPr/>
+        <p:txBody>
+          <a:bodyPr/>
+          <a:lstStyle/>
+          <a:p>
+            <a:r>
+              <a:rPr lang="en-US" noProof="0" dirty="0"/>
+              <a:t>Object of study</a:t>
+            </a:r>
+          </a:p>
+          <a:p>
+            <a:pPr lvl="1"/>
+            <a:r>
+              <a:rPr lang="en-US" noProof="0" dirty="0"/>
+              <a:t>Conventional carbonate field, naturally fractured, mixed wet</a:t>
+            </a:r>
+          </a:p>
+          <a:p>
+            <a:pPr lvl="1"/>
+            <a:r>
+              <a:rPr lang="en-US" noProof="0" dirty="0"/>
+              <a:t>Large models, field scale</a:t>
+            </a:r>
+          </a:p>
+          <a:p>
+            <a:pPr lvl="1"/>
+            <a:r>
+              <a:rPr lang="en-US" noProof="0" dirty="0"/>
+              <a:t>Permeable matrix</a:t>
+            </a:r>
+          </a:p>
+          <a:p>
+            <a:pPr lvl="1"/>
+            <a:r>
+              <a:rPr lang="en-US" noProof="0" dirty="0"/>
+              <a:t>Wells are acidized (not fractured)</a:t>
+            </a:r>
+          </a:p>
+          <a:p>
+            <a:pPr lvl="1"/>
+            <a:r>
+              <a:rPr lang="en-US" noProof="0" dirty="0"/>
+              <a:t>Fractures provide additional permeability</a:t>
+            </a:r>
+          </a:p>
+          <a:p>
+            <a:r>
+              <a:rPr lang="en-US" noProof="0" dirty="0"/>
+              <a:t>The problem</a:t>
+            </a:r>
+          </a:p>
+          <a:p>
+            <a:pPr lvl="1"/>
+            <a:r>
+              <a:rPr lang="en-US" noProof="0" dirty="0"/>
+              <a:t>Description of the natural fracture network ignores important physics</a:t>
+            </a:r>
+          </a:p>
+          <a:p>
+            <a:pPr lvl="1"/>
+            <a:r>
+              <a:rPr lang="en-US" noProof="0" dirty="0"/>
+              <a:t>Mass transference parameters are mostly based on history matching</a:t>
+            </a:r>
+          </a:p>
+          <a:p>
+            <a:pPr lvl="1"/>
+            <a:r>
+              <a:rPr lang="en-US" noProof="0" dirty="0"/>
+              <a:t>Multiphase flow is not adequately treated in the interface fracture-matrix</a:t>
+            </a:r>
+          </a:p>
+          <a:p>
+            <a:pPr lvl="1"/>
+            <a:r>
+              <a:rPr lang="en-US" noProof="0" dirty="0"/>
+              <a:t>Models with detailed fractures are numerical impractical</a:t>
+            </a:r>
+          </a:p>
+          <a:p>
+            <a:r>
+              <a:rPr lang="en-US" noProof="0" dirty="0"/>
+              <a:t>Objective</a:t>
+            </a:r>
+          </a:p>
+          <a:p>
+            <a:pPr lvl="1"/>
+            <a:r>
+              <a:rPr lang="en-US" noProof="0" dirty="0"/>
+              <a:t>Enhance the understanding of the field based on numerical simulation</a:t>
+            </a:r>
+          </a:p>
+          <a:p>
+            <a:pPr lvl="1"/>
+            <a:r>
+              <a:rPr lang="en-US" noProof="0" dirty="0"/>
+              <a:t>Promote better communication between geoscientists and numerical simulation</a:t>
+            </a:r>
+          </a:p>
+          <a:p>
+            <a:pPr lvl="1"/>
+            <a:r>
+              <a:rPr lang="en-US" noProof="0" dirty="0"/>
+              <a:t>Enable the description of a fracture network based on high level parameters (wettability, fracture network density, fracture genesis </a:t>
+            </a:r>
+            <a:r>
+              <a:rPr lang="en-US" noProof="0" dirty="0" err="1"/>
+              <a:t>etc</a:t>
+            </a:r>
+            <a:r>
+              <a:rPr lang="en-US" noProof="0" dirty="0"/>
+              <a:t>)</a:t>
+            </a:r>
+          </a:p>
+          <a:p>
+            <a:pPr lvl="1"/>
+            <a:r>
+              <a:rPr lang="en-US" noProof="0" dirty="0"/>
+              <a:t>Assimilation of geological understanding to the numerical models</a:t>
+            </a:r>
+          </a:p>
+          <a:p>
+            <a:r>
+              <a:rPr lang="en-US" noProof="0" dirty="0"/>
+              <a:t>Methodology</a:t>
+            </a:r>
+          </a:p>
+          <a:p>
+            <a:pPr lvl="1"/>
+            <a:r>
+              <a:rPr lang="en-US" noProof="0" dirty="0"/>
+              <a:t>Understand geological geometries and hydraulic characteristics of natural fractures</a:t>
+            </a:r>
+          </a:p>
+          <a:p>
+            <a:pPr lvl="1"/>
+            <a:r>
+              <a:rPr lang="en-US" noProof="0" dirty="0"/>
+              <a:t>Understand the limitations of current models, especially multiphase and closed fractures</a:t>
+            </a:r>
+          </a:p>
+          <a:p>
+            <a:pPr lvl="1"/>
+            <a:r>
+              <a:rPr lang="en-US" noProof="0" dirty="0"/>
+              <a:t>Implement a preprocessor to embed fractures optimally, keeping the model numerically reasonable</a:t>
+            </a:r>
+          </a:p>
+        </p:txBody>
+      </p:sp>
+      <p:sp>
+        <p:nvSpPr>
+          <p:cNvPr id="3" name="Title 2">
+            <a:extLst>
+              <a:ext uri="{FF2B5EF4-FFF2-40B4-BE49-F238E27FC236}">
+                <a16:creationId xmlns:a16="http://schemas.microsoft.com/office/drawing/2014/main" id="{34C60A47-EBB6-091D-C027-1403C1B677C8}"/>
+              </a:ext>
+            </a:extLst>
+          </p:cNvPr>
+          <p:cNvSpPr>
+            <a:spLocks noGrp="1"/>
+          </p:cNvSpPr>
+          <p:nvPr>
+            <p:ph type="title"/>
+          </p:nvPr>
+        </p:nvSpPr>
+        <p:spPr/>
+        <p:txBody>
+          <a:bodyPr/>
+          <a:lstStyle/>
+          <a:p>
+            <a:r>
+              <a:rPr lang="en-US" noProof="0" dirty="0"/>
+              <a:t>PROBLEM #2 - FLOW IN FRACTURES</a:t>
+            </a:r>
+          </a:p>
+        </p:txBody>
+      </p:sp>
+    </p:spTree>
+    <p:extLst>
+      <p:ext uri="{BB962C8B-B14F-4D97-AF65-F5344CB8AC3E}">
+        <p14:creationId xmlns:p14="http://schemas.microsoft.com/office/powerpoint/2010/main" val="314026188"/>
+      </p:ext>
+    </p:extLst>
+  </p:cSld>
+  <p:clrMapOvr>
+    <a:masterClrMapping/>
+  </p:clrMapOvr>
+</p:sld>
+</file>
+
+<file path=ppt/slides/slide18.xml><?xml version="1.0" encoding="utf-8"?>
+<p:sld xmlns:a="http://schemas.openxmlformats.org/drawingml/2006/main" xmlns:r="http://schemas.openxmlformats.org/officeDocument/2006/relationships" xmlns:p="http://schemas.openxmlformats.org/presentationml/2006/main">
+  <p:cSld>
+    <p:spTree>
+      <p:nvGrpSpPr>
+        <p:cNvPr id="1" name=""/>
+        <p:cNvGrpSpPr/>
+        <p:nvPr/>
+      </p:nvGrpSpPr>
+      <p:grpSpPr>
+        <a:xfrm>
+          <a:off x="0" y="0"/>
+          <a:ext cx="0" cy="0"/>
+          <a:chOff x="0" y="0"/>
+          <a:chExt cx="0" cy="0"/>
+        </a:xfrm>
+      </p:grpSpPr>
+      <p:sp>
+        <p:nvSpPr>
+          <p:cNvPr id="2" name="Text Placeholder 1">
+            <a:extLst>
+              <a:ext uri="{FF2B5EF4-FFF2-40B4-BE49-F238E27FC236}">
+                <a16:creationId xmlns:a16="http://schemas.microsoft.com/office/drawing/2014/main" id="{28D411D6-73FA-CF7A-EAB1-279273C17FD1}"/>
+              </a:ext>
+            </a:extLst>
+          </p:cNvPr>
+          <p:cNvSpPr>
+            <a:spLocks noGrp="1"/>
+          </p:cNvSpPr>
+          <p:nvPr>
+            <p:ph type="body" sz="quarter" idx="11"/>
+          </p:nvPr>
+        </p:nvSpPr>
+        <p:spPr/>
+        <p:txBody>
+          <a:bodyPr/>
+          <a:lstStyle/>
+          <a:p>
+            <a:pPr>
+              <a:spcBef>
+                <a:spcPts val="600"/>
+              </a:spcBef>
+            </a:pPr>
+            <a:r>
+              <a:rPr lang="en-US" noProof="0" dirty="0"/>
+              <a:t>TRACK #1 – Flow in fractured media</a:t>
+            </a:r>
+          </a:p>
+          <a:p>
+            <a:pPr>
+              <a:spcBef>
+                <a:spcPts val="600"/>
+              </a:spcBef>
+            </a:pPr>
+            <a:r>
+              <a:rPr lang="en-US" noProof="0" dirty="0"/>
+              <a:t>TRACK #2 – Fracture propagation</a:t>
+            </a:r>
+          </a:p>
+          <a:p>
+            <a:pPr>
+              <a:spcBef>
+                <a:spcPts val="600"/>
+              </a:spcBef>
+            </a:pPr>
+            <a:r>
+              <a:rPr lang="en-US" noProof="0" dirty="0"/>
+              <a:t>TRACK #3 – Salt rock mechanics</a:t>
+            </a:r>
+          </a:p>
+          <a:p>
+            <a:pPr>
+              <a:spcBef>
+                <a:spcPts val="600"/>
+              </a:spcBef>
+            </a:pPr>
+            <a:r>
+              <a:rPr lang="en-US" noProof="0" dirty="0"/>
+              <a:t>TRACK #4 – Homogenization of mechanical parameters</a:t>
+            </a:r>
+          </a:p>
+          <a:p>
+            <a:pPr>
+              <a:spcBef>
+                <a:spcPts val="600"/>
+              </a:spcBef>
+            </a:pPr>
+            <a:r>
+              <a:rPr lang="en-US" noProof="0" dirty="0"/>
+              <a:t>TRACK #5 – Computational performance</a:t>
+            </a:r>
+          </a:p>
+          <a:p>
+            <a:pPr>
+              <a:spcBef>
+                <a:spcPts val="600"/>
+              </a:spcBef>
+            </a:pPr>
+            <a:r>
+              <a:rPr lang="en-US" noProof="0" dirty="0"/>
+              <a:t>TRACK #6 – Multiscale data assimilation</a:t>
+            </a:r>
+          </a:p>
+        </p:txBody>
+      </p:sp>
+      <p:sp>
+        <p:nvSpPr>
+          <p:cNvPr id="3" name="Title 2">
+            <a:extLst>
+              <a:ext uri="{FF2B5EF4-FFF2-40B4-BE49-F238E27FC236}">
+                <a16:creationId xmlns:a16="http://schemas.microsoft.com/office/drawing/2014/main" id="{0C3277B8-8CDF-1A7C-D365-41F5924D9BBE}"/>
+              </a:ext>
+            </a:extLst>
+          </p:cNvPr>
+          <p:cNvSpPr>
+            <a:spLocks noGrp="1"/>
+          </p:cNvSpPr>
+          <p:nvPr>
+            <p:ph type="title"/>
+          </p:nvPr>
+        </p:nvSpPr>
+        <p:spPr/>
+        <p:txBody>
+          <a:bodyPr/>
+          <a:lstStyle/>
+          <a:p>
+            <a:r>
+              <a:rPr lang="en-US" noProof="0" dirty="0"/>
+              <a:t>Research tracks</a:t>
+            </a:r>
+          </a:p>
+        </p:txBody>
+      </p:sp>
+    </p:spTree>
+    <p:extLst>
+      <p:ext uri="{BB962C8B-B14F-4D97-AF65-F5344CB8AC3E}">
+        <p14:creationId xmlns:p14="http://schemas.microsoft.com/office/powerpoint/2010/main" val="3078162789"/>
+      </p:ext>
+    </p:extLst>
+  </p:cSld>
+  <p:clrMapOvr>
+    <a:masterClrMapping/>
+  </p:clrMapOvr>
+</p:sld>
+</file>
+
+<file path=ppt/slides/slide2.xml><?xml version="1.0" encoding="utf-8"?>
+<p:sld xmlns:a="http://schemas.openxmlformats.org/drawingml/2006/main" xmlns:r="http://schemas.openxmlformats.org/officeDocument/2006/relationships" xmlns:p="http://schemas.openxmlformats.org/presentationml/2006/main">
+  <p:cSld>
+    <p:spTree>
+      <p:nvGrpSpPr>
+        <p:cNvPr id="1" name=""/>
+        <p:cNvGrpSpPr/>
+        <p:nvPr/>
+      </p:nvGrpSpPr>
+      <p:grpSpPr>
+        <a:xfrm>
+          <a:off x="0" y="0"/>
+          <a:ext cx="0" cy="0"/>
+          <a:chOff x="0" y="0"/>
+          <a:chExt cx="0" cy="0"/>
+        </a:xfrm>
+      </p:grpSpPr>
+      <p:sp>
+        <p:nvSpPr>
+          <p:cNvPr id="7" name="Text Placeholder 6">
+            <a:extLst>
+              <a:ext uri="{FF2B5EF4-FFF2-40B4-BE49-F238E27FC236}">
+                <a16:creationId xmlns:a16="http://schemas.microsoft.com/office/drawing/2014/main" id="{E00C1DDD-181F-CA9A-6779-26C29DB3D49C}"/>
+              </a:ext>
+            </a:extLst>
+          </p:cNvPr>
+          <p:cNvSpPr>
+            <a:spLocks noGrp="1"/>
+          </p:cNvSpPr>
+          <p:nvPr>
+            <p:ph type="body" sz="quarter" idx="11"/>
+          </p:nvPr>
+        </p:nvSpPr>
+        <p:spPr>
+          <a:xfrm>
+            <a:off x="88900" y="385763"/>
+            <a:ext cx="8963660" cy="4676094"/>
+          </a:xfrm>
+        </p:spPr>
+        <p:txBody>
+          <a:bodyPr/>
+          <a:lstStyle/>
+          <a:p>
+            <a:pPr>
+              <a:spcBef>
+                <a:spcPts val="600"/>
+              </a:spcBef>
+            </a:pPr>
+            <a:r>
+              <a:rPr lang="en-US" noProof="0" dirty="0"/>
+              <a:t>TRACK #1 – Flow in fractured media</a:t>
+            </a:r>
+          </a:p>
+          <a:p>
+            <a:pPr lvl="1"/>
+            <a:r>
+              <a:rPr lang="en-US" noProof="0" dirty="0"/>
+              <a:t>EDFM/CEDFM/PEDFM</a:t>
+            </a:r>
+          </a:p>
+          <a:p>
+            <a:pPr lvl="1"/>
+            <a:r>
+              <a:rPr lang="en-US" noProof="0" dirty="0"/>
+              <a:t>Multiphase improvement in EDFM</a:t>
+            </a:r>
+          </a:p>
+          <a:p>
+            <a:pPr lvl="1"/>
+            <a:r>
+              <a:rPr lang="en-US" noProof="0" dirty="0">
+                <a:solidFill>
+                  <a:schemeClr val="accent3">
+                    <a:lumMod val="60000"/>
+                    <a:lumOff val="40000"/>
+                  </a:schemeClr>
+                </a:solidFill>
+              </a:rPr>
+              <a:t>Comparison of the techniques.</a:t>
+            </a:r>
+          </a:p>
+          <a:p>
+            <a:pPr lvl="1"/>
+            <a:r>
+              <a:rPr lang="en-US" noProof="0" dirty="0">
+                <a:solidFill>
+                  <a:schemeClr val="accent3">
+                    <a:lumMod val="60000"/>
+                    <a:lumOff val="40000"/>
+                  </a:schemeClr>
+                </a:solidFill>
+              </a:rPr>
+              <a:t> It seems to be a good starting point for learning the code, getting something published, and moving forward.</a:t>
+            </a:r>
+          </a:p>
+          <a:p>
+            <a:pPr>
+              <a:spcBef>
+                <a:spcPts val="600"/>
+              </a:spcBef>
+            </a:pPr>
+            <a:r>
+              <a:rPr lang="en-US" noProof="0" dirty="0"/>
+              <a:t>TRACK #2 – Fracture propagation</a:t>
+            </a:r>
+          </a:p>
+          <a:p>
+            <a:pPr lvl="1"/>
+            <a:r>
+              <a:rPr lang="en-US" noProof="0" dirty="0"/>
+              <a:t>Long-term thermo-hydraulic fracture propagation without predefined fracture track</a:t>
+            </a:r>
+          </a:p>
+          <a:p>
+            <a:pPr lvl="1"/>
+            <a:r>
+              <a:rPr lang="en-US" noProof="0" dirty="0"/>
+              <a:t>Can EDFM be extended to fracture propagation?</a:t>
+            </a:r>
+          </a:p>
+          <a:p>
+            <a:pPr lvl="1"/>
+            <a:r>
+              <a:rPr lang="en-US" noProof="0" dirty="0">
+                <a:solidFill>
+                  <a:schemeClr val="accent3">
+                    <a:lumMod val="60000"/>
+                    <a:lumOff val="40000"/>
+                  </a:schemeClr>
+                </a:solidFill>
+              </a:rPr>
+              <a:t>Check SBFEM</a:t>
+            </a:r>
+          </a:p>
+          <a:p>
+            <a:pPr>
+              <a:spcBef>
+                <a:spcPts val="600"/>
+              </a:spcBef>
+            </a:pPr>
+            <a:r>
+              <a:rPr lang="en-US" noProof="0" dirty="0"/>
+              <a:t>TRACK #3 – Salt rock mechanics</a:t>
+            </a:r>
+          </a:p>
+          <a:p>
+            <a:pPr lvl="1"/>
+            <a:r>
+              <a:rPr lang="en-US" noProof="0" dirty="0"/>
+              <a:t>THM modeling of salt geomechanics (elasticity, plasticity, creep)</a:t>
+            </a:r>
+          </a:p>
+          <a:p>
+            <a:pPr lvl="1"/>
+            <a:r>
+              <a:rPr lang="en-US" noProof="0" dirty="0"/>
+              <a:t>Apply to fracture containment, caverns, drilling, well abandonment, </a:t>
+            </a:r>
+            <a:r>
+              <a:rPr lang="en-US" noProof="0" dirty="0" err="1"/>
+              <a:t>etc</a:t>
+            </a:r>
+            <a:endParaRPr lang="en-US" noProof="0" dirty="0"/>
+          </a:p>
+          <a:p>
+            <a:pPr>
+              <a:spcBef>
+                <a:spcPts val="600"/>
+              </a:spcBef>
+            </a:pPr>
+            <a:r>
+              <a:rPr lang="en-US" noProof="0" dirty="0"/>
+              <a:t>TRACK #4 – Homogenization of mechanical parameters (Prof. Espinoza)</a:t>
+            </a:r>
+          </a:p>
+          <a:p>
+            <a:pPr lvl="1"/>
+            <a:r>
+              <a:rPr lang="en-US" noProof="0" dirty="0"/>
+              <a:t>Wrap up the results and publish</a:t>
+            </a:r>
+          </a:p>
+          <a:p>
+            <a:pPr lvl="1"/>
+            <a:r>
+              <a:rPr lang="en-US" noProof="0" dirty="0"/>
+              <a:t>Need thorough validation, comparison to analytical solutions, and expansion</a:t>
+            </a:r>
+          </a:p>
+          <a:p>
+            <a:pPr>
+              <a:spcBef>
+                <a:spcPts val="600"/>
+              </a:spcBef>
+            </a:pPr>
+            <a:r>
+              <a:rPr lang="en-US" noProof="0" dirty="0">
+                <a:solidFill>
+                  <a:schemeClr val="accent3">
+                    <a:lumMod val="60000"/>
+                    <a:lumOff val="40000"/>
+                  </a:schemeClr>
+                </a:solidFill>
+              </a:rPr>
+              <a:t>TRACK #5 – Computational performance</a:t>
+            </a:r>
+          </a:p>
+          <a:p>
+            <a:pPr lvl="1"/>
+            <a:r>
+              <a:rPr lang="en-US" noProof="0" dirty="0">
+                <a:solidFill>
+                  <a:schemeClr val="accent3">
+                    <a:lumMod val="60000"/>
+                    <a:lumOff val="40000"/>
+                  </a:schemeClr>
+                </a:solidFill>
+              </a:rPr>
+              <a:t>Computational and mathematics improvement for overall simulation performance.</a:t>
+            </a:r>
+          </a:p>
+          <a:p>
+            <a:pPr lvl="1"/>
+            <a:r>
+              <a:rPr lang="en-US" noProof="0" dirty="0">
+                <a:solidFill>
+                  <a:schemeClr val="accent3">
+                    <a:lumMod val="60000"/>
+                    <a:lumOff val="40000"/>
+                  </a:schemeClr>
+                </a:solidFill>
+              </a:rPr>
+              <a:t>Codesign and building applications for specific architectures are something</a:t>
+            </a:r>
+          </a:p>
+          <a:p>
+            <a:pPr>
+              <a:spcBef>
+                <a:spcPts val="600"/>
+              </a:spcBef>
+            </a:pPr>
+            <a:r>
+              <a:rPr lang="en-US" noProof="0" dirty="0">
+                <a:solidFill>
+                  <a:schemeClr val="accent3">
+                    <a:lumMod val="60000"/>
+                    <a:lumOff val="40000"/>
+                  </a:schemeClr>
+                </a:solidFill>
+              </a:rPr>
+              <a:t>TRACK #6 – Multiscale data assimilation</a:t>
+            </a:r>
+          </a:p>
+          <a:p>
+            <a:pPr lvl="1"/>
+            <a:r>
+              <a:rPr lang="en-US" noProof="0" dirty="0">
+                <a:solidFill>
+                  <a:schemeClr val="accent3">
+                    <a:lumMod val="60000"/>
+                    <a:lumOff val="40000"/>
+                  </a:schemeClr>
+                </a:solidFill>
+              </a:rPr>
+              <a:t>Lab-to-field scale modeling, digital rocks, relative permeability, fingering, </a:t>
+            </a:r>
+            <a:r>
+              <a:rPr lang="en-US" noProof="0" dirty="0" err="1">
+                <a:solidFill>
+                  <a:schemeClr val="accent3">
+                    <a:lumMod val="60000"/>
+                    <a:lumOff val="40000"/>
+                  </a:schemeClr>
+                </a:solidFill>
+              </a:rPr>
+              <a:t>etc</a:t>
+            </a:r>
+            <a:endParaRPr lang="en-US" noProof="0" dirty="0">
+              <a:solidFill>
+                <a:schemeClr val="accent3">
+                  <a:lumMod val="60000"/>
+                  <a:lumOff val="40000"/>
+                </a:schemeClr>
+              </a:solidFill>
+            </a:endParaRPr>
+          </a:p>
+          <a:p>
+            <a:pPr lvl="1"/>
+            <a:r>
+              <a:rPr lang="en-US" noProof="0" dirty="0">
+                <a:solidFill>
+                  <a:schemeClr val="accent3">
+                    <a:lumMod val="60000"/>
+                    <a:lumOff val="40000"/>
+                  </a:schemeClr>
+                </a:solidFill>
+              </a:rPr>
+              <a:t>Translating capillary pressure to relative permeability</a:t>
+            </a:r>
+          </a:p>
+          <a:p>
+            <a:pPr lvl="1"/>
+            <a:r>
+              <a:rPr lang="en-US" noProof="0" dirty="0">
+                <a:solidFill>
+                  <a:schemeClr val="accent3">
+                    <a:lumMod val="60000"/>
+                    <a:lumOff val="40000"/>
+                  </a:schemeClr>
+                </a:solidFill>
+              </a:rPr>
+              <a:t>Interface between models in different scales</a:t>
+            </a:r>
+          </a:p>
+        </p:txBody>
+      </p:sp>
+      <p:sp>
+        <p:nvSpPr>
+          <p:cNvPr id="93" name="PlaceHolder 1"/>
+          <p:cNvSpPr>
+            <a:spLocks noGrp="1"/>
+          </p:cNvSpPr>
+          <p:nvPr>
+            <p:ph type="title"/>
+          </p:nvPr>
+        </p:nvSpPr>
+        <p:spPr>
+          <a:xfrm>
+            <a:off x="95431" y="13062"/>
+            <a:ext cx="7886700" cy="261256"/>
+          </a:xfrm>
+          <a:noFill/>
+          <a:ln w="0">
+            <a:noFill/>
+          </a:ln>
+        </p:spPr>
+        <p:txBody>
+          <a:bodyPr lIns="0" tIns="0" rIns="0" bIns="0" anchor="ctr">
+            <a:noAutofit/>
+          </a:bodyPr>
+          <a:lstStyle/>
+          <a:p>
+            <a:r>
+              <a:rPr lang="en-US" noProof="0" dirty="0"/>
+              <a:t>TRACKS</a:t>
+            </a:r>
+          </a:p>
+        </p:txBody>
+      </p:sp>
+    </p:spTree>
+  </p:cSld>
+  <p:clrMapOvr>
+    <a:masterClrMapping/>
+  </p:clrMapOvr>
+</p:sld>
+</file>
+
+<file path=ppt/slides/slide3.xml><?xml version="1.0" encoding="utf-8"?>
+<p:sld xmlns:a="http://schemas.openxmlformats.org/drawingml/2006/main" xmlns:r="http://schemas.openxmlformats.org/officeDocument/2006/relationships" xmlns:p="http://schemas.openxmlformats.org/presentationml/2006/main">
+  <p:cSld>
+    <p:spTree>
+      <p:nvGrpSpPr>
+        <p:cNvPr id="1" name=""/>
+        <p:cNvGrpSpPr/>
+        <p:nvPr/>
+      </p:nvGrpSpPr>
+      <p:grpSpPr>
+        <a:xfrm>
+          <a:off x="0" y="0"/>
+          <a:ext cx="0" cy="0"/>
+          <a:chOff x="0" y="0"/>
+          <a:chExt cx="0" cy="0"/>
+        </a:xfrm>
+      </p:grpSpPr>
+      <p:cxnSp>
+        <p:nvCxnSpPr>
+          <p:cNvPr id="88" name="Straight Connector 4"/>
+          <p:cNvCxnSpPr/>
+          <p:nvPr/>
+        </p:nvCxnSpPr>
+        <p:spPr>
+          <a:xfrm>
+            <a:off x="628560" y="3105000"/>
+            <a:ext cx="5619960" cy="360"/>
+          </a:xfrm>
+          <a:prstGeom prst="straightConnector1">
+            <a:avLst/>
+          </a:prstGeom>
+          <a:ln w="19080">
+            <a:solidFill>
+              <a:srgbClr val="BF5700"/>
+            </a:solidFill>
+            <a:round/>
+          </a:ln>
+        </p:spPr>
+      </p:cxnSp>
+      <p:sp>
+        <p:nvSpPr>
+          <p:cNvPr id="89" name="Text Placeholder 14"/>
+          <p:cNvSpPr/>
+          <p:nvPr/>
+        </p:nvSpPr>
+        <p:spPr>
+          <a:xfrm>
+            <a:off x="548640" y="4114440"/>
+            <a:ext cx="7886520" cy="456840"/>
+          </a:xfrm>
+          <a:prstGeom prst="rect">
+            <a:avLst/>
+          </a:prstGeom>
+          <a:noFill/>
+          <a:ln w="0">
+            <a:noFill/>
+          </a:ln>
+          <a:effectLst>
+            <a:outerShdw blurRad="12600" dist="12727" dir="2700000" rotWithShape="0">
+              <a:srgbClr val="808080"/>
+            </a:outerShdw>
+          </a:effectLst>
+        </p:spPr>
+        <p:style>
+          <a:lnRef idx="0">
+            <a:scrgbClr r="0" g="0" b="0"/>
+          </a:lnRef>
+          <a:fillRef idx="0">
+            <a:scrgbClr r="0" g="0" b="0"/>
+          </a:fillRef>
+          <a:effectRef idx="0">
+            <a:scrgbClr r="0" g="0" b="0"/>
+          </a:effectRef>
+          <a:fontRef idx="minor"/>
+        </p:style>
+        <p:txBody>
+          <a:bodyPr anchor="b">
+            <a:noAutofit/>
+          </a:bodyPr>
+          <a:lstStyle/>
+          <a:p>
+            <a:pPr defTabSz="914400">
+              <a:lnSpc>
+                <a:spcPct val="50000"/>
+              </a:lnSpc>
+              <a:spcBef>
+                <a:spcPts val="1001"/>
+              </a:spcBef>
+              <a:tabLst>
+                <a:tab pos="0" algn="l"/>
+              </a:tabLst>
+            </a:pPr>
+            <a:r>
+              <a:rPr lang="en-US" sz="1050" b="0" strike="noStrike" cap="all" spc="-1">
+                <a:solidFill>
+                  <a:srgbClr val="BF5700"/>
+                </a:solidFill>
+                <a:latin typeface="Arial Black"/>
+                <a:ea typeface="Arial"/>
+              </a:rPr>
+              <a:t>Renato poli (rep2656)</a:t>
+            </a:r>
+            <a:endParaRPr lang="en-US" sz="1050" b="0" strike="noStrike" spc="-1">
+              <a:solidFill>
+                <a:srgbClr val="000000"/>
+              </a:solidFill>
+              <a:latin typeface="Arial"/>
+            </a:endParaRPr>
+          </a:p>
+        </p:txBody>
+      </p:sp>
+      <p:sp>
+        <p:nvSpPr>
+          <p:cNvPr id="90" name="Text Placeholder 15"/>
+          <p:cNvSpPr/>
+          <p:nvPr/>
+        </p:nvSpPr>
+        <p:spPr>
+          <a:xfrm>
+            <a:off x="548640" y="456840"/>
+            <a:ext cx="7828200" cy="388800"/>
+          </a:xfrm>
+          <a:prstGeom prst="rect">
+            <a:avLst/>
+          </a:prstGeom>
+          <a:noFill/>
+          <a:ln w="0">
+            <a:noFill/>
+          </a:ln>
+          <a:effectLst>
+            <a:outerShdw blurRad="12600" dist="12727" dir="2700000" rotWithShape="0">
+              <a:srgbClr val="808080"/>
+            </a:outerShdw>
+          </a:effectLst>
+        </p:spPr>
+        <p:style>
+          <a:lnRef idx="0">
+            <a:scrgbClr r="0" g="0" b="0"/>
+          </a:lnRef>
+          <a:fillRef idx="0">
+            <a:scrgbClr r="0" g="0" b="0"/>
+          </a:fillRef>
+          <a:effectRef idx="0">
+            <a:scrgbClr r="0" g="0" b="0"/>
+          </a:effectRef>
+          <a:fontRef idx="minor"/>
+        </p:style>
+        <p:txBody>
+          <a:bodyPr anchor="ctr">
+            <a:noAutofit/>
+          </a:bodyPr>
+          <a:lstStyle/>
+          <a:p>
+            <a:pPr defTabSz="914400">
+              <a:lnSpc>
+                <a:spcPct val="90000"/>
+              </a:lnSpc>
+              <a:spcBef>
+                <a:spcPts val="1001"/>
+              </a:spcBef>
+              <a:tabLst>
+                <a:tab pos="0" algn="l"/>
+              </a:tabLst>
+            </a:pPr>
+            <a:r>
+              <a:rPr lang="en-US" sz="1200" b="0" strike="noStrike" cap="all" spc="-1" dirty="0" err="1">
+                <a:solidFill>
+                  <a:srgbClr val="BF5700"/>
+                </a:solidFill>
+                <a:latin typeface="Arial Black"/>
+                <a:ea typeface="Arial"/>
+              </a:rPr>
+              <a:t>feb</a:t>
+            </a:r>
+            <a:r>
+              <a:rPr lang="en-US" sz="1200" b="0" strike="noStrike" cap="all" spc="-1" dirty="0">
+                <a:solidFill>
+                  <a:srgbClr val="BF5700"/>
+                </a:solidFill>
+                <a:latin typeface="Arial Black"/>
+                <a:ea typeface="Arial"/>
+              </a:rPr>
+              <a:t> 2024</a:t>
+            </a:r>
+            <a:endParaRPr lang="en-US" sz="1200" b="0" strike="noStrike" spc="-1" dirty="0">
+              <a:solidFill>
+                <a:srgbClr val="000000"/>
+              </a:solidFill>
+              <a:latin typeface="Arial"/>
+            </a:endParaRPr>
+          </a:p>
+        </p:txBody>
+      </p:sp>
+      <p:sp>
+        <p:nvSpPr>
+          <p:cNvPr id="6" name="Título 5">
+            <a:extLst>
+              <a:ext uri="{FF2B5EF4-FFF2-40B4-BE49-F238E27FC236}">
+                <a16:creationId xmlns:a16="http://schemas.microsoft.com/office/drawing/2014/main" id="{5E7DEF72-42EB-D377-2A01-6CEDBA400A07}"/>
+              </a:ext>
+            </a:extLst>
+          </p:cNvPr>
+          <p:cNvSpPr>
+            <a:spLocks noGrp="1"/>
+          </p:cNvSpPr>
+          <p:nvPr>
+            <p:ph type="title"/>
+          </p:nvPr>
+        </p:nvSpPr>
+        <p:spPr>
+          <a:xfrm>
+            <a:off x="548640" y="2325658"/>
+            <a:ext cx="6152323" cy="993775"/>
+          </a:xfrm>
+        </p:spPr>
+        <p:txBody>
+          <a:bodyPr/>
+          <a:lstStyle/>
+          <a:p>
+            <a:r>
+              <a:rPr lang="en-US" noProof="0" dirty="0"/>
+              <a:t>PROBLEM STATEMENT</a:t>
+            </a:r>
+          </a:p>
+        </p:txBody>
+      </p:sp>
+      <p:sp>
+        <p:nvSpPr>
+          <p:cNvPr id="2" name="Text Placeholder 14">
+            <a:extLst>
+              <a:ext uri="{FF2B5EF4-FFF2-40B4-BE49-F238E27FC236}">
+                <a16:creationId xmlns:a16="http://schemas.microsoft.com/office/drawing/2014/main" id="{A0EF1178-205A-54F7-0930-0E59E4289236}"/>
+              </a:ext>
+            </a:extLst>
+          </p:cNvPr>
+          <p:cNvSpPr/>
+          <p:nvPr/>
+        </p:nvSpPr>
+        <p:spPr>
+          <a:xfrm>
+            <a:off x="548640" y="3173040"/>
+            <a:ext cx="7886520" cy="338416"/>
+          </a:xfrm>
+          <a:prstGeom prst="rect">
+            <a:avLst/>
+          </a:prstGeom>
+          <a:noFill/>
+          <a:ln w="0">
+            <a:noFill/>
+          </a:ln>
+          <a:effectLst>
+            <a:outerShdw blurRad="12600" dist="12727" dir="2700000" rotWithShape="0">
+              <a:srgbClr val="808080"/>
+            </a:outerShdw>
+          </a:effectLst>
+        </p:spPr>
+        <p:style>
+          <a:lnRef idx="0">
+            <a:scrgbClr r="0" g="0" b="0"/>
+          </a:lnRef>
+          <a:fillRef idx="0">
+            <a:scrgbClr r="0" g="0" b="0"/>
+          </a:fillRef>
+          <a:effectRef idx="0">
+            <a:scrgbClr r="0" g="0" b="0"/>
+          </a:effectRef>
+          <a:fontRef idx="minor"/>
+        </p:style>
+        <p:txBody>
+          <a:bodyPr anchor="b">
+            <a:noAutofit/>
+          </a:bodyPr>
+          <a:lstStyle/>
+          <a:p>
+            <a:pPr defTabSz="914400">
+              <a:spcBef>
+                <a:spcPts val="1001"/>
+              </a:spcBef>
+              <a:tabLst>
+                <a:tab pos="0" algn="l"/>
+              </a:tabLst>
+            </a:pPr>
+            <a:r>
+              <a:rPr lang="en-US" sz="1050" b="0" strike="noStrike" cap="all" spc="-1" dirty="0">
+                <a:solidFill>
+                  <a:srgbClr val="BF5700"/>
+                </a:solidFill>
+                <a:latin typeface="Arial Black"/>
+                <a:ea typeface="Arial"/>
+              </a:rPr>
+              <a:t>IDEAS</a:t>
+            </a:r>
+            <a:endParaRPr lang="en-US" sz="1050" b="0" strike="noStrike" spc="-1" dirty="0">
+              <a:solidFill>
+                <a:srgbClr val="000000"/>
+              </a:solidFill>
+              <a:latin typeface="Arial"/>
+            </a:endParaRPr>
+          </a:p>
+        </p:txBody>
+      </p:sp>
+    </p:spTree>
+    <p:extLst>
+      <p:ext uri="{BB962C8B-B14F-4D97-AF65-F5344CB8AC3E}">
         <p14:creationId xmlns:p14="http://schemas.microsoft.com/office/powerpoint/2010/main" val="3434048406"/>
+      </p:ext>
+    </p:extLst>
+  </p:cSld>
+  <p:clrMapOvr>
+    <a:masterClrMapping/>
+  </p:clrMapOvr>
+</p:sld>
+</file>
+
+<file path=ppt/slides/slide4.xml><?xml version="1.0" encoding="utf-8"?>
+<p:sld xmlns:a="http://schemas.openxmlformats.org/drawingml/2006/main" xmlns:r="http://schemas.openxmlformats.org/officeDocument/2006/relationships" xmlns:p="http://schemas.openxmlformats.org/presentationml/2006/main">
+  <p:cSld>
+    <p:spTree>
+      <p:nvGrpSpPr>
+        <p:cNvPr id="1" name=""/>
+        <p:cNvGrpSpPr/>
+        <p:nvPr/>
+      </p:nvGrpSpPr>
+      <p:grpSpPr>
+        <a:xfrm>
+          <a:off x="0" y="0"/>
+          <a:ext cx="0" cy="0"/>
+          <a:chOff x="0" y="0"/>
+          <a:chExt cx="0" cy="0"/>
+        </a:xfrm>
+      </p:grpSpPr>
+      <p:sp>
+        <p:nvSpPr>
+          <p:cNvPr id="2" name="Text Placeholder 1">
+            <a:extLst>
+              <a:ext uri="{FF2B5EF4-FFF2-40B4-BE49-F238E27FC236}">
+                <a16:creationId xmlns:a16="http://schemas.microsoft.com/office/drawing/2014/main" id="{96646901-E1F7-C9FC-22CC-30300204CADC}"/>
+              </a:ext>
+            </a:extLst>
+          </p:cNvPr>
+          <p:cNvSpPr>
+            <a:spLocks noGrp="1"/>
+          </p:cNvSpPr>
+          <p:nvPr>
+            <p:ph type="body" sz="quarter" idx="11"/>
+          </p:nvPr>
+        </p:nvSpPr>
+        <p:spPr>
+          <a:xfrm>
+            <a:off x="88900" y="385763"/>
+            <a:ext cx="8963660" cy="4676094"/>
+          </a:xfrm>
+        </p:spPr>
+        <p:txBody>
+          <a:bodyPr>
+            <a:normAutofit/>
+          </a:bodyPr>
+          <a:lstStyle/>
+          <a:p>
+            <a:pPr>
+              <a:spcBef>
+                <a:spcPts val="0"/>
+              </a:spcBef>
+            </a:pPr>
+            <a:r>
+              <a:rPr lang="en-US" sz="1600" noProof="0" dirty="0"/>
+              <a:t>Research question</a:t>
+            </a:r>
+          </a:p>
+          <a:p>
+            <a:pPr marL="98425" lvl="1" indent="0">
+              <a:buNone/>
+            </a:pPr>
+            <a:r>
+              <a:rPr lang="en-US" sz="1400" noProof="0" dirty="0"/>
+              <a:t>What is the relevance of facture dynamics in reservoir drainage?</a:t>
+            </a:r>
+          </a:p>
+          <a:p>
+            <a:pPr marL="98425" lvl="1" indent="0">
+              <a:buNone/>
+            </a:pPr>
+            <a:r>
+              <a:rPr lang="en-US" sz="1400" noProof="0" dirty="0"/>
+              <a:t>We want to build a computationally effective model for the dynamic behavior of large sets of fractures coupled with field-scale compositional simulation.</a:t>
+            </a:r>
+          </a:p>
+          <a:p>
+            <a:pPr>
+              <a:spcBef>
+                <a:spcPts val="1800"/>
+              </a:spcBef>
+            </a:pPr>
+            <a:r>
+              <a:rPr lang="en-US" sz="1600" noProof="0" dirty="0"/>
+              <a:t>Scientific gap:</a:t>
+            </a:r>
+          </a:p>
+          <a:p>
+            <a:pPr marL="98425" lvl="1" indent="0">
+              <a:buNone/>
+            </a:pPr>
+            <a:r>
+              <a:rPr lang="en-US" sz="1400" noProof="0" dirty="0"/>
+              <a:t>Research papers and commercial codes on fracturing rarely deal with low-efficiency fluids and complex geometries.</a:t>
+            </a:r>
+          </a:p>
+          <a:p>
+            <a:pPr marL="98425" lvl="1" indent="0">
+              <a:buNone/>
+            </a:pPr>
+            <a:r>
+              <a:rPr lang="en-US" sz="1400" noProof="0" dirty="0"/>
+              <a:t>Most papers are only able to map single fracture and planar geometries.</a:t>
+            </a:r>
+          </a:p>
+          <a:p>
+            <a:pPr>
+              <a:spcBef>
+                <a:spcPts val="1800"/>
+              </a:spcBef>
+            </a:pPr>
+            <a:r>
+              <a:rPr lang="en-US" sz="1600" noProof="0" dirty="0"/>
+              <a:t>Vision</a:t>
+            </a:r>
+          </a:p>
+          <a:p>
+            <a:pPr marL="98425" lvl="1" indent="0">
+              <a:buNone/>
+            </a:pPr>
+            <a:r>
+              <a:rPr lang="en-US" sz="1400" noProof="0" dirty="0"/>
+              <a:t>We want to design technologies that are commercially usable.</a:t>
+            </a:r>
+          </a:p>
+          <a:p>
+            <a:pPr marL="98425" lvl="1" indent="0">
+              <a:buNone/>
+            </a:pPr>
+            <a:r>
+              <a:rPr lang="en-US" sz="1400" noProof="0" dirty="0"/>
+              <a:t>We want the technology to empower (not replace!) existing software.</a:t>
+            </a:r>
+          </a:p>
+        </p:txBody>
+      </p:sp>
+      <p:sp>
+        <p:nvSpPr>
+          <p:cNvPr id="3" name="Title 2">
+            <a:extLst>
+              <a:ext uri="{FF2B5EF4-FFF2-40B4-BE49-F238E27FC236}">
+                <a16:creationId xmlns:a16="http://schemas.microsoft.com/office/drawing/2014/main" id="{34C60A47-EBB6-091D-C027-1403C1B677C8}"/>
+              </a:ext>
+            </a:extLst>
+          </p:cNvPr>
+          <p:cNvSpPr>
+            <a:spLocks noGrp="1"/>
+          </p:cNvSpPr>
+          <p:nvPr>
+            <p:ph type="title"/>
+          </p:nvPr>
+        </p:nvSpPr>
+        <p:spPr/>
+        <p:txBody>
+          <a:bodyPr/>
+          <a:lstStyle/>
+          <a:p>
+            <a:r>
+              <a:rPr lang="en-US" noProof="0" dirty="0"/>
+              <a:t>RESEARCH PROBLEM STATEMENT</a:t>
+            </a:r>
+          </a:p>
+        </p:txBody>
+      </p:sp>
+    </p:spTree>
+    <p:extLst>
+      <p:ext uri="{BB962C8B-B14F-4D97-AF65-F5344CB8AC3E}">
+        <p14:creationId xmlns:p14="http://schemas.microsoft.com/office/powerpoint/2010/main" val="3799097180"/>
       </p:ext>
     </p:extLst>
   </p:cSld>
@@ -5113,159 +6722,157 @@
             <p:ph type="body" sz="quarter" idx="11"/>
           </p:nvPr>
         </p:nvSpPr>
-        <p:spPr/>
+        <p:spPr>
+          <a:xfrm>
+            <a:off x="88900" y="385763"/>
+            <a:ext cx="8963660" cy="4676094"/>
+          </a:xfrm>
+        </p:spPr>
         <p:txBody>
-          <a:bodyPr/>
+          <a:bodyPr>
+            <a:noAutofit/>
+          </a:bodyPr>
           <a:lstStyle/>
           <a:p>
-            <a:r>
-              <a:rPr lang="en-US" dirty="0"/>
+            <a:pPr>
+              <a:spcBef>
+                <a:spcPts val="600"/>
+              </a:spcBef>
+            </a:pPr>
+            <a:r>
+              <a:rPr lang="en-US" sz="1400" noProof="0" dirty="0"/>
               <a:t>Object of study</a:t>
             </a:r>
           </a:p>
           <a:p>
             <a:pPr lvl="1"/>
             <a:r>
-              <a:rPr lang="en-US" dirty="0"/>
-              <a:t>Conventional reservoirs, deep fields, high temperature</a:t>
+              <a:rPr lang="en-US" sz="1200" noProof="0" dirty="0"/>
+              <a:t>Conventional reservoirs, deep fields, high-temperature contrast with the injected fluids</a:t>
             </a:r>
           </a:p>
           <a:p>
             <a:pPr lvl="1"/>
             <a:r>
-              <a:rPr lang="en-US" dirty="0"/>
-              <a:t>Sandstone or carbonates (naturally fracture)</a:t>
+              <a:rPr lang="en-US" sz="1200" noProof="0" dirty="0"/>
+              <a:t>Naturally fractured sandstone or carbonates</a:t>
             </a:r>
           </a:p>
           <a:p>
             <a:pPr lvl="1"/>
             <a:r>
-              <a:rPr lang="en-US" dirty="0"/>
-              <a:t>Shale or salt caprock</a:t>
+              <a:rPr lang="en-US" sz="1200" noProof="0" dirty="0"/>
+              <a:t>Salt as a caprock and salt caverns</a:t>
+            </a:r>
+          </a:p>
+          <a:p>
+            <a:pPr>
+              <a:spcBef>
+                <a:spcPts val="600"/>
+              </a:spcBef>
+            </a:pPr>
+            <a:r>
+              <a:rPr lang="en-US" sz="1400" noProof="0" dirty="0"/>
+              <a:t>Problems</a:t>
             </a:r>
           </a:p>
           <a:p>
             <a:pPr lvl="1"/>
             <a:r>
-              <a:rPr lang="en-US" dirty="0"/>
-              <a:t>Salt caverns</a:t>
-            </a:r>
-          </a:p>
-          <a:p>
-            <a:r>
-              <a:rPr lang="en-US" dirty="0"/>
-              <a:t>The problem</a:t>
+              <a:rPr lang="en-US" sz="1200" noProof="0" dirty="0"/>
+              <a:t>Multiphysics fracture nucleation and tracking are difficult to model as they happen in multiple scales (space and time)</a:t>
             </a:r>
           </a:p>
           <a:p>
             <a:pPr lvl="1"/>
             <a:r>
-              <a:rPr lang="en-US" dirty="0"/>
-              <a:t>Multiphysics fracture nucleation and tracking are difficult to model as it happens in multiple scales (space and time)</a:t>
+              <a:rPr lang="en-US" sz="1200" noProof="0" dirty="0"/>
+              <a:t> Long-term cold fluid injection thermally stresses the rock, and hydraulic fractures are likely to occur</a:t>
             </a:r>
           </a:p>
           <a:p>
             <a:pPr lvl="1"/>
             <a:r>
-              <a:rPr lang="en-US" dirty="0"/>
-              <a:t>Long term cold fluid injection thermally stresses the rock, hydraulic fractures are likely to occur</a:t>
+              <a:rPr lang="en-US" sz="1200" noProof="0" dirty="0"/>
+              <a:t>Many physical processes concur with similar characteristic time and length (elasticity, plasticity, pressure, and heat dissipation, creep etc.)</a:t>
             </a:r>
           </a:p>
           <a:p>
             <a:pPr lvl="1"/>
             <a:r>
-              <a:rPr lang="en-US" dirty="0"/>
-              <a:t>Salt caverns designs for cyclic storage and abandonment</a:t>
+              <a:rPr lang="en-US" sz="1200" noProof="0" dirty="0"/>
+              <a:t>Salt cavern designs for cyclic storage and abandonment need plasticity and creep</a:t>
+            </a:r>
+          </a:p>
+          <a:p>
+            <a:pPr>
+              <a:spcBef>
+                <a:spcPts val="600"/>
+              </a:spcBef>
+            </a:pPr>
+            <a:r>
+              <a:rPr lang="en-US" sz="1400" noProof="0" dirty="0"/>
+              <a:t>The value of the outcomes</a:t>
             </a:r>
           </a:p>
           <a:p>
             <a:pPr lvl="1"/>
             <a:r>
-              <a:rPr lang="en-US" dirty="0"/>
-              <a:t>Many physical processes concur with similar characteristic time and length (elasticity, plasticity, pressure and heat dissipation, creep </a:t>
-            </a:r>
-            <a:r>
-              <a:rPr lang="en-US" dirty="0" err="1"/>
-              <a:t>etc</a:t>
-            </a:r>
-            <a:r>
-              <a:rPr lang="en-US" dirty="0"/>
-              <a:t>)</a:t>
-            </a:r>
-          </a:p>
-          <a:p>
-            <a:r>
-              <a:rPr lang="en-US" dirty="0"/>
-              <a:t>Objective</a:t>
+              <a:rPr lang="en-US" sz="1200" noProof="0" dirty="0"/>
+              <a:t>Operate with the highest possible injection rates (safety!)</a:t>
             </a:r>
           </a:p>
           <a:p>
             <a:pPr lvl="1"/>
             <a:r>
-              <a:rPr lang="en-US" dirty="0"/>
-              <a:t>Understand the mechanics of long term effects of cold water and gas injection for EOR and storage</a:t>
+              <a:rPr lang="en-US" sz="1200" noProof="0" dirty="0"/>
+              <a:t>Enable long-term fluid injection above the fracturing pressure (produced water)</a:t>
             </a:r>
           </a:p>
           <a:p>
             <a:pPr lvl="1"/>
             <a:r>
-              <a:rPr lang="en-US" dirty="0"/>
-              <a:t>Operate with highest possible injection rates (safety!)</a:t>
+              <a:rPr lang="en-US" sz="1200" noProof="0" dirty="0"/>
+              <a:t>Estimate maximum storage considering mechanical aspects</a:t>
             </a:r>
           </a:p>
           <a:p>
             <a:pPr lvl="1"/>
             <a:r>
-              <a:rPr lang="en-US" dirty="0"/>
-              <a:t>Enable long term fluid injection above the fracturing pressure (produced water)</a:t>
+              <a:rPr lang="en-US" sz="1200" noProof="0" dirty="0"/>
+              <a:t>Promote safety and fluid containment and support regulations</a:t>
+            </a:r>
+          </a:p>
+          <a:p>
+            <a:pPr>
+              <a:spcBef>
+                <a:spcPts val="600"/>
+              </a:spcBef>
+            </a:pPr>
+            <a:r>
+              <a:rPr lang="en-US" sz="1400" noProof="0" dirty="0"/>
+              <a:t>Methodology</a:t>
             </a:r>
           </a:p>
           <a:p>
             <a:pPr lvl="1"/>
             <a:r>
-              <a:rPr lang="en-US" dirty="0"/>
-              <a:t>Promote safety and fluid containment. Support regulations</a:t>
+              <a:rPr lang="en-US" sz="1200" noProof="0" dirty="0"/>
+              <a:t>Hybrid simulations (multiple meshes and technologies) to accurately map the propagation and incorporate the outcomes into large-scale flow models</a:t>
             </a:r>
           </a:p>
           <a:p>
             <a:pPr lvl="1"/>
             <a:r>
-              <a:rPr lang="en-US" dirty="0"/>
-              <a:t>Possible to apply to salt caverns</a:t>
-            </a:r>
-          </a:p>
-          <a:p>
-            <a:r>
-              <a:rPr lang="en-US" dirty="0"/>
-              <a:t>Methodology</a:t>
+              <a:rPr lang="en-US" sz="1200" noProof="0" dirty="0"/>
+              <a:t>Propose a set of parameters to embed small-scale findings to field scale simulations</a:t>
             </a:r>
           </a:p>
           <a:p>
             <a:pPr lvl="1"/>
             <a:r>
-              <a:rPr lang="en-US" dirty="0"/>
-              <a:t>Multiscale simulations around the injection wells</a:t>
-            </a:r>
-          </a:p>
-          <a:p>
-            <a:pPr lvl="1"/>
-            <a:r>
-              <a:rPr lang="en-US" dirty="0"/>
-              <a:t>Fracture propagation is driven by small scale phenomena</a:t>
-            </a:r>
-          </a:p>
-          <a:p>
-            <a:pPr lvl="1"/>
-            <a:r>
-              <a:rPr lang="en-US" dirty="0"/>
-              <a:t>Propose a set of parameters to embed small-scale findings to field scale simulations</a:t>
-            </a:r>
-          </a:p>
-          <a:p>
-            <a:pPr lvl="1"/>
-            <a:r>
-              <a:rPr lang="en-US" dirty="0"/>
-              <a:t>Create a large database with the small scale simulations =&gt; AI to feed field scale fracture models</a:t>
+              <a:rPr lang="en-US" sz="1200" noProof="0" dirty="0"/>
+              <a:t>Build a consistent database with the small-scale simulations. Does it make sense to use AI to feed field scale models?</a:t>
             </a:r>
           </a:p>
         </p:txBody>
@@ -5292,8 +6899,8 @@
           <a:lstStyle/>
           <a:p>
             <a:r>
-              <a:rPr lang="en-US" dirty="0"/>
-              <a:t>PROBLEM #1 - NON-PLANAR FRACTURE PROPAGATION</a:t>
+              <a:rPr lang="en-US" noProof="0" dirty="0"/>
+              <a:t>DYNAMIC EMBEDDED FRACTURE MODEL</a:t>
             </a:r>
           </a:p>
         </p:txBody>
@@ -5301,7 +6908,7 @@
     </p:spTree>
     <p:extLst>
       <p:ext uri="{BB962C8B-B14F-4D97-AF65-F5344CB8AC3E}">
-        <p14:creationId xmlns:p14="http://schemas.microsoft.com/office/powerpoint/2010/main" val="3799097180"/>
+        <p14:creationId xmlns:p14="http://schemas.microsoft.com/office/powerpoint/2010/main" val="3177065109"/>
       </p:ext>
     </p:extLst>
   </p:cSld>
@@ -5333,7 +6940,7 @@
           <p:cNvPr id="3" name="Title 2">
             <a:extLst>
               <a:ext uri="{FF2B5EF4-FFF2-40B4-BE49-F238E27FC236}">
-                <a16:creationId xmlns:a16="http://schemas.microsoft.com/office/drawing/2014/main" id="{71CC2E21-A4A0-C712-3448-2AD68FA811D0}"/>
+                <a16:creationId xmlns:a16="http://schemas.microsoft.com/office/drawing/2014/main" id="{32CAEB43-18BF-CE49-D420-E719619647F8}"/>
               </a:ext>
             </a:extLst>
           </p:cNvPr>
@@ -5350,12 +6957,2001 @@
           <a:lstStyle/>
           <a:p>
             <a:r>
-              <a:rPr lang="en-US" dirty="0"/>
-              <a:t>PROBLEM #1 - NON-PLANAR FRACTURE PROPAGATION</a:t>
+              <a:rPr lang="en-US" noProof="0" dirty="0"/>
+              <a:t>DYNAMIC EMBEDDED FRACTURE MODEL</a:t>
             </a:r>
           </a:p>
         </p:txBody>
       </p:sp>
+      <p:graphicFrame>
+        <p:nvGraphicFramePr>
+          <p:cNvPr id="4" name="Table 3">
+            <a:extLst>
+              <a:ext uri="{FF2B5EF4-FFF2-40B4-BE49-F238E27FC236}">
+                <a16:creationId xmlns:a16="http://schemas.microsoft.com/office/drawing/2014/main" id="{99AFED94-9C65-E6FD-5C3C-C911FB9E390C}"/>
+              </a:ext>
+            </a:extLst>
+          </p:cNvPr>
+          <p:cNvGraphicFramePr>
+            <a:graphicFrameLocks noGrp="1"/>
+          </p:cNvGraphicFramePr>
+          <p:nvPr>
+            <p:extLst>
+              <p:ext uri="{D42A27DB-BD31-4B8C-83A1-F6EECF244321}">
+                <p14:modId xmlns:p14="http://schemas.microsoft.com/office/powerpoint/2010/main" val="2424251656"/>
+              </p:ext>
+            </p:extLst>
+          </p:nvPr>
+        </p:nvGraphicFramePr>
+        <p:xfrm>
+          <a:off x="244444" y="461728"/>
+          <a:ext cx="8691326" cy="3749040"/>
+        </p:xfrm>
+        <a:graphic>
+          <a:graphicData uri="http://schemas.openxmlformats.org/drawingml/2006/table">
+            <a:tbl>
+              <a:tblPr firstRow="1" bandRow="1">
+                <a:tableStyleId>{7E9639D4-E3E2-4D34-9284-5A2195B3D0D7}</a:tableStyleId>
+              </a:tblPr>
+              <a:tblGrid>
+                <a:gridCol w="6201623">
+                  <a:extLst>
+                    <a:ext uri="{9D8B030D-6E8A-4147-A177-3AD203B41FA5}">
+                      <a16:colId xmlns:a16="http://schemas.microsoft.com/office/drawing/2014/main" val="581484678"/>
+                    </a:ext>
+                  </a:extLst>
+                </a:gridCol>
+                <a:gridCol w="2489703">
+                  <a:extLst>
+                    <a:ext uri="{9D8B030D-6E8A-4147-A177-3AD203B41FA5}">
+                      <a16:colId xmlns:a16="http://schemas.microsoft.com/office/drawing/2014/main" val="2540518995"/>
+                    </a:ext>
+                  </a:extLst>
+                </a:gridCol>
+              </a:tblGrid>
+              <a:tr h="0">
+                <a:tc>
+                  <a:txBody>
+                    <a:bodyPr/>
+                    <a:lstStyle/>
+                    <a:p>
+                      <a:r>
+                        <a:rPr lang="en-US" sz="1200" noProof="0" dirty="0"/>
+                        <a:t>CLAIM</a:t>
+                      </a:r>
+                    </a:p>
+                  </a:txBody>
+                  <a:tcPr/>
+                </a:tc>
+                <a:tc>
+                  <a:txBody>
+                    <a:bodyPr/>
+                    <a:lstStyle/>
+                    <a:p>
+                      <a:r>
+                        <a:rPr lang="en-US" sz="1200" noProof="0" dirty="0"/>
+                        <a:t>BELIEVE/EVIDENCE/DON'T KNOW</a:t>
+                      </a:r>
+                    </a:p>
+                  </a:txBody>
+                  <a:tcPr/>
+                </a:tc>
+                <a:extLst>
+                  <a:ext uri="{0D108BD9-81ED-4DB2-BD59-A6C34878D82A}">
+                    <a16:rowId xmlns:a16="http://schemas.microsoft.com/office/drawing/2014/main" val="1658741123"/>
+                  </a:ext>
+                </a:extLst>
+              </a:tr>
+              <a:tr h="0">
+                <a:tc>
+                  <a:txBody>
+                    <a:bodyPr/>
+                    <a:lstStyle/>
+                    <a:p>
+                      <a:r>
+                        <a:rPr lang="en-US" sz="1200" noProof="0" dirty="0"/>
+                        <a:t>PHYSICS</a:t>
+                      </a:r>
+                    </a:p>
+                  </a:txBody>
+                  <a:tcPr>
+                    <a:solidFill>
+                      <a:schemeClr val="accent3">
+                        <a:lumMod val="20000"/>
+                        <a:lumOff val="80000"/>
+                      </a:schemeClr>
+                    </a:solidFill>
+                  </a:tcPr>
+                </a:tc>
+                <a:tc>
+                  <a:txBody>
+                    <a:bodyPr/>
+                    <a:lstStyle/>
+                    <a:p>
+                      <a:endParaRPr lang="en-US" sz="1200" noProof="0" dirty="0"/>
+                    </a:p>
+                  </a:txBody>
+                  <a:tcPr>
+                    <a:solidFill>
+                      <a:schemeClr val="accent3">
+                        <a:lumMod val="20000"/>
+                        <a:lumOff val="80000"/>
+                      </a:schemeClr>
+                    </a:solidFill>
+                  </a:tcPr>
+                </a:tc>
+                <a:extLst>
+                  <a:ext uri="{0D108BD9-81ED-4DB2-BD59-A6C34878D82A}">
+                    <a16:rowId xmlns:a16="http://schemas.microsoft.com/office/drawing/2014/main" val="863149800"/>
+                  </a:ext>
+                </a:extLst>
+              </a:tr>
+              <a:tr h="0">
+                <a:tc>
+                  <a:txBody>
+                    <a:bodyPr/>
+                    <a:lstStyle/>
+                    <a:p>
+                      <a:pPr marL="180000" algn="l"/>
+                      <a:r>
+                        <a:rPr lang="en-US" sz="1200" u="sng" noProof="0" dirty="0"/>
+                        <a:t>Multiphase flow</a:t>
+                      </a:r>
+                      <a:r>
+                        <a:rPr lang="en-US" sz="1200" noProof="0" dirty="0"/>
+                        <a:t> does not impact fracture propagation as long as we have a good estimate of the global temperature and pressure fields.</a:t>
+                      </a:r>
+                    </a:p>
+                  </a:txBody>
+                  <a:tcPr/>
+                </a:tc>
+                <a:tc>
+                  <a:txBody>
+                    <a:bodyPr/>
+                    <a:lstStyle/>
+                    <a:p>
+                      <a:r>
+                        <a:rPr lang="en-US" sz="1200" noProof="0" dirty="0"/>
+                        <a:t>Believe</a:t>
+                      </a:r>
+                    </a:p>
+                  </a:txBody>
+                  <a:tcPr/>
+                </a:tc>
+                <a:extLst>
+                  <a:ext uri="{0D108BD9-81ED-4DB2-BD59-A6C34878D82A}">
+                    <a16:rowId xmlns:a16="http://schemas.microsoft.com/office/drawing/2014/main" val="911853065"/>
+                  </a:ext>
+                </a:extLst>
+              </a:tr>
+              <a:tr h="0">
+                <a:tc>
+                  <a:txBody>
+                    <a:bodyPr/>
+                    <a:lstStyle/>
+                    <a:p>
+                      <a:pPr marL="180000"/>
+                      <a:r>
+                        <a:rPr lang="en-US" sz="1200" noProof="0" dirty="0"/>
+                        <a:t>The fracture dynamics in which we are interested (NF distributed along the reservoir, temperature driven) </a:t>
+                      </a:r>
+                      <a:r>
+                        <a:rPr lang="en-US" sz="1200" u="sng" noProof="0" dirty="0"/>
+                        <a:t>are not planar</a:t>
+                      </a:r>
+                      <a:r>
+                        <a:rPr lang="en-US" sz="1200" noProof="0" dirty="0"/>
+                        <a:t>. Branching and fracture swarms are a fact.</a:t>
+                      </a:r>
+                    </a:p>
+                  </a:txBody>
+                  <a:tcPr/>
+                </a:tc>
+                <a:tc>
+                  <a:txBody>
+                    <a:bodyPr/>
+                    <a:lstStyle/>
+                    <a:p>
+                      <a:r>
+                        <a:rPr lang="en-US" sz="1200" noProof="0" dirty="0"/>
+                        <a:t>Evidence</a:t>
+                      </a:r>
+                    </a:p>
+                  </a:txBody>
+                  <a:tcPr/>
+                </a:tc>
+                <a:extLst>
+                  <a:ext uri="{0D108BD9-81ED-4DB2-BD59-A6C34878D82A}">
+                    <a16:rowId xmlns:a16="http://schemas.microsoft.com/office/drawing/2014/main" val="1471885245"/>
+                  </a:ext>
+                </a:extLst>
+              </a:tr>
+              <a:tr h="0">
+                <a:tc>
+                  <a:txBody>
+                    <a:bodyPr/>
+                    <a:lstStyle/>
+                    <a:p>
+                      <a:pPr marL="180000"/>
+                      <a:r>
+                        <a:rPr lang="en-US" sz="1200" noProof="0" dirty="0"/>
+                        <a:t>LEFM is insufficient for fracture propagation in conventional reservoirs, and plasticity plays a role.</a:t>
+                      </a:r>
+                    </a:p>
+                  </a:txBody>
+                  <a:tcPr/>
+                </a:tc>
+                <a:tc>
+                  <a:txBody>
+                    <a:bodyPr/>
+                    <a:lstStyle/>
+                    <a:p>
+                      <a:r>
+                        <a:rPr lang="en-US" sz="1200" noProof="0" dirty="0"/>
+                        <a:t>Don't know. Need to investigate</a:t>
+                      </a:r>
+                    </a:p>
+                  </a:txBody>
+                  <a:tcPr/>
+                </a:tc>
+                <a:extLst>
+                  <a:ext uri="{0D108BD9-81ED-4DB2-BD59-A6C34878D82A}">
+                    <a16:rowId xmlns:a16="http://schemas.microsoft.com/office/drawing/2014/main" val="3452185302"/>
+                  </a:ext>
+                </a:extLst>
+              </a:tr>
+              <a:tr h="0">
+                <a:tc>
+                  <a:txBody>
+                    <a:bodyPr/>
+                    <a:lstStyle/>
+                    <a:p>
+                      <a:pPr marL="180000" marR="0" lvl="0" indent="0" algn="l" defTabSz="914400" rtl="0" eaLnBrk="1" fontAlgn="auto" latinLnBrk="0" hangingPunct="1">
+                        <a:lnSpc>
+                          <a:spcPct val="100000"/>
+                        </a:lnSpc>
+                        <a:spcBef>
+                          <a:spcPts val="0"/>
+                        </a:spcBef>
+                        <a:spcAft>
+                          <a:spcPts val="0"/>
+                        </a:spcAft>
+                        <a:buClrTx/>
+                        <a:buSzTx/>
+                        <a:buFontTx/>
+                        <a:buNone/>
+                        <a:tabLst/>
+                        <a:defRPr/>
+                      </a:pPr>
+                      <a:r>
+                        <a:rPr lang="en-US" sz="1200" noProof="0" dirty="0"/>
+                        <a:t>Creep is important to model fracture propagation in a salt layer, as it acts within minutes-to-hours.</a:t>
+                      </a:r>
+                    </a:p>
+                  </a:txBody>
+                  <a:tcPr/>
+                </a:tc>
+                <a:tc>
+                  <a:txBody>
+                    <a:bodyPr/>
+                    <a:lstStyle/>
+                    <a:p>
+                      <a:r>
+                        <a:rPr lang="en-US" sz="1200" noProof="0" dirty="0"/>
+                        <a:t>Believe</a:t>
+                      </a:r>
+                    </a:p>
+                  </a:txBody>
+                  <a:tcPr/>
+                </a:tc>
+                <a:extLst>
+                  <a:ext uri="{0D108BD9-81ED-4DB2-BD59-A6C34878D82A}">
+                    <a16:rowId xmlns:a16="http://schemas.microsoft.com/office/drawing/2014/main" val="2143386659"/>
+                  </a:ext>
+                </a:extLst>
+              </a:tr>
+              <a:tr h="0">
+                <a:tc>
+                  <a:txBody>
+                    <a:bodyPr/>
+                    <a:lstStyle/>
+                    <a:p>
+                      <a:pPr marL="180000" marR="0" lvl="0" indent="0" algn="l" defTabSz="914400" rtl="0" eaLnBrk="1" fontAlgn="auto" latinLnBrk="0" hangingPunct="1">
+                        <a:lnSpc>
+                          <a:spcPct val="100000"/>
+                        </a:lnSpc>
+                        <a:spcBef>
+                          <a:spcPts val="0"/>
+                        </a:spcBef>
+                        <a:spcAft>
+                          <a:spcPts val="0"/>
+                        </a:spcAft>
+                        <a:buClrTx/>
+                        <a:buSzTx/>
+                        <a:buFontTx/>
+                        <a:buNone/>
+                        <a:tabLst/>
+                        <a:defRPr/>
+                      </a:pPr>
+                      <a:r>
+                        <a:rPr lang="en-US" sz="1200" noProof="0" dirty="0"/>
+                        <a:t>Reactive transport does not play a role in propagation but may fill the fracture and reduce permeability.</a:t>
+                      </a:r>
+                    </a:p>
+                  </a:txBody>
+                  <a:tcPr/>
+                </a:tc>
+                <a:tc>
+                  <a:txBody>
+                    <a:bodyPr/>
+                    <a:lstStyle/>
+                    <a:p>
+                      <a:pPr marL="0" marR="0" lvl="0" indent="0" algn="l" defTabSz="914400" rtl="0" eaLnBrk="1" fontAlgn="auto" latinLnBrk="0" hangingPunct="1">
+                        <a:lnSpc>
+                          <a:spcPct val="100000"/>
+                        </a:lnSpc>
+                        <a:spcBef>
+                          <a:spcPts val="0"/>
+                        </a:spcBef>
+                        <a:spcAft>
+                          <a:spcPts val="0"/>
+                        </a:spcAft>
+                        <a:buClrTx/>
+                        <a:buSzTx/>
+                        <a:buFontTx/>
+                        <a:buNone/>
+                        <a:tabLst/>
+                        <a:defRPr/>
+                      </a:pPr>
+                      <a:r>
+                        <a:rPr lang="en-US" sz="1200" noProof="0" dirty="0"/>
+                        <a:t>Believe</a:t>
+                      </a:r>
+                    </a:p>
+                  </a:txBody>
+                  <a:tcPr/>
+                </a:tc>
+                <a:extLst>
+                  <a:ext uri="{0D108BD9-81ED-4DB2-BD59-A6C34878D82A}">
+                    <a16:rowId xmlns:a16="http://schemas.microsoft.com/office/drawing/2014/main" val="105964206"/>
+                  </a:ext>
+                </a:extLst>
+              </a:tr>
+              <a:tr h="0">
+                <a:tc>
+                  <a:txBody>
+                    <a:bodyPr/>
+                    <a:lstStyle/>
+                    <a:p>
+                      <a:pPr marL="180000" marR="0" lvl="0" indent="0" algn="l" defTabSz="914400" rtl="0" eaLnBrk="1" fontAlgn="auto" latinLnBrk="0" hangingPunct="1">
+                        <a:lnSpc>
+                          <a:spcPct val="100000"/>
+                        </a:lnSpc>
+                        <a:spcBef>
+                          <a:spcPts val="0"/>
+                        </a:spcBef>
+                        <a:spcAft>
+                          <a:spcPts val="0"/>
+                        </a:spcAft>
+                        <a:buClrTx/>
+                        <a:buSzTx/>
+                        <a:buFontTx/>
+                        <a:buNone/>
+                        <a:tabLst/>
+                        <a:defRPr/>
+                      </a:pPr>
+                      <a:r>
+                        <a:rPr lang="en-US" sz="1200" noProof="0" dirty="0"/>
+                        <a:t>Fracture propagation characteristic time concur with pressure diffusion in early times or with high-efficiency fluids (fully coupling may apply). Higher times are expected otherwise (weak coupling is enough)</a:t>
+                      </a:r>
+                    </a:p>
+                  </a:txBody>
+                  <a:tcPr/>
+                </a:tc>
+                <a:tc>
+                  <a:txBody>
+                    <a:bodyPr/>
+                    <a:lstStyle/>
+                    <a:p>
+                      <a:pPr marL="0" marR="0" lvl="0" indent="0" algn="l" defTabSz="914400" rtl="0" eaLnBrk="1" fontAlgn="auto" latinLnBrk="0" hangingPunct="1">
+                        <a:lnSpc>
+                          <a:spcPct val="100000"/>
+                        </a:lnSpc>
+                        <a:spcBef>
+                          <a:spcPts val="0"/>
+                        </a:spcBef>
+                        <a:spcAft>
+                          <a:spcPts val="0"/>
+                        </a:spcAft>
+                        <a:buClrTx/>
+                        <a:buSzTx/>
+                        <a:buFontTx/>
+                        <a:buNone/>
+                        <a:tabLst/>
+                        <a:defRPr/>
+                      </a:pPr>
+                      <a:r>
+                        <a:rPr lang="en-US" sz="1200" noProof="0" dirty="0"/>
+                        <a:t>Believe</a:t>
+                      </a:r>
+                    </a:p>
+                  </a:txBody>
+                  <a:tcPr/>
+                </a:tc>
+                <a:extLst>
+                  <a:ext uri="{0D108BD9-81ED-4DB2-BD59-A6C34878D82A}">
+                    <a16:rowId xmlns:a16="http://schemas.microsoft.com/office/drawing/2014/main" val="4092562736"/>
+                  </a:ext>
+                </a:extLst>
+              </a:tr>
+              <a:tr h="0">
+                <a:tc>
+                  <a:txBody>
+                    <a:bodyPr/>
+                    <a:lstStyle/>
+                    <a:p>
+                      <a:pPr marL="0" marR="0" lvl="0" indent="0" algn="l" defTabSz="914400" rtl="0" eaLnBrk="1" fontAlgn="auto" latinLnBrk="0" hangingPunct="1">
+                        <a:lnSpc>
+                          <a:spcPct val="100000"/>
+                        </a:lnSpc>
+                        <a:spcBef>
+                          <a:spcPts val="0"/>
+                        </a:spcBef>
+                        <a:spcAft>
+                          <a:spcPts val="0"/>
+                        </a:spcAft>
+                        <a:buClrTx/>
+                        <a:buSzTx/>
+                        <a:buFontTx/>
+                        <a:buNone/>
+                        <a:tabLst/>
+                        <a:defRPr/>
+                      </a:pPr>
+                      <a:endParaRPr lang="en-US" sz="1200" noProof="0" dirty="0"/>
+                    </a:p>
+                  </a:txBody>
+                  <a:tcPr/>
+                </a:tc>
+                <a:tc>
+                  <a:txBody>
+                    <a:bodyPr/>
+                    <a:lstStyle/>
+                    <a:p>
+                      <a:pPr marL="0" marR="0" lvl="0" indent="0" algn="l" defTabSz="914400" rtl="0" eaLnBrk="1" fontAlgn="auto" latinLnBrk="0" hangingPunct="1">
+                        <a:lnSpc>
+                          <a:spcPct val="100000"/>
+                        </a:lnSpc>
+                        <a:spcBef>
+                          <a:spcPts val="0"/>
+                        </a:spcBef>
+                        <a:spcAft>
+                          <a:spcPts val="0"/>
+                        </a:spcAft>
+                        <a:buClrTx/>
+                        <a:buSzTx/>
+                        <a:buFontTx/>
+                        <a:buNone/>
+                        <a:tabLst/>
+                        <a:defRPr/>
+                      </a:pPr>
+                      <a:endParaRPr lang="en-US" sz="1200" noProof="0" dirty="0"/>
+                    </a:p>
+                  </a:txBody>
+                  <a:tcPr/>
+                </a:tc>
+                <a:extLst>
+                  <a:ext uri="{0D108BD9-81ED-4DB2-BD59-A6C34878D82A}">
+                    <a16:rowId xmlns:a16="http://schemas.microsoft.com/office/drawing/2014/main" val="4219621242"/>
+                  </a:ext>
+                </a:extLst>
+              </a:tr>
+            </a:tbl>
+          </a:graphicData>
+        </a:graphic>
+      </p:graphicFrame>
+    </p:spTree>
+    <p:extLst>
+      <p:ext uri="{BB962C8B-B14F-4D97-AF65-F5344CB8AC3E}">
+        <p14:creationId xmlns:p14="http://schemas.microsoft.com/office/powerpoint/2010/main" val="1500516920"/>
+      </p:ext>
+    </p:extLst>
+  </p:cSld>
+  <p:clrMapOvr>
+    <a:masterClrMapping/>
+  </p:clrMapOvr>
+</p:sld>
+</file>
+
+<file path=ppt/slides/slide7.xml><?xml version="1.0" encoding="utf-8"?>
+<p:sld xmlns:a="http://schemas.openxmlformats.org/drawingml/2006/main" xmlns:r="http://schemas.openxmlformats.org/officeDocument/2006/relationships" xmlns:p="http://schemas.openxmlformats.org/presentationml/2006/main">
+  <p:cSld>
+    <p:spTree>
+      <p:nvGrpSpPr>
+        <p:cNvPr id="1" name=""/>
+        <p:cNvGrpSpPr/>
+        <p:nvPr/>
+      </p:nvGrpSpPr>
+      <p:grpSpPr>
+        <a:xfrm>
+          <a:off x="0" y="0"/>
+          <a:ext cx="0" cy="0"/>
+          <a:chOff x="0" y="0"/>
+          <a:chExt cx="0" cy="0"/>
+        </a:xfrm>
+      </p:grpSpPr>
+      <p:sp>
+        <p:nvSpPr>
+          <p:cNvPr id="3" name="Title 2">
+            <a:extLst>
+              <a:ext uri="{FF2B5EF4-FFF2-40B4-BE49-F238E27FC236}">
+                <a16:creationId xmlns:a16="http://schemas.microsoft.com/office/drawing/2014/main" id="{32CAEB43-18BF-CE49-D420-E719619647F8}"/>
+              </a:ext>
+            </a:extLst>
+          </p:cNvPr>
+          <p:cNvSpPr>
+            <a:spLocks noGrp="1"/>
+          </p:cNvSpPr>
+          <p:nvPr>
+            <p:ph type="title"/>
+          </p:nvPr>
+        </p:nvSpPr>
+        <p:spPr/>
+        <p:txBody>
+          <a:bodyPr/>
+          <a:lstStyle/>
+          <a:p>
+            <a:r>
+              <a:rPr lang="en-US" noProof="0" dirty="0"/>
+              <a:t>DYNAMIC EMBEDDED FRACTURE MODEL</a:t>
+            </a:r>
+          </a:p>
+        </p:txBody>
+      </p:sp>
+      <p:graphicFrame>
+        <p:nvGraphicFramePr>
+          <p:cNvPr id="4" name="Table 3">
+            <a:extLst>
+              <a:ext uri="{FF2B5EF4-FFF2-40B4-BE49-F238E27FC236}">
+                <a16:creationId xmlns:a16="http://schemas.microsoft.com/office/drawing/2014/main" id="{99AFED94-9C65-E6FD-5C3C-C911FB9E390C}"/>
+              </a:ext>
+            </a:extLst>
+          </p:cNvPr>
+          <p:cNvGraphicFramePr>
+            <a:graphicFrameLocks noGrp="1"/>
+          </p:cNvGraphicFramePr>
+          <p:nvPr>
+            <p:extLst>
+              <p:ext uri="{D42A27DB-BD31-4B8C-83A1-F6EECF244321}">
+                <p14:modId xmlns:p14="http://schemas.microsoft.com/office/powerpoint/2010/main" val="1904943191"/>
+              </p:ext>
+            </p:extLst>
+          </p:nvPr>
+        </p:nvGraphicFramePr>
+        <p:xfrm>
+          <a:off x="244444" y="461728"/>
+          <a:ext cx="8691326" cy="4648200"/>
+        </p:xfrm>
+        <a:graphic>
+          <a:graphicData uri="http://schemas.openxmlformats.org/drawingml/2006/table">
+            <a:tbl>
+              <a:tblPr firstRow="1" bandRow="1">
+                <a:tableStyleId>{7E9639D4-E3E2-4D34-9284-5A2195B3D0D7}</a:tableStyleId>
+              </a:tblPr>
+              <a:tblGrid>
+                <a:gridCol w="6201623">
+                  <a:extLst>
+                    <a:ext uri="{9D8B030D-6E8A-4147-A177-3AD203B41FA5}">
+                      <a16:colId xmlns:a16="http://schemas.microsoft.com/office/drawing/2014/main" val="581484678"/>
+                    </a:ext>
+                  </a:extLst>
+                </a:gridCol>
+                <a:gridCol w="2489703">
+                  <a:extLst>
+                    <a:ext uri="{9D8B030D-6E8A-4147-A177-3AD203B41FA5}">
+                      <a16:colId xmlns:a16="http://schemas.microsoft.com/office/drawing/2014/main" val="2540518995"/>
+                    </a:ext>
+                  </a:extLst>
+                </a:gridCol>
+              </a:tblGrid>
+              <a:tr h="0">
+                <a:tc>
+                  <a:txBody>
+                    <a:bodyPr/>
+                    <a:lstStyle/>
+                    <a:p>
+                      <a:r>
+                        <a:rPr lang="en-US" sz="1200" noProof="0" dirty="0"/>
+                        <a:t>CLAIM</a:t>
+                      </a:r>
+                    </a:p>
+                  </a:txBody>
+                  <a:tcPr/>
+                </a:tc>
+                <a:tc>
+                  <a:txBody>
+                    <a:bodyPr/>
+                    <a:lstStyle/>
+                    <a:p>
+                      <a:r>
+                        <a:rPr lang="en-US" sz="1200" noProof="0" dirty="0"/>
+                        <a:t>BELIEVE/EVIDENCE/DON'T KNOW</a:t>
+                      </a:r>
+                    </a:p>
+                  </a:txBody>
+                  <a:tcPr/>
+                </a:tc>
+                <a:extLst>
+                  <a:ext uri="{0D108BD9-81ED-4DB2-BD59-A6C34878D82A}">
+                    <a16:rowId xmlns:a16="http://schemas.microsoft.com/office/drawing/2014/main" val="1658741123"/>
+                  </a:ext>
+                </a:extLst>
+              </a:tr>
+              <a:tr h="0">
+                <a:tc>
+                  <a:txBody>
+                    <a:bodyPr/>
+                    <a:lstStyle/>
+                    <a:p>
+                      <a:pPr marL="0" marR="0" lvl="0" indent="0" algn="l" defTabSz="914400" rtl="0" eaLnBrk="1" fontAlgn="auto" latinLnBrk="0" hangingPunct="1">
+                        <a:lnSpc>
+                          <a:spcPct val="100000"/>
+                        </a:lnSpc>
+                        <a:spcBef>
+                          <a:spcPts val="0"/>
+                        </a:spcBef>
+                        <a:spcAft>
+                          <a:spcPts val="0"/>
+                        </a:spcAft>
+                        <a:buClrTx/>
+                        <a:buSzTx/>
+                        <a:buFontTx/>
+                        <a:buNone/>
+                        <a:tabLst/>
+                        <a:defRPr/>
+                      </a:pPr>
+                      <a:r>
+                        <a:rPr lang="en-US" sz="1100" noProof="0" dirty="0"/>
+                        <a:t>NUMERICS</a:t>
+                      </a:r>
+                    </a:p>
+                  </a:txBody>
+                  <a:tcPr>
+                    <a:solidFill>
+                      <a:schemeClr val="accent3">
+                        <a:lumMod val="20000"/>
+                        <a:lumOff val="80000"/>
+                      </a:schemeClr>
+                    </a:solidFill>
+                  </a:tcPr>
+                </a:tc>
+                <a:tc>
+                  <a:txBody>
+                    <a:bodyPr/>
+                    <a:lstStyle/>
+                    <a:p>
+                      <a:endParaRPr lang="en-US" sz="1100" noProof="0" dirty="0"/>
+                    </a:p>
+                  </a:txBody>
+                  <a:tcPr>
+                    <a:solidFill>
+                      <a:schemeClr val="accent3">
+                        <a:lumMod val="20000"/>
+                        <a:lumOff val="80000"/>
+                      </a:schemeClr>
+                    </a:solidFill>
+                  </a:tcPr>
+                </a:tc>
+                <a:extLst>
+                  <a:ext uri="{0D108BD9-81ED-4DB2-BD59-A6C34878D82A}">
+                    <a16:rowId xmlns:a16="http://schemas.microsoft.com/office/drawing/2014/main" val="2719579656"/>
+                  </a:ext>
+                </a:extLst>
+              </a:tr>
+              <a:tr h="0">
+                <a:tc>
+                  <a:txBody>
+                    <a:bodyPr/>
+                    <a:lstStyle/>
+                    <a:p>
+                      <a:pPr marL="180000" marR="0" lvl="0" indent="0" algn="l" defTabSz="914400" rtl="0" eaLnBrk="1" fontAlgn="auto" latinLnBrk="0" hangingPunct="1">
+                        <a:lnSpc>
+                          <a:spcPct val="100000"/>
+                        </a:lnSpc>
+                        <a:spcBef>
+                          <a:spcPts val="0"/>
+                        </a:spcBef>
+                        <a:spcAft>
+                          <a:spcPts val="0"/>
+                        </a:spcAft>
+                        <a:buClrTx/>
+                        <a:buSzTx/>
+                        <a:buFontTx/>
+                        <a:buNone/>
+                        <a:tabLst/>
+                        <a:defRPr/>
+                      </a:pPr>
+                      <a:r>
+                        <a:rPr lang="en-US" sz="1100" noProof="0" dirty="0"/>
+                        <a:t>Only </a:t>
+                      </a:r>
+                      <a:r>
+                        <a:rPr lang="en-US" sz="1100" u="sng" noProof="0" dirty="0"/>
+                        <a:t>small-scale meshes</a:t>
+                      </a:r>
+                      <a:r>
+                        <a:rPr lang="en-US" sz="1100" noProof="0" dirty="0"/>
+                        <a:t> can deal with the complex physics of fracture propagation.</a:t>
+                      </a:r>
+                    </a:p>
+                  </a:txBody>
+                  <a:tcPr/>
+                </a:tc>
+                <a:tc>
+                  <a:txBody>
+                    <a:bodyPr/>
+                    <a:lstStyle/>
+                    <a:p>
+                      <a:r>
+                        <a:rPr lang="en-US" sz="1100" noProof="0" dirty="0"/>
+                        <a:t>Believe</a:t>
+                      </a:r>
+                    </a:p>
+                  </a:txBody>
+                  <a:tcPr/>
+                </a:tc>
+                <a:extLst>
+                  <a:ext uri="{0D108BD9-81ED-4DB2-BD59-A6C34878D82A}">
+                    <a16:rowId xmlns:a16="http://schemas.microsoft.com/office/drawing/2014/main" val="296592769"/>
+                  </a:ext>
+                </a:extLst>
+              </a:tr>
+              <a:tr h="0">
+                <a:tc>
+                  <a:txBody>
+                    <a:bodyPr/>
+                    <a:lstStyle/>
+                    <a:p>
+                      <a:pPr marL="180000"/>
+                      <a:r>
+                        <a:rPr lang="en-US" sz="1100" noProof="0" dirty="0"/>
+                        <a:t>EDFM works in coarse meshes and has no resolution to model physics behind fracture propagation driven by low-efficiency fluids. In fine meshes, we know better technology.</a:t>
+                      </a:r>
+                    </a:p>
+                  </a:txBody>
+                  <a:tcPr/>
+                </a:tc>
+                <a:tc>
+                  <a:txBody>
+                    <a:bodyPr/>
+                    <a:lstStyle/>
+                    <a:p>
+                      <a:r>
+                        <a:rPr lang="en-US" sz="1100" noProof="0" dirty="0"/>
+                        <a:t>Believe. Do we have enough evidence from Lily's work?</a:t>
+                      </a:r>
+                    </a:p>
+                  </a:txBody>
+                  <a:tcPr/>
+                </a:tc>
+                <a:extLst>
+                  <a:ext uri="{0D108BD9-81ED-4DB2-BD59-A6C34878D82A}">
+                    <a16:rowId xmlns:a16="http://schemas.microsoft.com/office/drawing/2014/main" val="623230517"/>
+                  </a:ext>
+                </a:extLst>
+              </a:tr>
+              <a:tr h="0">
+                <a:tc>
+                  <a:txBody>
+                    <a:bodyPr/>
+                    <a:lstStyle/>
+                    <a:p>
+                      <a:pPr marL="180000" marR="0" lvl="0" indent="0" algn="l" defTabSz="914400" rtl="0" eaLnBrk="1" fontAlgn="auto" latinLnBrk="0" hangingPunct="1">
+                        <a:lnSpc>
+                          <a:spcPct val="100000"/>
+                        </a:lnSpc>
+                        <a:spcBef>
+                          <a:spcPts val="0"/>
+                        </a:spcBef>
+                        <a:spcAft>
+                          <a:spcPts val="0"/>
+                        </a:spcAft>
+                        <a:buClrTx/>
+                        <a:buSzTx/>
+                        <a:buFontTx/>
+                        <a:buNone/>
+                        <a:tabLst/>
+                        <a:defRPr/>
+                      </a:pPr>
+                      <a:r>
+                        <a:rPr lang="en-US" sz="1100" b="0" u="sng" noProof="0" dirty="0"/>
+                        <a:t>Phase field models</a:t>
+                      </a:r>
+                      <a:r>
+                        <a:rPr lang="en-US" sz="1100" noProof="0" dirty="0"/>
+                        <a:t> are expensive for 3D models because they require high resolution to map a 2D mesh in volumes. We do not know any technology to overcome that.</a:t>
+                      </a:r>
+                    </a:p>
+                  </a:txBody>
+                  <a:tcPr/>
+                </a:tc>
+                <a:tc>
+                  <a:txBody>
+                    <a:bodyPr/>
+                    <a:lstStyle/>
+                    <a:p>
+                      <a:r>
+                        <a:rPr lang="en-US" sz="1100" noProof="0" dirty="0"/>
+                        <a:t>Believe</a:t>
+                      </a:r>
+                    </a:p>
+                  </a:txBody>
+                  <a:tcPr/>
+                </a:tc>
+                <a:extLst>
+                  <a:ext uri="{0D108BD9-81ED-4DB2-BD59-A6C34878D82A}">
+                    <a16:rowId xmlns:a16="http://schemas.microsoft.com/office/drawing/2014/main" val="274956614"/>
+                  </a:ext>
+                </a:extLst>
+              </a:tr>
+              <a:tr h="0">
+                <a:tc>
+                  <a:txBody>
+                    <a:bodyPr/>
+                    <a:lstStyle/>
+                    <a:p>
+                      <a:pPr marL="180000"/>
+                      <a:r>
+                        <a:rPr lang="en-US" sz="1100" kern="1200" noProof="0" dirty="0">
+                          <a:solidFill>
+                            <a:schemeClr val="tx1"/>
+                          </a:solidFill>
+                          <a:latin typeface="+mn-lt"/>
+                          <a:ea typeface="+mn-ea"/>
+                          <a:cs typeface="+mn-cs"/>
+                        </a:rPr>
+                        <a:t>FEM provide more mathematical flexibility than FVM and FDM to work with fracture mechanics.</a:t>
+                      </a:r>
+                    </a:p>
+                  </a:txBody>
+                  <a:tcPr/>
+                </a:tc>
+                <a:tc>
+                  <a:txBody>
+                    <a:bodyPr/>
+                    <a:lstStyle/>
+                    <a:p>
+                      <a:r>
+                        <a:rPr lang="en-US" sz="1100" noProof="0" dirty="0"/>
+                        <a:t>Believe</a:t>
+                      </a:r>
+                    </a:p>
+                  </a:txBody>
+                  <a:tcPr/>
+                </a:tc>
+                <a:extLst>
+                  <a:ext uri="{0D108BD9-81ED-4DB2-BD59-A6C34878D82A}">
+                    <a16:rowId xmlns:a16="http://schemas.microsoft.com/office/drawing/2014/main" val="2261527413"/>
+                  </a:ext>
+                </a:extLst>
+              </a:tr>
+              <a:tr h="0">
+                <a:tc>
+                  <a:txBody>
+                    <a:bodyPr/>
+                    <a:lstStyle/>
+                    <a:p>
+                      <a:pPr marL="180000"/>
+                      <a:r>
+                        <a:rPr lang="en-US" sz="1100" kern="1200" noProof="0" dirty="0">
+                          <a:solidFill>
+                            <a:schemeClr val="tx1"/>
+                          </a:solidFill>
+                          <a:latin typeface="+mn-lt"/>
+                          <a:ea typeface="+mn-ea"/>
+                          <a:cs typeface="+mn-cs"/>
+                        </a:rPr>
+                        <a:t>We can numerically estimate the velocity vector at the tip of an existing fracture, which can be mapped to a point (2D domain) or a line (3D domain).</a:t>
+                      </a:r>
+                    </a:p>
+                  </a:txBody>
+                  <a:tcPr/>
+                </a:tc>
+                <a:tc>
+                  <a:txBody>
+                    <a:bodyPr/>
+                    <a:lstStyle/>
+                    <a:p>
+                      <a:r>
+                        <a:rPr lang="en-US" sz="1100" noProof="0" dirty="0"/>
+                        <a:t>Don't know. Need to investigate.</a:t>
+                      </a:r>
+                    </a:p>
+                  </a:txBody>
+                  <a:tcPr/>
+                </a:tc>
+                <a:extLst>
+                  <a:ext uri="{0D108BD9-81ED-4DB2-BD59-A6C34878D82A}">
+                    <a16:rowId xmlns:a16="http://schemas.microsoft.com/office/drawing/2014/main" val="1941258296"/>
+                  </a:ext>
+                </a:extLst>
+              </a:tr>
+              <a:tr h="0">
+                <a:tc>
+                  <a:txBody>
+                    <a:bodyPr/>
+                    <a:lstStyle/>
+                    <a:p>
+                      <a:pPr marL="180000"/>
+                      <a:r>
+                        <a:rPr lang="en-US" sz="1100" kern="1200" noProof="0" dirty="0">
+                          <a:solidFill>
+                            <a:schemeClr val="tx1"/>
+                          </a:solidFill>
+                          <a:latin typeface="+mn-lt"/>
+                          <a:ea typeface="+mn-ea"/>
+                          <a:cs typeface="+mn-cs"/>
+                        </a:rPr>
+                        <a:t>We can numerically estimate a nucleation vector in any point P of the continua.</a:t>
+                      </a:r>
+                    </a:p>
+                  </a:txBody>
+                  <a:tcPr/>
+                </a:tc>
+                <a:tc>
+                  <a:txBody>
+                    <a:bodyPr/>
+                    <a:lstStyle/>
+                    <a:p>
+                      <a:pPr marL="0" marR="0" lvl="0" indent="0" algn="l" defTabSz="914400" rtl="0" eaLnBrk="1" fontAlgn="auto" latinLnBrk="0" hangingPunct="1">
+                        <a:lnSpc>
+                          <a:spcPct val="100000"/>
+                        </a:lnSpc>
+                        <a:spcBef>
+                          <a:spcPts val="0"/>
+                        </a:spcBef>
+                        <a:spcAft>
+                          <a:spcPts val="0"/>
+                        </a:spcAft>
+                        <a:buClrTx/>
+                        <a:buSzTx/>
+                        <a:buFontTx/>
+                        <a:buNone/>
+                        <a:tabLst/>
+                        <a:defRPr/>
+                      </a:pPr>
+                      <a:r>
+                        <a:rPr lang="en-US" sz="1100" noProof="0" dirty="0"/>
+                        <a:t>Don't know. Need to investigate.</a:t>
+                      </a:r>
+                    </a:p>
+                  </a:txBody>
+                  <a:tcPr/>
+                </a:tc>
+                <a:extLst>
+                  <a:ext uri="{0D108BD9-81ED-4DB2-BD59-A6C34878D82A}">
+                    <a16:rowId xmlns:a16="http://schemas.microsoft.com/office/drawing/2014/main" val="1072627929"/>
+                  </a:ext>
+                </a:extLst>
+              </a:tr>
+              <a:tr h="0">
+                <a:tc>
+                  <a:txBody>
+                    <a:bodyPr/>
+                    <a:lstStyle/>
+                    <a:p>
+                      <a:pPr marL="180000"/>
+                      <a:endParaRPr lang="en-US" sz="1100" kern="1200" noProof="0" dirty="0">
+                        <a:solidFill>
+                          <a:schemeClr val="tx1"/>
+                        </a:solidFill>
+                        <a:latin typeface="+mn-lt"/>
+                        <a:ea typeface="+mn-ea"/>
+                        <a:cs typeface="+mn-cs"/>
+                      </a:endParaRPr>
+                    </a:p>
+                  </a:txBody>
+                  <a:tcPr/>
+                </a:tc>
+                <a:tc>
+                  <a:txBody>
+                    <a:bodyPr/>
+                    <a:lstStyle/>
+                    <a:p>
+                      <a:pPr marL="0" marR="0" lvl="0" indent="0" algn="l" defTabSz="914400" rtl="0" eaLnBrk="1" fontAlgn="auto" latinLnBrk="0" hangingPunct="1">
+                        <a:lnSpc>
+                          <a:spcPct val="100000"/>
+                        </a:lnSpc>
+                        <a:spcBef>
+                          <a:spcPts val="0"/>
+                        </a:spcBef>
+                        <a:spcAft>
+                          <a:spcPts val="0"/>
+                        </a:spcAft>
+                        <a:buClrTx/>
+                        <a:buSzTx/>
+                        <a:buFontTx/>
+                        <a:buNone/>
+                        <a:tabLst/>
+                        <a:defRPr/>
+                      </a:pPr>
+                      <a:endParaRPr lang="en-US" sz="1100" noProof="0" dirty="0"/>
+                    </a:p>
+                  </a:txBody>
+                  <a:tcPr/>
+                </a:tc>
+                <a:extLst>
+                  <a:ext uri="{0D108BD9-81ED-4DB2-BD59-A6C34878D82A}">
+                    <a16:rowId xmlns:a16="http://schemas.microsoft.com/office/drawing/2014/main" val="4215467"/>
+                  </a:ext>
+                </a:extLst>
+              </a:tr>
+              <a:tr h="0">
+                <a:tc>
+                  <a:txBody>
+                    <a:bodyPr/>
+                    <a:lstStyle/>
+                    <a:p>
+                      <a:r>
+                        <a:rPr lang="en-US" sz="1100" noProof="0" dirty="0"/>
+                        <a:t>CONFORMING VS NON-CONFORMING MESHES</a:t>
+                      </a:r>
+                    </a:p>
+                  </a:txBody>
+                  <a:tcPr>
+                    <a:solidFill>
+                      <a:schemeClr val="accent3">
+                        <a:lumMod val="20000"/>
+                        <a:lumOff val="80000"/>
+                      </a:schemeClr>
+                    </a:solidFill>
+                  </a:tcPr>
+                </a:tc>
+                <a:tc>
+                  <a:txBody>
+                    <a:bodyPr/>
+                    <a:lstStyle/>
+                    <a:p>
+                      <a:endParaRPr lang="en-US" sz="1100" noProof="0" dirty="0"/>
+                    </a:p>
+                  </a:txBody>
+                  <a:tcPr>
+                    <a:solidFill>
+                      <a:schemeClr val="accent3">
+                        <a:lumMod val="20000"/>
+                        <a:lumOff val="80000"/>
+                      </a:schemeClr>
+                    </a:solidFill>
+                  </a:tcPr>
+                </a:tc>
+                <a:extLst>
+                  <a:ext uri="{0D108BD9-81ED-4DB2-BD59-A6C34878D82A}">
+                    <a16:rowId xmlns:a16="http://schemas.microsoft.com/office/drawing/2014/main" val="232390908"/>
+                  </a:ext>
+                </a:extLst>
+              </a:tr>
+              <a:tr h="0">
+                <a:tc>
+                  <a:txBody>
+                    <a:bodyPr/>
+                    <a:lstStyle/>
+                    <a:p>
+                      <a:pPr marL="180000"/>
+                      <a:r>
+                        <a:rPr lang="en-US" sz="1100" noProof="0" dirty="0"/>
+                        <a:t>Conforming meshes require remeshing, but are still less expensive because they explicitly represent the fracture domain</a:t>
+                      </a:r>
+                    </a:p>
+                  </a:txBody>
+                  <a:tcPr/>
+                </a:tc>
+                <a:tc>
+                  <a:txBody>
+                    <a:bodyPr/>
+                    <a:lstStyle/>
+                    <a:p>
+                      <a:r>
+                        <a:rPr lang="en-US" sz="1100" noProof="0" dirty="0"/>
+                        <a:t>Believe</a:t>
+                      </a:r>
+                    </a:p>
+                  </a:txBody>
+                  <a:tcPr/>
+                </a:tc>
+                <a:extLst>
+                  <a:ext uri="{0D108BD9-81ED-4DB2-BD59-A6C34878D82A}">
+                    <a16:rowId xmlns:a16="http://schemas.microsoft.com/office/drawing/2014/main" val="3655509310"/>
+                  </a:ext>
+                </a:extLst>
+              </a:tr>
+              <a:tr h="0">
+                <a:tc>
+                  <a:txBody>
+                    <a:bodyPr/>
+                    <a:lstStyle/>
+                    <a:p>
+                      <a:pPr marL="180000"/>
+                      <a:r>
+                        <a:rPr lang="en-US" sz="1100" noProof="0" dirty="0"/>
+                        <a:t>Non-conforming meshes are less expensive because they do not require remeshing. The technologies are ILSA, XFEM, Phase-field, SBFEM</a:t>
+                      </a:r>
+                    </a:p>
+                  </a:txBody>
+                  <a:tcPr/>
+                </a:tc>
+                <a:tc>
+                  <a:txBody>
+                    <a:bodyPr/>
+                    <a:lstStyle/>
+                    <a:p>
+                      <a:r>
+                        <a:rPr lang="en-US" sz="1100" noProof="0" dirty="0"/>
+                        <a:t>Evidence</a:t>
+                      </a:r>
+                    </a:p>
+                  </a:txBody>
+                  <a:tcPr/>
+                </a:tc>
+                <a:extLst>
+                  <a:ext uri="{0D108BD9-81ED-4DB2-BD59-A6C34878D82A}">
+                    <a16:rowId xmlns:a16="http://schemas.microsoft.com/office/drawing/2014/main" val="3886682661"/>
+                  </a:ext>
+                </a:extLst>
+              </a:tr>
+              <a:tr h="0">
+                <a:tc>
+                  <a:txBody>
+                    <a:bodyPr/>
+                    <a:lstStyle/>
+                    <a:p>
+                      <a:pPr marL="180000"/>
+                      <a:r>
+                        <a:rPr lang="en-US" sz="1100" noProof="0" dirty="0"/>
+                        <a:t>Non-conforming meshes have a hard time dealing with fracture interaction because they need to embed complex scenarios into the equations. (no explicit fracture representation)</a:t>
+                      </a:r>
+                    </a:p>
+                  </a:txBody>
+                  <a:tcPr/>
+                </a:tc>
+                <a:tc>
+                  <a:txBody>
+                    <a:bodyPr/>
+                    <a:lstStyle/>
+                    <a:p>
+                      <a:r>
+                        <a:rPr lang="en-US" sz="1100" noProof="0" dirty="0"/>
+                        <a:t>Evidence</a:t>
+                      </a:r>
+                    </a:p>
+                  </a:txBody>
+                  <a:tcPr/>
+                </a:tc>
+                <a:extLst>
+                  <a:ext uri="{0D108BD9-81ED-4DB2-BD59-A6C34878D82A}">
+                    <a16:rowId xmlns:a16="http://schemas.microsoft.com/office/drawing/2014/main" val="699825145"/>
+                  </a:ext>
+                </a:extLst>
+              </a:tr>
+              <a:tr h="0">
+                <a:tc>
+                  <a:txBody>
+                    <a:bodyPr/>
+                    <a:lstStyle/>
+                    <a:p>
+                      <a:pPr marL="0" marR="0" lvl="0" indent="0" algn="l" defTabSz="914400" rtl="0" eaLnBrk="1" fontAlgn="auto" latinLnBrk="0" hangingPunct="1">
+                        <a:lnSpc>
+                          <a:spcPct val="100000"/>
+                        </a:lnSpc>
+                        <a:spcBef>
+                          <a:spcPts val="0"/>
+                        </a:spcBef>
+                        <a:spcAft>
+                          <a:spcPts val="0"/>
+                        </a:spcAft>
+                        <a:buClrTx/>
+                        <a:buSzTx/>
+                        <a:buFontTx/>
+                        <a:buNone/>
+                        <a:tabLst/>
+                        <a:defRPr/>
+                      </a:pPr>
+                      <a:endParaRPr lang="en-US" sz="1100" noProof="0" dirty="0"/>
+                    </a:p>
+                  </a:txBody>
+                  <a:tcPr/>
+                </a:tc>
+                <a:tc>
+                  <a:txBody>
+                    <a:bodyPr/>
+                    <a:lstStyle/>
+                    <a:p>
+                      <a:endParaRPr lang="en-US" sz="1100" noProof="0" dirty="0"/>
+                    </a:p>
+                  </a:txBody>
+                  <a:tcPr/>
+                </a:tc>
+                <a:extLst>
+                  <a:ext uri="{0D108BD9-81ED-4DB2-BD59-A6C34878D82A}">
+                    <a16:rowId xmlns:a16="http://schemas.microsoft.com/office/drawing/2014/main" val="3299458403"/>
+                  </a:ext>
+                </a:extLst>
+              </a:tr>
+            </a:tbl>
+          </a:graphicData>
+        </a:graphic>
+      </p:graphicFrame>
+    </p:spTree>
+    <p:extLst>
+      <p:ext uri="{BB962C8B-B14F-4D97-AF65-F5344CB8AC3E}">
+        <p14:creationId xmlns:p14="http://schemas.microsoft.com/office/powerpoint/2010/main" val="3565834231"/>
+      </p:ext>
+    </p:extLst>
+  </p:cSld>
+  <p:clrMapOvr>
+    <a:masterClrMapping/>
+  </p:clrMapOvr>
+</p:sld>
+</file>
+
+<file path=ppt/slides/slide8.xml><?xml version="1.0" encoding="utf-8"?>
+<p:sld xmlns:a="http://schemas.openxmlformats.org/drawingml/2006/main" xmlns:r="http://schemas.openxmlformats.org/officeDocument/2006/relationships" xmlns:p="http://schemas.openxmlformats.org/presentationml/2006/main">
+  <p:cSld>
+    <p:spTree>
+      <p:nvGrpSpPr>
+        <p:cNvPr id="1" name=""/>
+        <p:cNvGrpSpPr/>
+        <p:nvPr/>
+      </p:nvGrpSpPr>
+      <p:grpSpPr>
+        <a:xfrm>
+          <a:off x="0" y="0"/>
+          <a:ext cx="0" cy="0"/>
+          <a:chOff x="0" y="0"/>
+          <a:chExt cx="0" cy="0"/>
+        </a:xfrm>
+      </p:grpSpPr>
+      <p:sp>
+        <p:nvSpPr>
+          <p:cNvPr id="3" name="Title 2">
+            <a:extLst>
+              <a:ext uri="{FF2B5EF4-FFF2-40B4-BE49-F238E27FC236}">
+                <a16:creationId xmlns:a16="http://schemas.microsoft.com/office/drawing/2014/main" id="{32CAEB43-18BF-CE49-D420-E719619647F8}"/>
+              </a:ext>
+            </a:extLst>
+          </p:cNvPr>
+          <p:cNvSpPr>
+            <a:spLocks noGrp="1"/>
+          </p:cNvSpPr>
+          <p:nvPr>
+            <p:ph type="title"/>
+          </p:nvPr>
+        </p:nvSpPr>
+        <p:spPr/>
+        <p:txBody>
+          <a:bodyPr/>
+          <a:lstStyle/>
+          <a:p>
+            <a:r>
+              <a:rPr lang="en-US" noProof="0" dirty="0"/>
+              <a:t>DYNAMIC EMBEDDED FRACTURE MODEL</a:t>
+            </a:r>
+          </a:p>
+        </p:txBody>
+      </p:sp>
+      <p:graphicFrame>
+        <p:nvGraphicFramePr>
+          <p:cNvPr id="4" name="Table 3">
+            <a:extLst>
+              <a:ext uri="{FF2B5EF4-FFF2-40B4-BE49-F238E27FC236}">
+                <a16:creationId xmlns:a16="http://schemas.microsoft.com/office/drawing/2014/main" id="{99AFED94-9C65-E6FD-5C3C-C911FB9E390C}"/>
+              </a:ext>
+            </a:extLst>
+          </p:cNvPr>
+          <p:cNvGraphicFramePr>
+            <a:graphicFrameLocks noGrp="1"/>
+          </p:cNvGraphicFramePr>
+          <p:nvPr>
+            <p:extLst>
+              <p:ext uri="{D42A27DB-BD31-4B8C-83A1-F6EECF244321}">
+                <p14:modId xmlns:p14="http://schemas.microsoft.com/office/powerpoint/2010/main" val="2761083222"/>
+              </p:ext>
+            </p:extLst>
+          </p:nvPr>
+        </p:nvGraphicFramePr>
+        <p:xfrm>
+          <a:off x="244444" y="461728"/>
+          <a:ext cx="8691326" cy="3474720"/>
+        </p:xfrm>
+        <a:graphic>
+          <a:graphicData uri="http://schemas.openxmlformats.org/drawingml/2006/table">
+            <a:tbl>
+              <a:tblPr firstRow="1" bandRow="1">
+                <a:tableStyleId>{7E9639D4-E3E2-4D34-9284-5A2195B3D0D7}</a:tableStyleId>
+              </a:tblPr>
+              <a:tblGrid>
+                <a:gridCol w="6201623">
+                  <a:extLst>
+                    <a:ext uri="{9D8B030D-6E8A-4147-A177-3AD203B41FA5}">
+                      <a16:colId xmlns:a16="http://schemas.microsoft.com/office/drawing/2014/main" val="581484678"/>
+                    </a:ext>
+                  </a:extLst>
+                </a:gridCol>
+                <a:gridCol w="2489703">
+                  <a:extLst>
+                    <a:ext uri="{9D8B030D-6E8A-4147-A177-3AD203B41FA5}">
+                      <a16:colId xmlns:a16="http://schemas.microsoft.com/office/drawing/2014/main" val="2540518995"/>
+                    </a:ext>
+                  </a:extLst>
+                </a:gridCol>
+              </a:tblGrid>
+              <a:tr h="0">
+                <a:tc>
+                  <a:txBody>
+                    <a:bodyPr/>
+                    <a:lstStyle/>
+                    <a:p>
+                      <a:r>
+                        <a:rPr lang="en-US" sz="1200" noProof="0" dirty="0"/>
+                        <a:t>CLAIM</a:t>
+                      </a:r>
+                    </a:p>
+                  </a:txBody>
+                  <a:tcPr/>
+                </a:tc>
+                <a:tc>
+                  <a:txBody>
+                    <a:bodyPr/>
+                    <a:lstStyle/>
+                    <a:p>
+                      <a:r>
+                        <a:rPr lang="en-US" sz="1200" noProof="0" dirty="0"/>
+                        <a:t>BELIEVE/EVIDENCE/DON'T KNOW</a:t>
+                      </a:r>
+                    </a:p>
+                  </a:txBody>
+                  <a:tcPr/>
+                </a:tc>
+                <a:extLst>
+                  <a:ext uri="{0D108BD9-81ED-4DB2-BD59-A6C34878D82A}">
+                    <a16:rowId xmlns:a16="http://schemas.microsoft.com/office/drawing/2014/main" val="1658741123"/>
+                  </a:ext>
+                </a:extLst>
+              </a:tr>
+              <a:tr h="0">
+                <a:tc>
+                  <a:txBody>
+                    <a:bodyPr/>
+                    <a:lstStyle/>
+                    <a:p>
+                      <a:pPr marL="0" marR="0" lvl="0" indent="0" algn="l" defTabSz="914400" rtl="0" eaLnBrk="1" fontAlgn="auto" latinLnBrk="0" hangingPunct="1">
+                        <a:lnSpc>
+                          <a:spcPct val="100000"/>
+                        </a:lnSpc>
+                        <a:spcBef>
+                          <a:spcPts val="0"/>
+                        </a:spcBef>
+                        <a:spcAft>
+                          <a:spcPts val="0"/>
+                        </a:spcAft>
+                        <a:buClrTx/>
+                        <a:buSzTx/>
+                        <a:buFontTx/>
+                        <a:buNone/>
+                        <a:tabLst/>
+                        <a:defRPr/>
+                      </a:pPr>
+                      <a:r>
+                        <a:rPr lang="en-US" sz="1200" noProof="0" dirty="0"/>
+                        <a:t>APPLICATIONS</a:t>
+                      </a:r>
+                    </a:p>
+                  </a:txBody>
+                  <a:tcPr>
+                    <a:solidFill>
+                      <a:schemeClr val="accent3">
+                        <a:lumMod val="20000"/>
+                        <a:lumOff val="80000"/>
+                      </a:schemeClr>
+                    </a:solidFill>
+                  </a:tcPr>
+                </a:tc>
+                <a:tc>
+                  <a:txBody>
+                    <a:bodyPr/>
+                    <a:lstStyle/>
+                    <a:p>
+                      <a:pPr marL="0" marR="0" lvl="0" indent="0" algn="l" defTabSz="914400" rtl="0" eaLnBrk="1" fontAlgn="auto" latinLnBrk="0" hangingPunct="1">
+                        <a:lnSpc>
+                          <a:spcPct val="100000"/>
+                        </a:lnSpc>
+                        <a:spcBef>
+                          <a:spcPts val="0"/>
+                        </a:spcBef>
+                        <a:spcAft>
+                          <a:spcPts val="0"/>
+                        </a:spcAft>
+                        <a:buClrTx/>
+                        <a:buSzTx/>
+                        <a:buFontTx/>
+                        <a:buNone/>
+                        <a:tabLst/>
+                        <a:defRPr/>
+                      </a:pPr>
+                      <a:endParaRPr lang="en-US" sz="1200" noProof="0" dirty="0"/>
+                    </a:p>
+                  </a:txBody>
+                  <a:tcPr>
+                    <a:solidFill>
+                      <a:schemeClr val="accent3">
+                        <a:lumMod val="20000"/>
+                        <a:lumOff val="80000"/>
+                      </a:schemeClr>
+                    </a:solidFill>
+                  </a:tcPr>
+                </a:tc>
+                <a:extLst>
+                  <a:ext uri="{0D108BD9-81ED-4DB2-BD59-A6C34878D82A}">
+                    <a16:rowId xmlns:a16="http://schemas.microsoft.com/office/drawing/2014/main" val="863149800"/>
+                  </a:ext>
+                </a:extLst>
+              </a:tr>
+              <a:tr h="0">
+                <a:tc>
+                  <a:txBody>
+                    <a:bodyPr/>
+                    <a:lstStyle/>
+                    <a:p>
+                      <a:pPr marL="180000" marR="0" lvl="0" indent="0" algn="l" defTabSz="914400" rtl="0" eaLnBrk="1" fontAlgn="auto" latinLnBrk="0" hangingPunct="1">
+                        <a:lnSpc>
+                          <a:spcPct val="100000"/>
+                        </a:lnSpc>
+                        <a:spcBef>
+                          <a:spcPts val="0"/>
+                        </a:spcBef>
+                        <a:spcAft>
+                          <a:spcPts val="0"/>
+                        </a:spcAft>
+                        <a:buClrTx/>
+                        <a:buSzTx/>
+                        <a:buFontTx/>
+                        <a:buNone/>
+                        <a:tabLst/>
+                        <a:defRPr/>
+                      </a:pPr>
+                      <a:r>
+                        <a:rPr lang="en-US" sz="1200" noProof="0" dirty="0"/>
+                        <a:t>NF opening or new fractures propagating as a strain release mechanism due to low-temperature fluid injection.</a:t>
+                      </a:r>
+                    </a:p>
+                  </a:txBody>
+                  <a:tcPr/>
+                </a:tc>
+                <a:tc>
+                  <a:txBody>
+                    <a:bodyPr/>
+                    <a:lstStyle/>
+                    <a:p>
+                      <a:pPr marL="0" marR="0" lvl="0" indent="0" algn="l" defTabSz="914400" rtl="0" eaLnBrk="1" fontAlgn="auto" latinLnBrk="0" hangingPunct="1">
+                        <a:lnSpc>
+                          <a:spcPct val="100000"/>
+                        </a:lnSpc>
+                        <a:spcBef>
+                          <a:spcPts val="0"/>
+                        </a:spcBef>
+                        <a:spcAft>
+                          <a:spcPts val="0"/>
+                        </a:spcAft>
+                        <a:buClrTx/>
+                        <a:buSzTx/>
+                        <a:buFontTx/>
+                        <a:buNone/>
+                        <a:tabLst/>
+                        <a:defRPr/>
+                      </a:pPr>
+                      <a:r>
+                        <a:rPr lang="en-US" sz="1200" noProof="0" dirty="0"/>
+                        <a:t>Believe</a:t>
+                      </a:r>
+                    </a:p>
+                  </a:txBody>
+                  <a:tcPr/>
+                </a:tc>
+                <a:extLst>
+                  <a:ext uri="{0D108BD9-81ED-4DB2-BD59-A6C34878D82A}">
+                    <a16:rowId xmlns:a16="http://schemas.microsoft.com/office/drawing/2014/main" val="911853065"/>
+                  </a:ext>
+                </a:extLst>
+              </a:tr>
+              <a:tr h="0">
+                <a:tc>
+                  <a:txBody>
+                    <a:bodyPr/>
+                    <a:lstStyle/>
+                    <a:p>
+                      <a:pPr marL="180000" marR="0" lvl="0" indent="0" algn="l" defTabSz="914400" rtl="0" eaLnBrk="1" fontAlgn="auto" latinLnBrk="0" hangingPunct="1">
+                        <a:lnSpc>
+                          <a:spcPct val="100000"/>
+                        </a:lnSpc>
+                        <a:spcBef>
+                          <a:spcPts val="0"/>
+                        </a:spcBef>
+                        <a:spcAft>
+                          <a:spcPts val="0"/>
+                        </a:spcAft>
+                        <a:buClrTx/>
+                        <a:buSzTx/>
+                        <a:buFontTx/>
+                        <a:buNone/>
+                        <a:tabLst/>
+                        <a:defRPr/>
+                      </a:pPr>
+                      <a:r>
+                        <a:rPr lang="en-US" sz="1200" noProof="0" dirty="0"/>
+                        <a:t>Natural fractures closure due to reservoir depletion.</a:t>
+                      </a:r>
+                    </a:p>
+                  </a:txBody>
+                  <a:tcPr/>
+                </a:tc>
+                <a:tc>
+                  <a:txBody>
+                    <a:bodyPr/>
+                    <a:lstStyle/>
+                    <a:p>
+                      <a:pPr marL="0" marR="0" lvl="0" indent="0" algn="l" defTabSz="914400" rtl="0" eaLnBrk="1" fontAlgn="auto" latinLnBrk="0" hangingPunct="1">
+                        <a:lnSpc>
+                          <a:spcPct val="100000"/>
+                        </a:lnSpc>
+                        <a:spcBef>
+                          <a:spcPts val="0"/>
+                        </a:spcBef>
+                        <a:spcAft>
+                          <a:spcPts val="0"/>
+                        </a:spcAft>
+                        <a:buClrTx/>
+                        <a:buSzTx/>
+                        <a:buFontTx/>
+                        <a:buNone/>
+                        <a:tabLst/>
+                        <a:defRPr/>
+                      </a:pPr>
+                      <a:r>
+                        <a:rPr lang="en-US" sz="1200" noProof="0" dirty="0"/>
+                        <a:t>Evidence. Simple tables in flow simulators can handle effectively.</a:t>
+                      </a:r>
+                    </a:p>
+                  </a:txBody>
+                  <a:tcPr/>
+                </a:tc>
+                <a:extLst>
+                  <a:ext uri="{0D108BD9-81ED-4DB2-BD59-A6C34878D82A}">
+                    <a16:rowId xmlns:a16="http://schemas.microsoft.com/office/drawing/2014/main" val="2137523237"/>
+                  </a:ext>
+                </a:extLst>
+              </a:tr>
+              <a:tr h="0">
+                <a:tc>
+                  <a:txBody>
+                    <a:bodyPr/>
+                    <a:lstStyle/>
+                    <a:p>
+                      <a:pPr marL="180000" marR="0" lvl="0" indent="0" algn="l" defTabSz="914400" rtl="0" eaLnBrk="1" fontAlgn="auto" latinLnBrk="0" hangingPunct="1">
+                        <a:lnSpc>
+                          <a:spcPct val="100000"/>
+                        </a:lnSpc>
+                        <a:spcBef>
+                          <a:spcPts val="0"/>
+                        </a:spcBef>
+                        <a:spcAft>
+                          <a:spcPts val="0"/>
+                        </a:spcAft>
+                        <a:buClrTx/>
+                        <a:buSzTx/>
+                        <a:buFontTx/>
+                        <a:buNone/>
+                        <a:tabLst/>
+                        <a:defRPr/>
+                      </a:pPr>
+                      <a:r>
+                        <a:rPr lang="en-US" sz="1200" noProof="0" dirty="0"/>
+                        <a:t>Cold drilling fluids are enough to fracture the rock even in original pressure.</a:t>
+                      </a:r>
+                    </a:p>
+                  </a:txBody>
+                  <a:tcPr/>
+                </a:tc>
+                <a:tc>
+                  <a:txBody>
+                    <a:bodyPr/>
+                    <a:lstStyle/>
+                    <a:p>
+                      <a:pPr marL="0" marR="0" lvl="0" indent="0" algn="l" defTabSz="914400" rtl="0" eaLnBrk="1" fontAlgn="auto" latinLnBrk="0" hangingPunct="1">
+                        <a:lnSpc>
+                          <a:spcPct val="100000"/>
+                        </a:lnSpc>
+                        <a:spcBef>
+                          <a:spcPts val="0"/>
+                        </a:spcBef>
+                        <a:spcAft>
+                          <a:spcPts val="0"/>
+                        </a:spcAft>
+                        <a:buClrTx/>
+                        <a:buSzTx/>
+                        <a:buFontTx/>
+                        <a:buNone/>
+                        <a:tabLst/>
+                        <a:defRPr/>
+                      </a:pPr>
+                      <a:r>
+                        <a:rPr lang="en-US" sz="1200" noProof="0" dirty="0"/>
+                        <a:t>Believe</a:t>
+                      </a:r>
+                    </a:p>
+                  </a:txBody>
+                  <a:tcPr/>
+                </a:tc>
+                <a:extLst>
+                  <a:ext uri="{0D108BD9-81ED-4DB2-BD59-A6C34878D82A}">
+                    <a16:rowId xmlns:a16="http://schemas.microsoft.com/office/drawing/2014/main" val="1471885245"/>
+                  </a:ext>
+                </a:extLst>
+              </a:tr>
+              <a:tr h="0">
+                <a:tc>
+                  <a:txBody>
+                    <a:bodyPr/>
+                    <a:lstStyle/>
+                    <a:p>
+                      <a:pPr marL="180000" marR="0" lvl="0" indent="0" algn="l" defTabSz="914400" rtl="0" eaLnBrk="1" fontAlgn="auto" latinLnBrk="0" hangingPunct="1">
+                        <a:lnSpc>
+                          <a:spcPct val="100000"/>
+                        </a:lnSpc>
+                        <a:spcBef>
+                          <a:spcPts val="0"/>
+                        </a:spcBef>
+                        <a:spcAft>
+                          <a:spcPts val="0"/>
+                        </a:spcAft>
+                        <a:buClrTx/>
+                        <a:buSzTx/>
+                        <a:buFontTx/>
+                        <a:buNone/>
+                        <a:tabLst/>
+                        <a:defRPr/>
+                      </a:pPr>
+                      <a:r>
+                        <a:rPr lang="en-US" sz="1200" noProof="0" dirty="0"/>
+                        <a:t>Salt cavern fracture analysis for safety needs hundreds to thousands of years.</a:t>
+                      </a:r>
+                    </a:p>
+                  </a:txBody>
+                  <a:tcPr/>
+                </a:tc>
+                <a:tc>
+                  <a:txBody>
+                    <a:bodyPr/>
+                    <a:lstStyle/>
+                    <a:p>
+                      <a:pPr marL="0" marR="0" lvl="0" indent="0" algn="l" defTabSz="914400" rtl="0" eaLnBrk="1" fontAlgn="auto" latinLnBrk="0" hangingPunct="1">
+                        <a:lnSpc>
+                          <a:spcPct val="100000"/>
+                        </a:lnSpc>
+                        <a:spcBef>
+                          <a:spcPts val="0"/>
+                        </a:spcBef>
+                        <a:spcAft>
+                          <a:spcPts val="0"/>
+                        </a:spcAft>
+                        <a:buClrTx/>
+                        <a:buSzTx/>
+                        <a:buFontTx/>
+                        <a:buNone/>
+                        <a:tabLst/>
+                        <a:defRPr/>
+                      </a:pPr>
+                      <a:r>
+                        <a:rPr lang="en-US" sz="1200" noProof="0" dirty="0"/>
+                        <a:t>Evidence. Does any simulator can handle this?</a:t>
+                      </a:r>
+                    </a:p>
+                  </a:txBody>
+                  <a:tcPr/>
+                </a:tc>
+                <a:extLst>
+                  <a:ext uri="{0D108BD9-81ED-4DB2-BD59-A6C34878D82A}">
+                    <a16:rowId xmlns:a16="http://schemas.microsoft.com/office/drawing/2014/main" val="3452185302"/>
+                  </a:ext>
+                </a:extLst>
+              </a:tr>
+              <a:tr h="0">
+                <a:tc>
+                  <a:txBody>
+                    <a:bodyPr/>
+                    <a:lstStyle/>
+                    <a:p>
+                      <a:pPr marL="180000" marR="0" lvl="0" indent="0" algn="l" defTabSz="914400" rtl="0" eaLnBrk="1" fontAlgn="auto" latinLnBrk="0" hangingPunct="1">
+                        <a:lnSpc>
+                          <a:spcPct val="100000"/>
+                        </a:lnSpc>
+                        <a:spcBef>
+                          <a:spcPts val="0"/>
+                        </a:spcBef>
+                        <a:spcAft>
+                          <a:spcPts val="0"/>
+                        </a:spcAft>
+                        <a:buClrTx/>
+                        <a:buSzTx/>
+                        <a:buFontTx/>
+                        <a:buNone/>
+                        <a:tabLst/>
+                        <a:defRPr/>
+                      </a:pPr>
+                      <a:r>
+                        <a:rPr lang="en-US" sz="1200" noProof="0" dirty="0"/>
+                        <a:t>Secondary fractures in geothermal systems due to the pressure gradient.</a:t>
+                      </a:r>
+                    </a:p>
+                  </a:txBody>
+                  <a:tcPr/>
+                </a:tc>
+                <a:tc>
+                  <a:txBody>
+                    <a:bodyPr/>
+                    <a:lstStyle/>
+                    <a:p>
+                      <a:pPr marL="0" marR="0" lvl="0" indent="0" algn="l" defTabSz="914400" rtl="0" eaLnBrk="1" fontAlgn="auto" latinLnBrk="0" hangingPunct="1">
+                        <a:lnSpc>
+                          <a:spcPct val="100000"/>
+                        </a:lnSpc>
+                        <a:spcBef>
+                          <a:spcPts val="0"/>
+                        </a:spcBef>
+                        <a:spcAft>
+                          <a:spcPts val="0"/>
+                        </a:spcAft>
+                        <a:buClrTx/>
+                        <a:buSzTx/>
+                        <a:buFontTx/>
+                        <a:buNone/>
+                        <a:tabLst/>
+                        <a:defRPr/>
+                      </a:pPr>
+                      <a:r>
+                        <a:rPr lang="en-US" sz="1200" noProof="0" dirty="0"/>
+                        <a:t>Evidence</a:t>
+                      </a:r>
+                    </a:p>
+                  </a:txBody>
+                  <a:tcPr/>
+                </a:tc>
+                <a:extLst>
+                  <a:ext uri="{0D108BD9-81ED-4DB2-BD59-A6C34878D82A}">
+                    <a16:rowId xmlns:a16="http://schemas.microsoft.com/office/drawing/2014/main" val="2143386659"/>
+                  </a:ext>
+                </a:extLst>
+              </a:tr>
+              <a:tr h="0">
+                <a:tc>
+                  <a:txBody>
+                    <a:bodyPr/>
+                    <a:lstStyle/>
+                    <a:p>
+                      <a:pPr marL="180000" marR="0" lvl="0" indent="0" algn="l" defTabSz="914400" rtl="0" eaLnBrk="1" fontAlgn="auto" latinLnBrk="0" hangingPunct="1">
+                        <a:lnSpc>
+                          <a:spcPct val="100000"/>
+                        </a:lnSpc>
+                        <a:spcBef>
+                          <a:spcPts val="0"/>
+                        </a:spcBef>
+                        <a:spcAft>
+                          <a:spcPts val="0"/>
+                        </a:spcAft>
+                        <a:buClrTx/>
+                        <a:buSzTx/>
+                        <a:buFontTx/>
+                        <a:buNone/>
+                        <a:tabLst/>
+                        <a:defRPr/>
+                      </a:pPr>
+                      <a:r>
+                        <a:rPr lang="en-US" sz="1200" noProof="0" dirty="0"/>
+                        <a:t>Increase in HF effective stress due to depletion, causing proppant crushing</a:t>
+                      </a:r>
+                    </a:p>
+                  </a:txBody>
+                  <a:tcPr/>
+                </a:tc>
+                <a:tc>
+                  <a:txBody>
+                    <a:bodyPr/>
+                    <a:lstStyle/>
+                    <a:p>
+                      <a:pPr marL="0" marR="0" lvl="0" indent="0" algn="l" defTabSz="914400" rtl="0" eaLnBrk="1" fontAlgn="auto" latinLnBrk="0" hangingPunct="1">
+                        <a:lnSpc>
+                          <a:spcPct val="100000"/>
+                        </a:lnSpc>
+                        <a:spcBef>
+                          <a:spcPts val="0"/>
+                        </a:spcBef>
+                        <a:spcAft>
+                          <a:spcPts val="0"/>
+                        </a:spcAft>
+                        <a:buClrTx/>
+                        <a:buSzTx/>
+                        <a:buFontTx/>
+                        <a:buNone/>
+                        <a:tabLst/>
+                        <a:defRPr/>
+                      </a:pPr>
+                      <a:r>
+                        <a:rPr lang="en-US" sz="1200" noProof="0" dirty="0"/>
+                        <a:t>Evidence. Existing simulators can handle effectively.</a:t>
+                      </a:r>
+                    </a:p>
+                  </a:txBody>
+                  <a:tcPr/>
+                </a:tc>
+                <a:extLst>
+                  <a:ext uri="{0D108BD9-81ED-4DB2-BD59-A6C34878D82A}">
+                    <a16:rowId xmlns:a16="http://schemas.microsoft.com/office/drawing/2014/main" val="105964206"/>
+                  </a:ext>
+                </a:extLst>
+              </a:tr>
+              <a:tr h="0">
+                <a:tc>
+                  <a:txBody>
+                    <a:bodyPr/>
+                    <a:lstStyle/>
+                    <a:p>
+                      <a:pPr marL="0" marR="0" lvl="0" indent="0" algn="l" defTabSz="914400" rtl="0" eaLnBrk="1" fontAlgn="auto" latinLnBrk="0" hangingPunct="1">
+                        <a:lnSpc>
+                          <a:spcPct val="100000"/>
+                        </a:lnSpc>
+                        <a:spcBef>
+                          <a:spcPts val="0"/>
+                        </a:spcBef>
+                        <a:spcAft>
+                          <a:spcPts val="0"/>
+                        </a:spcAft>
+                        <a:buClrTx/>
+                        <a:buSzTx/>
+                        <a:buFontTx/>
+                        <a:buNone/>
+                        <a:tabLst/>
+                        <a:defRPr/>
+                      </a:pPr>
+                      <a:endParaRPr lang="en-US" sz="1200" noProof="0" dirty="0"/>
+                    </a:p>
+                  </a:txBody>
+                  <a:tcPr/>
+                </a:tc>
+                <a:tc>
+                  <a:txBody>
+                    <a:bodyPr/>
+                    <a:lstStyle/>
+                    <a:p>
+                      <a:pPr marL="0" marR="0" lvl="0" indent="0" algn="l" defTabSz="914400" rtl="0" eaLnBrk="1" fontAlgn="auto" latinLnBrk="0" hangingPunct="1">
+                        <a:lnSpc>
+                          <a:spcPct val="100000"/>
+                        </a:lnSpc>
+                        <a:spcBef>
+                          <a:spcPts val="0"/>
+                        </a:spcBef>
+                        <a:spcAft>
+                          <a:spcPts val="0"/>
+                        </a:spcAft>
+                        <a:buClrTx/>
+                        <a:buSzTx/>
+                        <a:buFontTx/>
+                        <a:buNone/>
+                        <a:tabLst/>
+                        <a:defRPr/>
+                      </a:pPr>
+                      <a:endParaRPr lang="en-US" sz="1200" noProof="0" dirty="0"/>
+                    </a:p>
+                  </a:txBody>
+                  <a:tcPr/>
+                </a:tc>
+                <a:extLst>
+                  <a:ext uri="{0D108BD9-81ED-4DB2-BD59-A6C34878D82A}">
+                    <a16:rowId xmlns:a16="http://schemas.microsoft.com/office/drawing/2014/main" val="4092562736"/>
+                  </a:ext>
+                </a:extLst>
+              </a:tr>
+              <a:tr h="0">
+                <a:tc>
+                  <a:txBody>
+                    <a:bodyPr/>
+                    <a:lstStyle/>
+                    <a:p>
+                      <a:pPr marL="180000" marR="0" lvl="0" indent="0" algn="l" defTabSz="914400" rtl="0" eaLnBrk="1" fontAlgn="auto" latinLnBrk="0" hangingPunct="1">
+                        <a:lnSpc>
+                          <a:spcPct val="100000"/>
+                        </a:lnSpc>
+                        <a:spcBef>
+                          <a:spcPts val="0"/>
+                        </a:spcBef>
+                        <a:spcAft>
+                          <a:spcPts val="0"/>
+                        </a:spcAft>
+                        <a:buClrTx/>
+                        <a:buSzTx/>
+                        <a:buFontTx/>
+                        <a:buNone/>
+                        <a:tabLst/>
+                        <a:defRPr/>
+                      </a:pPr>
+                      <a:endParaRPr lang="en-US" sz="1200" noProof="0" dirty="0"/>
+                    </a:p>
+                  </a:txBody>
+                  <a:tcPr/>
+                </a:tc>
+                <a:tc>
+                  <a:txBody>
+                    <a:bodyPr/>
+                    <a:lstStyle/>
+                    <a:p>
+                      <a:pPr marL="0" marR="0" lvl="0" indent="0" algn="l" defTabSz="914400" rtl="0" eaLnBrk="1" fontAlgn="auto" latinLnBrk="0" hangingPunct="1">
+                        <a:lnSpc>
+                          <a:spcPct val="100000"/>
+                        </a:lnSpc>
+                        <a:spcBef>
+                          <a:spcPts val="0"/>
+                        </a:spcBef>
+                        <a:spcAft>
+                          <a:spcPts val="0"/>
+                        </a:spcAft>
+                        <a:buClrTx/>
+                        <a:buSzTx/>
+                        <a:buFontTx/>
+                        <a:buNone/>
+                        <a:tabLst/>
+                        <a:defRPr/>
+                      </a:pPr>
+                      <a:endParaRPr lang="en-US" sz="1200" noProof="0" dirty="0"/>
+                    </a:p>
+                  </a:txBody>
+                  <a:tcPr/>
+                </a:tc>
+                <a:extLst>
+                  <a:ext uri="{0D108BD9-81ED-4DB2-BD59-A6C34878D82A}">
+                    <a16:rowId xmlns:a16="http://schemas.microsoft.com/office/drawing/2014/main" val="4219621242"/>
+                  </a:ext>
+                </a:extLst>
+              </a:tr>
+            </a:tbl>
+          </a:graphicData>
+        </a:graphic>
+      </p:graphicFrame>
+    </p:spTree>
+    <p:extLst>
+      <p:ext uri="{BB962C8B-B14F-4D97-AF65-F5344CB8AC3E}">
+        <p14:creationId xmlns:p14="http://schemas.microsoft.com/office/powerpoint/2010/main" val="4142614481"/>
+      </p:ext>
+    </p:extLst>
+  </p:cSld>
+  <p:clrMapOvr>
+    <a:masterClrMapping/>
+  </p:clrMapOvr>
+</p:sld>
+</file>
+
+<file path=ppt/slides/slide9.xml><?xml version="1.0" encoding="utf-8"?>
+<p:sld xmlns:a="http://schemas.openxmlformats.org/drawingml/2006/main" xmlns:r="http://schemas.openxmlformats.org/officeDocument/2006/relationships" xmlns:p="http://schemas.openxmlformats.org/presentationml/2006/main">
+  <p:cSld>
+    <p:spTree>
+      <p:nvGrpSpPr>
+        <p:cNvPr id="1" name=""/>
+        <p:cNvGrpSpPr/>
+        <p:nvPr/>
+      </p:nvGrpSpPr>
+      <p:grpSpPr>
+        <a:xfrm>
+          <a:off x="0" y="0"/>
+          <a:ext cx="0" cy="0"/>
+          <a:chOff x="0" y="0"/>
+          <a:chExt cx="0" cy="0"/>
+        </a:xfrm>
+      </p:grpSpPr>
       <p:sp>
         <p:nvSpPr>
           <p:cNvPr id="6" name="Freeform: Shape 5">
@@ -5370,8 +8966,8 @@
         </p:nvSpPr>
         <p:spPr>
           <a:xfrm>
-            <a:off x="1309909" y="3250642"/>
-            <a:ext cx="2007616" cy="1300480"/>
+            <a:off x="289493" y="3250642"/>
+            <a:ext cx="3028032" cy="1300480"/>
           </a:xfrm>
           <a:custGeom>
             <a:avLst/>
@@ -5514,28 +9110,52 @@
           <a:p>
             <a:pPr marL="72000" lvl="1" indent="-72000" algn="l" defTabSz="311150">
               <a:spcBef>
-                <a:spcPts val="600"/>
+                <a:spcPts val="200"/>
               </a:spcBef>
               <a:buFont typeface="Arial" panose="020B0604020202020204" pitchFamily="34" charset="0"/>
               <a:buChar char="•"/>
             </a:pPr>
             <a:r>
-              <a:rPr lang="en-US" sz="1000" kern="1200" dirty="0"/>
+              <a:rPr lang="en-US" sz="1100" kern="1200" dirty="0"/>
               <a:t>Literature review</a:t>
             </a:r>
           </a:p>
           <a:p>
             <a:pPr marL="72000" lvl="1" indent="-72000" algn="l" defTabSz="311150">
               <a:spcBef>
-                <a:spcPts val="600"/>
+                <a:spcPts val="200"/>
               </a:spcBef>
               <a:buFont typeface="Arial" panose="020B0604020202020204" pitchFamily="34" charset="0"/>
               <a:buChar char="•"/>
             </a:pPr>
             <a:r>
-              <a:rPr lang="en-US" sz="1000" kern="1200" dirty="0"/>
+              <a:rPr lang="en-US" sz="1100" dirty="0"/>
+              <a:t>Find most important frac propagation results</a:t>
+            </a:r>
+            <a:endParaRPr lang="en-US" sz="1100" kern="1200" dirty="0"/>
+          </a:p>
+          <a:p>
+            <a:pPr marL="72000" lvl="1" indent="-72000" algn="l" defTabSz="311150">
+              <a:spcBef>
+                <a:spcPts val="200"/>
+              </a:spcBef>
+              <a:buFont typeface="Arial" panose="020B0604020202020204" pitchFamily="34" charset="0"/>
+              <a:buChar char="•"/>
+            </a:pPr>
+            <a:r>
+              <a:rPr lang="en-US" sz="1100" kern="1200" dirty="0"/>
               <a:t>History match</a:t>
             </a:r>
+          </a:p>
+          <a:p>
+            <a:pPr marL="72000" lvl="1" indent="-72000" algn="l" defTabSz="311150">
+              <a:spcBef>
+                <a:spcPts val="200"/>
+              </a:spcBef>
+              <a:buFont typeface="Arial" panose="020B0604020202020204" pitchFamily="34" charset="0"/>
+              <a:buChar char="•"/>
+            </a:pPr>
+            <a:endParaRPr lang="en-US" sz="1100" kern="1200" dirty="0"/>
           </a:p>
         </p:txBody>
       </p:sp>
@@ -5553,8 +9173,8 @@
         </p:nvSpPr>
         <p:spPr>
           <a:xfrm>
-            <a:off x="5631377" y="3086940"/>
-            <a:ext cx="2007616" cy="1464181"/>
+            <a:off x="5450401" y="3125040"/>
+            <a:ext cx="3293547" cy="1464181"/>
           </a:xfrm>
           <a:custGeom>
             <a:avLst/>
@@ -5697,82 +9317,82 @@
           <a:p>
             <a:pPr marL="72000" lvl="1" indent="-72000" algn="l" defTabSz="311150">
               <a:spcBef>
-                <a:spcPts val="600"/>
+                <a:spcPts val="200"/>
               </a:spcBef>
               <a:buFont typeface="Arial" panose="020B0604020202020204" pitchFamily="34" charset="0"/>
               <a:buChar char="•"/>
             </a:pPr>
             <a:r>
-              <a:rPr lang="en-US" sz="1000" kern="1200" dirty="0"/>
+              <a:rPr lang="en-US" sz="1100" kern="1200" dirty="0"/>
               <a:t>Best use of resources</a:t>
             </a:r>
           </a:p>
           <a:p>
             <a:pPr marL="72000" lvl="1" indent="-72000" algn="l" defTabSz="311150">
               <a:spcBef>
-                <a:spcPts val="600"/>
+                <a:spcPts val="200"/>
               </a:spcBef>
               <a:buFont typeface="Arial" panose="020B0604020202020204" pitchFamily="34" charset="0"/>
               <a:buChar char="•"/>
             </a:pPr>
             <a:r>
-              <a:rPr lang="en-US" sz="1000" kern="1200" dirty="0"/>
+              <a:rPr lang="en-US" sz="1100" kern="1200" dirty="0"/>
               <a:t>Parallelism</a:t>
             </a:r>
           </a:p>
           <a:p>
             <a:pPr marL="72000" lvl="1" indent="-72000" algn="l" defTabSz="311150">
               <a:spcBef>
-                <a:spcPts val="600"/>
+                <a:spcPts val="200"/>
               </a:spcBef>
               <a:buFont typeface="Arial" panose="020B0604020202020204" pitchFamily="34" charset="0"/>
               <a:buChar char="•"/>
             </a:pPr>
             <a:r>
-              <a:rPr lang="en-US" sz="1000" kern="1200" dirty="0"/>
+              <a:rPr lang="en-US" sz="1100" kern="1200" dirty="0"/>
               <a:t>HPC</a:t>
             </a:r>
           </a:p>
           <a:p>
             <a:pPr marL="72000" lvl="1" indent="-72000" algn="l" defTabSz="311150">
               <a:spcBef>
-                <a:spcPts val="600"/>
+                <a:spcPts val="200"/>
               </a:spcBef>
               <a:buFont typeface="Arial" panose="020B0604020202020204" pitchFamily="34" charset="0"/>
               <a:buChar char="•"/>
             </a:pPr>
             <a:r>
-              <a:rPr lang="en-US" sz="1000" kern="1200" dirty="0"/>
+              <a:rPr lang="en-US" sz="1100" kern="1200" dirty="0"/>
               <a:t>Existing libraries</a:t>
             </a:r>
           </a:p>
           <a:p>
             <a:pPr marL="72000" lvl="1" indent="-72000" algn="l" defTabSz="311150">
               <a:spcBef>
-                <a:spcPts val="600"/>
+                <a:spcPts val="200"/>
               </a:spcBef>
               <a:buFont typeface="Arial" panose="020B0604020202020204" pitchFamily="34" charset="0"/>
               <a:buChar char="•"/>
             </a:pPr>
             <a:r>
-              <a:rPr lang="en-US" sz="1000" dirty="0"/>
+              <a:rPr lang="en-US" sz="1100" dirty="0"/>
               <a:t>Existing code</a:t>
             </a:r>
-            <a:endParaRPr lang="en-US" sz="1000" kern="1200" dirty="0"/>
+            <a:endParaRPr lang="en-US" sz="1100" kern="1200" dirty="0"/>
           </a:p>
           <a:p>
             <a:pPr marL="72000" lvl="1" indent="-72000" algn="l" defTabSz="311150">
               <a:spcBef>
-                <a:spcPts val="600"/>
+                <a:spcPts val="200"/>
               </a:spcBef>
               <a:buFont typeface="Arial" panose="020B0604020202020204" pitchFamily="34" charset="0"/>
               <a:buChar char="•"/>
             </a:pPr>
             <a:r>
-              <a:rPr lang="en-US" sz="1000" dirty="0"/>
+              <a:rPr lang="en-US" sz="1100" dirty="0"/>
               <a:t>GPU</a:t>
             </a:r>
-            <a:endParaRPr lang="en-US" sz="1000" kern="1200" dirty="0"/>
+            <a:endParaRPr lang="en-US" sz="1100" kern="1200" dirty="0"/>
           </a:p>
         </p:txBody>
       </p:sp>
@@ -5790,8 +9410,8 @@
         </p:nvSpPr>
         <p:spPr>
           <a:xfrm>
-            <a:off x="1325216" y="735839"/>
-            <a:ext cx="2007616" cy="1561133"/>
+            <a:off x="304800" y="735839"/>
+            <a:ext cx="3028032" cy="1561133"/>
           </a:xfrm>
           <a:custGeom>
             <a:avLst/>
@@ -5934,55 +9554,69 @@
           <a:p>
             <a:pPr marL="72000" lvl="1" indent="-72000" algn="l" defTabSz="311150">
               <a:spcBef>
-                <a:spcPts val="600"/>
+                <a:spcPts val="200"/>
               </a:spcBef>
               <a:buFont typeface="Arial" panose="020B0604020202020204" pitchFamily="34" charset="0"/>
               <a:buChar char="•"/>
             </a:pPr>
             <a:r>
-              <a:rPr lang="en-US" sz="1000" kern="1200" dirty="0"/>
-              <a:t>Geomechanics</a:t>
+              <a:rPr lang="en-US" sz="1100" kern="1200" dirty="0"/>
+              <a:t>Geomechanics (HTM)</a:t>
             </a:r>
           </a:p>
           <a:p>
             <a:pPr marL="72000" lvl="1" indent="-72000" algn="l" defTabSz="311150">
               <a:spcBef>
-                <a:spcPts val="600"/>
+                <a:spcPts val="200"/>
               </a:spcBef>
               <a:buFont typeface="Arial" panose="020B0604020202020204" pitchFamily="34" charset="0"/>
               <a:buChar char="•"/>
             </a:pPr>
             <a:r>
-              <a:rPr lang="en-US" sz="1000" dirty="0"/>
+              <a:rPr lang="en-US" sz="1100" dirty="0"/>
               <a:t>Single-phase-flow</a:t>
             </a:r>
-            <a:endParaRPr lang="en-US" sz="1000" kern="1200" dirty="0"/>
+            <a:endParaRPr lang="en-US" sz="1100" kern="1200" dirty="0"/>
           </a:p>
           <a:p>
             <a:pPr marL="72000" lvl="1" indent="-72000" algn="l" defTabSz="311150">
               <a:spcBef>
-                <a:spcPts val="600"/>
+                <a:spcPts val="200"/>
               </a:spcBef>
               <a:buFont typeface="Arial" panose="020B0604020202020204" pitchFamily="34" charset="0"/>
               <a:buChar char="•"/>
             </a:pPr>
             <a:r>
-              <a:rPr lang="en-US" sz="1000" kern="1200" dirty="0"/>
+              <a:rPr lang="en-US" sz="1100" kern="1200" dirty="0"/>
               <a:t>Multiscale</a:t>
             </a:r>
           </a:p>
           <a:p>
             <a:pPr marL="72000" lvl="1" indent="-72000" algn="l" defTabSz="311150">
               <a:spcBef>
-                <a:spcPts val="600"/>
+                <a:spcPts val="200"/>
               </a:spcBef>
               <a:buFont typeface="Arial" panose="020B0604020202020204" pitchFamily="34" charset="0"/>
               <a:buChar char="•"/>
             </a:pPr>
             <a:r>
-              <a:rPr lang="en-US" sz="1000" kern="1200" dirty="0"/>
+              <a:rPr lang="en-US" sz="1100" kern="1200" dirty="0"/>
               <a:t>Identify the most important phenomena</a:t>
             </a:r>
+          </a:p>
+          <a:p>
+            <a:pPr marL="72000" lvl="1" indent="-72000" algn="l" defTabSz="311150">
+              <a:spcBef>
+                <a:spcPts val="200"/>
+              </a:spcBef>
+              <a:buFont typeface="Arial" panose="020B0604020202020204" pitchFamily="34" charset="0"/>
+              <a:buChar char="•"/>
+            </a:pPr>
+            <a:r>
+              <a:rPr lang="en-US" sz="1100" dirty="0"/>
+              <a:t>Build set of PDEs we want to solve</a:t>
+            </a:r>
+            <a:endParaRPr lang="en-US" sz="1100" kern="1200" dirty="0"/>
           </a:p>
         </p:txBody>
       </p:sp>
@@ -6000,8 +9634,8 @@
         </p:nvSpPr>
         <p:spPr>
           <a:xfrm>
-            <a:off x="5631377" y="688545"/>
-            <a:ext cx="2007616" cy="1916735"/>
+            <a:off x="5450402" y="726646"/>
+            <a:ext cx="3293548" cy="1628776"/>
           </a:xfrm>
           <a:custGeom>
             <a:avLst/>
@@ -6137,114 +9771,170 @@
           </a:fontRef>
         </p:style>
         <p:txBody>
-          <a:bodyPr spcFirstLastPara="0" vert="horz" wrap="square" lIns="180000" tIns="72000" rIns="72000" bIns="72000" numCol="1" spcCol="1270" anchor="t" anchorCtr="0">
+          <a:bodyPr spcFirstLastPara="0" vert="horz" wrap="square" lIns="180000" tIns="72000" rIns="72000" bIns="72000" numCol="2" spcCol="1270" anchor="t" anchorCtr="0">
             <a:noAutofit/>
           </a:bodyPr>
           <a:lstStyle/>
           <a:p>
             <a:pPr marL="72000" lvl="1" indent="-72000" algn="l" defTabSz="311150">
               <a:spcBef>
-                <a:spcPts val="600"/>
+                <a:spcPts val="200"/>
               </a:spcBef>
               <a:buFont typeface="Arial" panose="020B0604020202020204" pitchFamily="34" charset="0"/>
               <a:buChar char="•"/>
             </a:pPr>
             <a:r>
-              <a:rPr lang="en-US" sz="1000" kern="1200" dirty="0"/>
-              <a:t>Mixed-FEM</a:t>
+              <a:rPr lang="en-US" sz="1100" kern="1200" dirty="0"/>
+              <a:t>Discretization</a:t>
             </a:r>
           </a:p>
           <a:p>
             <a:pPr marL="72000" lvl="1" indent="-72000" algn="l" defTabSz="311150">
               <a:spcBef>
-                <a:spcPts val="600"/>
+                <a:spcPts val="200"/>
               </a:spcBef>
               <a:buFont typeface="Arial" panose="020B0604020202020204" pitchFamily="34" charset="0"/>
               <a:buChar char="•"/>
             </a:pPr>
             <a:r>
-              <a:rPr lang="en-US" sz="1000" kern="1200" dirty="0"/>
-              <a:t>Discretization</a:t>
+              <a:rPr lang="en-US" sz="1100" kern="1200" dirty="0"/>
+              <a:t>Remeshing</a:t>
             </a:r>
           </a:p>
           <a:p>
             <a:pPr marL="72000" lvl="1" indent="-72000" algn="l" defTabSz="311150">
               <a:spcBef>
-                <a:spcPts val="600"/>
+                <a:spcPts val="200"/>
               </a:spcBef>
               <a:buFont typeface="Arial" panose="020B0604020202020204" pitchFamily="34" charset="0"/>
               <a:buChar char="•"/>
             </a:pPr>
             <a:r>
-              <a:rPr lang="en-US" sz="1000" kern="1200" dirty="0"/>
-              <a:t>Remeshing</a:t>
+              <a:rPr lang="en-US" sz="1100" kern="1200" dirty="0"/>
+              <a:t>Molecular</a:t>
             </a:r>
           </a:p>
           <a:p>
             <a:pPr marL="72000" lvl="1" indent="-72000" algn="l" defTabSz="311150">
               <a:spcBef>
-                <a:spcPts val="600"/>
+                <a:spcPts val="200"/>
               </a:spcBef>
               <a:buFont typeface="Arial" panose="020B0604020202020204" pitchFamily="34" charset="0"/>
               <a:buChar char="•"/>
             </a:pPr>
             <a:r>
-              <a:rPr lang="en-US" sz="1000" kern="1200" dirty="0"/>
-              <a:t>Molecular</a:t>
-            </a:r>
+              <a:rPr lang="en-US" sz="1100" dirty="0"/>
+              <a:t>XFEM</a:t>
+            </a:r>
+            <a:endParaRPr lang="en-US" sz="1100" kern="1200" dirty="0"/>
           </a:p>
           <a:p>
             <a:pPr marL="72000" lvl="1" indent="-72000" algn="l" defTabSz="311150">
               <a:spcBef>
-                <a:spcPts val="600"/>
+                <a:spcPts val="200"/>
               </a:spcBef>
               <a:buFont typeface="Arial" panose="020B0604020202020204" pitchFamily="34" charset="0"/>
               <a:buChar char="•"/>
             </a:pPr>
             <a:r>
-              <a:rPr lang="en-US" sz="1000" kern="1200" dirty="0"/>
-              <a:t>Phase field</a:t>
-            </a:r>
+              <a:rPr lang="en-US" sz="1100" dirty="0"/>
+              <a:t>EDFM</a:t>
+            </a:r>
+            <a:endParaRPr lang="en-US" sz="1100" kern="1200" dirty="0"/>
           </a:p>
           <a:p>
             <a:pPr marL="72000" lvl="1" indent="-72000" algn="l" defTabSz="311150">
               <a:spcBef>
-                <a:spcPts val="600"/>
+                <a:spcPts val="200"/>
               </a:spcBef>
               <a:buFont typeface="Arial" panose="020B0604020202020204" pitchFamily="34" charset="0"/>
               <a:buChar char="•"/>
             </a:pPr>
             <a:r>
-              <a:rPr lang="en-US" sz="1000" kern="1200" dirty="0"/>
-              <a:t>Peridynamics</a:t>
+              <a:rPr lang="en-US" sz="1100" kern="1200" dirty="0"/>
+              <a:t>Phase field</a:t>
             </a:r>
           </a:p>
           <a:p>
             <a:pPr marL="72000" lvl="1" indent="-72000" algn="l" defTabSz="311150">
               <a:spcBef>
-                <a:spcPts val="600"/>
+                <a:spcPts val="200"/>
               </a:spcBef>
               <a:buFont typeface="Arial" panose="020B0604020202020204" pitchFamily="34" charset="0"/>
               <a:buChar char="•"/>
             </a:pPr>
             <a:r>
-              <a:rPr lang="en-US" sz="1000" kern="1200" dirty="0"/>
-              <a:t>Cohesive</a:t>
+              <a:rPr lang="en-US" sz="1100" kern="1200" dirty="0"/>
+              <a:t>Peridynamics</a:t>
             </a:r>
           </a:p>
           <a:p>
             <a:pPr marL="72000" lvl="1" indent="-72000" algn="l" defTabSz="311150">
               <a:spcBef>
-                <a:spcPts val="600"/>
+                <a:spcPts val="200"/>
               </a:spcBef>
               <a:buFont typeface="Arial" panose="020B0604020202020204" pitchFamily="34" charset="0"/>
               <a:buChar char="•"/>
             </a:pPr>
             <a:r>
-              <a:rPr lang="en-US" sz="1000" dirty="0"/>
+              <a:rPr lang="en-US" sz="1100" kern="1200" dirty="0"/>
+              <a:t>Cohesive</a:t>
+            </a:r>
+          </a:p>
+          <a:p>
+            <a:pPr marL="72000" lvl="1" indent="-72000" defTabSz="311150">
+              <a:spcBef>
+                <a:spcPts val="200"/>
+              </a:spcBef>
+              <a:buFont typeface="Arial" panose="020B0604020202020204" pitchFamily="34" charset="0"/>
+              <a:buChar char="•"/>
+            </a:pPr>
+            <a:r>
+              <a:rPr lang="en-US" sz="1100" kern="1200" dirty="0"/>
+              <a:t>Mixed-FEM</a:t>
+            </a:r>
+          </a:p>
+          <a:p>
+            <a:pPr marL="72000" lvl="1" indent="-72000" algn="l" defTabSz="311150">
+              <a:spcBef>
+                <a:spcPts val="200"/>
+              </a:spcBef>
+              <a:buFont typeface="Arial" panose="020B0604020202020204" pitchFamily="34" charset="0"/>
+              <a:buChar char="•"/>
+            </a:pPr>
+            <a:r>
+              <a:rPr lang="en-US" sz="1100" dirty="0"/>
               <a:t>Solvers</a:t>
             </a:r>
-            <a:endParaRPr lang="en-US" sz="1000" kern="1200" dirty="0"/>
+            <a:endParaRPr lang="en-US" sz="1100" kern="1200" dirty="0"/>
+          </a:p>
+        </p:txBody>
+      </p:sp>
+      <p:sp>
+        <p:nvSpPr>
+          <p:cNvPr id="3" name="Title 2">
+            <a:extLst>
+              <a:ext uri="{FF2B5EF4-FFF2-40B4-BE49-F238E27FC236}">
+                <a16:creationId xmlns:a16="http://schemas.microsoft.com/office/drawing/2014/main" id="{71CC2E21-A4A0-C712-3448-2AD68FA811D0}"/>
+              </a:ext>
+            </a:extLst>
+          </p:cNvPr>
+          <p:cNvSpPr>
+            <a:spLocks noGrp="1"/>
+          </p:cNvSpPr>
+          <p:nvPr>
+            <p:ph type="title"/>
+          </p:nvPr>
+        </p:nvSpPr>
+        <p:spPr/>
+        <p:txBody>
+          <a:bodyPr/>
+          <a:lstStyle/>
+          <a:p>
+            <a:r>
+              <a:rPr lang="en-US" noProof="0" dirty="0"/>
+              <a:t>DYNAMIC EDFM - WORK-SPLIT</a:t>
+            </a:r>
           </a:p>
         </p:txBody>
       </p:sp>
@@ -6389,7 +10079,7 @@
               </a:pPr>
               <a:r>
                 <a:rPr lang="en-US" sz="1700" kern="1200" dirty="0"/>
-                <a:t>Math</a:t>
+                <a:t>Numerics</a:t>
               </a:r>
             </a:p>
           </p:txBody>
@@ -6908,406 +10598,6 @@
     <p:extLst>
       <p:ext uri="{BB962C8B-B14F-4D97-AF65-F5344CB8AC3E}">
         <p14:creationId xmlns:p14="http://schemas.microsoft.com/office/powerpoint/2010/main" val="2093516047"/>
-      </p:ext>
-    </p:extLst>
-  </p:cSld>
-  <p:clrMapOvr>
-    <a:masterClrMapping/>
-  </p:clrMapOvr>
-</p:sld>
-</file>
-
-<file path=ppt/slides/slide7.xml><?xml version="1.0" encoding="utf-8"?>
-<p:sld xmlns:a="http://schemas.openxmlformats.org/drawingml/2006/main" xmlns:r="http://schemas.openxmlformats.org/officeDocument/2006/relationships" xmlns:p="http://schemas.openxmlformats.org/presentationml/2006/main">
-  <p:cSld>
-    <p:spTree>
-      <p:nvGrpSpPr>
-        <p:cNvPr id="1" name=""/>
-        <p:cNvGrpSpPr/>
-        <p:nvPr/>
-      </p:nvGrpSpPr>
-      <p:grpSpPr>
-        <a:xfrm>
-          <a:off x="0" y="0"/>
-          <a:ext cx="0" cy="0"/>
-          <a:chOff x="0" y="0"/>
-          <a:chExt cx="0" cy="0"/>
-        </a:xfrm>
-      </p:grpSpPr>
-      <p:sp>
-        <p:nvSpPr>
-          <p:cNvPr id="2" name="Text Placeholder 1">
-            <a:extLst>
-              <a:ext uri="{FF2B5EF4-FFF2-40B4-BE49-F238E27FC236}">
-                <a16:creationId xmlns:a16="http://schemas.microsoft.com/office/drawing/2014/main" id="{3E35458F-18A1-7BCA-FEE9-3779556CA5C3}"/>
-              </a:ext>
-            </a:extLst>
-          </p:cNvPr>
-          <p:cNvSpPr>
-            <a:spLocks noGrp="1"/>
-          </p:cNvSpPr>
-          <p:nvPr>
-            <p:ph type="body" sz="quarter" idx="11"/>
-          </p:nvPr>
-        </p:nvSpPr>
-        <p:spPr/>
-        <p:txBody>
-          <a:bodyPr/>
-          <a:lstStyle/>
-          <a:p>
-            <a:r>
-              <a:rPr lang="pt-BR" dirty="0" err="1"/>
-              <a:t>Kazemy</a:t>
-            </a:r>
-            <a:endParaRPr lang="pt-BR" dirty="0"/>
-          </a:p>
-          <a:p>
-            <a:pPr lvl="1"/>
-            <a:r>
-              <a:rPr lang="pt-BR" dirty="0" err="1"/>
-              <a:t>Microcracks</a:t>
-            </a:r>
-            <a:r>
-              <a:rPr lang="pt-BR" dirty="0"/>
-              <a:t> play importante role HF</a:t>
-            </a:r>
-          </a:p>
-          <a:p>
-            <a:r>
-              <a:rPr lang="pt-BR" dirty="0" err="1"/>
-              <a:t>Firoozabadi</a:t>
-            </a:r>
-            <a:endParaRPr lang="pt-BR" dirty="0"/>
-          </a:p>
-          <a:p>
-            <a:pPr lvl="1"/>
-            <a:r>
-              <a:rPr lang="pt-BR" dirty="0"/>
-              <a:t>Surface </a:t>
-            </a:r>
-            <a:r>
-              <a:rPr lang="pt-BR" dirty="0" err="1"/>
-              <a:t>energy</a:t>
-            </a:r>
-            <a:endParaRPr lang="pt-BR" dirty="0"/>
-          </a:p>
-          <a:p>
-            <a:pPr lvl="1"/>
-            <a:r>
-              <a:rPr lang="pt-BR" dirty="0" err="1"/>
-              <a:t>Fracture</a:t>
-            </a:r>
-            <a:r>
-              <a:rPr lang="pt-BR" dirty="0"/>
-              <a:t> </a:t>
-            </a:r>
-            <a:r>
-              <a:rPr lang="pt-BR" dirty="0" err="1"/>
-              <a:t>branching</a:t>
-            </a:r>
-            <a:endParaRPr lang="pt-BR" dirty="0"/>
-          </a:p>
-          <a:p>
-            <a:pPr lvl="1"/>
-            <a:r>
-              <a:rPr lang="pt-BR" dirty="0"/>
-              <a:t>molecular </a:t>
-            </a:r>
-            <a:r>
-              <a:rPr lang="pt-BR" dirty="0" err="1"/>
-              <a:t>simulation</a:t>
-            </a:r>
-            <a:endParaRPr lang="pt-BR" dirty="0"/>
-          </a:p>
-          <a:p>
-            <a:pPr lvl="1"/>
-            <a:r>
-              <a:rPr lang="pt-BR" dirty="0"/>
-              <a:t>The </a:t>
-            </a:r>
-            <a:r>
-              <a:rPr lang="pt-BR" dirty="0" err="1"/>
-              <a:t>difficulty</a:t>
-            </a:r>
-            <a:r>
-              <a:rPr lang="pt-BR" dirty="0"/>
-              <a:t> in </a:t>
-            </a:r>
-            <a:r>
-              <a:rPr lang="pt-BR" dirty="0" err="1"/>
-              <a:t>going</a:t>
-            </a:r>
-            <a:r>
-              <a:rPr lang="pt-BR" dirty="0"/>
-              <a:t> 3D</a:t>
-            </a:r>
-          </a:p>
-          <a:p>
-            <a:r>
-              <a:rPr lang="pt-BR" dirty="0"/>
-              <a:t>Mary Wheeler</a:t>
-            </a:r>
-          </a:p>
-          <a:p>
-            <a:pPr lvl="1"/>
-            <a:r>
-              <a:rPr lang="pt-BR" dirty="0"/>
-              <a:t>IPACS</a:t>
-            </a:r>
-          </a:p>
-          <a:p>
-            <a:pPr lvl="1"/>
-            <a:r>
-              <a:rPr lang="pt-BR" dirty="0" err="1"/>
-              <a:t>Need</a:t>
-            </a:r>
-            <a:r>
-              <a:rPr lang="pt-BR" dirty="0"/>
-              <a:t> for </a:t>
-            </a:r>
-            <a:r>
-              <a:rPr lang="pt-BR" dirty="0" err="1"/>
-              <a:t>better</a:t>
-            </a:r>
-            <a:r>
-              <a:rPr lang="pt-BR" dirty="0"/>
-              <a:t> </a:t>
-            </a:r>
-            <a:r>
-              <a:rPr lang="pt-BR" dirty="0" err="1"/>
-              <a:t>remeshing</a:t>
-            </a:r>
-            <a:endParaRPr lang="pt-BR" dirty="0"/>
-          </a:p>
-          <a:p>
-            <a:pPr lvl="1"/>
-            <a:r>
-              <a:rPr lang="pt-BR" dirty="0" err="1"/>
-              <a:t>Phase-field</a:t>
-            </a:r>
-            <a:r>
-              <a:rPr lang="pt-BR" dirty="0"/>
-              <a:t> </a:t>
-            </a:r>
-            <a:r>
-              <a:rPr lang="pt-BR" dirty="0" err="1"/>
-              <a:t>has</a:t>
-            </a:r>
-            <a:r>
-              <a:rPr lang="pt-BR" dirty="0"/>
-              <a:t> </a:t>
-            </a:r>
-            <a:endParaRPr lang="en-US" dirty="0"/>
-          </a:p>
-        </p:txBody>
-      </p:sp>
-      <p:sp>
-        <p:nvSpPr>
-          <p:cNvPr id="3" name="Title 2">
-            <a:extLst>
-              <a:ext uri="{FF2B5EF4-FFF2-40B4-BE49-F238E27FC236}">
-                <a16:creationId xmlns:a16="http://schemas.microsoft.com/office/drawing/2014/main" id="{218279DD-E230-B388-61E3-E1CA2ADFFCA6}"/>
-              </a:ext>
-            </a:extLst>
-          </p:cNvPr>
-          <p:cNvSpPr>
-            <a:spLocks noGrp="1"/>
-          </p:cNvSpPr>
-          <p:nvPr>
-            <p:ph type="title"/>
-          </p:nvPr>
-        </p:nvSpPr>
-        <p:spPr/>
-        <p:txBody>
-          <a:bodyPr/>
-          <a:lstStyle/>
-          <a:p>
-            <a:r>
-              <a:rPr lang="pt-BR" dirty="0" err="1"/>
-              <a:t>Seminars</a:t>
-            </a:r>
-            <a:endParaRPr lang="en-US" dirty="0"/>
-          </a:p>
-        </p:txBody>
-      </p:sp>
-    </p:spTree>
-    <p:extLst>
-      <p:ext uri="{BB962C8B-B14F-4D97-AF65-F5344CB8AC3E}">
-        <p14:creationId xmlns:p14="http://schemas.microsoft.com/office/powerpoint/2010/main" val="399227802"/>
-      </p:ext>
-    </p:extLst>
-  </p:cSld>
-  <p:clrMapOvr>
-    <a:masterClrMapping/>
-  </p:clrMapOvr>
-</p:sld>
-</file>
-
-<file path=ppt/slides/slide8.xml><?xml version="1.0" encoding="utf-8"?>
-<p:sld xmlns:a="http://schemas.openxmlformats.org/drawingml/2006/main" xmlns:r="http://schemas.openxmlformats.org/officeDocument/2006/relationships" xmlns:p="http://schemas.openxmlformats.org/presentationml/2006/main">
-  <p:cSld>
-    <p:spTree>
-      <p:nvGrpSpPr>
-        <p:cNvPr id="1" name=""/>
-        <p:cNvGrpSpPr/>
-        <p:nvPr/>
-      </p:nvGrpSpPr>
-      <p:grpSpPr>
-        <a:xfrm>
-          <a:off x="0" y="0"/>
-          <a:ext cx="0" cy="0"/>
-          <a:chOff x="0" y="0"/>
-          <a:chExt cx="0" cy="0"/>
-        </a:xfrm>
-      </p:grpSpPr>
-      <p:pic>
-        <p:nvPicPr>
-          <p:cNvPr id="5" name="Picture 4">
-            <a:extLst>
-              <a:ext uri="{FF2B5EF4-FFF2-40B4-BE49-F238E27FC236}">
-                <a16:creationId xmlns:a16="http://schemas.microsoft.com/office/drawing/2014/main" id="{244A6F33-FB37-4EBB-4E02-02AB553CE06B}"/>
-              </a:ext>
-            </a:extLst>
-          </p:cNvPr>
-          <p:cNvPicPr>
-            <a:picLocks noChangeAspect="1"/>
-          </p:cNvPicPr>
-          <p:nvPr/>
-        </p:nvPicPr>
-        <p:blipFill>
-          <a:blip r:embed="rId2"/>
-          <a:stretch>
-            <a:fillRect/>
-          </a:stretch>
-        </p:blipFill>
-        <p:spPr>
-          <a:xfrm>
-            <a:off x="583375" y="438207"/>
-            <a:ext cx="7646225" cy="4267086"/>
-          </a:xfrm>
-          <a:prstGeom prst="rect">
-            <a:avLst/>
-          </a:prstGeom>
-        </p:spPr>
-      </p:pic>
-    </p:spTree>
-    <p:extLst>
-      <p:ext uri="{BB962C8B-B14F-4D97-AF65-F5344CB8AC3E}">
-        <p14:creationId xmlns:p14="http://schemas.microsoft.com/office/powerpoint/2010/main" val="1945650406"/>
-      </p:ext>
-    </p:extLst>
-  </p:cSld>
-  <p:clrMapOvr>
-    <a:masterClrMapping/>
-  </p:clrMapOvr>
-</p:sld>
-</file>
-
-<file path=ppt/slides/slide9.xml><?xml version="1.0" encoding="utf-8"?>
-<p:sld xmlns:a="http://schemas.openxmlformats.org/drawingml/2006/main" xmlns:r="http://schemas.openxmlformats.org/officeDocument/2006/relationships" xmlns:p="http://schemas.openxmlformats.org/presentationml/2006/main">
-  <p:cSld>
-    <p:spTree>
-      <p:nvGrpSpPr>
-        <p:cNvPr id="1" name=""/>
-        <p:cNvGrpSpPr/>
-        <p:nvPr/>
-      </p:nvGrpSpPr>
-      <p:grpSpPr>
-        <a:xfrm>
-          <a:off x="0" y="0"/>
-          <a:ext cx="0" cy="0"/>
-          <a:chOff x="0" y="0"/>
-          <a:chExt cx="0" cy="0"/>
-        </a:xfrm>
-      </p:grpSpPr>
-      <p:pic>
-        <p:nvPicPr>
-          <p:cNvPr id="3" name="Picture 2">
-            <a:extLst>
-              <a:ext uri="{FF2B5EF4-FFF2-40B4-BE49-F238E27FC236}">
-                <a16:creationId xmlns:a16="http://schemas.microsoft.com/office/drawing/2014/main" id="{338C5297-C85D-6CE4-8D8B-F9CEEBAC6E82}"/>
-              </a:ext>
-            </a:extLst>
-          </p:cNvPr>
-          <p:cNvPicPr>
-            <a:picLocks noChangeAspect="1"/>
-          </p:cNvPicPr>
-          <p:nvPr/>
-        </p:nvPicPr>
-        <p:blipFill>
-          <a:blip r:embed="rId2"/>
-          <a:stretch>
-            <a:fillRect/>
-          </a:stretch>
-        </p:blipFill>
-        <p:spPr>
-          <a:xfrm>
-            <a:off x="0" y="1039454"/>
-            <a:ext cx="9144000" cy="3064591"/>
-          </a:xfrm>
-          <a:prstGeom prst="rect">
-            <a:avLst/>
-          </a:prstGeom>
-        </p:spPr>
-      </p:pic>
-      <p:sp>
-        <p:nvSpPr>
-          <p:cNvPr id="5" name="Text Placeholder 4">
-            <a:extLst>
-              <a:ext uri="{FF2B5EF4-FFF2-40B4-BE49-F238E27FC236}">
-                <a16:creationId xmlns:a16="http://schemas.microsoft.com/office/drawing/2014/main" id="{05BD4B8B-DA68-C758-DA86-9F8D2A8AA906}"/>
-              </a:ext>
-            </a:extLst>
-          </p:cNvPr>
-          <p:cNvSpPr>
-            <a:spLocks noGrp="1"/>
-          </p:cNvSpPr>
-          <p:nvPr>
-            <p:ph type="body" sz="quarter" idx="11"/>
-          </p:nvPr>
-        </p:nvSpPr>
-        <p:spPr/>
-        <p:txBody>
-          <a:bodyPr/>
-          <a:lstStyle/>
-          <a:p>
-            <a:endParaRPr lang="en-US"/>
-          </a:p>
-        </p:txBody>
-      </p:sp>
-      <p:sp>
-        <p:nvSpPr>
-          <p:cNvPr id="4" name="Title 3">
-            <a:extLst>
-              <a:ext uri="{FF2B5EF4-FFF2-40B4-BE49-F238E27FC236}">
-                <a16:creationId xmlns:a16="http://schemas.microsoft.com/office/drawing/2014/main" id="{805E7FA0-9BA2-8D3C-2C02-ACA703C06357}"/>
-              </a:ext>
-            </a:extLst>
-          </p:cNvPr>
-          <p:cNvSpPr>
-            <a:spLocks noGrp="1"/>
-          </p:cNvSpPr>
-          <p:nvPr>
-            <p:ph type="title"/>
-          </p:nvPr>
-        </p:nvSpPr>
-        <p:spPr/>
-        <p:txBody>
-          <a:bodyPr/>
-          <a:lstStyle/>
-          <a:p>
-            <a:r>
-              <a:rPr lang="pt-BR" dirty="0"/>
-              <a:t>IPACS</a:t>
-            </a:r>
-            <a:endParaRPr lang="en-US" dirty="0"/>
-          </a:p>
-        </p:txBody>
-      </p:sp>
-    </p:spTree>
-    <p:extLst>
-      <p:ext uri="{BB962C8B-B14F-4D97-AF65-F5344CB8AC3E}">
-        <p14:creationId xmlns:p14="http://schemas.microsoft.com/office/powerpoint/2010/main" val="3113531919"/>
       </p:ext>
     </p:extLst>
   </p:cSld>
